--- a/Autosar.pptx
+++ b/Autosar.pptx
@@ -2,13 +2,16 @@
 <file path=ppt/presentation.xml><?xml version="1.0" encoding="utf-8"?>
 <p:presentation xmlns:a="http://schemas.openxmlformats.org/drawingml/2006/main" xmlns:r="http://schemas.openxmlformats.org/officeDocument/2006/relationships" xmlns:p="http://schemas.openxmlformats.org/presentationml/2006/main" saveSubsetFonts="1">
   <p:sldMasterIdLst>
-    <p:sldMasterId id="2147483648" r:id="rId1"/>
+    <p:sldMasterId id="2147483660" r:id="rId1"/>
   </p:sldMasterIdLst>
   <p:sldIdLst>
     <p:sldId id="256" r:id="rId2"/>
     <p:sldId id="258" r:id="rId3"/>
-    <p:sldId id="257" r:id="rId4"/>
-    <p:sldId id="259" r:id="rId5"/>
+    <p:sldId id="262" r:id="rId4"/>
+    <p:sldId id="257" r:id="rId5"/>
+    <p:sldId id="259" r:id="rId6"/>
+    <p:sldId id="260" r:id="rId7"/>
+    <p:sldId id="261" r:id="rId8"/>
   </p:sldIdLst>
   <p:sldSz cx="12192000" cy="6858000"/>
   <p:notesSz cx="6858000" cy="9144000"/>
@@ -16,7 +19,7 @@
     <a:defPPr>
       <a:defRPr lang="en-US"/>
     </a:defPPr>
-    <a:lvl1pPr marL="0" algn="l" defTabSz="914400" rtl="0" eaLnBrk="1" latinLnBrk="0" hangingPunct="1">
+    <a:lvl1pPr marL="0" algn="l" defTabSz="457200" rtl="0" eaLnBrk="1" latinLnBrk="0" hangingPunct="1">
       <a:defRPr sz="1800" kern="1200">
         <a:solidFill>
           <a:schemeClr val="tx1"/>
@@ -26,7 +29,7 @@
         <a:cs typeface="+mn-cs"/>
       </a:defRPr>
     </a:lvl1pPr>
-    <a:lvl2pPr marL="457200" algn="l" defTabSz="914400" rtl="0" eaLnBrk="1" latinLnBrk="0" hangingPunct="1">
+    <a:lvl2pPr marL="457200" algn="l" defTabSz="457200" rtl="0" eaLnBrk="1" latinLnBrk="0" hangingPunct="1">
       <a:defRPr sz="1800" kern="1200">
         <a:solidFill>
           <a:schemeClr val="tx1"/>
@@ -36,7 +39,7 @@
         <a:cs typeface="+mn-cs"/>
       </a:defRPr>
     </a:lvl2pPr>
-    <a:lvl3pPr marL="914400" algn="l" defTabSz="914400" rtl="0" eaLnBrk="1" latinLnBrk="0" hangingPunct="1">
+    <a:lvl3pPr marL="914400" algn="l" defTabSz="457200" rtl="0" eaLnBrk="1" latinLnBrk="0" hangingPunct="1">
       <a:defRPr sz="1800" kern="1200">
         <a:solidFill>
           <a:schemeClr val="tx1"/>
@@ -46,7 +49,7 @@
         <a:cs typeface="+mn-cs"/>
       </a:defRPr>
     </a:lvl3pPr>
-    <a:lvl4pPr marL="1371600" algn="l" defTabSz="914400" rtl="0" eaLnBrk="1" latinLnBrk="0" hangingPunct="1">
+    <a:lvl4pPr marL="1371600" algn="l" defTabSz="457200" rtl="0" eaLnBrk="1" latinLnBrk="0" hangingPunct="1">
       <a:defRPr sz="1800" kern="1200">
         <a:solidFill>
           <a:schemeClr val="tx1"/>
@@ -56,7 +59,7 @@
         <a:cs typeface="+mn-cs"/>
       </a:defRPr>
     </a:lvl4pPr>
-    <a:lvl5pPr marL="1828800" algn="l" defTabSz="914400" rtl="0" eaLnBrk="1" latinLnBrk="0" hangingPunct="1">
+    <a:lvl5pPr marL="1828800" algn="l" defTabSz="457200" rtl="0" eaLnBrk="1" latinLnBrk="0" hangingPunct="1">
       <a:defRPr sz="1800" kern="1200">
         <a:solidFill>
           <a:schemeClr val="tx1"/>
@@ -66,7 +69,7 @@
         <a:cs typeface="+mn-cs"/>
       </a:defRPr>
     </a:lvl5pPr>
-    <a:lvl6pPr marL="2286000" algn="l" defTabSz="914400" rtl="0" eaLnBrk="1" latinLnBrk="0" hangingPunct="1">
+    <a:lvl6pPr marL="2286000" algn="l" defTabSz="457200" rtl="0" eaLnBrk="1" latinLnBrk="0" hangingPunct="1">
       <a:defRPr sz="1800" kern="1200">
         <a:solidFill>
           <a:schemeClr val="tx1"/>
@@ -76,7 +79,7 @@
         <a:cs typeface="+mn-cs"/>
       </a:defRPr>
     </a:lvl6pPr>
-    <a:lvl7pPr marL="2743200" algn="l" defTabSz="914400" rtl="0" eaLnBrk="1" latinLnBrk="0" hangingPunct="1">
+    <a:lvl7pPr marL="2743200" algn="l" defTabSz="457200" rtl="0" eaLnBrk="1" latinLnBrk="0" hangingPunct="1">
       <a:defRPr sz="1800" kern="1200">
         <a:solidFill>
           <a:schemeClr val="tx1"/>
@@ -86,7 +89,7 @@
         <a:cs typeface="+mn-cs"/>
       </a:defRPr>
     </a:lvl7pPr>
-    <a:lvl8pPr marL="3200400" algn="l" defTabSz="914400" rtl="0" eaLnBrk="1" latinLnBrk="0" hangingPunct="1">
+    <a:lvl8pPr marL="3200400" algn="l" defTabSz="457200" rtl="0" eaLnBrk="1" latinLnBrk="0" hangingPunct="1">
       <a:defRPr sz="1800" kern="1200">
         <a:solidFill>
           <a:schemeClr val="tx1"/>
@@ -96,7 +99,7 @@
         <a:cs typeface="+mn-cs"/>
       </a:defRPr>
     </a:lvl8pPr>
-    <a:lvl9pPr marL="3657600" algn="l" defTabSz="914400" rtl="0" eaLnBrk="1" latinLnBrk="0" hangingPunct="1">
+    <a:lvl9pPr marL="3657600" algn="l" defTabSz="457200" rtl="0" eaLnBrk="1" latinLnBrk="0" hangingPunct="1">
       <a:defRPr sz="1800" kern="1200">
         <a:solidFill>
           <a:schemeClr val="tx1"/>
@@ -111,7 +114,7 @@
 </file>
 
 <file path=ppt/slideLayouts/slideLayout1.xml><?xml version="1.0" encoding="utf-8"?>
-<p:sldLayout xmlns:a="http://schemas.openxmlformats.org/drawingml/2006/main" xmlns:r="http://schemas.openxmlformats.org/officeDocument/2006/relationships" xmlns:p="http://schemas.openxmlformats.org/presentationml/2006/main" type="title" preserve="1">
+<p:sldLayout xmlns:a="http://schemas.openxmlformats.org/drawingml/2006/main" xmlns:r="http://schemas.openxmlformats.org/officeDocument/2006/relationships" xmlns:p="http://schemas.openxmlformats.org/presentationml/2006/main" showMasterSp="0" type="title" preserve="1">
   <p:cSld name="Title Slide">
     <p:spTree>
       <p:nvGrpSpPr>
@@ -127,15 +130,539 @@
           <a:chExt cx="0" cy="0"/>
         </a:xfrm>
       </p:grpSpPr>
-      <p:sp>
-        <p:nvSpPr>
-          <p:cNvPr id="2" name="Title 1">
-            <a:extLst>
-              <a:ext uri="{FF2B5EF4-FFF2-40B4-BE49-F238E27FC236}">
-                <a16:creationId xmlns:a16="http://schemas.microsoft.com/office/drawing/2014/main" id="{A750D0CA-F629-60DE-D85A-5046C2A30CE1}"/>
-              </a:ext>
-            </a:extLst>
-          </p:cNvPr>
+      <p:grpSp>
+        <p:nvGrpSpPr>
+          <p:cNvPr id="7" name="Group 6"/>
+          <p:cNvGrpSpPr/>
+          <p:nvPr/>
+        </p:nvGrpSpPr>
+        <p:grpSpPr>
+          <a:xfrm>
+            <a:off x="0" y="-8467"/>
+            <a:ext cx="12192000" cy="6866467"/>
+            <a:chOff x="0" y="-8467"/>
+            <a:chExt cx="12192000" cy="6866467"/>
+          </a:xfrm>
+        </p:grpSpPr>
+        <p:cxnSp>
+          <p:nvCxnSpPr>
+            <p:cNvPr id="32" name="Straight Connector 31"/>
+            <p:cNvCxnSpPr/>
+            <p:nvPr/>
+          </p:nvCxnSpPr>
+          <p:spPr>
+            <a:xfrm>
+              <a:off x="9371012" y="0"/>
+              <a:ext cx="1219200" cy="6858000"/>
+            </a:xfrm>
+            <a:prstGeom prst="line">
+              <a:avLst/>
+            </a:prstGeom>
+            <a:ln w="9525">
+              <a:solidFill>
+                <a:schemeClr val="bg1">
+                  <a:lumMod val="75000"/>
+                </a:schemeClr>
+              </a:solidFill>
+            </a:ln>
+          </p:spPr>
+          <p:style>
+            <a:lnRef idx="2">
+              <a:schemeClr val="accent1"/>
+            </a:lnRef>
+            <a:fillRef idx="0">
+              <a:schemeClr val="accent1"/>
+            </a:fillRef>
+            <a:effectRef idx="1">
+              <a:schemeClr val="accent1"/>
+            </a:effectRef>
+            <a:fontRef idx="minor">
+              <a:schemeClr val="tx1"/>
+            </a:fontRef>
+          </p:style>
+        </p:cxnSp>
+        <p:cxnSp>
+          <p:nvCxnSpPr>
+            <p:cNvPr id="21" name="Straight Connector 20"/>
+            <p:cNvCxnSpPr/>
+            <p:nvPr/>
+          </p:nvCxnSpPr>
+          <p:spPr>
+            <a:xfrm flipH="1">
+              <a:off x="7425267" y="3681413"/>
+              <a:ext cx="4763558" cy="3176587"/>
+            </a:xfrm>
+            <a:prstGeom prst="line">
+              <a:avLst/>
+            </a:prstGeom>
+            <a:ln w="9525">
+              <a:solidFill>
+                <a:schemeClr val="bg1">
+                  <a:lumMod val="85000"/>
+                </a:schemeClr>
+              </a:solidFill>
+            </a:ln>
+          </p:spPr>
+          <p:style>
+            <a:lnRef idx="2">
+              <a:schemeClr val="accent1"/>
+            </a:lnRef>
+            <a:fillRef idx="0">
+              <a:schemeClr val="accent1"/>
+            </a:fillRef>
+            <a:effectRef idx="1">
+              <a:schemeClr val="accent1"/>
+            </a:effectRef>
+            <a:fontRef idx="minor">
+              <a:schemeClr val="tx1"/>
+            </a:fontRef>
+          </p:style>
+        </p:cxnSp>
+        <p:sp>
+          <p:nvSpPr>
+            <p:cNvPr id="24" name="Rectangle 23"/>
+            <p:cNvSpPr/>
+            <p:nvPr/>
+          </p:nvSpPr>
+          <p:spPr>
+            <a:xfrm>
+              <a:off x="9181476" y="-8467"/>
+              <a:ext cx="3007349" cy="6866467"/>
+            </a:xfrm>
+            <a:custGeom>
+              <a:avLst/>
+              <a:gdLst/>
+              <a:ahLst/>
+              <a:cxnLst/>
+              <a:rect l="l" t="t" r="r" b="b"/>
+              <a:pathLst>
+                <a:path w="3007349" h="6866467">
+                  <a:moveTo>
+                    <a:pt x="2045532" y="0"/>
+                  </a:moveTo>
+                  <a:lnTo>
+                    <a:pt x="3007349" y="0"/>
+                  </a:lnTo>
+                  <a:lnTo>
+                    <a:pt x="3007349" y="6866467"/>
+                  </a:lnTo>
+                  <a:lnTo>
+                    <a:pt x="0" y="6866467"/>
+                  </a:lnTo>
+                  <a:lnTo>
+                    <a:pt x="2045532" y="0"/>
+                  </a:lnTo>
+                  <a:close/>
+                </a:path>
+              </a:pathLst>
+            </a:custGeom>
+            <a:solidFill>
+              <a:schemeClr val="accent1">
+                <a:alpha val="30000"/>
+              </a:schemeClr>
+            </a:solidFill>
+            <a:ln>
+              <a:noFill/>
+            </a:ln>
+            <a:effectLst/>
+          </p:spPr>
+          <p:style>
+            <a:lnRef idx="1">
+              <a:schemeClr val="accent1"/>
+            </a:lnRef>
+            <a:fillRef idx="3">
+              <a:schemeClr val="accent1"/>
+            </a:fillRef>
+            <a:effectRef idx="2">
+              <a:schemeClr val="accent1"/>
+            </a:effectRef>
+            <a:fontRef idx="minor">
+              <a:schemeClr val="lt1"/>
+            </a:fontRef>
+          </p:style>
+        </p:sp>
+        <p:sp>
+          <p:nvSpPr>
+            <p:cNvPr id="26" name="Rectangle 25"/>
+            <p:cNvSpPr/>
+            <p:nvPr/>
+          </p:nvSpPr>
+          <p:spPr>
+            <a:xfrm>
+              <a:off x="9603442" y="-8467"/>
+              <a:ext cx="2588558" cy="6866467"/>
+            </a:xfrm>
+            <a:custGeom>
+              <a:avLst/>
+              <a:gdLst/>
+              <a:ahLst/>
+              <a:cxnLst/>
+              <a:rect l="l" t="t" r="r" b="b"/>
+              <a:pathLst>
+                <a:path w="2573311" h="6866467">
+                  <a:moveTo>
+                    <a:pt x="0" y="0"/>
+                  </a:moveTo>
+                  <a:lnTo>
+                    <a:pt x="2573311" y="0"/>
+                  </a:lnTo>
+                  <a:lnTo>
+                    <a:pt x="2573311" y="6866467"/>
+                  </a:lnTo>
+                  <a:lnTo>
+                    <a:pt x="1202336" y="6866467"/>
+                  </a:lnTo>
+                  <a:lnTo>
+                    <a:pt x="0" y="0"/>
+                  </a:lnTo>
+                  <a:close/>
+                </a:path>
+              </a:pathLst>
+            </a:custGeom>
+            <a:solidFill>
+              <a:schemeClr val="accent1">
+                <a:alpha val="20000"/>
+              </a:schemeClr>
+            </a:solidFill>
+            <a:ln>
+              <a:noFill/>
+            </a:ln>
+            <a:effectLst/>
+          </p:spPr>
+          <p:style>
+            <a:lnRef idx="1">
+              <a:schemeClr val="accent1"/>
+            </a:lnRef>
+            <a:fillRef idx="3">
+              <a:schemeClr val="accent1"/>
+            </a:fillRef>
+            <a:effectRef idx="2">
+              <a:schemeClr val="accent1"/>
+            </a:effectRef>
+            <a:fontRef idx="minor">
+              <a:schemeClr val="lt1"/>
+            </a:fontRef>
+          </p:style>
+        </p:sp>
+        <p:sp>
+          <p:nvSpPr>
+            <p:cNvPr id="27" name="Isosceles Triangle 26"/>
+            <p:cNvSpPr/>
+            <p:nvPr/>
+          </p:nvSpPr>
+          <p:spPr>
+            <a:xfrm>
+              <a:off x="8932333" y="3048000"/>
+              <a:ext cx="3259667" cy="3810000"/>
+            </a:xfrm>
+            <a:prstGeom prst="triangle">
+              <a:avLst>
+                <a:gd name="adj" fmla="val 100000"/>
+              </a:avLst>
+            </a:prstGeom>
+            <a:solidFill>
+              <a:schemeClr val="accent2">
+                <a:alpha val="72000"/>
+              </a:schemeClr>
+            </a:solidFill>
+            <a:ln>
+              <a:noFill/>
+            </a:ln>
+            <a:effectLst/>
+          </p:spPr>
+          <p:style>
+            <a:lnRef idx="1">
+              <a:schemeClr val="accent1"/>
+            </a:lnRef>
+            <a:fillRef idx="3">
+              <a:schemeClr val="accent1"/>
+            </a:fillRef>
+            <a:effectRef idx="2">
+              <a:schemeClr val="accent1"/>
+            </a:effectRef>
+            <a:fontRef idx="minor">
+              <a:schemeClr val="lt1"/>
+            </a:fontRef>
+          </p:style>
+        </p:sp>
+        <p:sp>
+          <p:nvSpPr>
+            <p:cNvPr id="28" name="Rectangle 27"/>
+            <p:cNvSpPr/>
+            <p:nvPr/>
+          </p:nvSpPr>
+          <p:spPr>
+            <a:xfrm>
+              <a:off x="9334500" y="-8467"/>
+              <a:ext cx="2854326" cy="6866467"/>
+            </a:xfrm>
+            <a:custGeom>
+              <a:avLst/>
+              <a:gdLst/>
+              <a:ahLst/>
+              <a:cxnLst/>
+              <a:rect l="l" t="t" r="r" b="b"/>
+              <a:pathLst>
+                <a:path w="2858013" h="6866467">
+                  <a:moveTo>
+                    <a:pt x="0" y="0"/>
+                  </a:moveTo>
+                  <a:lnTo>
+                    <a:pt x="2858013" y="0"/>
+                  </a:lnTo>
+                  <a:lnTo>
+                    <a:pt x="2858013" y="6866467"/>
+                  </a:lnTo>
+                  <a:lnTo>
+                    <a:pt x="2473942" y="6866467"/>
+                  </a:lnTo>
+                  <a:lnTo>
+                    <a:pt x="0" y="0"/>
+                  </a:lnTo>
+                  <a:close/>
+                </a:path>
+              </a:pathLst>
+            </a:custGeom>
+            <a:solidFill>
+              <a:schemeClr val="accent2">
+                <a:lumMod val="75000"/>
+                <a:alpha val="70000"/>
+              </a:schemeClr>
+            </a:solidFill>
+            <a:ln>
+              <a:noFill/>
+            </a:ln>
+            <a:effectLst/>
+          </p:spPr>
+          <p:style>
+            <a:lnRef idx="1">
+              <a:schemeClr val="accent1"/>
+            </a:lnRef>
+            <a:fillRef idx="3">
+              <a:schemeClr val="accent1"/>
+            </a:fillRef>
+            <a:effectRef idx="2">
+              <a:schemeClr val="accent1"/>
+            </a:effectRef>
+            <a:fontRef idx="minor">
+              <a:schemeClr val="lt1"/>
+            </a:fontRef>
+          </p:style>
+        </p:sp>
+        <p:sp>
+          <p:nvSpPr>
+            <p:cNvPr id="29" name="Rectangle 28"/>
+            <p:cNvSpPr/>
+            <p:nvPr/>
+          </p:nvSpPr>
+          <p:spPr>
+            <a:xfrm>
+              <a:off x="10898730" y="-8467"/>
+              <a:ext cx="1290094" cy="6866467"/>
+            </a:xfrm>
+            <a:custGeom>
+              <a:avLst/>
+              <a:gdLst/>
+              <a:ahLst/>
+              <a:cxnLst/>
+              <a:rect l="l" t="t" r="r" b="b"/>
+              <a:pathLst>
+                <a:path w="1290094" h="6858000">
+                  <a:moveTo>
+                    <a:pt x="1019735" y="0"/>
+                  </a:moveTo>
+                  <a:lnTo>
+                    <a:pt x="1290094" y="0"/>
+                  </a:lnTo>
+                  <a:lnTo>
+                    <a:pt x="1290094" y="6858000"/>
+                  </a:lnTo>
+                  <a:lnTo>
+                    <a:pt x="0" y="6858000"/>
+                  </a:lnTo>
+                  <a:lnTo>
+                    <a:pt x="1019735" y="0"/>
+                  </a:lnTo>
+                  <a:close/>
+                </a:path>
+              </a:pathLst>
+            </a:custGeom>
+            <a:solidFill>
+              <a:schemeClr val="accent1">
+                <a:lumMod val="60000"/>
+                <a:lumOff val="40000"/>
+                <a:alpha val="70000"/>
+              </a:schemeClr>
+            </a:solidFill>
+            <a:ln>
+              <a:noFill/>
+            </a:ln>
+            <a:effectLst/>
+          </p:spPr>
+          <p:style>
+            <a:lnRef idx="1">
+              <a:schemeClr val="accent1"/>
+            </a:lnRef>
+            <a:fillRef idx="3">
+              <a:schemeClr val="accent1"/>
+            </a:fillRef>
+            <a:effectRef idx="2">
+              <a:schemeClr val="accent1"/>
+            </a:effectRef>
+            <a:fontRef idx="minor">
+              <a:schemeClr val="lt1"/>
+            </a:fontRef>
+          </p:style>
+        </p:sp>
+        <p:sp>
+          <p:nvSpPr>
+            <p:cNvPr id="30" name="Rectangle 29"/>
+            <p:cNvSpPr/>
+            <p:nvPr/>
+          </p:nvSpPr>
+          <p:spPr>
+            <a:xfrm>
+              <a:off x="10938999" y="-8467"/>
+              <a:ext cx="1249825" cy="6866467"/>
+            </a:xfrm>
+            <a:custGeom>
+              <a:avLst/>
+              <a:gdLst/>
+              <a:ahLst/>
+              <a:cxnLst/>
+              <a:rect l="l" t="t" r="r" b="b"/>
+              <a:pathLst>
+                <a:path w="1249825" h="6858000">
+                  <a:moveTo>
+                    <a:pt x="0" y="0"/>
+                  </a:moveTo>
+                  <a:lnTo>
+                    <a:pt x="1249825" y="0"/>
+                  </a:lnTo>
+                  <a:lnTo>
+                    <a:pt x="1249825" y="6858000"/>
+                  </a:lnTo>
+                  <a:lnTo>
+                    <a:pt x="1109382" y="6858000"/>
+                  </a:lnTo>
+                  <a:lnTo>
+                    <a:pt x="0" y="0"/>
+                  </a:lnTo>
+                  <a:close/>
+                </a:path>
+              </a:pathLst>
+            </a:custGeom>
+            <a:solidFill>
+              <a:schemeClr val="accent1">
+                <a:alpha val="65000"/>
+              </a:schemeClr>
+            </a:solidFill>
+            <a:ln>
+              <a:noFill/>
+            </a:ln>
+            <a:effectLst/>
+          </p:spPr>
+          <p:style>
+            <a:lnRef idx="1">
+              <a:schemeClr val="accent1"/>
+            </a:lnRef>
+            <a:fillRef idx="3">
+              <a:schemeClr val="accent1"/>
+            </a:fillRef>
+            <a:effectRef idx="2">
+              <a:schemeClr val="accent1"/>
+            </a:effectRef>
+            <a:fontRef idx="minor">
+              <a:schemeClr val="lt1"/>
+            </a:fontRef>
+          </p:style>
+        </p:sp>
+        <p:sp>
+          <p:nvSpPr>
+            <p:cNvPr id="31" name="Isosceles Triangle 30"/>
+            <p:cNvSpPr/>
+            <p:nvPr/>
+          </p:nvSpPr>
+          <p:spPr>
+            <a:xfrm>
+              <a:off x="10371666" y="3589867"/>
+              <a:ext cx="1817159" cy="3268133"/>
+            </a:xfrm>
+            <a:prstGeom prst="triangle">
+              <a:avLst>
+                <a:gd name="adj" fmla="val 100000"/>
+              </a:avLst>
+            </a:prstGeom>
+            <a:solidFill>
+              <a:schemeClr val="accent1">
+                <a:alpha val="80000"/>
+              </a:schemeClr>
+            </a:solidFill>
+            <a:ln>
+              <a:noFill/>
+            </a:ln>
+            <a:effectLst/>
+          </p:spPr>
+          <p:style>
+            <a:lnRef idx="1">
+              <a:schemeClr val="accent1"/>
+            </a:lnRef>
+            <a:fillRef idx="3">
+              <a:schemeClr val="accent1"/>
+            </a:fillRef>
+            <a:effectRef idx="2">
+              <a:schemeClr val="accent1"/>
+            </a:effectRef>
+            <a:fontRef idx="minor">
+              <a:schemeClr val="lt1"/>
+            </a:fontRef>
+          </p:style>
+        </p:sp>
+        <p:sp>
+          <p:nvSpPr>
+            <p:cNvPr id="19" name="Isosceles Triangle 18"/>
+            <p:cNvSpPr/>
+            <p:nvPr/>
+          </p:nvSpPr>
+          <p:spPr>
+            <a:xfrm rot="10800000">
+              <a:off x="0" y="0"/>
+              <a:ext cx="842596" cy="5666154"/>
+            </a:xfrm>
+            <a:prstGeom prst="triangle">
+              <a:avLst>
+                <a:gd name="adj" fmla="val 100000"/>
+              </a:avLst>
+            </a:prstGeom>
+            <a:solidFill>
+              <a:schemeClr val="accent1">
+                <a:alpha val="85000"/>
+              </a:schemeClr>
+            </a:solidFill>
+            <a:ln>
+              <a:noFill/>
+            </a:ln>
+            <a:effectLst/>
+          </p:spPr>
+          <p:style>
+            <a:lnRef idx="1">
+              <a:schemeClr val="accent1"/>
+            </a:lnRef>
+            <a:fillRef idx="3">
+              <a:schemeClr val="accent1"/>
+            </a:fillRef>
+            <a:effectRef idx="2">
+              <a:schemeClr val="accent1"/>
+            </a:effectRef>
+            <a:fontRef idx="minor">
+              <a:schemeClr val="lt1"/>
+            </a:fontRef>
+          </p:style>
+        </p:sp>
+      </p:grpSp>
+      <p:sp>
+        <p:nvSpPr>
+          <p:cNvPr id="2" name="Title 1"/>
           <p:cNvSpPr>
             <a:spLocks noGrp="1"/>
           </p:cNvSpPr>
@@ -145,15 +672,21 @@
         </p:nvSpPr>
         <p:spPr>
           <a:xfrm>
-            <a:off x="1524000" y="1122363"/>
-            <a:ext cx="9144000" cy="2387600"/>
+            <a:off x="1507067" y="2404534"/>
+            <a:ext cx="7766936" cy="1646302"/>
           </a:xfrm>
         </p:spPr>
         <p:txBody>
-          <a:bodyPr anchor="b"/>
+          <a:bodyPr anchor="b">
+            <a:noAutofit/>
+          </a:bodyPr>
           <a:lstStyle>
-            <a:lvl1pPr algn="ctr">
-              <a:defRPr sz="6000"/>
+            <a:lvl1pPr algn="r">
+              <a:defRPr sz="5400">
+                <a:solidFill>
+                  <a:schemeClr val="accent1"/>
+                </a:solidFill>
+              </a:defRPr>
             </a:lvl1pPr>
           </a:lstStyle>
           <a:p>
@@ -161,18 +694,13 @@
               <a:rPr lang="en-US"/>
               <a:t>Click to edit Master title style</a:t>
             </a:r>
-          </a:p>
-        </p:txBody>
-      </p:sp>
-      <p:sp>
-        <p:nvSpPr>
-          <p:cNvPr id="3" name="Subtitle 2">
-            <a:extLst>
-              <a:ext uri="{FF2B5EF4-FFF2-40B4-BE49-F238E27FC236}">
-                <a16:creationId xmlns:a16="http://schemas.microsoft.com/office/drawing/2014/main" id="{AF94390F-83A8-D0E3-6FC8-EE736893F689}"/>
-              </a:ext>
-            </a:extLst>
-          </p:cNvPr>
+            <a:endParaRPr lang="en-US" dirty="0"/>
+          </a:p>
+        </p:txBody>
+      </p:sp>
+      <p:sp>
+        <p:nvSpPr>
+          <p:cNvPr id="3" name="Subtitle 2"/>
           <p:cNvSpPr>
             <a:spLocks noGrp="1"/>
           </p:cNvSpPr>
@@ -182,48 +710,103 @@
         </p:nvSpPr>
         <p:spPr>
           <a:xfrm>
-            <a:off x="1524000" y="3602038"/>
-            <a:ext cx="9144000" cy="1655762"/>
+            <a:off x="1507067" y="4050833"/>
+            <a:ext cx="7766936" cy="1096899"/>
           </a:xfrm>
         </p:spPr>
         <p:txBody>
-          <a:bodyPr/>
+          <a:bodyPr anchor="t"/>
           <a:lstStyle>
-            <a:lvl1pPr marL="0" indent="0" algn="ctr">
-              <a:buNone/>
-              <a:defRPr sz="2400"/>
+            <a:lvl1pPr marL="0" indent="0" algn="r">
+              <a:buNone/>
+              <a:defRPr>
+                <a:solidFill>
+                  <a:schemeClr val="tx1">
+                    <a:lumMod val="50000"/>
+                    <a:lumOff val="50000"/>
+                  </a:schemeClr>
+                </a:solidFill>
+              </a:defRPr>
             </a:lvl1pPr>
             <a:lvl2pPr marL="457200" indent="0" algn="ctr">
               <a:buNone/>
-              <a:defRPr sz="2000"/>
+              <a:defRPr>
+                <a:solidFill>
+                  <a:schemeClr val="tx1">
+                    <a:tint val="75000"/>
+                  </a:schemeClr>
+                </a:solidFill>
+              </a:defRPr>
             </a:lvl2pPr>
             <a:lvl3pPr marL="914400" indent="0" algn="ctr">
               <a:buNone/>
-              <a:defRPr sz="1800"/>
+              <a:defRPr>
+                <a:solidFill>
+                  <a:schemeClr val="tx1">
+                    <a:tint val="75000"/>
+                  </a:schemeClr>
+                </a:solidFill>
+              </a:defRPr>
             </a:lvl3pPr>
             <a:lvl4pPr marL="1371600" indent="0" algn="ctr">
               <a:buNone/>
-              <a:defRPr sz="1600"/>
+              <a:defRPr>
+                <a:solidFill>
+                  <a:schemeClr val="tx1">
+                    <a:tint val="75000"/>
+                  </a:schemeClr>
+                </a:solidFill>
+              </a:defRPr>
             </a:lvl4pPr>
             <a:lvl5pPr marL="1828800" indent="0" algn="ctr">
               <a:buNone/>
-              <a:defRPr sz="1600"/>
+              <a:defRPr>
+                <a:solidFill>
+                  <a:schemeClr val="tx1">
+                    <a:tint val="75000"/>
+                  </a:schemeClr>
+                </a:solidFill>
+              </a:defRPr>
             </a:lvl5pPr>
             <a:lvl6pPr marL="2286000" indent="0" algn="ctr">
               <a:buNone/>
-              <a:defRPr sz="1600"/>
+              <a:defRPr>
+                <a:solidFill>
+                  <a:schemeClr val="tx1">
+                    <a:tint val="75000"/>
+                  </a:schemeClr>
+                </a:solidFill>
+              </a:defRPr>
             </a:lvl6pPr>
             <a:lvl7pPr marL="2743200" indent="0" algn="ctr">
               <a:buNone/>
-              <a:defRPr sz="1600"/>
+              <a:defRPr>
+                <a:solidFill>
+                  <a:schemeClr val="tx1">
+                    <a:tint val="75000"/>
+                  </a:schemeClr>
+                </a:solidFill>
+              </a:defRPr>
             </a:lvl7pPr>
             <a:lvl8pPr marL="3200400" indent="0" algn="ctr">
               <a:buNone/>
-              <a:defRPr sz="1600"/>
+              <a:defRPr>
+                <a:solidFill>
+                  <a:schemeClr val="tx1">
+                    <a:tint val="75000"/>
+                  </a:schemeClr>
+                </a:solidFill>
+              </a:defRPr>
             </a:lvl8pPr>
             <a:lvl9pPr marL="3657600" indent="0" algn="ctr">
               <a:buNone/>
-              <a:defRPr sz="1600"/>
+              <a:defRPr>
+                <a:solidFill>
+                  <a:schemeClr val="tx1">
+                    <a:tint val="75000"/>
+                  </a:schemeClr>
+                </a:solidFill>
+              </a:defRPr>
             </a:lvl9pPr>
           </a:lstStyle>
           <a:p>
@@ -231,18 +814,13 @@
               <a:rPr lang="en-US"/>
               <a:t>Click to edit Master subtitle style</a:t>
             </a:r>
-          </a:p>
-        </p:txBody>
-      </p:sp>
-      <p:sp>
-        <p:nvSpPr>
-          <p:cNvPr id="4" name="Date Placeholder 3">
-            <a:extLst>
-              <a:ext uri="{FF2B5EF4-FFF2-40B4-BE49-F238E27FC236}">
-                <a16:creationId xmlns:a16="http://schemas.microsoft.com/office/drawing/2014/main" id="{4B6045BA-BFFC-533F-F7D7-6A3DA1F6CAF1}"/>
-              </a:ext>
-            </a:extLst>
-          </p:cNvPr>
+            <a:endParaRPr lang="en-US" dirty="0"/>
+          </a:p>
+        </p:txBody>
+      </p:sp>
+      <p:sp>
+        <p:nvSpPr>
+          <p:cNvPr id="4" name="Date Placeholder 3"/>
           <p:cNvSpPr>
             <a:spLocks noGrp="1"/>
           </p:cNvSpPr>
@@ -265,13 +843,7 @@
       </p:sp>
       <p:sp>
         <p:nvSpPr>
-          <p:cNvPr id="5" name="Footer Placeholder 4">
-            <a:extLst>
-              <a:ext uri="{FF2B5EF4-FFF2-40B4-BE49-F238E27FC236}">
-                <a16:creationId xmlns:a16="http://schemas.microsoft.com/office/drawing/2014/main" id="{E4A0C037-01A5-444E-419F-F7F99C286F56}"/>
-              </a:ext>
-            </a:extLst>
-          </p:cNvPr>
+          <p:cNvPr id="5" name="Footer Placeholder 4"/>
           <p:cNvSpPr>
             <a:spLocks noGrp="1"/>
           </p:cNvSpPr>
@@ -290,13 +862,7 @@
       </p:sp>
       <p:sp>
         <p:nvSpPr>
-          <p:cNvPr id="6" name="Slide Number Placeholder 5">
-            <a:extLst>
-              <a:ext uri="{FF2B5EF4-FFF2-40B4-BE49-F238E27FC236}">
-                <a16:creationId xmlns:a16="http://schemas.microsoft.com/office/drawing/2014/main" id="{1FFCE828-101B-3752-60DA-E79780A85123}"/>
-              </a:ext>
-            </a:extLst>
-          </p:cNvPr>
+          <p:cNvPr id="6" name="Slide Number Placeholder 5"/>
           <p:cNvSpPr>
             <a:spLocks noGrp="1"/>
           </p:cNvSpPr>
@@ -320,7 +886,7 @@
     </p:spTree>
     <p:extLst>
       <p:ext uri="{BB962C8B-B14F-4D97-AF65-F5344CB8AC3E}">
-        <p14:creationId xmlns:p14="http://schemas.microsoft.com/office/powerpoint/2010/main" val="510302257"/>
+        <p14:creationId xmlns:p14="http://schemas.microsoft.com/office/powerpoint/2010/main" val="4012905621"/>
       </p:ext>
     </p:extLst>
   </p:cSld>
@@ -331,6 +897,1619 @@
 </file>
 
 <file path=ppt/slideLayouts/slideLayout10.xml><?xml version="1.0" encoding="utf-8"?>
+<p:sldLayout xmlns:a="http://schemas.openxmlformats.org/drawingml/2006/main" xmlns:r="http://schemas.openxmlformats.org/officeDocument/2006/relationships" xmlns:p="http://schemas.openxmlformats.org/presentationml/2006/main" preserve="1">
+  <p:cSld name="Title and Caption">
+    <p:spTree>
+      <p:nvGrpSpPr>
+        <p:cNvPr id="1" name=""/>
+        <p:cNvGrpSpPr/>
+        <p:nvPr/>
+      </p:nvGrpSpPr>
+      <p:grpSpPr>
+        <a:xfrm>
+          <a:off x="0" y="0"/>
+          <a:ext cx="0" cy="0"/>
+          <a:chOff x="0" y="0"/>
+          <a:chExt cx="0" cy="0"/>
+        </a:xfrm>
+      </p:grpSpPr>
+      <p:sp>
+        <p:nvSpPr>
+          <p:cNvPr id="2" name="Title 1"/>
+          <p:cNvSpPr>
+            <a:spLocks noGrp="1"/>
+          </p:cNvSpPr>
+          <p:nvPr>
+            <p:ph type="title"/>
+          </p:nvPr>
+        </p:nvSpPr>
+        <p:spPr>
+          <a:xfrm>
+            <a:off x="677335" y="609600"/>
+            <a:ext cx="8596668" cy="3403600"/>
+          </a:xfrm>
+        </p:spPr>
+        <p:txBody>
+          <a:bodyPr anchor="ctr">
+            <a:normAutofit/>
+          </a:bodyPr>
+          <a:lstStyle>
+            <a:lvl1pPr algn="l">
+              <a:defRPr sz="4400" b="0" cap="none"/>
+            </a:lvl1pPr>
+          </a:lstStyle>
+          <a:p>
+            <a:r>
+              <a:rPr lang="en-US"/>
+              <a:t>Click to edit Master title style</a:t>
+            </a:r>
+            <a:endParaRPr lang="en-US" dirty="0"/>
+          </a:p>
+        </p:txBody>
+      </p:sp>
+      <p:sp>
+        <p:nvSpPr>
+          <p:cNvPr id="3" name="Text Placeholder 2"/>
+          <p:cNvSpPr>
+            <a:spLocks noGrp="1"/>
+          </p:cNvSpPr>
+          <p:nvPr>
+            <p:ph type="body" idx="1"/>
+          </p:nvPr>
+        </p:nvSpPr>
+        <p:spPr>
+          <a:xfrm>
+            <a:off x="677335" y="4470400"/>
+            <a:ext cx="8596668" cy="1570962"/>
+          </a:xfrm>
+        </p:spPr>
+        <p:txBody>
+          <a:bodyPr anchor="ctr">
+            <a:normAutofit/>
+          </a:bodyPr>
+          <a:lstStyle>
+            <a:lvl1pPr marL="0" indent="0" algn="l">
+              <a:buNone/>
+              <a:defRPr sz="1800">
+                <a:solidFill>
+                  <a:schemeClr val="tx1">
+                    <a:lumMod val="75000"/>
+                    <a:lumOff val="25000"/>
+                  </a:schemeClr>
+                </a:solidFill>
+              </a:defRPr>
+            </a:lvl1pPr>
+            <a:lvl2pPr marL="457200" indent="0">
+              <a:buNone/>
+              <a:defRPr sz="1800">
+                <a:solidFill>
+                  <a:schemeClr val="tx1">
+                    <a:tint val="75000"/>
+                  </a:schemeClr>
+                </a:solidFill>
+              </a:defRPr>
+            </a:lvl2pPr>
+            <a:lvl3pPr marL="914400" indent="0">
+              <a:buNone/>
+              <a:defRPr sz="1600">
+                <a:solidFill>
+                  <a:schemeClr val="tx1">
+                    <a:tint val="75000"/>
+                  </a:schemeClr>
+                </a:solidFill>
+              </a:defRPr>
+            </a:lvl3pPr>
+            <a:lvl4pPr marL="1371600" indent="0">
+              <a:buNone/>
+              <a:defRPr sz="1400">
+                <a:solidFill>
+                  <a:schemeClr val="tx1">
+                    <a:tint val="75000"/>
+                  </a:schemeClr>
+                </a:solidFill>
+              </a:defRPr>
+            </a:lvl4pPr>
+            <a:lvl5pPr marL="1828800" indent="0">
+              <a:buNone/>
+              <a:defRPr sz="1400">
+                <a:solidFill>
+                  <a:schemeClr val="tx1">
+                    <a:tint val="75000"/>
+                  </a:schemeClr>
+                </a:solidFill>
+              </a:defRPr>
+            </a:lvl5pPr>
+            <a:lvl6pPr marL="2286000" indent="0">
+              <a:buNone/>
+              <a:defRPr sz="1400">
+                <a:solidFill>
+                  <a:schemeClr val="tx1">
+                    <a:tint val="75000"/>
+                  </a:schemeClr>
+                </a:solidFill>
+              </a:defRPr>
+            </a:lvl6pPr>
+            <a:lvl7pPr marL="2743200" indent="0">
+              <a:buNone/>
+              <a:defRPr sz="1400">
+                <a:solidFill>
+                  <a:schemeClr val="tx1">
+                    <a:tint val="75000"/>
+                  </a:schemeClr>
+                </a:solidFill>
+              </a:defRPr>
+            </a:lvl7pPr>
+            <a:lvl8pPr marL="3200400" indent="0">
+              <a:buNone/>
+              <a:defRPr sz="1400">
+                <a:solidFill>
+                  <a:schemeClr val="tx1">
+                    <a:tint val="75000"/>
+                  </a:schemeClr>
+                </a:solidFill>
+              </a:defRPr>
+            </a:lvl8pPr>
+            <a:lvl9pPr marL="3657600" indent="0">
+              <a:buNone/>
+              <a:defRPr sz="1400">
+                <a:solidFill>
+                  <a:schemeClr val="tx1">
+                    <a:tint val="75000"/>
+                  </a:schemeClr>
+                </a:solidFill>
+              </a:defRPr>
+            </a:lvl9pPr>
+          </a:lstStyle>
+          <a:p>
+            <a:pPr lvl="0"/>
+            <a:r>
+              <a:rPr lang="en-US"/>
+              <a:t>Click to edit Master text styles</a:t>
+            </a:r>
+          </a:p>
+        </p:txBody>
+      </p:sp>
+      <p:sp>
+        <p:nvSpPr>
+          <p:cNvPr id="4" name="Date Placeholder 3"/>
+          <p:cNvSpPr>
+            <a:spLocks noGrp="1"/>
+          </p:cNvSpPr>
+          <p:nvPr>
+            <p:ph type="dt" sz="half" idx="10"/>
+          </p:nvPr>
+        </p:nvSpPr>
+        <p:spPr/>
+        <p:txBody>
+          <a:bodyPr/>
+          <a:lstStyle/>
+          <a:p>
+            <a:fld id="{44AC289E-63A6-4307-BE11-75FB470D7CFE}" type="datetimeFigureOut">
+              <a:rPr lang="en-US" smtClean="0"/>
+              <a:t>6/6/2022</a:t>
+            </a:fld>
+            <a:endParaRPr lang="en-US"/>
+          </a:p>
+        </p:txBody>
+      </p:sp>
+      <p:sp>
+        <p:nvSpPr>
+          <p:cNvPr id="5" name="Footer Placeholder 4"/>
+          <p:cNvSpPr>
+            <a:spLocks noGrp="1"/>
+          </p:cNvSpPr>
+          <p:nvPr>
+            <p:ph type="ftr" sz="quarter" idx="11"/>
+          </p:nvPr>
+        </p:nvSpPr>
+        <p:spPr/>
+        <p:txBody>
+          <a:bodyPr/>
+          <a:lstStyle/>
+          <a:p>
+            <a:endParaRPr lang="en-US"/>
+          </a:p>
+        </p:txBody>
+      </p:sp>
+      <p:sp>
+        <p:nvSpPr>
+          <p:cNvPr id="6" name="Slide Number Placeholder 5"/>
+          <p:cNvSpPr>
+            <a:spLocks noGrp="1"/>
+          </p:cNvSpPr>
+          <p:nvPr>
+            <p:ph type="sldNum" sz="quarter" idx="12"/>
+          </p:nvPr>
+        </p:nvSpPr>
+        <p:spPr/>
+        <p:txBody>
+          <a:bodyPr/>
+          <a:lstStyle/>
+          <a:p>
+            <a:fld id="{F0166919-CB92-4E21-B7E9-E33D6C22401B}" type="slidenum">
+              <a:rPr lang="en-US" smtClean="0"/>
+              <a:t>‹#›</a:t>
+            </a:fld>
+            <a:endParaRPr lang="en-US"/>
+          </a:p>
+        </p:txBody>
+      </p:sp>
+    </p:spTree>
+    <p:extLst>
+      <p:ext uri="{BB962C8B-B14F-4D97-AF65-F5344CB8AC3E}">
+        <p14:creationId xmlns:p14="http://schemas.microsoft.com/office/powerpoint/2010/main" val="3157686443"/>
+      </p:ext>
+    </p:extLst>
+  </p:cSld>
+  <p:clrMapOvr>
+    <a:masterClrMapping/>
+  </p:clrMapOvr>
+</p:sldLayout>
+</file>
+
+<file path=ppt/slideLayouts/slideLayout11.xml><?xml version="1.0" encoding="utf-8"?>
+<p:sldLayout xmlns:a="http://schemas.openxmlformats.org/drawingml/2006/main" xmlns:r="http://schemas.openxmlformats.org/officeDocument/2006/relationships" xmlns:p="http://schemas.openxmlformats.org/presentationml/2006/main" preserve="1">
+  <p:cSld name="Quote with Caption">
+    <p:spTree>
+      <p:nvGrpSpPr>
+        <p:cNvPr id="1" name=""/>
+        <p:cNvGrpSpPr/>
+        <p:nvPr/>
+      </p:nvGrpSpPr>
+      <p:grpSpPr>
+        <a:xfrm>
+          <a:off x="0" y="0"/>
+          <a:ext cx="0" cy="0"/>
+          <a:chOff x="0" y="0"/>
+          <a:chExt cx="0" cy="0"/>
+        </a:xfrm>
+      </p:grpSpPr>
+      <p:sp>
+        <p:nvSpPr>
+          <p:cNvPr id="2" name="Title 1"/>
+          <p:cNvSpPr>
+            <a:spLocks noGrp="1"/>
+          </p:cNvSpPr>
+          <p:nvPr>
+            <p:ph type="title"/>
+          </p:nvPr>
+        </p:nvSpPr>
+        <p:spPr>
+          <a:xfrm>
+            <a:off x="931334" y="609600"/>
+            <a:ext cx="8094134" cy="3022600"/>
+          </a:xfrm>
+        </p:spPr>
+        <p:txBody>
+          <a:bodyPr anchor="ctr">
+            <a:normAutofit/>
+          </a:bodyPr>
+          <a:lstStyle>
+            <a:lvl1pPr algn="l">
+              <a:defRPr sz="4400" b="0" cap="none"/>
+            </a:lvl1pPr>
+          </a:lstStyle>
+          <a:p>
+            <a:r>
+              <a:rPr lang="en-US"/>
+              <a:t>Click to edit Master title style</a:t>
+            </a:r>
+            <a:endParaRPr lang="en-US" dirty="0"/>
+          </a:p>
+        </p:txBody>
+      </p:sp>
+      <p:sp>
+        <p:nvSpPr>
+          <p:cNvPr id="23" name="Text Placeholder 9"/>
+          <p:cNvSpPr>
+            <a:spLocks noGrp="1"/>
+          </p:cNvSpPr>
+          <p:nvPr>
+            <p:ph type="body" sz="quarter" idx="13"/>
+          </p:nvPr>
+        </p:nvSpPr>
+        <p:spPr>
+          <a:xfrm>
+            <a:off x="1366139" y="3632200"/>
+            <a:ext cx="7224524" cy="381000"/>
+          </a:xfrm>
+        </p:spPr>
+        <p:txBody>
+          <a:bodyPr anchor="ctr">
+            <a:noAutofit/>
+          </a:bodyPr>
+          <a:lstStyle>
+            <a:lvl1pPr marL="0" indent="0">
+              <a:buFontTx/>
+              <a:buNone/>
+              <a:defRPr sz="1600">
+                <a:solidFill>
+                  <a:schemeClr val="tx1">
+                    <a:lumMod val="50000"/>
+                    <a:lumOff val="50000"/>
+                  </a:schemeClr>
+                </a:solidFill>
+              </a:defRPr>
+            </a:lvl1pPr>
+            <a:lvl2pPr marL="457200" indent="0">
+              <a:buFontTx/>
+              <a:buNone/>
+              <a:defRPr/>
+            </a:lvl2pPr>
+            <a:lvl3pPr marL="914400" indent="0">
+              <a:buFontTx/>
+              <a:buNone/>
+              <a:defRPr/>
+            </a:lvl3pPr>
+            <a:lvl4pPr marL="1371600" indent="0">
+              <a:buFontTx/>
+              <a:buNone/>
+              <a:defRPr/>
+            </a:lvl4pPr>
+            <a:lvl5pPr marL="1828800" indent="0">
+              <a:buFontTx/>
+              <a:buNone/>
+              <a:defRPr/>
+            </a:lvl5pPr>
+          </a:lstStyle>
+          <a:p>
+            <a:pPr lvl="0"/>
+            <a:r>
+              <a:rPr lang="en-US"/>
+              <a:t>Click to edit Master text styles</a:t>
+            </a:r>
+          </a:p>
+        </p:txBody>
+      </p:sp>
+      <p:sp>
+        <p:nvSpPr>
+          <p:cNvPr id="3" name="Text Placeholder 2"/>
+          <p:cNvSpPr>
+            <a:spLocks noGrp="1"/>
+          </p:cNvSpPr>
+          <p:nvPr>
+            <p:ph type="body" idx="1"/>
+          </p:nvPr>
+        </p:nvSpPr>
+        <p:spPr>
+          <a:xfrm>
+            <a:off x="677335" y="4470400"/>
+            <a:ext cx="8596668" cy="1570962"/>
+          </a:xfrm>
+        </p:spPr>
+        <p:txBody>
+          <a:bodyPr anchor="ctr">
+            <a:normAutofit/>
+          </a:bodyPr>
+          <a:lstStyle>
+            <a:lvl1pPr marL="0" indent="0" algn="l">
+              <a:buNone/>
+              <a:defRPr sz="1800">
+                <a:solidFill>
+                  <a:schemeClr val="tx1">
+                    <a:lumMod val="75000"/>
+                    <a:lumOff val="25000"/>
+                  </a:schemeClr>
+                </a:solidFill>
+              </a:defRPr>
+            </a:lvl1pPr>
+            <a:lvl2pPr marL="457200" indent="0">
+              <a:buNone/>
+              <a:defRPr sz="1800">
+                <a:solidFill>
+                  <a:schemeClr val="tx1">
+                    <a:tint val="75000"/>
+                  </a:schemeClr>
+                </a:solidFill>
+              </a:defRPr>
+            </a:lvl2pPr>
+            <a:lvl3pPr marL="914400" indent="0">
+              <a:buNone/>
+              <a:defRPr sz="1600">
+                <a:solidFill>
+                  <a:schemeClr val="tx1">
+                    <a:tint val="75000"/>
+                  </a:schemeClr>
+                </a:solidFill>
+              </a:defRPr>
+            </a:lvl3pPr>
+            <a:lvl4pPr marL="1371600" indent="0">
+              <a:buNone/>
+              <a:defRPr sz="1400">
+                <a:solidFill>
+                  <a:schemeClr val="tx1">
+                    <a:tint val="75000"/>
+                  </a:schemeClr>
+                </a:solidFill>
+              </a:defRPr>
+            </a:lvl4pPr>
+            <a:lvl5pPr marL="1828800" indent="0">
+              <a:buNone/>
+              <a:defRPr sz="1400">
+                <a:solidFill>
+                  <a:schemeClr val="tx1">
+                    <a:tint val="75000"/>
+                  </a:schemeClr>
+                </a:solidFill>
+              </a:defRPr>
+            </a:lvl5pPr>
+            <a:lvl6pPr marL="2286000" indent="0">
+              <a:buNone/>
+              <a:defRPr sz="1400">
+                <a:solidFill>
+                  <a:schemeClr val="tx1">
+                    <a:tint val="75000"/>
+                  </a:schemeClr>
+                </a:solidFill>
+              </a:defRPr>
+            </a:lvl6pPr>
+            <a:lvl7pPr marL="2743200" indent="0">
+              <a:buNone/>
+              <a:defRPr sz="1400">
+                <a:solidFill>
+                  <a:schemeClr val="tx1">
+                    <a:tint val="75000"/>
+                  </a:schemeClr>
+                </a:solidFill>
+              </a:defRPr>
+            </a:lvl7pPr>
+            <a:lvl8pPr marL="3200400" indent="0">
+              <a:buNone/>
+              <a:defRPr sz="1400">
+                <a:solidFill>
+                  <a:schemeClr val="tx1">
+                    <a:tint val="75000"/>
+                  </a:schemeClr>
+                </a:solidFill>
+              </a:defRPr>
+            </a:lvl8pPr>
+            <a:lvl9pPr marL="3657600" indent="0">
+              <a:buNone/>
+              <a:defRPr sz="1400">
+                <a:solidFill>
+                  <a:schemeClr val="tx1">
+                    <a:tint val="75000"/>
+                  </a:schemeClr>
+                </a:solidFill>
+              </a:defRPr>
+            </a:lvl9pPr>
+          </a:lstStyle>
+          <a:p>
+            <a:pPr lvl="0"/>
+            <a:r>
+              <a:rPr lang="en-US"/>
+              <a:t>Click to edit Master text styles</a:t>
+            </a:r>
+          </a:p>
+        </p:txBody>
+      </p:sp>
+      <p:sp>
+        <p:nvSpPr>
+          <p:cNvPr id="4" name="Date Placeholder 3"/>
+          <p:cNvSpPr>
+            <a:spLocks noGrp="1"/>
+          </p:cNvSpPr>
+          <p:nvPr>
+            <p:ph type="dt" sz="half" idx="10"/>
+          </p:nvPr>
+        </p:nvSpPr>
+        <p:spPr/>
+        <p:txBody>
+          <a:bodyPr/>
+          <a:lstStyle/>
+          <a:p>
+            <a:fld id="{44AC289E-63A6-4307-BE11-75FB470D7CFE}" type="datetimeFigureOut">
+              <a:rPr lang="en-US" smtClean="0"/>
+              <a:t>6/6/2022</a:t>
+            </a:fld>
+            <a:endParaRPr lang="en-US"/>
+          </a:p>
+        </p:txBody>
+      </p:sp>
+      <p:sp>
+        <p:nvSpPr>
+          <p:cNvPr id="5" name="Footer Placeholder 4"/>
+          <p:cNvSpPr>
+            <a:spLocks noGrp="1"/>
+          </p:cNvSpPr>
+          <p:nvPr>
+            <p:ph type="ftr" sz="quarter" idx="11"/>
+          </p:nvPr>
+        </p:nvSpPr>
+        <p:spPr/>
+        <p:txBody>
+          <a:bodyPr/>
+          <a:lstStyle/>
+          <a:p>
+            <a:endParaRPr lang="en-US"/>
+          </a:p>
+        </p:txBody>
+      </p:sp>
+      <p:sp>
+        <p:nvSpPr>
+          <p:cNvPr id="6" name="Slide Number Placeholder 5"/>
+          <p:cNvSpPr>
+            <a:spLocks noGrp="1"/>
+          </p:cNvSpPr>
+          <p:nvPr>
+            <p:ph type="sldNum" sz="quarter" idx="12"/>
+          </p:nvPr>
+        </p:nvSpPr>
+        <p:spPr/>
+        <p:txBody>
+          <a:bodyPr/>
+          <a:lstStyle/>
+          <a:p>
+            <a:fld id="{F0166919-CB92-4E21-B7E9-E33D6C22401B}" type="slidenum">
+              <a:rPr lang="en-US" smtClean="0"/>
+              <a:t>‹#›</a:t>
+            </a:fld>
+            <a:endParaRPr lang="en-US"/>
+          </a:p>
+        </p:txBody>
+      </p:sp>
+      <p:sp>
+        <p:nvSpPr>
+          <p:cNvPr id="20" name="TextBox 19"/>
+          <p:cNvSpPr txBox="1"/>
+          <p:nvPr/>
+        </p:nvSpPr>
+        <p:spPr>
+          <a:xfrm>
+            <a:off x="541870" y="790378"/>
+            <a:ext cx="609600" cy="584776"/>
+          </a:xfrm>
+          <a:prstGeom prst="rect">
+            <a:avLst/>
+          </a:prstGeom>
+        </p:spPr>
+        <p:txBody>
+          <a:bodyPr vert="horz" lIns="91440" tIns="45720" rIns="91440" bIns="45720" rtlCol="0" anchor="ctr">
+            <a:noAutofit/>
+          </a:bodyPr>
+          <a:lstStyle/>
+          <a:p>
+            <a:pPr lvl="0"/>
+            <a:r>
+              <a:rPr lang="en-US" sz="8000" baseline="0" dirty="0">
+                <a:ln w="3175" cmpd="sng">
+                  <a:noFill/>
+                </a:ln>
+                <a:solidFill>
+                  <a:schemeClr val="accent1">
+                    <a:lumMod val="60000"/>
+                    <a:lumOff val="40000"/>
+                  </a:schemeClr>
+                </a:solidFill>
+                <a:effectLst/>
+                <a:latin typeface="Arial"/>
+              </a:rPr>
+              <a:t>“</a:t>
+            </a:r>
+          </a:p>
+        </p:txBody>
+      </p:sp>
+      <p:sp>
+        <p:nvSpPr>
+          <p:cNvPr id="22" name="TextBox 21"/>
+          <p:cNvSpPr txBox="1"/>
+          <p:nvPr/>
+        </p:nvSpPr>
+        <p:spPr>
+          <a:xfrm>
+            <a:off x="8893011" y="2886556"/>
+            <a:ext cx="609600" cy="584776"/>
+          </a:xfrm>
+          <a:prstGeom prst="rect">
+            <a:avLst/>
+          </a:prstGeom>
+        </p:spPr>
+        <p:txBody>
+          <a:bodyPr vert="horz" lIns="91440" tIns="45720" rIns="91440" bIns="45720" rtlCol="0" anchor="ctr">
+            <a:noAutofit/>
+          </a:bodyPr>
+          <a:lstStyle/>
+          <a:p>
+            <a:pPr lvl="0"/>
+            <a:r>
+              <a:rPr lang="en-US" sz="8000" baseline="0" dirty="0">
+                <a:ln w="3175" cmpd="sng">
+                  <a:noFill/>
+                </a:ln>
+                <a:solidFill>
+                  <a:schemeClr val="accent1">
+                    <a:lumMod val="60000"/>
+                    <a:lumOff val="40000"/>
+                  </a:schemeClr>
+                </a:solidFill>
+                <a:latin typeface="Arial"/>
+              </a:rPr>
+              <a:t>”</a:t>
+            </a:r>
+            <a:endParaRPr lang="en-US" dirty="0">
+              <a:solidFill>
+                <a:schemeClr val="accent1">
+                  <a:lumMod val="60000"/>
+                  <a:lumOff val="40000"/>
+                </a:schemeClr>
+              </a:solidFill>
+              <a:latin typeface="Arial"/>
+            </a:endParaRPr>
+          </a:p>
+        </p:txBody>
+      </p:sp>
+    </p:spTree>
+    <p:extLst>
+      <p:ext uri="{BB962C8B-B14F-4D97-AF65-F5344CB8AC3E}">
+        <p14:creationId xmlns:p14="http://schemas.microsoft.com/office/powerpoint/2010/main" val="1974852503"/>
+      </p:ext>
+    </p:extLst>
+  </p:cSld>
+  <p:clrMapOvr>
+    <a:masterClrMapping/>
+  </p:clrMapOvr>
+</p:sldLayout>
+</file>
+
+<file path=ppt/slideLayouts/slideLayout12.xml><?xml version="1.0" encoding="utf-8"?>
+<p:sldLayout xmlns:a="http://schemas.openxmlformats.org/drawingml/2006/main" xmlns:r="http://schemas.openxmlformats.org/officeDocument/2006/relationships" xmlns:p="http://schemas.openxmlformats.org/presentationml/2006/main" preserve="1">
+  <p:cSld name="Name Card">
+    <p:spTree>
+      <p:nvGrpSpPr>
+        <p:cNvPr id="1" name=""/>
+        <p:cNvGrpSpPr/>
+        <p:nvPr/>
+      </p:nvGrpSpPr>
+      <p:grpSpPr>
+        <a:xfrm>
+          <a:off x="0" y="0"/>
+          <a:ext cx="0" cy="0"/>
+          <a:chOff x="0" y="0"/>
+          <a:chExt cx="0" cy="0"/>
+        </a:xfrm>
+      </p:grpSpPr>
+      <p:sp>
+        <p:nvSpPr>
+          <p:cNvPr id="2" name="Title 1"/>
+          <p:cNvSpPr>
+            <a:spLocks noGrp="1"/>
+          </p:cNvSpPr>
+          <p:nvPr>
+            <p:ph type="title"/>
+          </p:nvPr>
+        </p:nvSpPr>
+        <p:spPr>
+          <a:xfrm>
+            <a:off x="677335" y="1931988"/>
+            <a:ext cx="8596668" cy="2595460"/>
+          </a:xfrm>
+        </p:spPr>
+        <p:txBody>
+          <a:bodyPr anchor="b">
+            <a:normAutofit/>
+          </a:bodyPr>
+          <a:lstStyle>
+            <a:lvl1pPr algn="l">
+              <a:defRPr sz="4400" b="0" cap="none"/>
+            </a:lvl1pPr>
+          </a:lstStyle>
+          <a:p>
+            <a:r>
+              <a:rPr lang="en-US"/>
+              <a:t>Click to edit Master title style</a:t>
+            </a:r>
+            <a:endParaRPr lang="en-US" dirty="0"/>
+          </a:p>
+        </p:txBody>
+      </p:sp>
+      <p:sp>
+        <p:nvSpPr>
+          <p:cNvPr id="3" name="Text Placeholder 2"/>
+          <p:cNvSpPr>
+            <a:spLocks noGrp="1"/>
+          </p:cNvSpPr>
+          <p:nvPr>
+            <p:ph type="body" idx="1"/>
+          </p:nvPr>
+        </p:nvSpPr>
+        <p:spPr>
+          <a:xfrm>
+            <a:off x="677335" y="4527448"/>
+            <a:ext cx="8596668" cy="1513914"/>
+          </a:xfrm>
+        </p:spPr>
+        <p:txBody>
+          <a:bodyPr anchor="t">
+            <a:normAutofit/>
+          </a:bodyPr>
+          <a:lstStyle>
+            <a:lvl1pPr marL="0" indent="0" algn="l">
+              <a:buNone/>
+              <a:defRPr sz="1800">
+                <a:solidFill>
+                  <a:schemeClr val="tx1">
+                    <a:lumMod val="75000"/>
+                    <a:lumOff val="25000"/>
+                  </a:schemeClr>
+                </a:solidFill>
+              </a:defRPr>
+            </a:lvl1pPr>
+            <a:lvl2pPr marL="457200" indent="0">
+              <a:buNone/>
+              <a:defRPr sz="1800">
+                <a:solidFill>
+                  <a:schemeClr val="tx1">
+                    <a:tint val="75000"/>
+                  </a:schemeClr>
+                </a:solidFill>
+              </a:defRPr>
+            </a:lvl2pPr>
+            <a:lvl3pPr marL="914400" indent="0">
+              <a:buNone/>
+              <a:defRPr sz="1600">
+                <a:solidFill>
+                  <a:schemeClr val="tx1">
+                    <a:tint val="75000"/>
+                  </a:schemeClr>
+                </a:solidFill>
+              </a:defRPr>
+            </a:lvl3pPr>
+            <a:lvl4pPr marL="1371600" indent="0">
+              <a:buNone/>
+              <a:defRPr sz="1400">
+                <a:solidFill>
+                  <a:schemeClr val="tx1">
+                    <a:tint val="75000"/>
+                  </a:schemeClr>
+                </a:solidFill>
+              </a:defRPr>
+            </a:lvl4pPr>
+            <a:lvl5pPr marL="1828800" indent="0">
+              <a:buNone/>
+              <a:defRPr sz="1400">
+                <a:solidFill>
+                  <a:schemeClr val="tx1">
+                    <a:tint val="75000"/>
+                  </a:schemeClr>
+                </a:solidFill>
+              </a:defRPr>
+            </a:lvl5pPr>
+            <a:lvl6pPr marL="2286000" indent="0">
+              <a:buNone/>
+              <a:defRPr sz="1400">
+                <a:solidFill>
+                  <a:schemeClr val="tx1">
+                    <a:tint val="75000"/>
+                  </a:schemeClr>
+                </a:solidFill>
+              </a:defRPr>
+            </a:lvl6pPr>
+            <a:lvl7pPr marL="2743200" indent="0">
+              <a:buNone/>
+              <a:defRPr sz="1400">
+                <a:solidFill>
+                  <a:schemeClr val="tx1">
+                    <a:tint val="75000"/>
+                  </a:schemeClr>
+                </a:solidFill>
+              </a:defRPr>
+            </a:lvl7pPr>
+            <a:lvl8pPr marL="3200400" indent="0">
+              <a:buNone/>
+              <a:defRPr sz="1400">
+                <a:solidFill>
+                  <a:schemeClr val="tx1">
+                    <a:tint val="75000"/>
+                  </a:schemeClr>
+                </a:solidFill>
+              </a:defRPr>
+            </a:lvl8pPr>
+            <a:lvl9pPr marL="3657600" indent="0">
+              <a:buNone/>
+              <a:defRPr sz="1400">
+                <a:solidFill>
+                  <a:schemeClr val="tx1">
+                    <a:tint val="75000"/>
+                  </a:schemeClr>
+                </a:solidFill>
+              </a:defRPr>
+            </a:lvl9pPr>
+          </a:lstStyle>
+          <a:p>
+            <a:pPr lvl="0"/>
+            <a:r>
+              <a:rPr lang="en-US"/>
+              <a:t>Click to edit Master text styles</a:t>
+            </a:r>
+          </a:p>
+        </p:txBody>
+      </p:sp>
+      <p:sp>
+        <p:nvSpPr>
+          <p:cNvPr id="4" name="Date Placeholder 3"/>
+          <p:cNvSpPr>
+            <a:spLocks noGrp="1"/>
+          </p:cNvSpPr>
+          <p:nvPr>
+            <p:ph type="dt" sz="half" idx="10"/>
+          </p:nvPr>
+        </p:nvSpPr>
+        <p:spPr/>
+        <p:txBody>
+          <a:bodyPr/>
+          <a:lstStyle/>
+          <a:p>
+            <a:fld id="{44AC289E-63A6-4307-BE11-75FB470D7CFE}" type="datetimeFigureOut">
+              <a:rPr lang="en-US" smtClean="0"/>
+              <a:t>6/6/2022</a:t>
+            </a:fld>
+            <a:endParaRPr lang="en-US"/>
+          </a:p>
+        </p:txBody>
+      </p:sp>
+      <p:sp>
+        <p:nvSpPr>
+          <p:cNvPr id="5" name="Footer Placeholder 4"/>
+          <p:cNvSpPr>
+            <a:spLocks noGrp="1"/>
+          </p:cNvSpPr>
+          <p:nvPr>
+            <p:ph type="ftr" sz="quarter" idx="11"/>
+          </p:nvPr>
+        </p:nvSpPr>
+        <p:spPr/>
+        <p:txBody>
+          <a:bodyPr/>
+          <a:lstStyle/>
+          <a:p>
+            <a:endParaRPr lang="en-US"/>
+          </a:p>
+        </p:txBody>
+      </p:sp>
+      <p:sp>
+        <p:nvSpPr>
+          <p:cNvPr id="6" name="Slide Number Placeholder 5"/>
+          <p:cNvSpPr>
+            <a:spLocks noGrp="1"/>
+          </p:cNvSpPr>
+          <p:nvPr>
+            <p:ph type="sldNum" sz="quarter" idx="12"/>
+          </p:nvPr>
+        </p:nvSpPr>
+        <p:spPr/>
+        <p:txBody>
+          <a:bodyPr/>
+          <a:lstStyle/>
+          <a:p>
+            <a:fld id="{F0166919-CB92-4E21-B7E9-E33D6C22401B}" type="slidenum">
+              <a:rPr lang="en-US" smtClean="0"/>
+              <a:t>‹#›</a:t>
+            </a:fld>
+            <a:endParaRPr lang="en-US"/>
+          </a:p>
+        </p:txBody>
+      </p:sp>
+    </p:spTree>
+    <p:extLst>
+      <p:ext uri="{BB962C8B-B14F-4D97-AF65-F5344CB8AC3E}">
+        <p14:creationId xmlns:p14="http://schemas.microsoft.com/office/powerpoint/2010/main" val="355289660"/>
+      </p:ext>
+    </p:extLst>
+  </p:cSld>
+  <p:clrMapOvr>
+    <a:masterClrMapping/>
+  </p:clrMapOvr>
+</p:sldLayout>
+</file>
+
+<file path=ppt/slideLayouts/slideLayout13.xml><?xml version="1.0" encoding="utf-8"?>
+<p:sldLayout xmlns:a="http://schemas.openxmlformats.org/drawingml/2006/main" xmlns:r="http://schemas.openxmlformats.org/officeDocument/2006/relationships" xmlns:p="http://schemas.openxmlformats.org/presentationml/2006/main" preserve="1">
+  <p:cSld name="Quote Name Card">
+    <p:spTree>
+      <p:nvGrpSpPr>
+        <p:cNvPr id="1" name=""/>
+        <p:cNvGrpSpPr/>
+        <p:nvPr/>
+      </p:nvGrpSpPr>
+      <p:grpSpPr>
+        <a:xfrm>
+          <a:off x="0" y="0"/>
+          <a:ext cx="0" cy="0"/>
+          <a:chOff x="0" y="0"/>
+          <a:chExt cx="0" cy="0"/>
+        </a:xfrm>
+      </p:grpSpPr>
+      <p:sp>
+        <p:nvSpPr>
+          <p:cNvPr id="2" name="Title 1"/>
+          <p:cNvSpPr>
+            <a:spLocks noGrp="1"/>
+          </p:cNvSpPr>
+          <p:nvPr>
+            <p:ph type="title"/>
+          </p:nvPr>
+        </p:nvSpPr>
+        <p:spPr>
+          <a:xfrm>
+            <a:off x="931334" y="609600"/>
+            <a:ext cx="8094134" cy="3022600"/>
+          </a:xfrm>
+        </p:spPr>
+        <p:txBody>
+          <a:bodyPr anchor="ctr">
+            <a:normAutofit/>
+          </a:bodyPr>
+          <a:lstStyle>
+            <a:lvl1pPr algn="l">
+              <a:defRPr sz="4400" b="0" cap="none"/>
+            </a:lvl1pPr>
+          </a:lstStyle>
+          <a:p>
+            <a:r>
+              <a:rPr lang="en-US"/>
+              <a:t>Click to edit Master title style</a:t>
+            </a:r>
+            <a:endParaRPr lang="en-US" dirty="0"/>
+          </a:p>
+        </p:txBody>
+      </p:sp>
+      <p:sp>
+        <p:nvSpPr>
+          <p:cNvPr id="23" name="Text Placeholder 9"/>
+          <p:cNvSpPr>
+            <a:spLocks noGrp="1"/>
+          </p:cNvSpPr>
+          <p:nvPr>
+            <p:ph type="body" sz="quarter" idx="13"/>
+          </p:nvPr>
+        </p:nvSpPr>
+        <p:spPr>
+          <a:xfrm>
+            <a:off x="677332" y="4013200"/>
+            <a:ext cx="8596669" cy="514248"/>
+          </a:xfrm>
+        </p:spPr>
+        <p:txBody>
+          <a:bodyPr anchor="b">
+            <a:noAutofit/>
+          </a:bodyPr>
+          <a:lstStyle>
+            <a:lvl1pPr marL="0" indent="0">
+              <a:buFontTx/>
+              <a:buNone/>
+              <a:defRPr sz="2400">
+                <a:solidFill>
+                  <a:schemeClr val="tx1">
+                    <a:lumMod val="75000"/>
+                    <a:lumOff val="25000"/>
+                  </a:schemeClr>
+                </a:solidFill>
+              </a:defRPr>
+            </a:lvl1pPr>
+            <a:lvl2pPr marL="457200" indent="0">
+              <a:buFontTx/>
+              <a:buNone/>
+              <a:defRPr/>
+            </a:lvl2pPr>
+            <a:lvl3pPr marL="914400" indent="0">
+              <a:buFontTx/>
+              <a:buNone/>
+              <a:defRPr/>
+            </a:lvl3pPr>
+            <a:lvl4pPr marL="1371600" indent="0">
+              <a:buFontTx/>
+              <a:buNone/>
+              <a:defRPr/>
+            </a:lvl4pPr>
+            <a:lvl5pPr marL="1828800" indent="0">
+              <a:buFontTx/>
+              <a:buNone/>
+              <a:defRPr/>
+            </a:lvl5pPr>
+          </a:lstStyle>
+          <a:p>
+            <a:pPr lvl="0"/>
+            <a:r>
+              <a:rPr lang="en-US"/>
+              <a:t>Click to edit Master text styles</a:t>
+            </a:r>
+          </a:p>
+        </p:txBody>
+      </p:sp>
+      <p:sp>
+        <p:nvSpPr>
+          <p:cNvPr id="3" name="Text Placeholder 2"/>
+          <p:cNvSpPr>
+            <a:spLocks noGrp="1"/>
+          </p:cNvSpPr>
+          <p:nvPr>
+            <p:ph type="body" idx="1"/>
+          </p:nvPr>
+        </p:nvSpPr>
+        <p:spPr>
+          <a:xfrm>
+            <a:off x="677335" y="4527448"/>
+            <a:ext cx="8596668" cy="1513914"/>
+          </a:xfrm>
+        </p:spPr>
+        <p:txBody>
+          <a:bodyPr anchor="t">
+            <a:normAutofit/>
+          </a:bodyPr>
+          <a:lstStyle>
+            <a:lvl1pPr marL="0" indent="0" algn="l">
+              <a:buNone/>
+              <a:defRPr sz="1800">
+                <a:solidFill>
+                  <a:schemeClr val="tx1">
+                    <a:lumMod val="50000"/>
+                    <a:lumOff val="50000"/>
+                  </a:schemeClr>
+                </a:solidFill>
+              </a:defRPr>
+            </a:lvl1pPr>
+            <a:lvl2pPr marL="457200" indent="0">
+              <a:buNone/>
+              <a:defRPr sz="1800">
+                <a:solidFill>
+                  <a:schemeClr val="tx1">
+                    <a:tint val="75000"/>
+                  </a:schemeClr>
+                </a:solidFill>
+              </a:defRPr>
+            </a:lvl2pPr>
+            <a:lvl3pPr marL="914400" indent="0">
+              <a:buNone/>
+              <a:defRPr sz="1600">
+                <a:solidFill>
+                  <a:schemeClr val="tx1">
+                    <a:tint val="75000"/>
+                  </a:schemeClr>
+                </a:solidFill>
+              </a:defRPr>
+            </a:lvl3pPr>
+            <a:lvl4pPr marL="1371600" indent="0">
+              <a:buNone/>
+              <a:defRPr sz="1400">
+                <a:solidFill>
+                  <a:schemeClr val="tx1">
+                    <a:tint val="75000"/>
+                  </a:schemeClr>
+                </a:solidFill>
+              </a:defRPr>
+            </a:lvl4pPr>
+            <a:lvl5pPr marL="1828800" indent="0">
+              <a:buNone/>
+              <a:defRPr sz="1400">
+                <a:solidFill>
+                  <a:schemeClr val="tx1">
+                    <a:tint val="75000"/>
+                  </a:schemeClr>
+                </a:solidFill>
+              </a:defRPr>
+            </a:lvl5pPr>
+            <a:lvl6pPr marL="2286000" indent="0">
+              <a:buNone/>
+              <a:defRPr sz="1400">
+                <a:solidFill>
+                  <a:schemeClr val="tx1">
+                    <a:tint val="75000"/>
+                  </a:schemeClr>
+                </a:solidFill>
+              </a:defRPr>
+            </a:lvl6pPr>
+            <a:lvl7pPr marL="2743200" indent="0">
+              <a:buNone/>
+              <a:defRPr sz="1400">
+                <a:solidFill>
+                  <a:schemeClr val="tx1">
+                    <a:tint val="75000"/>
+                  </a:schemeClr>
+                </a:solidFill>
+              </a:defRPr>
+            </a:lvl7pPr>
+            <a:lvl8pPr marL="3200400" indent="0">
+              <a:buNone/>
+              <a:defRPr sz="1400">
+                <a:solidFill>
+                  <a:schemeClr val="tx1">
+                    <a:tint val="75000"/>
+                  </a:schemeClr>
+                </a:solidFill>
+              </a:defRPr>
+            </a:lvl8pPr>
+            <a:lvl9pPr marL="3657600" indent="0">
+              <a:buNone/>
+              <a:defRPr sz="1400">
+                <a:solidFill>
+                  <a:schemeClr val="tx1">
+                    <a:tint val="75000"/>
+                  </a:schemeClr>
+                </a:solidFill>
+              </a:defRPr>
+            </a:lvl9pPr>
+          </a:lstStyle>
+          <a:p>
+            <a:pPr lvl="0"/>
+            <a:r>
+              <a:rPr lang="en-US"/>
+              <a:t>Click to edit Master text styles</a:t>
+            </a:r>
+          </a:p>
+        </p:txBody>
+      </p:sp>
+      <p:sp>
+        <p:nvSpPr>
+          <p:cNvPr id="4" name="Date Placeholder 3"/>
+          <p:cNvSpPr>
+            <a:spLocks noGrp="1"/>
+          </p:cNvSpPr>
+          <p:nvPr>
+            <p:ph type="dt" sz="half" idx="10"/>
+          </p:nvPr>
+        </p:nvSpPr>
+        <p:spPr/>
+        <p:txBody>
+          <a:bodyPr/>
+          <a:lstStyle/>
+          <a:p>
+            <a:fld id="{44AC289E-63A6-4307-BE11-75FB470D7CFE}" type="datetimeFigureOut">
+              <a:rPr lang="en-US" smtClean="0"/>
+              <a:t>6/6/2022</a:t>
+            </a:fld>
+            <a:endParaRPr lang="en-US"/>
+          </a:p>
+        </p:txBody>
+      </p:sp>
+      <p:sp>
+        <p:nvSpPr>
+          <p:cNvPr id="5" name="Footer Placeholder 4"/>
+          <p:cNvSpPr>
+            <a:spLocks noGrp="1"/>
+          </p:cNvSpPr>
+          <p:nvPr>
+            <p:ph type="ftr" sz="quarter" idx="11"/>
+          </p:nvPr>
+        </p:nvSpPr>
+        <p:spPr/>
+        <p:txBody>
+          <a:bodyPr/>
+          <a:lstStyle/>
+          <a:p>
+            <a:endParaRPr lang="en-US"/>
+          </a:p>
+        </p:txBody>
+      </p:sp>
+      <p:sp>
+        <p:nvSpPr>
+          <p:cNvPr id="6" name="Slide Number Placeholder 5"/>
+          <p:cNvSpPr>
+            <a:spLocks noGrp="1"/>
+          </p:cNvSpPr>
+          <p:nvPr>
+            <p:ph type="sldNum" sz="quarter" idx="12"/>
+          </p:nvPr>
+        </p:nvSpPr>
+        <p:spPr/>
+        <p:txBody>
+          <a:bodyPr/>
+          <a:lstStyle/>
+          <a:p>
+            <a:fld id="{F0166919-CB92-4E21-B7E9-E33D6C22401B}" type="slidenum">
+              <a:rPr lang="en-US" smtClean="0"/>
+              <a:t>‹#›</a:t>
+            </a:fld>
+            <a:endParaRPr lang="en-US"/>
+          </a:p>
+        </p:txBody>
+      </p:sp>
+      <p:sp>
+        <p:nvSpPr>
+          <p:cNvPr id="24" name="TextBox 23"/>
+          <p:cNvSpPr txBox="1"/>
+          <p:nvPr/>
+        </p:nvSpPr>
+        <p:spPr>
+          <a:xfrm>
+            <a:off x="541870" y="790378"/>
+            <a:ext cx="609600" cy="584776"/>
+          </a:xfrm>
+          <a:prstGeom prst="rect">
+            <a:avLst/>
+          </a:prstGeom>
+        </p:spPr>
+        <p:txBody>
+          <a:bodyPr vert="horz" lIns="91440" tIns="45720" rIns="91440" bIns="45720" rtlCol="0" anchor="ctr">
+            <a:noAutofit/>
+          </a:bodyPr>
+          <a:lstStyle/>
+          <a:p>
+            <a:pPr lvl="0"/>
+            <a:r>
+              <a:rPr lang="en-US" sz="8000" baseline="0" dirty="0">
+                <a:ln w="3175" cmpd="sng">
+                  <a:noFill/>
+                </a:ln>
+                <a:solidFill>
+                  <a:schemeClr val="accent1">
+                    <a:lumMod val="60000"/>
+                    <a:lumOff val="40000"/>
+                  </a:schemeClr>
+                </a:solidFill>
+                <a:effectLst/>
+                <a:latin typeface="Arial"/>
+              </a:rPr>
+              <a:t>“</a:t>
+            </a:r>
+          </a:p>
+        </p:txBody>
+      </p:sp>
+      <p:sp>
+        <p:nvSpPr>
+          <p:cNvPr id="25" name="TextBox 24"/>
+          <p:cNvSpPr txBox="1"/>
+          <p:nvPr/>
+        </p:nvSpPr>
+        <p:spPr>
+          <a:xfrm>
+            <a:off x="8893011" y="2886556"/>
+            <a:ext cx="609600" cy="584776"/>
+          </a:xfrm>
+          <a:prstGeom prst="rect">
+            <a:avLst/>
+          </a:prstGeom>
+        </p:spPr>
+        <p:txBody>
+          <a:bodyPr vert="horz" lIns="91440" tIns="45720" rIns="91440" bIns="45720" rtlCol="0" anchor="ctr">
+            <a:noAutofit/>
+          </a:bodyPr>
+          <a:lstStyle/>
+          <a:p>
+            <a:pPr lvl="0"/>
+            <a:r>
+              <a:rPr lang="en-US" sz="8000" baseline="0" dirty="0">
+                <a:ln w="3175" cmpd="sng">
+                  <a:noFill/>
+                </a:ln>
+                <a:solidFill>
+                  <a:schemeClr val="accent1">
+                    <a:lumMod val="60000"/>
+                    <a:lumOff val="40000"/>
+                  </a:schemeClr>
+                </a:solidFill>
+                <a:effectLst/>
+                <a:latin typeface="Arial"/>
+              </a:rPr>
+              <a:t>”</a:t>
+            </a:r>
+          </a:p>
+        </p:txBody>
+      </p:sp>
+    </p:spTree>
+    <p:extLst>
+      <p:ext uri="{BB962C8B-B14F-4D97-AF65-F5344CB8AC3E}">
+        <p14:creationId xmlns:p14="http://schemas.microsoft.com/office/powerpoint/2010/main" val="2291565457"/>
+      </p:ext>
+    </p:extLst>
+  </p:cSld>
+  <p:clrMapOvr>
+    <a:masterClrMapping/>
+  </p:clrMapOvr>
+</p:sldLayout>
+</file>
+
+<file path=ppt/slideLayouts/slideLayout14.xml><?xml version="1.0" encoding="utf-8"?>
+<p:sldLayout xmlns:a="http://schemas.openxmlformats.org/drawingml/2006/main" xmlns:r="http://schemas.openxmlformats.org/officeDocument/2006/relationships" xmlns:p="http://schemas.openxmlformats.org/presentationml/2006/main" preserve="1">
+  <p:cSld name="True or False">
+    <p:spTree>
+      <p:nvGrpSpPr>
+        <p:cNvPr id="1" name=""/>
+        <p:cNvGrpSpPr/>
+        <p:nvPr/>
+      </p:nvGrpSpPr>
+      <p:grpSpPr>
+        <a:xfrm>
+          <a:off x="0" y="0"/>
+          <a:ext cx="0" cy="0"/>
+          <a:chOff x="0" y="0"/>
+          <a:chExt cx="0" cy="0"/>
+        </a:xfrm>
+      </p:grpSpPr>
+      <p:sp>
+        <p:nvSpPr>
+          <p:cNvPr id="2" name="Title 1"/>
+          <p:cNvSpPr>
+            <a:spLocks noGrp="1"/>
+          </p:cNvSpPr>
+          <p:nvPr>
+            <p:ph type="title"/>
+          </p:nvPr>
+        </p:nvSpPr>
+        <p:spPr>
+          <a:xfrm>
+            <a:off x="685799" y="609600"/>
+            <a:ext cx="8588203" cy="3022600"/>
+          </a:xfrm>
+        </p:spPr>
+        <p:txBody>
+          <a:bodyPr anchor="ctr">
+            <a:normAutofit/>
+          </a:bodyPr>
+          <a:lstStyle>
+            <a:lvl1pPr algn="l">
+              <a:defRPr sz="4400" b="0" cap="none"/>
+            </a:lvl1pPr>
+          </a:lstStyle>
+          <a:p>
+            <a:r>
+              <a:rPr lang="en-US"/>
+              <a:t>Click to edit Master title style</a:t>
+            </a:r>
+            <a:endParaRPr lang="en-US" dirty="0"/>
+          </a:p>
+        </p:txBody>
+      </p:sp>
+      <p:sp>
+        <p:nvSpPr>
+          <p:cNvPr id="23" name="Text Placeholder 9"/>
+          <p:cNvSpPr>
+            <a:spLocks noGrp="1"/>
+          </p:cNvSpPr>
+          <p:nvPr>
+            <p:ph type="body" sz="quarter" idx="13"/>
+          </p:nvPr>
+        </p:nvSpPr>
+        <p:spPr>
+          <a:xfrm>
+            <a:off x="677332" y="4013200"/>
+            <a:ext cx="8596669" cy="514248"/>
+          </a:xfrm>
+        </p:spPr>
+        <p:txBody>
+          <a:bodyPr anchor="b">
+            <a:noAutofit/>
+          </a:bodyPr>
+          <a:lstStyle>
+            <a:lvl1pPr marL="0" indent="0">
+              <a:buFontTx/>
+              <a:buNone/>
+              <a:defRPr sz="2400">
+                <a:solidFill>
+                  <a:schemeClr val="accent1"/>
+                </a:solidFill>
+              </a:defRPr>
+            </a:lvl1pPr>
+            <a:lvl2pPr marL="457200" indent="0">
+              <a:buFontTx/>
+              <a:buNone/>
+              <a:defRPr/>
+            </a:lvl2pPr>
+            <a:lvl3pPr marL="914400" indent="0">
+              <a:buFontTx/>
+              <a:buNone/>
+              <a:defRPr/>
+            </a:lvl3pPr>
+            <a:lvl4pPr marL="1371600" indent="0">
+              <a:buFontTx/>
+              <a:buNone/>
+              <a:defRPr/>
+            </a:lvl4pPr>
+            <a:lvl5pPr marL="1828800" indent="0">
+              <a:buFontTx/>
+              <a:buNone/>
+              <a:defRPr/>
+            </a:lvl5pPr>
+          </a:lstStyle>
+          <a:p>
+            <a:pPr lvl="0"/>
+            <a:r>
+              <a:rPr lang="en-US"/>
+              <a:t>Click to edit Master text styles</a:t>
+            </a:r>
+          </a:p>
+        </p:txBody>
+      </p:sp>
+      <p:sp>
+        <p:nvSpPr>
+          <p:cNvPr id="3" name="Text Placeholder 2"/>
+          <p:cNvSpPr>
+            <a:spLocks noGrp="1"/>
+          </p:cNvSpPr>
+          <p:nvPr>
+            <p:ph type="body" idx="1"/>
+          </p:nvPr>
+        </p:nvSpPr>
+        <p:spPr>
+          <a:xfrm>
+            <a:off x="677335" y="4527448"/>
+            <a:ext cx="8596668" cy="1513914"/>
+          </a:xfrm>
+        </p:spPr>
+        <p:txBody>
+          <a:bodyPr anchor="t">
+            <a:normAutofit/>
+          </a:bodyPr>
+          <a:lstStyle>
+            <a:lvl1pPr marL="0" indent="0" algn="l">
+              <a:buNone/>
+              <a:defRPr sz="1800">
+                <a:solidFill>
+                  <a:schemeClr val="tx1">
+                    <a:lumMod val="50000"/>
+                    <a:lumOff val="50000"/>
+                  </a:schemeClr>
+                </a:solidFill>
+              </a:defRPr>
+            </a:lvl1pPr>
+            <a:lvl2pPr marL="457200" indent="0">
+              <a:buNone/>
+              <a:defRPr sz="1800">
+                <a:solidFill>
+                  <a:schemeClr val="tx1">
+                    <a:tint val="75000"/>
+                  </a:schemeClr>
+                </a:solidFill>
+              </a:defRPr>
+            </a:lvl2pPr>
+            <a:lvl3pPr marL="914400" indent="0">
+              <a:buNone/>
+              <a:defRPr sz="1600">
+                <a:solidFill>
+                  <a:schemeClr val="tx1">
+                    <a:tint val="75000"/>
+                  </a:schemeClr>
+                </a:solidFill>
+              </a:defRPr>
+            </a:lvl3pPr>
+            <a:lvl4pPr marL="1371600" indent="0">
+              <a:buNone/>
+              <a:defRPr sz="1400">
+                <a:solidFill>
+                  <a:schemeClr val="tx1">
+                    <a:tint val="75000"/>
+                  </a:schemeClr>
+                </a:solidFill>
+              </a:defRPr>
+            </a:lvl4pPr>
+            <a:lvl5pPr marL="1828800" indent="0">
+              <a:buNone/>
+              <a:defRPr sz="1400">
+                <a:solidFill>
+                  <a:schemeClr val="tx1">
+                    <a:tint val="75000"/>
+                  </a:schemeClr>
+                </a:solidFill>
+              </a:defRPr>
+            </a:lvl5pPr>
+            <a:lvl6pPr marL="2286000" indent="0">
+              <a:buNone/>
+              <a:defRPr sz="1400">
+                <a:solidFill>
+                  <a:schemeClr val="tx1">
+                    <a:tint val="75000"/>
+                  </a:schemeClr>
+                </a:solidFill>
+              </a:defRPr>
+            </a:lvl6pPr>
+            <a:lvl7pPr marL="2743200" indent="0">
+              <a:buNone/>
+              <a:defRPr sz="1400">
+                <a:solidFill>
+                  <a:schemeClr val="tx1">
+                    <a:tint val="75000"/>
+                  </a:schemeClr>
+                </a:solidFill>
+              </a:defRPr>
+            </a:lvl7pPr>
+            <a:lvl8pPr marL="3200400" indent="0">
+              <a:buNone/>
+              <a:defRPr sz="1400">
+                <a:solidFill>
+                  <a:schemeClr val="tx1">
+                    <a:tint val="75000"/>
+                  </a:schemeClr>
+                </a:solidFill>
+              </a:defRPr>
+            </a:lvl8pPr>
+            <a:lvl9pPr marL="3657600" indent="0">
+              <a:buNone/>
+              <a:defRPr sz="1400">
+                <a:solidFill>
+                  <a:schemeClr val="tx1">
+                    <a:tint val="75000"/>
+                  </a:schemeClr>
+                </a:solidFill>
+              </a:defRPr>
+            </a:lvl9pPr>
+          </a:lstStyle>
+          <a:p>
+            <a:pPr lvl="0"/>
+            <a:r>
+              <a:rPr lang="en-US"/>
+              <a:t>Click to edit Master text styles</a:t>
+            </a:r>
+          </a:p>
+        </p:txBody>
+      </p:sp>
+      <p:sp>
+        <p:nvSpPr>
+          <p:cNvPr id="4" name="Date Placeholder 3"/>
+          <p:cNvSpPr>
+            <a:spLocks noGrp="1"/>
+          </p:cNvSpPr>
+          <p:nvPr>
+            <p:ph type="dt" sz="half" idx="10"/>
+          </p:nvPr>
+        </p:nvSpPr>
+        <p:spPr/>
+        <p:txBody>
+          <a:bodyPr/>
+          <a:lstStyle/>
+          <a:p>
+            <a:fld id="{44AC289E-63A6-4307-BE11-75FB470D7CFE}" type="datetimeFigureOut">
+              <a:rPr lang="en-US" smtClean="0"/>
+              <a:t>6/6/2022</a:t>
+            </a:fld>
+            <a:endParaRPr lang="en-US"/>
+          </a:p>
+        </p:txBody>
+      </p:sp>
+      <p:sp>
+        <p:nvSpPr>
+          <p:cNvPr id="5" name="Footer Placeholder 4"/>
+          <p:cNvSpPr>
+            <a:spLocks noGrp="1"/>
+          </p:cNvSpPr>
+          <p:nvPr>
+            <p:ph type="ftr" sz="quarter" idx="11"/>
+          </p:nvPr>
+        </p:nvSpPr>
+        <p:spPr/>
+        <p:txBody>
+          <a:bodyPr/>
+          <a:lstStyle/>
+          <a:p>
+            <a:endParaRPr lang="en-US"/>
+          </a:p>
+        </p:txBody>
+      </p:sp>
+      <p:sp>
+        <p:nvSpPr>
+          <p:cNvPr id="6" name="Slide Number Placeholder 5"/>
+          <p:cNvSpPr>
+            <a:spLocks noGrp="1"/>
+          </p:cNvSpPr>
+          <p:nvPr>
+            <p:ph type="sldNum" sz="quarter" idx="12"/>
+          </p:nvPr>
+        </p:nvSpPr>
+        <p:spPr/>
+        <p:txBody>
+          <a:bodyPr/>
+          <a:lstStyle/>
+          <a:p>
+            <a:fld id="{F0166919-CB92-4E21-B7E9-E33D6C22401B}" type="slidenum">
+              <a:rPr lang="en-US" smtClean="0"/>
+              <a:t>‹#›</a:t>
+            </a:fld>
+            <a:endParaRPr lang="en-US"/>
+          </a:p>
+        </p:txBody>
+      </p:sp>
+    </p:spTree>
+    <p:extLst>
+      <p:ext uri="{BB962C8B-B14F-4D97-AF65-F5344CB8AC3E}">
+        <p14:creationId xmlns:p14="http://schemas.microsoft.com/office/powerpoint/2010/main" val="1969912136"/>
+      </p:ext>
+    </p:extLst>
+  </p:cSld>
+  <p:clrMapOvr>
+    <a:masterClrMapping/>
+  </p:clrMapOvr>
+</p:sldLayout>
+</file>
+
+<file path=ppt/slideLayouts/slideLayout15.xml><?xml version="1.0" encoding="utf-8"?>
 <p:sldLayout xmlns:a="http://schemas.openxmlformats.org/drawingml/2006/main" xmlns:r="http://schemas.openxmlformats.org/officeDocument/2006/relationships" xmlns:p="http://schemas.openxmlformats.org/presentationml/2006/main" type="vertTx" preserve="1">
   <p:cSld name="Title and Vertical Text">
     <p:spTree>
@@ -349,13 +2528,7 @@
       </p:grpSpPr>
       <p:sp>
         <p:nvSpPr>
-          <p:cNvPr id="2" name="Title 1">
-            <a:extLst>
-              <a:ext uri="{FF2B5EF4-FFF2-40B4-BE49-F238E27FC236}">
-                <a16:creationId xmlns:a16="http://schemas.microsoft.com/office/drawing/2014/main" id="{B76BB0F1-46D9-F4C7-0F9F-87825E23996D}"/>
-              </a:ext>
-            </a:extLst>
-          </p:cNvPr>
+          <p:cNvPr id="2" name="Title 1"/>
           <p:cNvSpPr>
             <a:spLocks noGrp="1"/>
           </p:cNvSpPr>
@@ -372,18 +2545,13 @@
               <a:rPr lang="en-US"/>
               <a:t>Click to edit Master title style</a:t>
             </a:r>
-          </a:p>
-        </p:txBody>
-      </p:sp>
-      <p:sp>
-        <p:nvSpPr>
-          <p:cNvPr id="3" name="Vertical Text Placeholder 2">
-            <a:extLst>
-              <a:ext uri="{FF2B5EF4-FFF2-40B4-BE49-F238E27FC236}">
-                <a16:creationId xmlns:a16="http://schemas.microsoft.com/office/drawing/2014/main" id="{41A275AE-FDD9-76BE-D08A-13B3B51D69E6}"/>
-              </a:ext>
-            </a:extLst>
-          </p:cNvPr>
+            <a:endParaRPr lang="en-US" dirty="0"/>
+          </a:p>
+        </p:txBody>
+      </p:sp>
+      <p:sp>
+        <p:nvSpPr>
+          <p:cNvPr id="3" name="Vertical Text Placeholder 2"/>
           <p:cNvSpPr>
             <a:spLocks noGrp="1"/>
           </p:cNvSpPr>
@@ -429,18 +2597,13 @@
               <a:rPr lang="en-US"/>
               <a:t>Fifth level</a:t>
             </a:r>
-          </a:p>
-        </p:txBody>
-      </p:sp>
-      <p:sp>
-        <p:nvSpPr>
-          <p:cNvPr id="4" name="Date Placeholder 3">
-            <a:extLst>
-              <a:ext uri="{FF2B5EF4-FFF2-40B4-BE49-F238E27FC236}">
-                <a16:creationId xmlns:a16="http://schemas.microsoft.com/office/drawing/2014/main" id="{F41EACD7-BB26-0432-CE75-E2035CEB4F1C}"/>
-              </a:ext>
-            </a:extLst>
-          </p:cNvPr>
+            <a:endParaRPr lang="en-US" dirty="0"/>
+          </a:p>
+        </p:txBody>
+      </p:sp>
+      <p:sp>
+        <p:nvSpPr>
+          <p:cNvPr id="4" name="Date Placeholder 3"/>
           <p:cNvSpPr>
             <a:spLocks noGrp="1"/>
           </p:cNvSpPr>
@@ -463,13 +2626,7 @@
       </p:sp>
       <p:sp>
         <p:nvSpPr>
-          <p:cNvPr id="5" name="Footer Placeholder 4">
-            <a:extLst>
-              <a:ext uri="{FF2B5EF4-FFF2-40B4-BE49-F238E27FC236}">
-                <a16:creationId xmlns:a16="http://schemas.microsoft.com/office/drawing/2014/main" id="{2465B87F-458F-C85C-5036-FD6FDEB68FC9}"/>
-              </a:ext>
-            </a:extLst>
-          </p:cNvPr>
+          <p:cNvPr id="5" name="Footer Placeholder 4"/>
           <p:cNvSpPr>
             <a:spLocks noGrp="1"/>
           </p:cNvSpPr>
@@ -488,13 +2645,7 @@
       </p:sp>
       <p:sp>
         <p:nvSpPr>
-          <p:cNvPr id="6" name="Slide Number Placeholder 5">
-            <a:extLst>
-              <a:ext uri="{FF2B5EF4-FFF2-40B4-BE49-F238E27FC236}">
-                <a16:creationId xmlns:a16="http://schemas.microsoft.com/office/drawing/2014/main" id="{50EDD7A1-56D7-130B-28D8-2F5FFBB2CF5E}"/>
-              </a:ext>
-            </a:extLst>
-          </p:cNvPr>
+          <p:cNvPr id="6" name="Slide Number Placeholder 5"/>
           <p:cNvSpPr>
             <a:spLocks noGrp="1"/>
           </p:cNvSpPr>
@@ -518,7 +2669,7 @@
     </p:spTree>
     <p:extLst>
       <p:ext uri="{BB962C8B-B14F-4D97-AF65-F5344CB8AC3E}">
-        <p14:creationId xmlns:p14="http://schemas.microsoft.com/office/powerpoint/2010/main" val="1471405814"/>
+        <p14:creationId xmlns:p14="http://schemas.microsoft.com/office/powerpoint/2010/main" val="1495232188"/>
       </p:ext>
     </p:extLst>
   </p:cSld>
@@ -528,7 +2679,7 @@
 </p:sldLayout>
 </file>
 
-<file path=ppt/slideLayouts/slideLayout11.xml><?xml version="1.0" encoding="utf-8"?>
+<file path=ppt/slideLayouts/slideLayout16.xml><?xml version="1.0" encoding="utf-8"?>
 <p:sldLayout xmlns:a="http://schemas.openxmlformats.org/drawingml/2006/main" xmlns:r="http://schemas.openxmlformats.org/officeDocument/2006/relationships" xmlns:p="http://schemas.openxmlformats.org/presentationml/2006/main" type="vertTitleAndTx" preserve="1">
   <p:cSld name="Vertical Title and Text">
     <p:spTree>
@@ -547,13 +2698,7 @@
       </p:grpSpPr>
       <p:sp>
         <p:nvSpPr>
-          <p:cNvPr id="2" name="Vertical Title 1">
-            <a:extLst>
-              <a:ext uri="{FF2B5EF4-FFF2-40B4-BE49-F238E27FC236}">
-                <a16:creationId xmlns:a16="http://schemas.microsoft.com/office/drawing/2014/main" id="{2ED74883-04F0-C347-CC41-861A532BA7DC}"/>
-              </a:ext>
-            </a:extLst>
-          </p:cNvPr>
+          <p:cNvPr id="2" name="Vertical Title 1"/>
           <p:cNvSpPr>
             <a:spLocks noGrp="1"/>
           </p:cNvSpPr>
@@ -563,30 +2708,25 @@
         </p:nvSpPr>
         <p:spPr>
           <a:xfrm>
-            <a:off x="8724900" y="365125"/>
-            <a:ext cx="2628900" cy="5811838"/>
+            <a:off x="7967673" y="609599"/>
+            <a:ext cx="1304743" cy="5251451"/>
           </a:xfrm>
         </p:spPr>
         <p:txBody>
-          <a:bodyPr vert="eaVert"/>
+          <a:bodyPr vert="eaVert" anchor="ctr"/>
           <a:lstStyle/>
           <a:p>
             <a:r>
               <a:rPr lang="en-US"/>
               <a:t>Click to edit Master title style</a:t>
             </a:r>
-          </a:p>
-        </p:txBody>
-      </p:sp>
-      <p:sp>
-        <p:nvSpPr>
-          <p:cNvPr id="3" name="Vertical Text Placeholder 2">
-            <a:extLst>
-              <a:ext uri="{FF2B5EF4-FFF2-40B4-BE49-F238E27FC236}">
-                <a16:creationId xmlns:a16="http://schemas.microsoft.com/office/drawing/2014/main" id="{1FA7848D-6B84-B29B-D0C9-261B708D3B33}"/>
-              </a:ext>
-            </a:extLst>
-          </p:cNvPr>
+            <a:endParaRPr lang="en-US" dirty="0"/>
+          </a:p>
+        </p:txBody>
+      </p:sp>
+      <p:sp>
+        <p:nvSpPr>
+          <p:cNvPr id="3" name="Vertical Text Placeholder 2"/>
           <p:cNvSpPr>
             <a:spLocks noGrp="1"/>
           </p:cNvSpPr>
@@ -596,8 +2736,8 @@
         </p:nvSpPr>
         <p:spPr>
           <a:xfrm>
-            <a:off x="838200" y="365125"/>
-            <a:ext cx="7734300" cy="5811838"/>
+            <a:off x="677335" y="609600"/>
+            <a:ext cx="7060150" cy="5251450"/>
           </a:xfrm>
         </p:spPr>
         <p:txBody>
@@ -637,18 +2777,13 @@
               <a:rPr lang="en-US"/>
               <a:t>Fifth level</a:t>
             </a:r>
-          </a:p>
-        </p:txBody>
-      </p:sp>
-      <p:sp>
-        <p:nvSpPr>
-          <p:cNvPr id="4" name="Date Placeholder 3">
-            <a:extLst>
-              <a:ext uri="{FF2B5EF4-FFF2-40B4-BE49-F238E27FC236}">
-                <a16:creationId xmlns:a16="http://schemas.microsoft.com/office/drawing/2014/main" id="{C4F4A2E3-55D9-CDBB-B5C4-5676A4C20212}"/>
-              </a:ext>
-            </a:extLst>
-          </p:cNvPr>
+            <a:endParaRPr lang="en-US" dirty="0"/>
+          </a:p>
+        </p:txBody>
+      </p:sp>
+      <p:sp>
+        <p:nvSpPr>
+          <p:cNvPr id="4" name="Date Placeholder 3"/>
           <p:cNvSpPr>
             <a:spLocks noGrp="1"/>
           </p:cNvSpPr>
@@ -671,13 +2806,7 @@
       </p:sp>
       <p:sp>
         <p:nvSpPr>
-          <p:cNvPr id="5" name="Footer Placeholder 4">
-            <a:extLst>
-              <a:ext uri="{FF2B5EF4-FFF2-40B4-BE49-F238E27FC236}">
-                <a16:creationId xmlns:a16="http://schemas.microsoft.com/office/drawing/2014/main" id="{42A6DA5C-8F21-0E6B-9686-FA7BA2140E11}"/>
-              </a:ext>
-            </a:extLst>
-          </p:cNvPr>
+          <p:cNvPr id="5" name="Footer Placeholder 4"/>
           <p:cNvSpPr>
             <a:spLocks noGrp="1"/>
           </p:cNvSpPr>
@@ -696,13 +2825,7 @@
       </p:sp>
       <p:sp>
         <p:nvSpPr>
-          <p:cNvPr id="6" name="Slide Number Placeholder 5">
-            <a:extLst>
-              <a:ext uri="{FF2B5EF4-FFF2-40B4-BE49-F238E27FC236}">
-                <a16:creationId xmlns:a16="http://schemas.microsoft.com/office/drawing/2014/main" id="{C6A10B02-DD71-5490-22EC-D8C5BB0C502D}"/>
-              </a:ext>
-            </a:extLst>
-          </p:cNvPr>
+          <p:cNvPr id="6" name="Slide Number Placeholder 5"/>
           <p:cNvSpPr>
             <a:spLocks noGrp="1"/>
           </p:cNvSpPr>
@@ -726,7 +2849,7 @@
     </p:spTree>
     <p:extLst>
       <p:ext uri="{BB962C8B-B14F-4D97-AF65-F5344CB8AC3E}">
-        <p14:creationId xmlns:p14="http://schemas.microsoft.com/office/powerpoint/2010/main" val="3595541235"/>
+        <p14:creationId xmlns:p14="http://schemas.microsoft.com/office/powerpoint/2010/main" val="294997556"/>
       </p:ext>
     </p:extLst>
   </p:cSld>
@@ -755,13 +2878,7 @@
       </p:grpSpPr>
       <p:sp>
         <p:nvSpPr>
-          <p:cNvPr id="2" name="Title 1">
-            <a:extLst>
-              <a:ext uri="{FF2B5EF4-FFF2-40B4-BE49-F238E27FC236}">
-                <a16:creationId xmlns:a16="http://schemas.microsoft.com/office/drawing/2014/main" id="{47E66D4B-91CC-3D49-1A68-F716FCFFCEAA}"/>
-              </a:ext>
-            </a:extLst>
-          </p:cNvPr>
+          <p:cNvPr id="2" name="Title 1"/>
           <p:cNvSpPr>
             <a:spLocks noGrp="1"/>
           </p:cNvSpPr>
@@ -771,37 +2888,38 @@
         </p:nvSpPr>
         <p:spPr/>
         <p:txBody>
+          <a:bodyPr>
+            <a:normAutofit/>
+          </a:bodyPr>
+          <a:lstStyle>
+            <a:lvl1pPr>
+              <a:defRPr sz="3600"/>
+            </a:lvl1pPr>
+          </a:lstStyle>
+          <a:p>
+            <a:r>
+              <a:rPr lang="en-US"/>
+              <a:t>Click to edit Master title style</a:t>
+            </a:r>
+            <a:endParaRPr lang="en-US" dirty="0"/>
+          </a:p>
+        </p:txBody>
+      </p:sp>
+      <p:sp>
+        <p:nvSpPr>
+          <p:cNvPr id="3" name="Content Placeholder 2"/>
+          <p:cNvSpPr>
+            <a:spLocks noGrp="1"/>
+          </p:cNvSpPr>
+          <p:nvPr>
+            <p:ph idx="1"/>
+          </p:nvPr>
+        </p:nvSpPr>
+        <p:spPr/>
+        <p:txBody>
           <a:bodyPr/>
           <a:lstStyle/>
           <a:p>
-            <a:r>
-              <a:rPr lang="en-US"/>
-              <a:t>Click to edit Master title style</a:t>
-            </a:r>
-          </a:p>
-        </p:txBody>
-      </p:sp>
-      <p:sp>
-        <p:nvSpPr>
-          <p:cNvPr id="3" name="Content Placeholder 2">
-            <a:extLst>
-              <a:ext uri="{FF2B5EF4-FFF2-40B4-BE49-F238E27FC236}">
-                <a16:creationId xmlns:a16="http://schemas.microsoft.com/office/drawing/2014/main" id="{68237B07-0156-62FF-E609-46243D731391}"/>
-              </a:ext>
-            </a:extLst>
-          </p:cNvPr>
-          <p:cNvSpPr>
-            <a:spLocks noGrp="1"/>
-          </p:cNvSpPr>
-          <p:nvPr>
-            <p:ph idx="1"/>
-          </p:nvPr>
-        </p:nvSpPr>
-        <p:spPr/>
-        <p:txBody>
-          <a:bodyPr/>
-          <a:lstStyle/>
-          <a:p>
             <a:pPr lvl="0"/>
             <a:r>
               <a:rPr lang="en-US"/>
@@ -835,18 +2953,13 @@
               <a:rPr lang="en-US"/>
               <a:t>Fifth level</a:t>
             </a:r>
-          </a:p>
-        </p:txBody>
-      </p:sp>
-      <p:sp>
-        <p:nvSpPr>
-          <p:cNvPr id="4" name="Date Placeholder 3">
-            <a:extLst>
-              <a:ext uri="{FF2B5EF4-FFF2-40B4-BE49-F238E27FC236}">
-                <a16:creationId xmlns:a16="http://schemas.microsoft.com/office/drawing/2014/main" id="{F76F5C99-C47B-9071-D594-FFA207FD4B48}"/>
-              </a:ext>
-            </a:extLst>
-          </p:cNvPr>
+            <a:endParaRPr lang="en-US" dirty="0"/>
+          </a:p>
+        </p:txBody>
+      </p:sp>
+      <p:sp>
+        <p:nvSpPr>
+          <p:cNvPr id="4" name="Date Placeholder 3"/>
           <p:cNvSpPr>
             <a:spLocks noGrp="1"/>
           </p:cNvSpPr>
@@ -869,13 +2982,7 @@
       </p:sp>
       <p:sp>
         <p:nvSpPr>
-          <p:cNvPr id="5" name="Footer Placeholder 4">
-            <a:extLst>
-              <a:ext uri="{FF2B5EF4-FFF2-40B4-BE49-F238E27FC236}">
-                <a16:creationId xmlns:a16="http://schemas.microsoft.com/office/drawing/2014/main" id="{91F4AEE6-07FF-82D2-4BE0-41FCD28DF84C}"/>
-              </a:ext>
-            </a:extLst>
-          </p:cNvPr>
+          <p:cNvPr id="5" name="Footer Placeholder 4"/>
           <p:cNvSpPr>
             <a:spLocks noGrp="1"/>
           </p:cNvSpPr>
@@ -894,13 +3001,7 @@
       </p:sp>
       <p:sp>
         <p:nvSpPr>
-          <p:cNvPr id="6" name="Slide Number Placeholder 5">
-            <a:extLst>
-              <a:ext uri="{FF2B5EF4-FFF2-40B4-BE49-F238E27FC236}">
-                <a16:creationId xmlns:a16="http://schemas.microsoft.com/office/drawing/2014/main" id="{2C78530F-51E7-A53D-48E0-1A4C60A9B953}"/>
-              </a:ext>
-            </a:extLst>
-          </p:cNvPr>
+          <p:cNvPr id="6" name="Slide Number Placeholder 5"/>
           <p:cNvSpPr>
             <a:spLocks noGrp="1"/>
           </p:cNvSpPr>
@@ -924,7 +3025,7 @@
     </p:spTree>
     <p:extLst>
       <p:ext uri="{BB962C8B-B14F-4D97-AF65-F5344CB8AC3E}">
-        <p14:creationId xmlns:p14="http://schemas.microsoft.com/office/powerpoint/2010/main" val="528103840"/>
+        <p14:creationId xmlns:p14="http://schemas.microsoft.com/office/powerpoint/2010/main" val="1681241731"/>
       </p:ext>
     </p:extLst>
   </p:cSld>
@@ -953,13 +3054,7 @@
       </p:grpSpPr>
       <p:sp>
         <p:nvSpPr>
-          <p:cNvPr id="2" name="Title 1">
-            <a:extLst>
-              <a:ext uri="{FF2B5EF4-FFF2-40B4-BE49-F238E27FC236}">
-                <a16:creationId xmlns:a16="http://schemas.microsoft.com/office/drawing/2014/main" id="{2E02DDF6-07D2-A2A0-442D-12C68BA66064}"/>
-              </a:ext>
-            </a:extLst>
-          </p:cNvPr>
+          <p:cNvPr id="2" name="Title 1"/>
           <p:cNvSpPr>
             <a:spLocks noGrp="1"/>
           </p:cNvSpPr>
@@ -969,15 +3064,15 @@
         </p:nvSpPr>
         <p:spPr>
           <a:xfrm>
-            <a:off x="831850" y="1709738"/>
-            <a:ext cx="10515600" cy="2852737"/>
+            <a:off x="677335" y="2700867"/>
+            <a:ext cx="8596668" cy="1826581"/>
           </a:xfrm>
         </p:spPr>
         <p:txBody>
           <a:bodyPr anchor="b"/>
           <a:lstStyle>
-            <a:lvl1pPr>
-              <a:defRPr sz="6000"/>
+            <a:lvl1pPr algn="l">
+              <a:defRPr sz="4000" b="0" cap="none"/>
             </a:lvl1pPr>
           </a:lstStyle>
           <a:p>
@@ -985,18 +3080,13 @@
               <a:rPr lang="en-US"/>
               <a:t>Click to edit Master title style</a:t>
             </a:r>
-          </a:p>
-        </p:txBody>
-      </p:sp>
-      <p:sp>
-        <p:nvSpPr>
-          <p:cNvPr id="3" name="Text Placeholder 2">
-            <a:extLst>
-              <a:ext uri="{FF2B5EF4-FFF2-40B4-BE49-F238E27FC236}">
-                <a16:creationId xmlns:a16="http://schemas.microsoft.com/office/drawing/2014/main" id="{B8FB6400-44BE-8A68-32B1-EAA544BA46F1}"/>
-              </a:ext>
-            </a:extLst>
-          </p:cNvPr>
+            <a:endParaRPr lang="en-US" dirty="0"/>
+          </a:p>
+        </p:txBody>
+      </p:sp>
+      <p:sp>
+        <p:nvSpPr>
+          <p:cNvPr id="3" name="Text Placeholder 2"/>
           <p:cNvSpPr>
             <a:spLocks noGrp="1"/>
           </p:cNvSpPr>
@@ -1006,26 +3096,27 @@
         </p:nvSpPr>
         <p:spPr>
           <a:xfrm>
-            <a:off x="831850" y="4589463"/>
-            <a:ext cx="10515600" cy="1500187"/>
+            <a:off x="677335" y="4527448"/>
+            <a:ext cx="8596668" cy="860400"/>
           </a:xfrm>
         </p:spPr>
         <p:txBody>
-          <a:bodyPr/>
+          <a:bodyPr anchor="t"/>
           <a:lstStyle>
-            <a:lvl1pPr marL="0" indent="0">
-              <a:buNone/>
-              <a:defRPr sz="2400">
+            <a:lvl1pPr marL="0" indent="0" algn="l">
+              <a:buNone/>
+              <a:defRPr sz="2000">
                 <a:solidFill>
                   <a:schemeClr val="tx1">
-                    <a:tint val="75000"/>
+                    <a:lumMod val="50000"/>
+                    <a:lumOff val="50000"/>
                   </a:schemeClr>
                 </a:solidFill>
               </a:defRPr>
             </a:lvl1pPr>
             <a:lvl2pPr marL="457200" indent="0">
               <a:buNone/>
-              <a:defRPr sz="2000">
+              <a:defRPr sz="1800">
                 <a:solidFill>
                   <a:schemeClr val="tx1">
                     <a:tint val="75000"/>
@@ -1035,7 +3126,7 @@
             </a:lvl2pPr>
             <a:lvl3pPr marL="914400" indent="0">
               <a:buNone/>
-              <a:defRPr sz="1800">
+              <a:defRPr sz="1600">
                 <a:solidFill>
                   <a:schemeClr val="tx1">
                     <a:tint val="75000"/>
@@ -1045,7 +3136,7 @@
             </a:lvl3pPr>
             <a:lvl4pPr marL="1371600" indent="0">
               <a:buNone/>
-              <a:defRPr sz="1600">
+              <a:defRPr sz="1400">
                 <a:solidFill>
                   <a:schemeClr val="tx1">
                     <a:tint val="75000"/>
@@ -1055,7 +3146,7 @@
             </a:lvl4pPr>
             <a:lvl5pPr marL="1828800" indent="0">
               <a:buNone/>
-              <a:defRPr sz="1600">
+              <a:defRPr sz="1400">
                 <a:solidFill>
                   <a:schemeClr val="tx1">
                     <a:tint val="75000"/>
@@ -1065,7 +3156,7 @@
             </a:lvl5pPr>
             <a:lvl6pPr marL="2286000" indent="0">
               <a:buNone/>
-              <a:defRPr sz="1600">
+              <a:defRPr sz="1400">
                 <a:solidFill>
                   <a:schemeClr val="tx1">
                     <a:tint val="75000"/>
@@ -1075,7 +3166,7 @@
             </a:lvl6pPr>
             <a:lvl7pPr marL="2743200" indent="0">
               <a:buNone/>
-              <a:defRPr sz="1600">
+              <a:defRPr sz="1400">
                 <a:solidFill>
                   <a:schemeClr val="tx1">
                     <a:tint val="75000"/>
@@ -1085,7 +3176,7 @@
             </a:lvl7pPr>
             <a:lvl8pPr marL="3200400" indent="0">
               <a:buNone/>
-              <a:defRPr sz="1600">
+              <a:defRPr sz="1400">
                 <a:solidFill>
                   <a:schemeClr val="tx1">
                     <a:tint val="75000"/>
@@ -1095,7 +3186,7 @@
             </a:lvl8pPr>
             <a:lvl9pPr marL="3657600" indent="0">
               <a:buNone/>
-              <a:defRPr sz="1600">
+              <a:defRPr sz="1400">
                 <a:solidFill>
                   <a:schemeClr val="tx1">
                     <a:tint val="75000"/>
@@ -1115,13 +3206,7 @@
       </p:sp>
       <p:sp>
         <p:nvSpPr>
-          <p:cNvPr id="4" name="Date Placeholder 3">
-            <a:extLst>
-              <a:ext uri="{FF2B5EF4-FFF2-40B4-BE49-F238E27FC236}">
-                <a16:creationId xmlns:a16="http://schemas.microsoft.com/office/drawing/2014/main" id="{8A656444-3A8C-73AD-F7DF-3502DEECC907}"/>
-              </a:ext>
-            </a:extLst>
-          </p:cNvPr>
+          <p:cNvPr id="4" name="Date Placeholder 3"/>
           <p:cNvSpPr>
             <a:spLocks noGrp="1"/>
           </p:cNvSpPr>
@@ -1144,13 +3229,7 @@
       </p:sp>
       <p:sp>
         <p:nvSpPr>
-          <p:cNvPr id="5" name="Footer Placeholder 4">
-            <a:extLst>
-              <a:ext uri="{FF2B5EF4-FFF2-40B4-BE49-F238E27FC236}">
-                <a16:creationId xmlns:a16="http://schemas.microsoft.com/office/drawing/2014/main" id="{7E82822F-16C1-DFA6-BEE5-44741ABA8B7D}"/>
-              </a:ext>
-            </a:extLst>
-          </p:cNvPr>
+          <p:cNvPr id="5" name="Footer Placeholder 4"/>
           <p:cNvSpPr>
             <a:spLocks noGrp="1"/>
           </p:cNvSpPr>
@@ -1169,13 +3248,7 @@
       </p:sp>
       <p:sp>
         <p:nvSpPr>
-          <p:cNvPr id="6" name="Slide Number Placeholder 5">
-            <a:extLst>
-              <a:ext uri="{FF2B5EF4-FFF2-40B4-BE49-F238E27FC236}">
-                <a16:creationId xmlns:a16="http://schemas.microsoft.com/office/drawing/2014/main" id="{25BAFA5A-653E-03E1-319C-F9B442785FE4}"/>
-              </a:ext>
-            </a:extLst>
-          </p:cNvPr>
+          <p:cNvPr id="6" name="Slide Number Placeholder 5"/>
           <p:cNvSpPr>
             <a:spLocks noGrp="1"/>
           </p:cNvSpPr>
@@ -1199,7 +3272,7 @@
     </p:spTree>
     <p:extLst>
       <p:ext uri="{BB962C8B-B14F-4D97-AF65-F5344CB8AC3E}">
-        <p14:creationId xmlns:p14="http://schemas.microsoft.com/office/powerpoint/2010/main" val="1163610632"/>
+        <p14:creationId xmlns:p14="http://schemas.microsoft.com/office/powerpoint/2010/main" val="3203212693"/>
       </p:ext>
     </p:extLst>
   </p:cSld>
@@ -1228,13 +3301,7 @@
       </p:grpSpPr>
       <p:sp>
         <p:nvSpPr>
-          <p:cNvPr id="2" name="Title 1">
-            <a:extLst>
-              <a:ext uri="{FF2B5EF4-FFF2-40B4-BE49-F238E27FC236}">
-                <a16:creationId xmlns:a16="http://schemas.microsoft.com/office/drawing/2014/main" id="{DEAE837E-E3C9-24CF-A561-5568F5194F82}"/>
-              </a:ext>
-            </a:extLst>
-          </p:cNvPr>
+          <p:cNvPr id="2" name="Title 1"/>
           <p:cNvSpPr>
             <a:spLocks noGrp="1"/>
           </p:cNvSpPr>
@@ -1251,18 +3318,13 @@
               <a:rPr lang="en-US"/>
               <a:t>Click to edit Master title style</a:t>
             </a:r>
-          </a:p>
-        </p:txBody>
-      </p:sp>
-      <p:sp>
-        <p:nvSpPr>
-          <p:cNvPr id="3" name="Content Placeholder 2">
-            <a:extLst>
-              <a:ext uri="{FF2B5EF4-FFF2-40B4-BE49-F238E27FC236}">
-                <a16:creationId xmlns:a16="http://schemas.microsoft.com/office/drawing/2014/main" id="{51FBC319-D544-DC21-7F90-82DB21F742AA}"/>
-              </a:ext>
-            </a:extLst>
-          </p:cNvPr>
+            <a:endParaRPr lang="en-US" dirty="0"/>
+          </a:p>
+        </p:txBody>
+      </p:sp>
+      <p:sp>
+        <p:nvSpPr>
+          <p:cNvPr id="3" name="Content Placeholder 2"/>
           <p:cNvSpPr>
             <a:spLocks noGrp="1"/>
           </p:cNvSpPr>
@@ -1272,8 +3334,8 @@
         </p:nvSpPr>
         <p:spPr>
           <a:xfrm>
-            <a:off x="838200" y="1825625"/>
-            <a:ext cx="5181600" cy="4351338"/>
+            <a:off x="677334" y="2160589"/>
+            <a:ext cx="4184035" cy="3880772"/>
           </a:xfrm>
         </p:spPr>
         <p:txBody>
@@ -1313,18 +3375,13 @@
               <a:rPr lang="en-US"/>
               <a:t>Fifth level</a:t>
             </a:r>
-          </a:p>
-        </p:txBody>
-      </p:sp>
-      <p:sp>
-        <p:nvSpPr>
-          <p:cNvPr id="4" name="Content Placeholder 3">
-            <a:extLst>
-              <a:ext uri="{FF2B5EF4-FFF2-40B4-BE49-F238E27FC236}">
-                <a16:creationId xmlns:a16="http://schemas.microsoft.com/office/drawing/2014/main" id="{364DB1A6-740D-287C-F39B-11B7F318F892}"/>
-              </a:ext>
-            </a:extLst>
-          </p:cNvPr>
+            <a:endParaRPr lang="en-US" dirty="0"/>
+          </a:p>
+        </p:txBody>
+      </p:sp>
+      <p:sp>
+        <p:nvSpPr>
+          <p:cNvPr id="4" name="Content Placeholder 3"/>
           <p:cNvSpPr>
             <a:spLocks noGrp="1"/>
           </p:cNvSpPr>
@@ -1334,8 +3391,8 @@
         </p:nvSpPr>
         <p:spPr>
           <a:xfrm>
-            <a:off x="6172200" y="1825625"/>
-            <a:ext cx="5181600" cy="4351338"/>
+            <a:off x="5089970" y="2160589"/>
+            <a:ext cx="4184034" cy="3880773"/>
           </a:xfrm>
         </p:spPr>
         <p:txBody>
@@ -1375,18 +3432,13 @@
               <a:rPr lang="en-US"/>
               <a:t>Fifth level</a:t>
             </a:r>
-          </a:p>
-        </p:txBody>
-      </p:sp>
-      <p:sp>
-        <p:nvSpPr>
-          <p:cNvPr id="5" name="Date Placeholder 4">
-            <a:extLst>
-              <a:ext uri="{FF2B5EF4-FFF2-40B4-BE49-F238E27FC236}">
-                <a16:creationId xmlns:a16="http://schemas.microsoft.com/office/drawing/2014/main" id="{88D21675-810F-F279-D9EA-EF0959A35980}"/>
-              </a:ext>
-            </a:extLst>
-          </p:cNvPr>
+            <a:endParaRPr lang="en-US" dirty="0"/>
+          </a:p>
+        </p:txBody>
+      </p:sp>
+      <p:sp>
+        <p:nvSpPr>
+          <p:cNvPr id="5" name="Date Placeholder 4"/>
           <p:cNvSpPr>
             <a:spLocks noGrp="1"/>
           </p:cNvSpPr>
@@ -1409,13 +3461,7 @@
       </p:sp>
       <p:sp>
         <p:nvSpPr>
-          <p:cNvPr id="6" name="Footer Placeholder 5">
-            <a:extLst>
-              <a:ext uri="{FF2B5EF4-FFF2-40B4-BE49-F238E27FC236}">
-                <a16:creationId xmlns:a16="http://schemas.microsoft.com/office/drawing/2014/main" id="{BF9D4257-1347-A12B-9790-61D26939A3B1}"/>
-              </a:ext>
-            </a:extLst>
-          </p:cNvPr>
+          <p:cNvPr id="6" name="Footer Placeholder 5"/>
           <p:cNvSpPr>
             <a:spLocks noGrp="1"/>
           </p:cNvSpPr>
@@ -1434,13 +3480,7 @@
       </p:sp>
       <p:sp>
         <p:nvSpPr>
-          <p:cNvPr id="7" name="Slide Number Placeholder 6">
-            <a:extLst>
-              <a:ext uri="{FF2B5EF4-FFF2-40B4-BE49-F238E27FC236}">
-                <a16:creationId xmlns:a16="http://schemas.microsoft.com/office/drawing/2014/main" id="{36723870-DAFC-A125-88C8-9B65D9351F6E}"/>
-              </a:ext>
-            </a:extLst>
-          </p:cNvPr>
+          <p:cNvPr id="7" name="Slide Number Placeholder 6"/>
           <p:cNvSpPr>
             <a:spLocks noGrp="1"/>
           </p:cNvSpPr>
@@ -1464,7 +3504,7 @@
     </p:spTree>
     <p:extLst>
       <p:ext uri="{BB962C8B-B14F-4D97-AF65-F5344CB8AC3E}">
-        <p14:creationId xmlns:p14="http://schemas.microsoft.com/office/powerpoint/2010/main" val="1526733915"/>
+        <p14:creationId xmlns:p14="http://schemas.microsoft.com/office/powerpoint/2010/main" val="1209121085"/>
       </p:ext>
     </p:extLst>
   </p:cSld>
@@ -1493,65 +3533,55 @@
       </p:grpSpPr>
       <p:sp>
         <p:nvSpPr>
-          <p:cNvPr id="2" name="Title 1">
-            <a:extLst>
-              <a:ext uri="{FF2B5EF4-FFF2-40B4-BE49-F238E27FC236}">
-                <a16:creationId xmlns:a16="http://schemas.microsoft.com/office/drawing/2014/main" id="{429F487A-88EE-AFF7-05DB-E19D8D8DF088}"/>
-              </a:ext>
-            </a:extLst>
-          </p:cNvPr>
+          <p:cNvPr id="2" name="Title 1"/>
           <p:cNvSpPr>
             <a:spLocks noGrp="1"/>
           </p:cNvSpPr>
           <p:nvPr>
             <p:ph type="title"/>
+          </p:nvPr>
+        </p:nvSpPr>
+        <p:spPr/>
+        <p:txBody>
+          <a:bodyPr/>
+          <a:lstStyle>
+            <a:lvl1pPr>
+              <a:defRPr/>
+            </a:lvl1pPr>
+          </a:lstStyle>
+          <a:p>
+            <a:r>
+              <a:rPr lang="en-US"/>
+              <a:t>Click to edit Master title style</a:t>
+            </a:r>
+            <a:endParaRPr lang="en-US" dirty="0"/>
+          </a:p>
+        </p:txBody>
+      </p:sp>
+      <p:sp>
+        <p:nvSpPr>
+          <p:cNvPr id="3" name="Text Placeholder 2"/>
+          <p:cNvSpPr>
+            <a:spLocks noGrp="1"/>
+          </p:cNvSpPr>
+          <p:nvPr>
+            <p:ph type="body" idx="1"/>
           </p:nvPr>
         </p:nvSpPr>
         <p:spPr>
           <a:xfrm>
-            <a:off x="839788" y="365125"/>
-            <a:ext cx="10515600" cy="1325563"/>
+            <a:off x="675745" y="2160983"/>
+            <a:ext cx="4185623" cy="576262"/>
           </a:xfrm>
         </p:spPr>
         <p:txBody>
-          <a:bodyPr/>
-          <a:lstStyle/>
-          <a:p>
-            <a:r>
-              <a:rPr lang="en-US"/>
-              <a:t>Click to edit Master title style</a:t>
-            </a:r>
-          </a:p>
-        </p:txBody>
-      </p:sp>
-      <p:sp>
-        <p:nvSpPr>
-          <p:cNvPr id="3" name="Text Placeholder 2">
-            <a:extLst>
-              <a:ext uri="{FF2B5EF4-FFF2-40B4-BE49-F238E27FC236}">
-                <a16:creationId xmlns:a16="http://schemas.microsoft.com/office/drawing/2014/main" id="{3AB8F577-00FE-49A0-11D5-6A80FB073FAB}"/>
-              </a:ext>
-            </a:extLst>
-          </p:cNvPr>
-          <p:cNvSpPr>
-            <a:spLocks noGrp="1"/>
-          </p:cNvSpPr>
-          <p:nvPr>
-            <p:ph type="body" idx="1"/>
-          </p:nvPr>
-        </p:nvSpPr>
-        <p:spPr>
-          <a:xfrm>
-            <a:off x="839788" y="1681163"/>
-            <a:ext cx="5157787" cy="823912"/>
-          </a:xfrm>
-        </p:spPr>
-        <p:txBody>
-          <a:bodyPr anchor="b"/>
+          <a:bodyPr anchor="b">
+            <a:noAutofit/>
+          </a:bodyPr>
           <a:lstStyle>
             <a:lvl1pPr marL="0" indent="0">
               <a:buNone/>
-              <a:defRPr sz="2400" b="1"/>
+              <a:defRPr sz="2400" b="0"/>
             </a:lvl1pPr>
             <a:lvl2pPr marL="457200" indent="0">
               <a:buNone/>
@@ -1597,13 +3627,7 @@
       </p:sp>
       <p:sp>
         <p:nvSpPr>
-          <p:cNvPr id="4" name="Content Placeholder 3">
-            <a:extLst>
-              <a:ext uri="{FF2B5EF4-FFF2-40B4-BE49-F238E27FC236}">
-                <a16:creationId xmlns:a16="http://schemas.microsoft.com/office/drawing/2014/main" id="{3D5ADEC0-1A7B-832A-9E98-7C5CD0839D8E}"/>
-              </a:ext>
-            </a:extLst>
-          </p:cNvPr>
+          <p:cNvPr id="4" name="Content Placeholder 3"/>
           <p:cNvSpPr>
             <a:spLocks noGrp="1"/>
           </p:cNvSpPr>
@@ -1613,12 +3637,14 @@
         </p:nvSpPr>
         <p:spPr>
           <a:xfrm>
-            <a:off x="839788" y="2505075"/>
-            <a:ext cx="5157787" cy="3684588"/>
+            <a:off x="675745" y="2737245"/>
+            <a:ext cx="4185623" cy="3304117"/>
           </a:xfrm>
         </p:spPr>
         <p:txBody>
-          <a:bodyPr/>
+          <a:bodyPr>
+            <a:normAutofit/>
+          </a:bodyPr>
           <a:lstStyle/>
           <a:p>
             <a:pPr lvl="0"/>
@@ -1654,18 +3680,13 @@
               <a:rPr lang="en-US"/>
               <a:t>Fifth level</a:t>
             </a:r>
-          </a:p>
-        </p:txBody>
-      </p:sp>
-      <p:sp>
-        <p:nvSpPr>
-          <p:cNvPr id="5" name="Text Placeholder 4">
-            <a:extLst>
-              <a:ext uri="{FF2B5EF4-FFF2-40B4-BE49-F238E27FC236}">
-                <a16:creationId xmlns:a16="http://schemas.microsoft.com/office/drawing/2014/main" id="{68948640-A87B-FF88-2BC9-7597B86F40E0}"/>
-              </a:ext>
-            </a:extLst>
-          </p:cNvPr>
+            <a:endParaRPr lang="en-US" dirty="0"/>
+          </a:p>
+        </p:txBody>
+      </p:sp>
+      <p:sp>
+        <p:nvSpPr>
+          <p:cNvPr id="5" name="Text Placeholder 4"/>
           <p:cNvSpPr>
             <a:spLocks noGrp="1"/>
           </p:cNvSpPr>
@@ -1675,16 +3696,18 @@
         </p:nvSpPr>
         <p:spPr>
           <a:xfrm>
-            <a:off x="6172200" y="1681163"/>
-            <a:ext cx="5183188" cy="823912"/>
+            <a:off x="5088383" y="2160983"/>
+            <a:ext cx="4185618" cy="576262"/>
           </a:xfrm>
         </p:spPr>
         <p:txBody>
-          <a:bodyPr anchor="b"/>
+          <a:bodyPr anchor="b">
+            <a:noAutofit/>
+          </a:bodyPr>
           <a:lstStyle>
             <a:lvl1pPr marL="0" indent="0">
               <a:buNone/>
-              <a:defRPr sz="2400" b="1"/>
+              <a:defRPr sz="2400" b="0"/>
             </a:lvl1pPr>
             <a:lvl2pPr marL="457200" indent="0">
               <a:buNone/>
@@ -1730,13 +3753,7 @@
       </p:sp>
       <p:sp>
         <p:nvSpPr>
-          <p:cNvPr id="6" name="Content Placeholder 5">
-            <a:extLst>
-              <a:ext uri="{FF2B5EF4-FFF2-40B4-BE49-F238E27FC236}">
-                <a16:creationId xmlns:a16="http://schemas.microsoft.com/office/drawing/2014/main" id="{68F87DB9-6138-7D12-55D2-540EA6B8994E}"/>
-              </a:ext>
-            </a:extLst>
-          </p:cNvPr>
+          <p:cNvPr id="6" name="Content Placeholder 5"/>
           <p:cNvSpPr>
             <a:spLocks noGrp="1"/>
           </p:cNvSpPr>
@@ -1746,12 +3763,14 @@
         </p:nvSpPr>
         <p:spPr>
           <a:xfrm>
-            <a:off x="6172200" y="2505075"/>
-            <a:ext cx="5183188" cy="3684588"/>
+            <a:off x="5088384" y="2737245"/>
+            <a:ext cx="4185617" cy="3304117"/>
           </a:xfrm>
         </p:spPr>
         <p:txBody>
-          <a:bodyPr/>
+          <a:bodyPr>
+            <a:normAutofit/>
+          </a:bodyPr>
           <a:lstStyle/>
           <a:p>
             <a:pPr lvl="0"/>
@@ -1787,18 +3806,13 @@
               <a:rPr lang="en-US"/>
               <a:t>Fifth level</a:t>
             </a:r>
-          </a:p>
-        </p:txBody>
-      </p:sp>
-      <p:sp>
-        <p:nvSpPr>
-          <p:cNvPr id="7" name="Date Placeholder 6">
-            <a:extLst>
-              <a:ext uri="{FF2B5EF4-FFF2-40B4-BE49-F238E27FC236}">
-                <a16:creationId xmlns:a16="http://schemas.microsoft.com/office/drawing/2014/main" id="{904FEE4C-E989-3878-7A64-0900CCE54DF4}"/>
-              </a:ext>
-            </a:extLst>
-          </p:cNvPr>
+            <a:endParaRPr lang="en-US" dirty="0"/>
+          </a:p>
+        </p:txBody>
+      </p:sp>
+      <p:sp>
+        <p:nvSpPr>
+          <p:cNvPr id="7" name="Date Placeholder 6"/>
           <p:cNvSpPr>
             <a:spLocks noGrp="1"/>
           </p:cNvSpPr>
@@ -1821,13 +3835,7 @@
       </p:sp>
       <p:sp>
         <p:nvSpPr>
-          <p:cNvPr id="8" name="Footer Placeholder 7">
-            <a:extLst>
-              <a:ext uri="{FF2B5EF4-FFF2-40B4-BE49-F238E27FC236}">
-                <a16:creationId xmlns:a16="http://schemas.microsoft.com/office/drawing/2014/main" id="{DCCAE9C2-58D1-EEBA-2ACB-BE12D8CDBA8B}"/>
-              </a:ext>
-            </a:extLst>
-          </p:cNvPr>
+          <p:cNvPr id="8" name="Footer Placeholder 7"/>
           <p:cNvSpPr>
             <a:spLocks noGrp="1"/>
           </p:cNvSpPr>
@@ -1846,13 +3854,7 @@
       </p:sp>
       <p:sp>
         <p:nvSpPr>
-          <p:cNvPr id="9" name="Slide Number Placeholder 8">
-            <a:extLst>
-              <a:ext uri="{FF2B5EF4-FFF2-40B4-BE49-F238E27FC236}">
-                <a16:creationId xmlns:a16="http://schemas.microsoft.com/office/drawing/2014/main" id="{75065598-0286-0C74-1B87-2E590F477AD7}"/>
-              </a:ext>
-            </a:extLst>
-          </p:cNvPr>
+          <p:cNvPr id="9" name="Slide Number Placeholder 8"/>
           <p:cNvSpPr>
             <a:spLocks noGrp="1"/>
           </p:cNvSpPr>
@@ -1876,7 +3878,7 @@
     </p:spTree>
     <p:extLst>
       <p:ext uri="{BB962C8B-B14F-4D97-AF65-F5344CB8AC3E}">
-        <p14:creationId xmlns:p14="http://schemas.microsoft.com/office/powerpoint/2010/main" val="686671029"/>
+        <p14:creationId xmlns:p14="http://schemas.microsoft.com/office/powerpoint/2010/main" val="2526160232"/>
       </p:ext>
     </p:extLst>
   </p:cSld>
@@ -1905,13 +3907,7 @@
       </p:grpSpPr>
       <p:sp>
         <p:nvSpPr>
-          <p:cNvPr id="2" name="Title 1">
-            <a:extLst>
-              <a:ext uri="{FF2B5EF4-FFF2-40B4-BE49-F238E27FC236}">
-                <a16:creationId xmlns:a16="http://schemas.microsoft.com/office/drawing/2014/main" id="{FA578A96-6C50-368A-1AF6-19FBC543FF66}"/>
-              </a:ext>
-            </a:extLst>
-          </p:cNvPr>
+          <p:cNvPr id="2" name="Title 1"/>
           <p:cNvSpPr>
             <a:spLocks noGrp="1"/>
           </p:cNvSpPr>
@@ -1919,7 +3915,12 @@
             <p:ph type="title"/>
           </p:nvPr>
         </p:nvSpPr>
-        <p:spPr/>
+        <p:spPr>
+          <a:xfrm>
+            <a:off x="677334" y="609600"/>
+            <a:ext cx="8596668" cy="1320800"/>
+          </a:xfrm>
+        </p:spPr>
         <p:txBody>
           <a:bodyPr/>
           <a:lstStyle/>
@@ -1928,18 +3929,13 @@
               <a:rPr lang="en-US"/>
               <a:t>Click to edit Master title style</a:t>
             </a:r>
-          </a:p>
-        </p:txBody>
-      </p:sp>
-      <p:sp>
-        <p:nvSpPr>
-          <p:cNvPr id="3" name="Date Placeholder 2">
-            <a:extLst>
-              <a:ext uri="{FF2B5EF4-FFF2-40B4-BE49-F238E27FC236}">
-                <a16:creationId xmlns:a16="http://schemas.microsoft.com/office/drawing/2014/main" id="{0064744E-5503-58D8-23B3-66FF4D381AA4}"/>
-              </a:ext>
-            </a:extLst>
-          </p:cNvPr>
+            <a:endParaRPr lang="en-US" dirty="0"/>
+          </a:p>
+        </p:txBody>
+      </p:sp>
+      <p:sp>
+        <p:nvSpPr>
+          <p:cNvPr id="3" name="Date Placeholder 2"/>
           <p:cNvSpPr>
             <a:spLocks noGrp="1"/>
           </p:cNvSpPr>
@@ -1962,13 +3958,7 @@
       </p:sp>
       <p:sp>
         <p:nvSpPr>
-          <p:cNvPr id="4" name="Footer Placeholder 3">
-            <a:extLst>
-              <a:ext uri="{FF2B5EF4-FFF2-40B4-BE49-F238E27FC236}">
-                <a16:creationId xmlns:a16="http://schemas.microsoft.com/office/drawing/2014/main" id="{33BC6818-1994-FF4D-9F18-FBDAF8E525D3}"/>
-              </a:ext>
-            </a:extLst>
-          </p:cNvPr>
+          <p:cNvPr id="4" name="Footer Placeholder 3"/>
           <p:cNvSpPr>
             <a:spLocks noGrp="1"/>
           </p:cNvSpPr>
@@ -1987,13 +3977,7 @@
       </p:sp>
       <p:sp>
         <p:nvSpPr>
-          <p:cNvPr id="5" name="Slide Number Placeholder 4">
-            <a:extLst>
-              <a:ext uri="{FF2B5EF4-FFF2-40B4-BE49-F238E27FC236}">
-                <a16:creationId xmlns:a16="http://schemas.microsoft.com/office/drawing/2014/main" id="{D3A7181D-5C2B-3846-29BC-3793F1D8B390}"/>
-              </a:ext>
-            </a:extLst>
-          </p:cNvPr>
+          <p:cNvPr id="5" name="Slide Number Placeholder 4"/>
           <p:cNvSpPr>
             <a:spLocks noGrp="1"/>
           </p:cNvSpPr>
@@ -2017,7 +4001,7 @@
     </p:spTree>
     <p:extLst>
       <p:ext uri="{BB962C8B-B14F-4D97-AF65-F5344CB8AC3E}">
-        <p14:creationId xmlns:p14="http://schemas.microsoft.com/office/powerpoint/2010/main" val="1285137976"/>
+        <p14:creationId xmlns:p14="http://schemas.microsoft.com/office/powerpoint/2010/main" val="1784884612"/>
       </p:ext>
     </p:extLst>
   </p:cSld>
@@ -2046,13 +4030,7 @@
       </p:grpSpPr>
       <p:sp>
         <p:nvSpPr>
-          <p:cNvPr id="2" name="Date Placeholder 1">
-            <a:extLst>
-              <a:ext uri="{FF2B5EF4-FFF2-40B4-BE49-F238E27FC236}">
-                <a16:creationId xmlns:a16="http://schemas.microsoft.com/office/drawing/2014/main" id="{1E1A97B5-F4C3-645F-B2E3-FCCF66068945}"/>
-              </a:ext>
-            </a:extLst>
-          </p:cNvPr>
+          <p:cNvPr id="2" name="Date Placeholder 1"/>
           <p:cNvSpPr>
             <a:spLocks noGrp="1"/>
           </p:cNvSpPr>
@@ -2075,13 +4053,7 @@
       </p:sp>
       <p:sp>
         <p:nvSpPr>
-          <p:cNvPr id="3" name="Footer Placeholder 2">
-            <a:extLst>
-              <a:ext uri="{FF2B5EF4-FFF2-40B4-BE49-F238E27FC236}">
-                <a16:creationId xmlns:a16="http://schemas.microsoft.com/office/drawing/2014/main" id="{BEBE469C-AC5B-E9C4-3696-8310B9E9A806}"/>
-              </a:ext>
-            </a:extLst>
-          </p:cNvPr>
+          <p:cNvPr id="3" name="Footer Placeholder 2"/>
           <p:cNvSpPr>
             <a:spLocks noGrp="1"/>
           </p:cNvSpPr>
@@ -2100,13 +4072,7 @@
       </p:sp>
       <p:sp>
         <p:nvSpPr>
-          <p:cNvPr id="4" name="Slide Number Placeholder 3">
-            <a:extLst>
-              <a:ext uri="{FF2B5EF4-FFF2-40B4-BE49-F238E27FC236}">
-                <a16:creationId xmlns:a16="http://schemas.microsoft.com/office/drawing/2014/main" id="{1ED261D2-7725-3C49-8E50-A59DD9D56886}"/>
-              </a:ext>
-            </a:extLst>
-          </p:cNvPr>
+          <p:cNvPr id="4" name="Slide Number Placeholder 3"/>
           <p:cNvSpPr>
             <a:spLocks noGrp="1"/>
           </p:cNvSpPr>
@@ -2130,7 +4096,7 @@
     </p:spTree>
     <p:extLst>
       <p:ext uri="{BB962C8B-B14F-4D97-AF65-F5344CB8AC3E}">
-        <p14:creationId xmlns:p14="http://schemas.microsoft.com/office/powerpoint/2010/main" val="4227437056"/>
+        <p14:creationId xmlns:p14="http://schemas.microsoft.com/office/powerpoint/2010/main" val="95689182"/>
       </p:ext>
     </p:extLst>
   </p:cSld>
@@ -2159,13 +4125,7 @@
       </p:grpSpPr>
       <p:sp>
         <p:nvSpPr>
-          <p:cNvPr id="2" name="Title 1">
-            <a:extLst>
-              <a:ext uri="{FF2B5EF4-FFF2-40B4-BE49-F238E27FC236}">
-                <a16:creationId xmlns:a16="http://schemas.microsoft.com/office/drawing/2014/main" id="{0B90D9BD-7AAC-EBEE-7BF4-087E5FA16DE7}"/>
-              </a:ext>
-            </a:extLst>
-          </p:cNvPr>
+          <p:cNvPr id="2" name="Title 1"/>
           <p:cNvSpPr>
             <a:spLocks noGrp="1"/>
           </p:cNvSpPr>
@@ -2175,15 +4135,17 @@
         </p:nvSpPr>
         <p:spPr>
           <a:xfrm>
-            <a:off x="839788" y="457200"/>
-            <a:ext cx="3932237" cy="1600200"/>
+            <a:off x="677334" y="1498604"/>
+            <a:ext cx="3854528" cy="1278466"/>
           </a:xfrm>
         </p:spPr>
         <p:txBody>
-          <a:bodyPr anchor="b"/>
+          <a:bodyPr anchor="b">
+            <a:normAutofit/>
+          </a:bodyPr>
           <a:lstStyle>
             <a:lvl1pPr>
-              <a:defRPr sz="3200"/>
+              <a:defRPr sz="2000"/>
             </a:lvl1pPr>
           </a:lstStyle>
           <a:p>
@@ -2191,18 +4153,13 @@
               <a:rPr lang="en-US"/>
               <a:t>Click to edit Master title style</a:t>
             </a:r>
-          </a:p>
-        </p:txBody>
-      </p:sp>
-      <p:sp>
-        <p:nvSpPr>
-          <p:cNvPr id="3" name="Content Placeholder 2">
-            <a:extLst>
-              <a:ext uri="{FF2B5EF4-FFF2-40B4-BE49-F238E27FC236}">
-                <a16:creationId xmlns:a16="http://schemas.microsoft.com/office/drawing/2014/main" id="{E3F03474-6CD7-F5EC-7764-CD40D15B383C}"/>
-              </a:ext>
-            </a:extLst>
-          </p:cNvPr>
+            <a:endParaRPr lang="en-US" dirty="0"/>
+          </a:p>
+        </p:txBody>
+      </p:sp>
+      <p:sp>
+        <p:nvSpPr>
+          <p:cNvPr id="3" name="Content Placeholder 2"/>
           <p:cNvSpPr>
             <a:spLocks noGrp="1"/>
           </p:cNvSpPr>
@@ -2212,41 +4169,15 @@
         </p:nvSpPr>
         <p:spPr>
           <a:xfrm>
-            <a:off x="5183188" y="987425"/>
-            <a:ext cx="6172200" cy="4873625"/>
+            <a:off x="4760461" y="514924"/>
+            <a:ext cx="4513541" cy="5526437"/>
           </a:xfrm>
         </p:spPr>
         <p:txBody>
-          <a:bodyPr/>
-          <a:lstStyle>
-            <a:lvl1pPr>
-              <a:defRPr sz="3200"/>
-            </a:lvl1pPr>
-            <a:lvl2pPr>
-              <a:defRPr sz="2800"/>
-            </a:lvl2pPr>
-            <a:lvl3pPr>
-              <a:defRPr sz="2400"/>
-            </a:lvl3pPr>
-            <a:lvl4pPr>
-              <a:defRPr sz="2000"/>
-            </a:lvl4pPr>
-            <a:lvl5pPr>
-              <a:defRPr sz="2000"/>
-            </a:lvl5pPr>
-            <a:lvl6pPr>
-              <a:defRPr sz="2000"/>
-            </a:lvl6pPr>
-            <a:lvl7pPr>
-              <a:defRPr sz="2000"/>
-            </a:lvl7pPr>
-            <a:lvl8pPr>
-              <a:defRPr sz="2000"/>
-            </a:lvl8pPr>
-            <a:lvl9pPr>
-              <a:defRPr sz="2000"/>
-            </a:lvl9pPr>
-          </a:lstStyle>
+          <a:bodyPr>
+            <a:normAutofit/>
+          </a:bodyPr>
+          <a:lstStyle/>
           <a:p>
             <a:pPr lvl="0"/>
             <a:r>
@@ -2281,18 +4212,13 @@
               <a:rPr lang="en-US"/>
               <a:t>Fifth level</a:t>
             </a:r>
-          </a:p>
-        </p:txBody>
-      </p:sp>
-      <p:sp>
-        <p:nvSpPr>
-          <p:cNvPr id="4" name="Text Placeholder 3">
-            <a:extLst>
-              <a:ext uri="{FF2B5EF4-FFF2-40B4-BE49-F238E27FC236}">
-                <a16:creationId xmlns:a16="http://schemas.microsoft.com/office/drawing/2014/main" id="{E318986D-0F33-9684-1F9B-1E641EE18825}"/>
-              </a:ext>
-            </a:extLst>
-          </p:cNvPr>
+            <a:endParaRPr lang="en-US" dirty="0"/>
+          </a:p>
+        </p:txBody>
+      </p:sp>
+      <p:sp>
+        <p:nvSpPr>
+          <p:cNvPr id="4" name="Text Placeholder 3"/>
           <p:cNvSpPr>
             <a:spLocks noGrp="1"/>
           </p:cNvSpPr>
@@ -2302,46 +4228,48 @@
         </p:nvSpPr>
         <p:spPr>
           <a:xfrm>
-            <a:off x="839788" y="2057400"/>
-            <a:ext cx="3932237" cy="3811588"/>
+            <a:off x="677334" y="2777069"/>
+            <a:ext cx="3854528" cy="2584449"/>
           </a:xfrm>
         </p:spPr>
         <p:txBody>
-          <a:bodyPr/>
+          <a:bodyPr>
+            <a:normAutofit/>
+          </a:bodyPr>
           <a:lstStyle>
             <a:lvl1pPr marL="0" indent="0">
               <a:buNone/>
-              <a:defRPr sz="1600"/>
+              <a:defRPr sz="1400"/>
             </a:lvl1pPr>
-            <a:lvl2pPr marL="457200" indent="0">
+            <a:lvl2pPr marL="457063" indent="0">
               <a:buNone/>
               <a:defRPr sz="1400"/>
             </a:lvl2pPr>
-            <a:lvl3pPr marL="914400" indent="0">
+            <a:lvl3pPr marL="914126" indent="0">
               <a:buNone/>
               <a:defRPr sz="1200"/>
             </a:lvl3pPr>
-            <a:lvl4pPr marL="1371600" indent="0">
+            <a:lvl4pPr marL="1371189" indent="0">
               <a:buNone/>
               <a:defRPr sz="1000"/>
             </a:lvl4pPr>
-            <a:lvl5pPr marL="1828800" indent="0">
+            <a:lvl5pPr marL="1828251" indent="0">
               <a:buNone/>
               <a:defRPr sz="1000"/>
             </a:lvl5pPr>
-            <a:lvl6pPr marL="2286000" indent="0">
+            <a:lvl6pPr marL="2285314" indent="0">
               <a:buNone/>
               <a:defRPr sz="1000"/>
             </a:lvl6pPr>
-            <a:lvl7pPr marL="2743200" indent="0">
+            <a:lvl7pPr marL="2742377" indent="0">
               <a:buNone/>
               <a:defRPr sz="1000"/>
             </a:lvl7pPr>
-            <a:lvl8pPr marL="3200400" indent="0">
+            <a:lvl8pPr marL="3199440" indent="0">
               <a:buNone/>
               <a:defRPr sz="1000"/>
             </a:lvl8pPr>
-            <a:lvl9pPr marL="3657600" indent="0">
+            <a:lvl9pPr marL="3656503" indent="0">
               <a:buNone/>
               <a:defRPr sz="1000"/>
             </a:lvl9pPr>
@@ -2357,13 +4285,7 @@
       </p:sp>
       <p:sp>
         <p:nvSpPr>
-          <p:cNvPr id="5" name="Date Placeholder 4">
-            <a:extLst>
-              <a:ext uri="{FF2B5EF4-FFF2-40B4-BE49-F238E27FC236}">
-                <a16:creationId xmlns:a16="http://schemas.microsoft.com/office/drawing/2014/main" id="{A3A744C4-DCA8-C9A8-952C-35DE2055A4CE}"/>
-              </a:ext>
-            </a:extLst>
-          </p:cNvPr>
+          <p:cNvPr id="5" name="Date Placeholder 4"/>
           <p:cNvSpPr>
             <a:spLocks noGrp="1"/>
           </p:cNvSpPr>
@@ -2386,13 +4308,7 @@
       </p:sp>
       <p:sp>
         <p:nvSpPr>
-          <p:cNvPr id="6" name="Footer Placeholder 5">
-            <a:extLst>
-              <a:ext uri="{FF2B5EF4-FFF2-40B4-BE49-F238E27FC236}">
-                <a16:creationId xmlns:a16="http://schemas.microsoft.com/office/drawing/2014/main" id="{97C7FAD9-4D60-8DBA-3358-9D6ADEF8E022}"/>
-              </a:ext>
-            </a:extLst>
-          </p:cNvPr>
+          <p:cNvPr id="6" name="Footer Placeholder 5"/>
           <p:cNvSpPr>
             <a:spLocks noGrp="1"/>
           </p:cNvSpPr>
@@ -2411,13 +4327,7 @@
       </p:sp>
       <p:sp>
         <p:nvSpPr>
-          <p:cNvPr id="7" name="Slide Number Placeholder 6">
-            <a:extLst>
-              <a:ext uri="{FF2B5EF4-FFF2-40B4-BE49-F238E27FC236}">
-                <a16:creationId xmlns:a16="http://schemas.microsoft.com/office/drawing/2014/main" id="{17832A4C-DBED-FB20-6D70-D8C0724B1871}"/>
-              </a:ext>
-            </a:extLst>
-          </p:cNvPr>
+          <p:cNvPr id="7" name="Slide Number Placeholder 6"/>
           <p:cNvSpPr>
             <a:spLocks noGrp="1"/>
           </p:cNvSpPr>
@@ -2441,7 +4351,7 @@
     </p:spTree>
     <p:extLst>
       <p:ext uri="{BB962C8B-B14F-4D97-AF65-F5344CB8AC3E}">
-        <p14:creationId xmlns:p14="http://schemas.microsoft.com/office/powerpoint/2010/main" val="900953823"/>
+        <p14:creationId xmlns:p14="http://schemas.microsoft.com/office/powerpoint/2010/main" val="4103588520"/>
       </p:ext>
     </p:extLst>
   </p:cSld>
@@ -2470,13 +4380,7 @@
       </p:grpSpPr>
       <p:sp>
         <p:nvSpPr>
-          <p:cNvPr id="2" name="Title 1">
-            <a:extLst>
-              <a:ext uri="{FF2B5EF4-FFF2-40B4-BE49-F238E27FC236}">
-                <a16:creationId xmlns:a16="http://schemas.microsoft.com/office/drawing/2014/main" id="{433E87D5-DDEE-362F-E0FB-59FD38CE8C92}"/>
-              </a:ext>
-            </a:extLst>
-          </p:cNvPr>
+          <p:cNvPr id="2" name="Title 1"/>
           <p:cNvSpPr>
             <a:spLocks noGrp="1"/>
           </p:cNvSpPr>
@@ -2486,15 +4390,17 @@
         </p:nvSpPr>
         <p:spPr>
           <a:xfrm>
-            <a:off x="839788" y="457200"/>
-            <a:ext cx="3932237" cy="1600200"/>
+            <a:off x="677334" y="4800600"/>
+            <a:ext cx="8596667" cy="566738"/>
           </a:xfrm>
         </p:spPr>
         <p:txBody>
-          <a:bodyPr anchor="b"/>
+          <a:bodyPr anchor="b">
+            <a:normAutofit/>
+          </a:bodyPr>
           <a:lstStyle>
-            <a:lvl1pPr>
-              <a:defRPr sz="3200"/>
+            <a:lvl1pPr algn="l">
+              <a:defRPr sz="2400" b="0"/>
             </a:lvl1pPr>
           </a:lstStyle>
           <a:p>
@@ -2502,20 +4408,15 @@
               <a:rPr lang="en-US"/>
               <a:t>Click to edit Master title style</a:t>
             </a:r>
-          </a:p>
-        </p:txBody>
-      </p:sp>
-      <p:sp>
-        <p:nvSpPr>
-          <p:cNvPr id="3" name="Picture Placeholder 2">
-            <a:extLst>
-              <a:ext uri="{FF2B5EF4-FFF2-40B4-BE49-F238E27FC236}">
-                <a16:creationId xmlns:a16="http://schemas.microsoft.com/office/drawing/2014/main" id="{D8C31466-2EB2-4CDA-3263-F7748E2E904D}"/>
-              </a:ext>
-            </a:extLst>
-          </p:cNvPr>
-          <p:cNvSpPr>
-            <a:spLocks noGrp="1"/>
+            <a:endParaRPr lang="en-US" dirty="0"/>
+          </a:p>
+        </p:txBody>
+      </p:sp>
+      <p:sp>
+        <p:nvSpPr>
+          <p:cNvPr id="3" name="Picture Placeholder 2"/>
+          <p:cNvSpPr>
+            <a:spLocks noGrp="1" noChangeAspect="1"/>
           </p:cNvSpPr>
           <p:nvPr>
             <p:ph type="pic" idx="1"/>
@@ -2523,118 +4424,120 @@
         </p:nvSpPr>
         <p:spPr>
           <a:xfrm>
-            <a:off x="5183188" y="987425"/>
-            <a:ext cx="6172200" cy="4873625"/>
+            <a:off x="677334" y="609600"/>
+            <a:ext cx="8596668" cy="3845718"/>
           </a:xfrm>
         </p:spPr>
         <p:txBody>
-          <a:bodyPr/>
+          <a:bodyPr anchor="t">
+            <a:normAutofit/>
+          </a:bodyPr>
           <a:lstStyle>
-            <a:lvl1pPr marL="0" indent="0">
-              <a:buNone/>
-              <a:defRPr sz="3200"/>
-            </a:lvl1pPr>
-            <a:lvl2pPr marL="457200" indent="0">
-              <a:buNone/>
-              <a:defRPr sz="2800"/>
-            </a:lvl2pPr>
-            <a:lvl3pPr marL="914400" indent="0">
-              <a:buNone/>
-              <a:defRPr sz="2400"/>
-            </a:lvl3pPr>
-            <a:lvl4pPr marL="1371600" indent="0">
-              <a:buNone/>
-              <a:defRPr sz="2000"/>
-            </a:lvl4pPr>
-            <a:lvl5pPr marL="1828800" indent="0">
-              <a:buNone/>
-              <a:defRPr sz="2000"/>
-            </a:lvl5pPr>
-            <a:lvl6pPr marL="2286000" indent="0">
-              <a:buNone/>
-              <a:defRPr sz="2000"/>
-            </a:lvl6pPr>
-            <a:lvl7pPr marL="2743200" indent="0">
-              <a:buNone/>
-              <a:defRPr sz="2000"/>
-            </a:lvl7pPr>
-            <a:lvl8pPr marL="3200400" indent="0">
-              <a:buNone/>
-              <a:defRPr sz="2000"/>
-            </a:lvl8pPr>
-            <a:lvl9pPr marL="3657600" indent="0">
-              <a:buNone/>
-              <a:defRPr sz="2000"/>
-            </a:lvl9pPr>
-          </a:lstStyle>
-          <a:p>
-            <a:endParaRPr lang="en-US"/>
-          </a:p>
-        </p:txBody>
-      </p:sp>
-      <p:sp>
-        <p:nvSpPr>
-          <p:cNvPr id="4" name="Text Placeholder 3">
-            <a:extLst>
-              <a:ext uri="{FF2B5EF4-FFF2-40B4-BE49-F238E27FC236}">
-                <a16:creationId xmlns:a16="http://schemas.microsoft.com/office/drawing/2014/main" id="{B1E2E043-4402-D629-DC85-19AA8BAD19EB}"/>
-              </a:ext>
-            </a:extLst>
-          </p:cNvPr>
-          <p:cNvSpPr>
-            <a:spLocks noGrp="1"/>
-          </p:cNvSpPr>
-          <p:nvPr>
-            <p:ph type="body" sz="half" idx="2"/>
-          </p:nvPr>
-        </p:nvSpPr>
-        <p:spPr>
-          <a:xfrm>
-            <a:off x="839788" y="2057400"/>
-            <a:ext cx="3932237" cy="3811588"/>
-          </a:xfrm>
-        </p:spPr>
-        <p:txBody>
-          <a:bodyPr/>
-          <a:lstStyle>
-            <a:lvl1pPr marL="0" indent="0">
+            <a:lvl1pPr marL="0" indent="0" algn="ctr">
               <a:buNone/>
               <a:defRPr sz="1600"/>
             </a:lvl1pPr>
             <a:lvl2pPr marL="457200" indent="0">
               <a:buNone/>
-              <a:defRPr sz="1400"/>
+              <a:defRPr sz="1600"/>
             </a:lvl2pPr>
             <a:lvl3pPr marL="914400" indent="0">
               <a:buNone/>
-              <a:defRPr sz="1200"/>
+              <a:defRPr sz="1600"/>
             </a:lvl3pPr>
             <a:lvl4pPr marL="1371600" indent="0">
               <a:buNone/>
-              <a:defRPr sz="1000"/>
+              <a:defRPr sz="1600"/>
             </a:lvl4pPr>
             <a:lvl5pPr marL="1828800" indent="0">
               <a:buNone/>
-              <a:defRPr sz="1000"/>
+              <a:defRPr sz="1600"/>
             </a:lvl5pPr>
             <a:lvl6pPr marL="2286000" indent="0">
               <a:buNone/>
-              <a:defRPr sz="1000"/>
+              <a:defRPr sz="1600"/>
             </a:lvl6pPr>
             <a:lvl7pPr marL="2743200" indent="0">
               <a:buNone/>
-              <a:defRPr sz="1000"/>
+              <a:defRPr sz="1600"/>
             </a:lvl7pPr>
             <a:lvl8pPr marL="3200400" indent="0">
               <a:buNone/>
-              <a:defRPr sz="1000"/>
+              <a:defRPr sz="1600"/>
             </a:lvl8pPr>
             <a:lvl9pPr marL="3657600" indent="0">
               <a:buNone/>
-              <a:defRPr sz="1000"/>
+              <a:defRPr sz="1600"/>
             </a:lvl9pPr>
           </a:lstStyle>
           <a:p>
+            <a:r>
+              <a:rPr lang="en-US"/>
+              <a:t>Click icon to add picture</a:t>
+            </a:r>
+            <a:endParaRPr lang="en-US" dirty="0"/>
+          </a:p>
+        </p:txBody>
+      </p:sp>
+      <p:sp>
+        <p:nvSpPr>
+          <p:cNvPr id="4" name="Text Placeholder 3"/>
+          <p:cNvSpPr>
+            <a:spLocks noGrp="1"/>
+          </p:cNvSpPr>
+          <p:nvPr>
+            <p:ph type="body" sz="half" idx="2"/>
+          </p:nvPr>
+        </p:nvSpPr>
+        <p:spPr>
+          <a:xfrm>
+            <a:off x="677334" y="5367338"/>
+            <a:ext cx="8596667" cy="674024"/>
+          </a:xfrm>
+        </p:spPr>
+        <p:txBody>
+          <a:bodyPr>
+            <a:normAutofit/>
+          </a:bodyPr>
+          <a:lstStyle>
+            <a:lvl1pPr marL="0" indent="0">
+              <a:buNone/>
+              <a:defRPr sz="1200"/>
+            </a:lvl1pPr>
+            <a:lvl2pPr marL="457200" indent="0">
+              <a:buNone/>
+              <a:defRPr sz="1200"/>
+            </a:lvl2pPr>
+            <a:lvl3pPr marL="914400" indent="0">
+              <a:buNone/>
+              <a:defRPr sz="1000"/>
+            </a:lvl3pPr>
+            <a:lvl4pPr marL="1371600" indent="0">
+              <a:buNone/>
+              <a:defRPr sz="900"/>
+            </a:lvl4pPr>
+            <a:lvl5pPr marL="1828800" indent="0">
+              <a:buNone/>
+              <a:defRPr sz="900"/>
+            </a:lvl5pPr>
+            <a:lvl6pPr marL="2286000" indent="0">
+              <a:buNone/>
+              <a:defRPr sz="900"/>
+            </a:lvl6pPr>
+            <a:lvl7pPr marL="2743200" indent="0">
+              <a:buNone/>
+              <a:defRPr sz="900"/>
+            </a:lvl7pPr>
+            <a:lvl8pPr marL="3200400" indent="0">
+              <a:buNone/>
+              <a:defRPr sz="900"/>
+            </a:lvl8pPr>
+            <a:lvl9pPr marL="3657600" indent="0">
+              <a:buNone/>
+              <a:defRPr sz="900"/>
+            </a:lvl9pPr>
+          </a:lstStyle>
+          <a:p>
             <a:pPr lvl="0"/>
             <a:r>
               <a:rPr lang="en-US"/>
@@ -2645,13 +4548,7 @@
       </p:sp>
       <p:sp>
         <p:nvSpPr>
-          <p:cNvPr id="5" name="Date Placeholder 4">
-            <a:extLst>
-              <a:ext uri="{FF2B5EF4-FFF2-40B4-BE49-F238E27FC236}">
-                <a16:creationId xmlns:a16="http://schemas.microsoft.com/office/drawing/2014/main" id="{C7D546A9-2514-A133-B66D-0DC7E85D1247}"/>
-              </a:ext>
-            </a:extLst>
-          </p:cNvPr>
+          <p:cNvPr id="5" name="Date Placeholder 4"/>
           <p:cNvSpPr>
             <a:spLocks noGrp="1"/>
           </p:cNvSpPr>
@@ -2674,13 +4571,7 @@
       </p:sp>
       <p:sp>
         <p:nvSpPr>
-          <p:cNvPr id="6" name="Footer Placeholder 5">
-            <a:extLst>
-              <a:ext uri="{FF2B5EF4-FFF2-40B4-BE49-F238E27FC236}">
-                <a16:creationId xmlns:a16="http://schemas.microsoft.com/office/drawing/2014/main" id="{2B9BCEB0-F67E-B5A3-26F1-8B255B19799F}"/>
-              </a:ext>
-            </a:extLst>
-          </p:cNvPr>
+          <p:cNvPr id="6" name="Footer Placeholder 5"/>
           <p:cNvSpPr>
             <a:spLocks noGrp="1"/>
           </p:cNvSpPr>
@@ -2699,13 +4590,7 @@
       </p:sp>
       <p:sp>
         <p:nvSpPr>
-          <p:cNvPr id="7" name="Slide Number Placeholder 6">
-            <a:extLst>
-              <a:ext uri="{FF2B5EF4-FFF2-40B4-BE49-F238E27FC236}">
-                <a16:creationId xmlns:a16="http://schemas.microsoft.com/office/drawing/2014/main" id="{8B4E3F94-9AA1-5177-068A-0CC55E1D15DA}"/>
-              </a:ext>
-            </a:extLst>
-          </p:cNvPr>
+          <p:cNvPr id="7" name="Slide Number Placeholder 6"/>
           <p:cNvSpPr>
             <a:spLocks noGrp="1"/>
           </p:cNvSpPr>
@@ -2729,7 +4614,7 @@
     </p:spTree>
     <p:extLst>
       <p:ext uri="{BB962C8B-B14F-4D97-AF65-F5344CB8AC3E}">
-        <p14:creationId xmlns:p14="http://schemas.microsoft.com/office/powerpoint/2010/main" val="1510075200"/>
+        <p14:creationId xmlns:p14="http://schemas.microsoft.com/office/powerpoint/2010/main" val="1899974138"/>
       </p:ext>
     </p:extLst>
   </p:cSld>
@@ -2761,15 +4646,539 @@
           <a:chExt cx="0" cy="0"/>
         </a:xfrm>
       </p:grpSpPr>
-      <p:sp>
-        <p:nvSpPr>
-          <p:cNvPr id="2" name="Title Placeholder 1">
-            <a:extLst>
-              <a:ext uri="{FF2B5EF4-FFF2-40B4-BE49-F238E27FC236}">
-                <a16:creationId xmlns:a16="http://schemas.microsoft.com/office/drawing/2014/main" id="{C96CFBDE-61BA-F218-13B2-D2FDB8284D83}"/>
-              </a:ext>
-            </a:extLst>
-          </p:cNvPr>
+      <p:grpSp>
+        <p:nvGrpSpPr>
+          <p:cNvPr id="7" name="Group 6"/>
+          <p:cNvGrpSpPr/>
+          <p:nvPr/>
+        </p:nvGrpSpPr>
+        <p:grpSpPr>
+          <a:xfrm>
+            <a:off x="0" y="-8467"/>
+            <a:ext cx="12192000" cy="6866467"/>
+            <a:chOff x="0" y="-8467"/>
+            <a:chExt cx="12192000" cy="6866467"/>
+          </a:xfrm>
+        </p:grpSpPr>
+        <p:cxnSp>
+          <p:nvCxnSpPr>
+            <p:cNvPr id="20" name="Straight Connector 19"/>
+            <p:cNvCxnSpPr/>
+            <p:nvPr/>
+          </p:nvCxnSpPr>
+          <p:spPr>
+            <a:xfrm>
+              <a:off x="9371012" y="0"/>
+              <a:ext cx="1219200" cy="6858000"/>
+            </a:xfrm>
+            <a:prstGeom prst="line">
+              <a:avLst/>
+            </a:prstGeom>
+            <a:ln w="9525">
+              <a:solidFill>
+                <a:schemeClr val="bg1">
+                  <a:lumMod val="75000"/>
+                </a:schemeClr>
+              </a:solidFill>
+            </a:ln>
+          </p:spPr>
+          <p:style>
+            <a:lnRef idx="2">
+              <a:schemeClr val="accent1"/>
+            </a:lnRef>
+            <a:fillRef idx="0">
+              <a:schemeClr val="accent1"/>
+            </a:fillRef>
+            <a:effectRef idx="1">
+              <a:schemeClr val="accent1"/>
+            </a:effectRef>
+            <a:fontRef idx="minor">
+              <a:schemeClr val="tx1"/>
+            </a:fontRef>
+          </p:style>
+        </p:cxnSp>
+        <p:cxnSp>
+          <p:nvCxnSpPr>
+            <p:cNvPr id="21" name="Straight Connector 20"/>
+            <p:cNvCxnSpPr/>
+            <p:nvPr/>
+          </p:nvCxnSpPr>
+          <p:spPr>
+            <a:xfrm flipH="1">
+              <a:off x="7425267" y="3681413"/>
+              <a:ext cx="4763558" cy="3176587"/>
+            </a:xfrm>
+            <a:prstGeom prst="line">
+              <a:avLst/>
+            </a:prstGeom>
+            <a:ln w="9525">
+              <a:solidFill>
+                <a:schemeClr val="bg1">
+                  <a:lumMod val="85000"/>
+                </a:schemeClr>
+              </a:solidFill>
+            </a:ln>
+          </p:spPr>
+          <p:style>
+            <a:lnRef idx="2">
+              <a:schemeClr val="accent1"/>
+            </a:lnRef>
+            <a:fillRef idx="0">
+              <a:schemeClr val="accent1"/>
+            </a:fillRef>
+            <a:effectRef idx="1">
+              <a:schemeClr val="accent1"/>
+            </a:effectRef>
+            <a:fontRef idx="minor">
+              <a:schemeClr val="tx1"/>
+            </a:fontRef>
+          </p:style>
+        </p:cxnSp>
+        <p:sp>
+          <p:nvSpPr>
+            <p:cNvPr id="22" name="Rectangle 23"/>
+            <p:cNvSpPr/>
+            <p:nvPr/>
+          </p:nvSpPr>
+          <p:spPr>
+            <a:xfrm>
+              <a:off x="9181476" y="-8467"/>
+              <a:ext cx="3007349" cy="6866467"/>
+            </a:xfrm>
+            <a:custGeom>
+              <a:avLst/>
+              <a:gdLst/>
+              <a:ahLst/>
+              <a:cxnLst/>
+              <a:rect l="l" t="t" r="r" b="b"/>
+              <a:pathLst>
+                <a:path w="3007349" h="6866467">
+                  <a:moveTo>
+                    <a:pt x="2045532" y="0"/>
+                  </a:moveTo>
+                  <a:lnTo>
+                    <a:pt x="3007349" y="0"/>
+                  </a:lnTo>
+                  <a:lnTo>
+                    <a:pt x="3007349" y="6866467"/>
+                  </a:lnTo>
+                  <a:lnTo>
+                    <a:pt x="0" y="6866467"/>
+                  </a:lnTo>
+                  <a:lnTo>
+                    <a:pt x="2045532" y="0"/>
+                  </a:lnTo>
+                  <a:close/>
+                </a:path>
+              </a:pathLst>
+            </a:custGeom>
+            <a:solidFill>
+              <a:schemeClr val="accent1">
+                <a:alpha val="30000"/>
+              </a:schemeClr>
+            </a:solidFill>
+            <a:ln>
+              <a:noFill/>
+            </a:ln>
+            <a:effectLst/>
+          </p:spPr>
+          <p:style>
+            <a:lnRef idx="1">
+              <a:schemeClr val="accent1"/>
+            </a:lnRef>
+            <a:fillRef idx="3">
+              <a:schemeClr val="accent1"/>
+            </a:fillRef>
+            <a:effectRef idx="2">
+              <a:schemeClr val="accent1"/>
+            </a:effectRef>
+            <a:fontRef idx="minor">
+              <a:schemeClr val="lt1"/>
+            </a:fontRef>
+          </p:style>
+        </p:sp>
+        <p:sp>
+          <p:nvSpPr>
+            <p:cNvPr id="23" name="Rectangle 25"/>
+            <p:cNvSpPr/>
+            <p:nvPr/>
+          </p:nvSpPr>
+          <p:spPr>
+            <a:xfrm>
+              <a:off x="9603442" y="-8467"/>
+              <a:ext cx="2588558" cy="6866467"/>
+            </a:xfrm>
+            <a:custGeom>
+              <a:avLst/>
+              <a:gdLst/>
+              <a:ahLst/>
+              <a:cxnLst/>
+              <a:rect l="l" t="t" r="r" b="b"/>
+              <a:pathLst>
+                <a:path w="2573311" h="6866467">
+                  <a:moveTo>
+                    <a:pt x="0" y="0"/>
+                  </a:moveTo>
+                  <a:lnTo>
+                    <a:pt x="2573311" y="0"/>
+                  </a:lnTo>
+                  <a:lnTo>
+                    <a:pt x="2573311" y="6866467"/>
+                  </a:lnTo>
+                  <a:lnTo>
+                    <a:pt x="1202336" y="6866467"/>
+                  </a:lnTo>
+                  <a:lnTo>
+                    <a:pt x="0" y="0"/>
+                  </a:lnTo>
+                  <a:close/>
+                </a:path>
+              </a:pathLst>
+            </a:custGeom>
+            <a:solidFill>
+              <a:schemeClr val="accent1">
+                <a:alpha val="20000"/>
+              </a:schemeClr>
+            </a:solidFill>
+            <a:ln>
+              <a:noFill/>
+            </a:ln>
+            <a:effectLst/>
+          </p:spPr>
+          <p:style>
+            <a:lnRef idx="1">
+              <a:schemeClr val="accent1"/>
+            </a:lnRef>
+            <a:fillRef idx="3">
+              <a:schemeClr val="accent1"/>
+            </a:fillRef>
+            <a:effectRef idx="2">
+              <a:schemeClr val="accent1"/>
+            </a:effectRef>
+            <a:fontRef idx="minor">
+              <a:schemeClr val="lt1"/>
+            </a:fontRef>
+          </p:style>
+        </p:sp>
+        <p:sp>
+          <p:nvSpPr>
+            <p:cNvPr id="24" name="Isosceles Triangle 23"/>
+            <p:cNvSpPr/>
+            <p:nvPr/>
+          </p:nvSpPr>
+          <p:spPr>
+            <a:xfrm>
+              <a:off x="8932333" y="3048000"/>
+              <a:ext cx="3259667" cy="3810000"/>
+            </a:xfrm>
+            <a:prstGeom prst="triangle">
+              <a:avLst>
+                <a:gd name="adj" fmla="val 100000"/>
+              </a:avLst>
+            </a:prstGeom>
+            <a:solidFill>
+              <a:schemeClr val="accent2">
+                <a:alpha val="72000"/>
+              </a:schemeClr>
+            </a:solidFill>
+            <a:ln>
+              <a:noFill/>
+            </a:ln>
+            <a:effectLst/>
+          </p:spPr>
+          <p:style>
+            <a:lnRef idx="1">
+              <a:schemeClr val="accent1"/>
+            </a:lnRef>
+            <a:fillRef idx="3">
+              <a:schemeClr val="accent1"/>
+            </a:fillRef>
+            <a:effectRef idx="2">
+              <a:schemeClr val="accent1"/>
+            </a:effectRef>
+            <a:fontRef idx="minor">
+              <a:schemeClr val="lt1"/>
+            </a:fontRef>
+          </p:style>
+        </p:sp>
+        <p:sp>
+          <p:nvSpPr>
+            <p:cNvPr id="25" name="Rectangle 27"/>
+            <p:cNvSpPr/>
+            <p:nvPr/>
+          </p:nvSpPr>
+          <p:spPr>
+            <a:xfrm>
+              <a:off x="9334500" y="-8467"/>
+              <a:ext cx="2854326" cy="6866467"/>
+            </a:xfrm>
+            <a:custGeom>
+              <a:avLst/>
+              <a:gdLst/>
+              <a:ahLst/>
+              <a:cxnLst/>
+              <a:rect l="l" t="t" r="r" b="b"/>
+              <a:pathLst>
+                <a:path w="2858013" h="6866467">
+                  <a:moveTo>
+                    <a:pt x="0" y="0"/>
+                  </a:moveTo>
+                  <a:lnTo>
+                    <a:pt x="2858013" y="0"/>
+                  </a:lnTo>
+                  <a:lnTo>
+                    <a:pt x="2858013" y="6866467"/>
+                  </a:lnTo>
+                  <a:lnTo>
+                    <a:pt x="2473942" y="6866467"/>
+                  </a:lnTo>
+                  <a:lnTo>
+                    <a:pt x="0" y="0"/>
+                  </a:lnTo>
+                  <a:close/>
+                </a:path>
+              </a:pathLst>
+            </a:custGeom>
+            <a:solidFill>
+              <a:schemeClr val="accent2">
+                <a:lumMod val="75000"/>
+                <a:alpha val="70000"/>
+              </a:schemeClr>
+            </a:solidFill>
+            <a:ln>
+              <a:noFill/>
+            </a:ln>
+            <a:effectLst/>
+          </p:spPr>
+          <p:style>
+            <a:lnRef idx="1">
+              <a:schemeClr val="accent1"/>
+            </a:lnRef>
+            <a:fillRef idx="3">
+              <a:schemeClr val="accent1"/>
+            </a:fillRef>
+            <a:effectRef idx="2">
+              <a:schemeClr val="accent1"/>
+            </a:effectRef>
+            <a:fontRef idx="minor">
+              <a:schemeClr val="lt1"/>
+            </a:fontRef>
+          </p:style>
+        </p:sp>
+        <p:sp>
+          <p:nvSpPr>
+            <p:cNvPr id="26" name="Rectangle 28"/>
+            <p:cNvSpPr/>
+            <p:nvPr/>
+          </p:nvSpPr>
+          <p:spPr>
+            <a:xfrm>
+              <a:off x="10898730" y="-8467"/>
+              <a:ext cx="1290094" cy="6866467"/>
+            </a:xfrm>
+            <a:custGeom>
+              <a:avLst/>
+              <a:gdLst/>
+              <a:ahLst/>
+              <a:cxnLst/>
+              <a:rect l="l" t="t" r="r" b="b"/>
+              <a:pathLst>
+                <a:path w="1290094" h="6858000">
+                  <a:moveTo>
+                    <a:pt x="1019735" y="0"/>
+                  </a:moveTo>
+                  <a:lnTo>
+                    <a:pt x="1290094" y="0"/>
+                  </a:lnTo>
+                  <a:lnTo>
+                    <a:pt x="1290094" y="6858000"/>
+                  </a:lnTo>
+                  <a:lnTo>
+                    <a:pt x="0" y="6858000"/>
+                  </a:lnTo>
+                  <a:lnTo>
+                    <a:pt x="1019735" y="0"/>
+                  </a:lnTo>
+                  <a:close/>
+                </a:path>
+              </a:pathLst>
+            </a:custGeom>
+            <a:solidFill>
+              <a:schemeClr val="accent1">
+                <a:lumMod val="60000"/>
+                <a:lumOff val="40000"/>
+                <a:alpha val="70000"/>
+              </a:schemeClr>
+            </a:solidFill>
+            <a:ln>
+              <a:noFill/>
+            </a:ln>
+            <a:effectLst/>
+          </p:spPr>
+          <p:style>
+            <a:lnRef idx="1">
+              <a:schemeClr val="accent1"/>
+            </a:lnRef>
+            <a:fillRef idx="3">
+              <a:schemeClr val="accent1"/>
+            </a:fillRef>
+            <a:effectRef idx="2">
+              <a:schemeClr val="accent1"/>
+            </a:effectRef>
+            <a:fontRef idx="minor">
+              <a:schemeClr val="lt1"/>
+            </a:fontRef>
+          </p:style>
+        </p:sp>
+        <p:sp>
+          <p:nvSpPr>
+            <p:cNvPr id="27" name="Rectangle 29"/>
+            <p:cNvSpPr/>
+            <p:nvPr/>
+          </p:nvSpPr>
+          <p:spPr>
+            <a:xfrm>
+              <a:off x="10938999" y="-8467"/>
+              <a:ext cx="1249825" cy="6866467"/>
+            </a:xfrm>
+            <a:custGeom>
+              <a:avLst/>
+              <a:gdLst/>
+              <a:ahLst/>
+              <a:cxnLst/>
+              <a:rect l="l" t="t" r="r" b="b"/>
+              <a:pathLst>
+                <a:path w="1249825" h="6858000">
+                  <a:moveTo>
+                    <a:pt x="0" y="0"/>
+                  </a:moveTo>
+                  <a:lnTo>
+                    <a:pt x="1249825" y="0"/>
+                  </a:lnTo>
+                  <a:lnTo>
+                    <a:pt x="1249825" y="6858000"/>
+                  </a:lnTo>
+                  <a:lnTo>
+                    <a:pt x="1109382" y="6858000"/>
+                  </a:lnTo>
+                  <a:lnTo>
+                    <a:pt x="0" y="0"/>
+                  </a:lnTo>
+                  <a:close/>
+                </a:path>
+              </a:pathLst>
+            </a:custGeom>
+            <a:solidFill>
+              <a:schemeClr val="accent1">
+                <a:alpha val="65000"/>
+              </a:schemeClr>
+            </a:solidFill>
+            <a:ln>
+              <a:noFill/>
+            </a:ln>
+            <a:effectLst/>
+          </p:spPr>
+          <p:style>
+            <a:lnRef idx="1">
+              <a:schemeClr val="accent1"/>
+            </a:lnRef>
+            <a:fillRef idx="3">
+              <a:schemeClr val="accent1"/>
+            </a:fillRef>
+            <a:effectRef idx="2">
+              <a:schemeClr val="accent1"/>
+            </a:effectRef>
+            <a:fontRef idx="minor">
+              <a:schemeClr val="lt1"/>
+            </a:fontRef>
+          </p:style>
+        </p:sp>
+        <p:sp>
+          <p:nvSpPr>
+            <p:cNvPr id="28" name="Isosceles Triangle 27"/>
+            <p:cNvSpPr/>
+            <p:nvPr/>
+          </p:nvSpPr>
+          <p:spPr>
+            <a:xfrm>
+              <a:off x="10371666" y="3589867"/>
+              <a:ext cx="1817159" cy="3268133"/>
+            </a:xfrm>
+            <a:prstGeom prst="triangle">
+              <a:avLst>
+                <a:gd name="adj" fmla="val 100000"/>
+              </a:avLst>
+            </a:prstGeom>
+            <a:solidFill>
+              <a:schemeClr val="accent1">
+                <a:alpha val="80000"/>
+              </a:schemeClr>
+            </a:solidFill>
+            <a:ln>
+              <a:noFill/>
+            </a:ln>
+            <a:effectLst/>
+          </p:spPr>
+          <p:style>
+            <a:lnRef idx="1">
+              <a:schemeClr val="accent1"/>
+            </a:lnRef>
+            <a:fillRef idx="3">
+              <a:schemeClr val="accent1"/>
+            </a:fillRef>
+            <a:effectRef idx="2">
+              <a:schemeClr val="accent1"/>
+            </a:effectRef>
+            <a:fontRef idx="minor">
+              <a:schemeClr val="lt1"/>
+            </a:fontRef>
+          </p:style>
+        </p:sp>
+        <p:sp>
+          <p:nvSpPr>
+            <p:cNvPr id="29" name="Isosceles Triangle 28"/>
+            <p:cNvSpPr/>
+            <p:nvPr/>
+          </p:nvSpPr>
+          <p:spPr>
+            <a:xfrm>
+              <a:off x="0" y="4013200"/>
+              <a:ext cx="448733" cy="2844800"/>
+            </a:xfrm>
+            <a:prstGeom prst="triangle">
+              <a:avLst>
+                <a:gd name="adj" fmla="val 0"/>
+              </a:avLst>
+            </a:prstGeom>
+            <a:solidFill>
+              <a:schemeClr val="accent1">
+                <a:alpha val="85000"/>
+              </a:schemeClr>
+            </a:solidFill>
+            <a:ln>
+              <a:noFill/>
+            </a:ln>
+            <a:effectLst/>
+          </p:spPr>
+          <p:style>
+            <a:lnRef idx="1">
+              <a:schemeClr val="accent1"/>
+            </a:lnRef>
+            <a:fillRef idx="3">
+              <a:schemeClr val="accent1"/>
+            </a:fillRef>
+            <a:effectRef idx="2">
+              <a:schemeClr val="accent1"/>
+            </a:effectRef>
+            <a:fontRef idx="minor">
+              <a:schemeClr val="lt1"/>
+            </a:fontRef>
+          </p:style>
+        </p:sp>
+      </p:grpSp>
+      <p:sp>
+        <p:nvSpPr>
+          <p:cNvPr id="2" name="Title Placeholder 1"/>
           <p:cNvSpPr>
             <a:spLocks noGrp="1"/>
           </p:cNvSpPr>
@@ -2779,15 +5188,15 @@
         </p:nvSpPr>
         <p:spPr>
           <a:xfrm>
-            <a:off x="838200" y="365125"/>
-            <a:ext cx="10515600" cy="1325563"/>
+            <a:off x="677334" y="609600"/>
+            <a:ext cx="8596668" cy="1320800"/>
           </a:xfrm>
           <a:prstGeom prst="rect">
             <a:avLst/>
           </a:prstGeom>
         </p:spPr>
         <p:txBody>
-          <a:bodyPr vert="horz" lIns="91440" tIns="45720" rIns="91440" bIns="45720" rtlCol="0" anchor="ctr">
+          <a:bodyPr vert="horz" lIns="91440" tIns="45720" rIns="91440" bIns="45720" rtlCol="0" anchor="t">
             <a:normAutofit/>
           </a:bodyPr>
           <a:lstStyle/>
@@ -2796,18 +5205,13 @@
               <a:rPr lang="en-US"/>
               <a:t>Click to edit Master title style</a:t>
             </a:r>
-          </a:p>
-        </p:txBody>
-      </p:sp>
-      <p:sp>
-        <p:nvSpPr>
-          <p:cNvPr id="3" name="Text Placeholder 2">
-            <a:extLst>
-              <a:ext uri="{FF2B5EF4-FFF2-40B4-BE49-F238E27FC236}">
-                <a16:creationId xmlns:a16="http://schemas.microsoft.com/office/drawing/2014/main" id="{61011479-3CA9-C82A-C3B7-1C0321F9510E}"/>
-              </a:ext>
-            </a:extLst>
-          </p:cNvPr>
+            <a:endParaRPr lang="en-US" dirty="0"/>
+          </a:p>
+        </p:txBody>
+      </p:sp>
+      <p:sp>
+        <p:nvSpPr>
+          <p:cNvPr id="3" name="Text Placeholder 2"/>
           <p:cNvSpPr>
             <a:spLocks noGrp="1"/>
           </p:cNvSpPr>
@@ -2817,8 +5221,8 @@
         </p:nvSpPr>
         <p:spPr>
           <a:xfrm>
-            <a:off x="838200" y="1825625"/>
-            <a:ext cx="10515600" cy="4351338"/>
+            <a:off x="677334" y="2160589"/>
+            <a:ext cx="8596668" cy="3880773"/>
           </a:xfrm>
           <a:prstGeom prst="rect">
             <a:avLst/>
@@ -2863,18 +5267,13 @@
               <a:rPr lang="en-US"/>
               <a:t>Fifth level</a:t>
             </a:r>
-          </a:p>
-        </p:txBody>
-      </p:sp>
-      <p:sp>
-        <p:nvSpPr>
-          <p:cNvPr id="4" name="Date Placeholder 3">
-            <a:extLst>
-              <a:ext uri="{FF2B5EF4-FFF2-40B4-BE49-F238E27FC236}">
-                <a16:creationId xmlns:a16="http://schemas.microsoft.com/office/drawing/2014/main" id="{2AB8C7EF-0F9D-9968-FAEF-AE3625B40D93}"/>
-              </a:ext>
-            </a:extLst>
-          </p:cNvPr>
+            <a:endParaRPr lang="en-US" dirty="0"/>
+          </a:p>
+        </p:txBody>
+      </p:sp>
+      <p:sp>
+        <p:nvSpPr>
+          <p:cNvPr id="4" name="Date Placeholder 3"/>
           <p:cNvSpPr>
             <a:spLocks noGrp="1"/>
           </p:cNvSpPr>
@@ -2884,8 +5283,8 @@
         </p:nvSpPr>
         <p:spPr>
           <a:xfrm>
-            <a:off x="838200" y="6356350"/>
-            <a:ext cx="2743200" cy="365125"/>
+            <a:off x="7205133" y="6041362"/>
+            <a:ext cx="911939" cy="365125"/>
           </a:xfrm>
           <a:prstGeom prst="rect">
             <a:avLst/>
@@ -2894,8 +5293,8 @@
         <p:txBody>
           <a:bodyPr vert="horz" lIns="91440" tIns="45720" rIns="91440" bIns="45720" rtlCol="0" anchor="ctr"/>
           <a:lstStyle>
-            <a:lvl1pPr algn="l">
-              <a:defRPr sz="1200">
+            <a:lvl1pPr algn="r">
+              <a:defRPr sz="900">
                 <a:solidFill>
                   <a:schemeClr val="tx1">
                     <a:tint val="75000"/>
@@ -2915,13 +5314,7 @@
       </p:sp>
       <p:sp>
         <p:nvSpPr>
-          <p:cNvPr id="5" name="Footer Placeholder 4">
-            <a:extLst>
-              <a:ext uri="{FF2B5EF4-FFF2-40B4-BE49-F238E27FC236}">
-                <a16:creationId xmlns:a16="http://schemas.microsoft.com/office/drawing/2014/main" id="{0EE82A3D-DB4F-667C-A373-187975F34ACF}"/>
-              </a:ext>
-            </a:extLst>
-          </p:cNvPr>
+          <p:cNvPr id="5" name="Footer Placeholder 4"/>
           <p:cNvSpPr>
             <a:spLocks noGrp="1"/>
           </p:cNvSpPr>
@@ -2931,8 +5324,8 @@
         </p:nvSpPr>
         <p:spPr>
           <a:xfrm>
-            <a:off x="4038600" y="6356350"/>
-            <a:ext cx="4114800" cy="365125"/>
+            <a:off x="677334" y="6041362"/>
+            <a:ext cx="6297612" cy="365125"/>
           </a:xfrm>
           <a:prstGeom prst="rect">
             <a:avLst/>
@@ -2941,8 +5334,8 @@
         <p:txBody>
           <a:bodyPr vert="horz" lIns="91440" tIns="45720" rIns="91440" bIns="45720" rtlCol="0" anchor="ctr"/>
           <a:lstStyle>
-            <a:lvl1pPr algn="ctr">
-              <a:defRPr sz="1200">
+            <a:lvl1pPr algn="l">
+              <a:defRPr sz="900">
                 <a:solidFill>
                   <a:schemeClr val="tx1">
                     <a:tint val="75000"/>
@@ -2958,13 +5351,7 @@
       </p:sp>
       <p:sp>
         <p:nvSpPr>
-          <p:cNvPr id="6" name="Slide Number Placeholder 5">
-            <a:extLst>
-              <a:ext uri="{FF2B5EF4-FFF2-40B4-BE49-F238E27FC236}">
-                <a16:creationId xmlns:a16="http://schemas.microsoft.com/office/drawing/2014/main" id="{F0A750F7-9942-FCCB-B362-521853B5F81C}"/>
-              </a:ext>
-            </a:extLst>
-          </p:cNvPr>
+          <p:cNvPr id="6" name="Slide Number Placeholder 5"/>
           <p:cNvSpPr>
             <a:spLocks noGrp="1"/>
           </p:cNvSpPr>
@@ -2974,8 +5361,8 @@
         </p:nvSpPr>
         <p:spPr>
           <a:xfrm>
-            <a:off x="8610600" y="6356350"/>
-            <a:ext cx="2743200" cy="365125"/>
+            <a:off x="8590663" y="6041362"/>
+            <a:ext cx="683339" cy="365125"/>
           </a:xfrm>
           <a:prstGeom prst="rect">
             <a:avLst/>
@@ -2985,11 +5372,9 @@
           <a:bodyPr vert="horz" lIns="91440" tIns="45720" rIns="91440" bIns="45720" rtlCol="0" anchor="ctr"/>
           <a:lstStyle>
             <a:lvl1pPr algn="r">
-              <a:defRPr sz="1200">
-                <a:solidFill>
-                  <a:schemeClr val="tx1">
-                    <a:tint val="75000"/>
-                  </a:schemeClr>
+              <a:defRPr sz="900">
+                <a:solidFill>
+                  <a:schemeClr val="accent1"/>
                 </a:solidFill>
               </a:defRPr>
             </a:lvl1pPr>
@@ -3006,201 +5391,322 @@
     </p:spTree>
     <p:extLst>
       <p:ext uri="{BB962C8B-B14F-4D97-AF65-F5344CB8AC3E}">
-        <p14:creationId xmlns:p14="http://schemas.microsoft.com/office/powerpoint/2010/main" val="3798025374"/>
+        <p14:creationId xmlns:p14="http://schemas.microsoft.com/office/powerpoint/2010/main" val="1137859064"/>
       </p:ext>
     </p:extLst>
   </p:cSld>
   <p:clrMap bg1="lt1" tx1="dk1" bg2="lt2" tx2="dk2" accent1="accent1" accent2="accent2" accent3="accent3" accent4="accent4" accent5="accent5" accent6="accent6" hlink="hlink" folHlink="folHlink"/>
   <p:sldLayoutIdLst>
-    <p:sldLayoutId id="2147483649" r:id="rId1"/>
-    <p:sldLayoutId id="2147483650" r:id="rId2"/>
-    <p:sldLayoutId id="2147483651" r:id="rId3"/>
-    <p:sldLayoutId id="2147483652" r:id="rId4"/>
-    <p:sldLayoutId id="2147483653" r:id="rId5"/>
-    <p:sldLayoutId id="2147483654" r:id="rId6"/>
-    <p:sldLayoutId id="2147483655" r:id="rId7"/>
-    <p:sldLayoutId id="2147483656" r:id="rId8"/>
-    <p:sldLayoutId id="2147483657" r:id="rId9"/>
-    <p:sldLayoutId id="2147483658" r:id="rId10"/>
-    <p:sldLayoutId id="2147483659" r:id="rId11"/>
+    <p:sldLayoutId id="2147483661" r:id="rId1"/>
+    <p:sldLayoutId id="2147483662" r:id="rId2"/>
+    <p:sldLayoutId id="2147483663" r:id="rId3"/>
+    <p:sldLayoutId id="2147483664" r:id="rId4"/>
+    <p:sldLayoutId id="2147483665" r:id="rId5"/>
+    <p:sldLayoutId id="2147483666" r:id="rId6"/>
+    <p:sldLayoutId id="2147483667" r:id="rId7"/>
+    <p:sldLayoutId id="2147483668" r:id="rId8"/>
+    <p:sldLayoutId id="2147483669" r:id="rId9"/>
+    <p:sldLayoutId id="2147483670" r:id="rId10"/>
+    <p:sldLayoutId id="2147483671" r:id="rId11"/>
+    <p:sldLayoutId id="2147483672" r:id="rId12"/>
+    <p:sldLayoutId id="2147483673" r:id="rId13"/>
+    <p:sldLayoutId id="2147483674" r:id="rId14"/>
+    <p:sldLayoutId id="2147483675" r:id="rId15"/>
+    <p:sldLayoutId id="2147483676" r:id="rId16"/>
   </p:sldLayoutIdLst>
   <p:txStyles>
     <p:titleStyle>
-      <a:lvl1pPr algn="l" defTabSz="914400" rtl="0" eaLnBrk="1" latinLnBrk="0" hangingPunct="1">
-        <a:lnSpc>
-          <a:spcPct val="90000"/>
-        </a:lnSpc>
+      <a:lvl1pPr algn="l" defTabSz="457200" rtl="0" eaLnBrk="1" latinLnBrk="0" hangingPunct="1">
         <a:spcBef>
           <a:spcPct val="0"/>
         </a:spcBef>
         <a:buNone/>
-        <a:defRPr sz="4400" kern="1200">
+        <a:defRPr sz="3600" kern="1200">
           <a:solidFill>
-            <a:schemeClr val="tx1"/>
+            <a:schemeClr val="accent1"/>
           </a:solidFill>
           <a:latin typeface="+mj-lt"/>
           <a:ea typeface="+mj-ea"/>
           <a:cs typeface="+mj-cs"/>
         </a:defRPr>
       </a:lvl1pPr>
+      <a:lvl2pPr eaLnBrk="1" hangingPunct="1">
+        <a:defRPr>
+          <a:solidFill>
+            <a:schemeClr val="tx2"/>
+          </a:solidFill>
+        </a:defRPr>
+      </a:lvl2pPr>
+      <a:lvl3pPr eaLnBrk="1" hangingPunct="1">
+        <a:defRPr>
+          <a:solidFill>
+            <a:schemeClr val="tx2"/>
+          </a:solidFill>
+        </a:defRPr>
+      </a:lvl3pPr>
+      <a:lvl4pPr eaLnBrk="1" hangingPunct="1">
+        <a:defRPr>
+          <a:solidFill>
+            <a:schemeClr val="tx2"/>
+          </a:solidFill>
+        </a:defRPr>
+      </a:lvl4pPr>
+      <a:lvl5pPr eaLnBrk="1" hangingPunct="1">
+        <a:defRPr>
+          <a:solidFill>
+            <a:schemeClr val="tx2"/>
+          </a:solidFill>
+        </a:defRPr>
+      </a:lvl5pPr>
+      <a:lvl6pPr eaLnBrk="1" hangingPunct="1">
+        <a:defRPr>
+          <a:solidFill>
+            <a:schemeClr val="tx2"/>
+          </a:solidFill>
+        </a:defRPr>
+      </a:lvl6pPr>
+      <a:lvl7pPr eaLnBrk="1" hangingPunct="1">
+        <a:defRPr>
+          <a:solidFill>
+            <a:schemeClr val="tx2"/>
+          </a:solidFill>
+        </a:defRPr>
+      </a:lvl7pPr>
+      <a:lvl8pPr eaLnBrk="1" hangingPunct="1">
+        <a:defRPr>
+          <a:solidFill>
+            <a:schemeClr val="tx2"/>
+          </a:solidFill>
+        </a:defRPr>
+      </a:lvl8pPr>
+      <a:lvl9pPr eaLnBrk="1" hangingPunct="1">
+        <a:defRPr>
+          <a:solidFill>
+            <a:schemeClr val="tx2"/>
+          </a:solidFill>
+        </a:defRPr>
+      </a:lvl9pPr>
     </p:titleStyle>
     <p:bodyStyle>
-      <a:lvl1pPr marL="228600" indent="-228600" algn="l" defTabSz="914400" rtl="0" eaLnBrk="1" latinLnBrk="0" hangingPunct="1">
-        <a:lnSpc>
-          <a:spcPct val="90000"/>
-        </a:lnSpc>
+      <a:lvl1pPr marL="342900" indent="-342900" algn="l" defTabSz="457200" rtl="0" eaLnBrk="1" latinLnBrk="0" hangingPunct="1">
         <a:spcBef>
           <a:spcPts val="1000"/>
         </a:spcBef>
-        <a:buFont typeface="Arial" panose="020B0604020202020204" pitchFamily="34" charset="0"/>
-        <a:buChar char="•"/>
-        <a:defRPr sz="2800" kern="1200">
+        <a:spcAft>
+          <a:spcPts val="0"/>
+        </a:spcAft>
+        <a:buClr>
+          <a:schemeClr val="accent1"/>
+        </a:buClr>
+        <a:buSzPct val="80000"/>
+        <a:buFont typeface="Wingdings 3" charset="2"/>
+        <a:buChar char=""/>
+        <a:defRPr sz="1800" kern="1200">
           <a:solidFill>
-            <a:schemeClr val="tx1"/>
+            <a:schemeClr val="tx1">
+              <a:lumMod val="75000"/>
+              <a:lumOff val="25000"/>
+            </a:schemeClr>
           </a:solidFill>
           <a:latin typeface="+mn-lt"/>
           <a:ea typeface="+mn-ea"/>
           <a:cs typeface="+mn-cs"/>
         </a:defRPr>
       </a:lvl1pPr>
-      <a:lvl2pPr marL="685800" indent="-228600" algn="l" defTabSz="914400" rtl="0" eaLnBrk="1" latinLnBrk="0" hangingPunct="1">
-        <a:lnSpc>
-          <a:spcPct val="90000"/>
-        </a:lnSpc>
+      <a:lvl2pPr marL="742950" indent="-285750" algn="l" defTabSz="457200" rtl="0" eaLnBrk="1" latinLnBrk="0" hangingPunct="1">
         <a:spcBef>
-          <a:spcPts val="500"/>
+          <a:spcPts val="1000"/>
         </a:spcBef>
-        <a:buFont typeface="Arial" panose="020B0604020202020204" pitchFamily="34" charset="0"/>
-        <a:buChar char="•"/>
-        <a:defRPr sz="2400" kern="1200">
+        <a:spcAft>
+          <a:spcPts val="0"/>
+        </a:spcAft>
+        <a:buClr>
+          <a:schemeClr val="accent1"/>
+        </a:buClr>
+        <a:buSzPct val="80000"/>
+        <a:buFont typeface="Wingdings 3" charset="2"/>
+        <a:buChar char=""/>
+        <a:defRPr sz="1600" kern="1200">
           <a:solidFill>
-            <a:schemeClr val="tx1"/>
+            <a:schemeClr val="tx1">
+              <a:lumMod val="75000"/>
+              <a:lumOff val="25000"/>
+            </a:schemeClr>
           </a:solidFill>
           <a:latin typeface="+mn-lt"/>
           <a:ea typeface="+mn-ea"/>
           <a:cs typeface="+mn-cs"/>
         </a:defRPr>
       </a:lvl2pPr>
-      <a:lvl3pPr marL="1143000" indent="-228600" algn="l" defTabSz="914400" rtl="0" eaLnBrk="1" latinLnBrk="0" hangingPunct="1">
-        <a:lnSpc>
-          <a:spcPct val="90000"/>
-        </a:lnSpc>
+      <a:lvl3pPr marL="1143000" indent="-228600" algn="l" defTabSz="457200" rtl="0" eaLnBrk="1" latinLnBrk="0" hangingPunct="1">
         <a:spcBef>
-          <a:spcPts val="500"/>
+          <a:spcPts val="1000"/>
         </a:spcBef>
-        <a:buFont typeface="Arial" panose="020B0604020202020204" pitchFamily="34" charset="0"/>
-        <a:buChar char="•"/>
-        <a:defRPr sz="2000" kern="1200">
+        <a:spcAft>
+          <a:spcPts val="0"/>
+        </a:spcAft>
+        <a:buClr>
+          <a:schemeClr val="accent1"/>
+        </a:buClr>
+        <a:buSzPct val="80000"/>
+        <a:buFont typeface="Wingdings 3" charset="2"/>
+        <a:buChar char=""/>
+        <a:defRPr sz="1400" kern="1200">
           <a:solidFill>
-            <a:schemeClr val="tx1"/>
+            <a:schemeClr val="tx1">
+              <a:lumMod val="75000"/>
+              <a:lumOff val="25000"/>
+            </a:schemeClr>
           </a:solidFill>
           <a:latin typeface="+mn-lt"/>
           <a:ea typeface="+mn-ea"/>
           <a:cs typeface="+mn-cs"/>
         </a:defRPr>
       </a:lvl3pPr>
-      <a:lvl4pPr marL="1600200" indent="-228600" algn="l" defTabSz="914400" rtl="0" eaLnBrk="1" latinLnBrk="0" hangingPunct="1">
-        <a:lnSpc>
-          <a:spcPct val="90000"/>
-        </a:lnSpc>
+      <a:lvl4pPr marL="1600200" indent="-228600" algn="l" defTabSz="457200" rtl="0" eaLnBrk="1" latinLnBrk="0" hangingPunct="1">
         <a:spcBef>
-          <a:spcPts val="500"/>
+          <a:spcPts val="1000"/>
         </a:spcBef>
-        <a:buFont typeface="Arial" panose="020B0604020202020204" pitchFamily="34" charset="0"/>
-        <a:buChar char="•"/>
-        <a:defRPr sz="1800" kern="1200">
+        <a:spcAft>
+          <a:spcPts val="0"/>
+        </a:spcAft>
+        <a:buClr>
+          <a:schemeClr val="accent1"/>
+        </a:buClr>
+        <a:buSzPct val="80000"/>
+        <a:buFont typeface="Wingdings 3" charset="2"/>
+        <a:buChar char=""/>
+        <a:defRPr sz="1200" kern="1200">
           <a:solidFill>
-            <a:schemeClr val="tx1"/>
+            <a:schemeClr val="tx1">
+              <a:lumMod val="75000"/>
+              <a:lumOff val="25000"/>
+            </a:schemeClr>
           </a:solidFill>
           <a:latin typeface="+mn-lt"/>
           <a:ea typeface="+mn-ea"/>
           <a:cs typeface="+mn-cs"/>
         </a:defRPr>
       </a:lvl4pPr>
-      <a:lvl5pPr marL="2057400" indent="-228600" algn="l" defTabSz="914400" rtl="0" eaLnBrk="1" latinLnBrk="0" hangingPunct="1">
-        <a:lnSpc>
-          <a:spcPct val="90000"/>
-        </a:lnSpc>
+      <a:lvl5pPr marL="2057400" indent="-228600" algn="l" defTabSz="457200" rtl="0" eaLnBrk="1" latinLnBrk="0" hangingPunct="1">
         <a:spcBef>
-          <a:spcPts val="500"/>
+          <a:spcPts val="1000"/>
         </a:spcBef>
-        <a:buFont typeface="Arial" panose="020B0604020202020204" pitchFamily="34" charset="0"/>
-        <a:buChar char="•"/>
-        <a:defRPr sz="1800" kern="1200">
+        <a:spcAft>
+          <a:spcPts val="0"/>
+        </a:spcAft>
+        <a:buClr>
+          <a:schemeClr val="accent1"/>
+        </a:buClr>
+        <a:buSzPct val="80000"/>
+        <a:buFont typeface="Wingdings 3" charset="2"/>
+        <a:buChar char=""/>
+        <a:defRPr sz="1200" kern="1200">
           <a:solidFill>
-            <a:schemeClr val="tx1"/>
+            <a:schemeClr val="tx1">
+              <a:lumMod val="75000"/>
+              <a:lumOff val="25000"/>
+            </a:schemeClr>
           </a:solidFill>
           <a:latin typeface="+mn-lt"/>
           <a:ea typeface="+mn-ea"/>
           <a:cs typeface="+mn-cs"/>
         </a:defRPr>
       </a:lvl5pPr>
-      <a:lvl6pPr marL="2514600" indent="-228600" algn="l" defTabSz="914400" rtl="0" eaLnBrk="1" latinLnBrk="0" hangingPunct="1">
-        <a:lnSpc>
-          <a:spcPct val="90000"/>
-        </a:lnSpc>
+      <a:lvl6pPr marL="2514600" indent="-228600" algn="l" defTabSz="457200" rtl="0" eaLnBrk="1" latinLnBrk="0" hangingPunct="1">
         <a:spcBef>
-          <a:spcPts val="500"/>
+          <a:spcPts val="1000"/>
         </a:spcBef>
-        <a:buFont typeface="Arial" panose="020B0604020202020204" pitchFamily="34" charset="0"/>
-        <a:buChar char="•"/>
-        <a:defRPr sz="1800" kern="1200">
+        <a:spcAft>
+          <a:spcPts val="0"/>
+        </a:spcAft>
+        <a:buClr>
+          <a:schemeClr val="accent1"/>
+        </a:buClr>
+        <a:buSzPct val="80000"/>
+        <a:buFont typeface="Wingdings 3" charset="2"/>
+        <a:buChar char=""/>
+        <a:defRPr sz="1200" kern="1200">
           <a:solidFill>
-            <a:schemeClr val="tx1"/>
+            <a:schemeClr val="tx1">
+              <a:lumMod val="75000"/>
+              <a:lumOff val="25000"/>
+            </a:schemeClr>
           </a:solidFill>
           <a:latin typeface="+mn-lt"/>
           <a:ea typeface="+mn-ea"/>
           <a:cs typeface="+mn-cs"/>
         </a:defRPr>
       </a:lvl6pPr>
-      <a:lvl7pPr marL="2971800" indent="-228600" algn="l" defTabSz="914400" rtl="0" eaLnBrk="1" latinLnBrk="0" hangingPunct="1">
-        <a:lnSpc>
-          <a:spcPct val="90000"/>
-        </a:lnSpc>
+      <a:lvl7pPr marL="2971800" indent="-228600" algn="l" defTabSz="457200" rtl="0" eaLnBrk="1" latinLnBrk="0" hangingPunct="1">
         <a:spcBef>
-          <a:spcPts val="500"/>
+          <a:spcPts val="1000"/>
         </a:spcBef>
-        <a:buFont typeface="Arial" panose="020B0604020202020204" pitchFamily="34" charset="0"/>
-        <a:buChar char="•"/>
-        <a:defRPr sz="1800" kern="1200">
+        <a:spcAft>
+          <a:spcPts val="0"/>
+        </a:spcAft>
+        <a:buClr>
+          <a:schemeClr val="accent1"/>
+        </a:buClr>
+        <a:buSzPct val="80000"/>
+        <a:buFont typeface="Wingdings 3" charset="2"/>
+        <a:buChar char=""/>
+        <a:defRPr sz="1200" kern="1200">
           <a:solidFill>
-            <a:schemeClr val="tx1"/>
+            <a:schemeClr val="tx1">
+              <a:lumMod val="75000"/>
+              <a:lumOff val="25000"/>
+            </a:schemeClr>
           </a:solidFill>
           <a:latin typeface="+mn-lt"/>
           <a:ea typeface="+mn-ea"/>
           <a:cs typeface="+mn-cs"/>
         </a:defRPr>
       </a:lvl7pPr>
-      <a:lvl8pPr marL="3429000" indent="-228600" algn="l" defTabSz="914400" rtl="0" eaLnBrk="1" latinLnBrk="0" hangingPunct="1">
-        <a:lnSpc>
-          <a:spcPct val="90000"/>
-        </a:lnSpc>
+      <a:lvl8pPr marL="3429000" indent="-228600" algn="l" defTabSz="457200" rtl="0" eaLnBrk="1" latinLnBrk="0" hangingPunct="1">
         <a:spcBef>
-          <a:spcPts val="500"/>
+          <a:spcPts val="1000"/>
         </a:spcBef>
-        <a:buFont typeface="Arial" panose="020B0604020202020204" pitchFamily="34" charset="0"/>
-        <a:buChar char="•"/>
-        <a:defRPr sz="1800" kern="1200">
+        <a:spcAft>
+          <a:spcPts val="0"/>
+        </a:spcAft>
+        <a:buClr>
+          <a:schemeClr val="accent1"/>
+        </a:buClr>
+        <a:buSzPct val="80000"/>
+        <a:buFont typeface="Wingdings 3" charset="2"/>
+        <a:buChar char=""/>
+        <a:defRPr sz="1200" kern="1200">
           <a:solidFill>
-            <a:schemeClr val="tx1"/>
+            <a:schemeClr val="tx1">
+              <a:lumMod val="75000"/>
+              <a:lumOff val="25000"/>
+            </a:schemeClr>
           </a:solidFill>
           <a:latin typeface="+mn-lt"/>
           <a:ea typeface="+mn-ea"/>
           <a:cs typeface="+mn-cs"/>
         </a:defRPr>
       </a:lvl8pPr>
-      <a:lvl9pPr marL="3886200" indent="-228600" algn="l" defTabSz="914400" rtl="0" eaLnBrk="1" latinLnBrk="0" hangingPunct="1">
-        <a:lnSpc>
-          <a:spcPct val="90000"/>
-        </a:lnSpc>
+      <a:lvl9pPr marL="3886200" indent="-228600" algn="l" defTabSz="457200" rtl="0" eaLnBrk="1" latinLnBrk="0" hangingPunct="1">
         <a:spcBef>
-          <a:spcPts val="500"/>
+          <a:spcPts val="1000"/>
         </a:spcBef>
-        <a:buFont typeface="Arial" panose="020B0604020202020204" pitchFamily="34" charset="0"/>
-        <a:buChar char="•"/>
-        <a:defRPr sz="1800" kern="1200">
+        <a:spcAft>
+          <a:spcPts val="0"/>
+        </a:spcAft>
+        <a:buClr>
+          <a:schemeClr val="accent1"/>
+        </a:buClr>
+        <a:buSzPct val="80000"/>
+        <a:buFont typeface="Wingdings 3" charset="2"/>
+        <a:buChar char=""/>
+        <a:defRPr sz="1200" kern="1200">
           <a:solidFill>
-            <a:schemeClr val="tx1"/>
+            <a:schemeClr val="tx1">
+              <a:lumMod val="75000"/>
+              <a:lumOff val="25000"/>
+            </a:schemeClr>
           </a:solidFill>
           <a:latin typeface="+mn-lt"/>
           <a:ea typeface="+mn-ea"/>
@@ -3212,7 +5718,7 @@
       <a:defPPr>
         <a:defRPr lang="en-US"/>
       </a:defPPr>
-      <a:lvl1pPr marL="0" algn="l" defTabSz="914400" rtl="0" eaLnBrk="1" latinLnBrk="0" hangingPunct="1">
+      <a:lvl1pPr marL="0" algn="l" defTabSz="457200" rtl="0" eaLnBrk="1" latinLnBrk="0" hangingPunct="1">
         <a:defRPr sz="1800" kern="1200">
           <a:solidFill>
             <a:schemeClr val="tx1"/>
@@ -3222,7 +5728,7 @@
           <a:cs typeface="+mn-cs"/>
         </a:defRPr>
       </a:lvl1pPr>
-      <a:lvl2pPr marL="457200" algn="l" defTabSz="914400" rtl="0" eaLnBrk="1" latinLnBrk="0" hangingPunct="1">
+      <a:lvl2pPr marL="457200" algn="l" defTabSz="457200" rtl="0" eaLnBrk="1" latinLnBrk="0" hangingPunct="1">
         <a:defRPr sz="1800" kern="1200">
           <a:solidFill>
             <a:schemeClr val="tx1"/>
@@ -3232,7 +5738,7 @@
           <a:cs typeface="+mn-cs"/>
         </a:defRPr>
       </a:lvl2pPr>
-      <a:lvl3pPr marL="914400" algn="l" defTabSz="914400" rtl="0" eaLnBrk="1" latinLnBrk="0" hangingPunct="1">
+      <a:lvl3pPr marL="914400" algn="l" defTabSz="457200" rtl="0" eaLnBrk="1" latinLnBrk="0" hangingPunct="1">
         <a:defRPr sz="1800" kern="1200">
           <a:solidFill>
             <a:schemeClr val="tx1"/>
@@ -3242,7 +5748,7 @@
           <a:cs typeface="+mn-cs"/>
         </a:defRPr>
       </a:lvl3pPr>
-      <a:lvl4pPr marL="1371600" algn="l" defTabSz="914400" rtl="0" eaLnBrk="1" latinLnBrk="0" hangingPunct="1">
+      <a:lvl4pPr marL="1371600" algn="l" defTabSz="457200" rtl="0" eaLnBrk="1" latinLnBrk="0" hangingPunct="1">
         <a:defRPr sz="1800" kern="1200">
           <a:solidFill>
             <a:schemeClr val="tx1"/>
@@ -3252,7 +5758,7 @@
           <a:cs typeface="+mn-cs"/>
         </a:defRPr>
       </a:lvl4pPr>
-      <a:lvl5pPr marL="1828800" algn="l" defTabSz="914400" rtl="0" eaLnBrk="1" latinLnBrk="0" hangingPunct="1">
+      <a:lvl5pPr marL="1828800" algn="l" defTabSz="457200" rtl="0" eaLnBrk="1" latinLnBrk="0" hangingPunct="1">
         <a:defRPr sz="1800" kern="1200">
           <a:solidFill>
             <a:schemeClr val="tx1"/>
@@ -3262,7 +5768,7 @@
           <a:cs typeface="+mn-cs"/>
         </a:defRPr>
       </a:lvl5pPr>
-      <a:lvl6pPr marL="2286000" algn="l" defTabSz="914400" rtl="0" eaLnBrk="1" latinLnBrk="0" hangingPunct="1">
+      <a:lvl6pPr marL="2286000" algn="l" defTabSz="457200" rtl="0" eaLnBrk="1" latinLnBrk="0" hangingPunct="1">
         <a:defRPr sz="1800" kern="1200">
           <a:solidFill>
             <a:schemeClr val="tx1"/>
@@ -3272,7 +5778,7 @@
           <a:cs typeface="+mn-cs"/>
         </a:defRPr>
       </a:lvl6pPr>
-      <a:lvl7pPr marL="2743200" algn="l" defTabSz="914400" rtl="0" eaLnBrk="1" latinLnBrk="0" hangingPunct="1">
+      <a:lvl7pPr marL="2743200" algn="l" defTabSz="457200" rtl="0" eaLnBrk="1" latinLnBrk="0" hangingPunct="1">
         <a:defRPr sz="1800" kern="1200">
           <a:solidFill>
             <a:schemeClr val="tx1"/>
@@ -3282,7 +5788,7 @@
           <a:cs typeface="+mn-cs"/>
         </a:defRPr>
       </a:lvl7pPr>
-      <a:lvl8pPr marL="3200400" algn="l" defTabSz="914400" rtl="0" eaLnBrk="1" latinLnBrk="0" hangingPunct="1">
+      <a:lvl8pPr marL="3200400" algn="l" defTabSz="457200" rtl="0" eaLnBrk="1" latinLnBrk="0" hangingPunct="1">
         <a:defRPr sz="1800" kern="1200">
           <a:solidFill>
             <a:schemeClr val="tx1"/>
@@ -3292,7 +5798,7 @@
           <a:cs typeface="+mn-cs"/>
         </a:defRPr>
       </a:lvl8pPr>
-      <a:lvl9pPr marL="3657600" algn="l" defTabSz="914400" rtl="0" eaLnBrk="1" latinLnBrk="0" hangingPunct="1">
+      <a:lvl9pPr marL="3657600" algn="l" defTabSz="457200" rtl="0" eaLnBrk="1" latinLnBrk="0" hangingPunct="1">
         <a:defRPr sz="1800" kern="1200">
           <a:solidFill>
             <a:schemeClr val="tx1"/>
@@ -3355,13 +5861,25 @@
             <a:pPr algn="r"/>
             <a:r>
               <a:rPr lang="en-US" sz="1100" dirty="0"/>
-              <a:t>  Thong LT                                           </a:t>
+              <a:t>  </a:t>
+            </a:r>
+            <a:r>
+              <a:rPr lang="en-US" sz="1100" dirty="0">
+                <a:solidFill>
+                  <a:schemeClr val="tx1">
+                    <a:lumMod val="95000"/>
+                    <a:lumOff val="5000"/>
+                  </a:schemeClr>
+                </a:solidFill>
+              </a:rPr>
+              <a:t>Thong LT                                           </a:t>
             </a:r>
             <a:r>
               <a:rPr lang="en-US" sz="1100" b="1" dirty="0" err="1">
                 <a:solidFill>
-                  <a:schemeClr val="accent6">
-                    <a:lumMod val="75000"/>
+                  <a:schemeClr val="tx1">
+                    <a:lumMod val="95000"/>
+                    <a:lumOff val="5000"/>
                   </a:schemeClr>
                 </a:solidFill>
               </a:rPr>
@@ -3369,8 +5887,9 @@
             </a:r>
             <a:endParaRPr lang="en-US" sz="1100" b="1" dirty="0">
               <a:solidFill>
-                <a:schemeClr val="accent6">
-                  <a:lumMod val="75000"/>
+                <a:schemeClr val="tx1">
+                  <a:lumMod val="95000"/>
+                  <a:lumOff val="5000"/>
                 </a:schemeClr>
               </a:solidFill>
             </a:endParaRPr>
@@ -3403,6 +5922,7 @@
           <a:bodyPr/>
           <a:lstStyle/>
           <a:p>
+            <a:pPr algn="l"/>
             <a:r>
               <a:rPr lang="en-US" b="1" dirty="0" err="1"/>
               <a:t>Autosar</a:t>
@@ -3411,6 +5931,36 @@
           </a:p>
         </p:txBody>
       </p:sp>
+      <p:pic>
+        <p:nvPicPr>
+          <p:cNvPr id="9" name="Picture 8">
+            <a:extLst>
+              <a:ext uri="{FF2B5EF4-FFF2-40B4-BE49-F238E27FC236}">
+                <a16:creationId xmlns:a16="http://schemas.microsoft.com/office/drawing/2014/main" id="{1611C3E9-FABE-7EFD-BA3B-72498DA7525D}"/>
+              </a:ext>
+            </a:extLst>
+          </p:cNvPr>
+          <p:cNvPicPr>
+            <a:picLocks noChangeAspect="1"/>
+          </p:cNvPicPr>
+          <p:nvPr/>
+        </p:nvPicPr>
+        <p:blipFill>
+          <a:blip r:embed="rId2"/>
+          <a:stretch>
+            <a:fillRect/>
+          </a:stretch>
+        </p:blipFill>
+        <p:spPr>
+          <a:xfrm>
+            <a:off x="1323883" y="604233"/>
+            <a:ext cx="7707383" cy="5687418"/>
+          </a:xfrm>
+          <a:prstGeom prst="rect">
+            <a:avLst/>
+          </a:prstGeom>
+        </p:spPr>
+      </p:pic>
     </p:spTree>
     <p:extLst>
       <p:ext uri="{BB962C8B-B14F-4D97-AF65-F5344CB8AC3E}">
@@ -3472,6 +6022,208 @@
             <a:pPr algn="r"/>
             <a:r>
               <a:rPr lang="en-US" sz="1100" dirty="0"/>
+              <a:t>  </a:t>
+            </a:r>
+            <a:r>
+              <a:rPr lang="en-US" sz="1100" dirty="0">
+                <a:solidFill>
+                  <a:schemeClr val="tx1">
+                    <a:lumMod val="95000"/>
+                    <a:lumOff val="5000"/>
+                  </a:schemeClr>
+                </a:solidFill>
+              </a:rPr>
+              <a:t>Thong LT                                           </a:t>
+            </a:r>
+            <a:r>
+              <a:rPr lang="en-US" sz="1100" b="1" dirty="0" err="1">
+                <a:solidFill>
+                  <a:schemeClr val="tx1">
+                    <a:lumMod val="95000"/>
+                    <a:lumOff val="5000"/>
+                  </a:schemeClr>
+                </a:solidFill>
+              </a:rPr>
+              <a:t>autosar</a:t>
+            </a:r>
+            <a:endParaRPr lang="en-US" sz="1100" b="1" dirty="0">
+              <a:solidFill>
+                <a:schemeClr val="tx1">
+                  <a:lumMod val="95000"/>
+                  <a:lumOff val="5000"/>
+                </a:schemeClr>
+              </a:solidFill>
+            </a:endParaRPr>
+          </a:p>
+        </p:txBody>
+      </p:sp>
+      <p:sp>
+        <p:nvSpPr>
+          <p:cNvPr id="3" name="Subtitle 2">
+            <a:extLst>
+              <a:ext uri="{FF2B5EF4-FFF2-40B4-BE49-F238E27FC236}">
+                <a16:creationId xmlns:a16="http://schemas.microsoft.com/office/drawing/2014/main" id="{5AB01118-5054-C67F-9B29-AAED41D02329}"/>
+              </a:ext>
+            </a:extLst>
+          </p:cNvPr>
+          <p:cNvSpPr>
+            <a:spLocks noGrp="1"/>
+          </p:cNvSpPr>
+          <p:nvPr>
+            <p:ph type="subTitle" idx="1"/>
+          </p:nvPr>
+        </p:nvSpPr>
+        <p:spPr>
+          <a:xfrm>
+            <a:off x="1524000" y="201010"/>
+            <a:ext cx="9144000" cy="480770"/>
+          </a:xfrm>
+        </p:spPr>
+        <p:txBody>
+          <a:bodyPr/>
+          <a:lstStyle/>
+          <a:p>
+            <a:pPr algn="l"/>
+            <a:r>
+              <a:rPr lang="en-US" b="1" dirty="0"/>
+              <a:t>1. Classic Platform</a:t>
+            </a:r>
+            <a:endParaRPr lang="en-US" dirty="0"/>
+          </a:p>
+        </p:txBody>
+      </p:sp>
+      <p:pic>
+        <p:nvPicPr>
+          <p:cNvPr id="6" name="Picture 5">
+            <a:extLst>
+              <a:ext uri="{FF2B5EF4-FFF2-40B4-BE49-F238E27FC236}">
+                <a16:creationId xmlns:a16="http://schemas.microsoft.com/office/drawing/2014/main" id="{BD28174E-D9A2-DD9E-04FD-B5A1EE0E596C}"/>
+              </a:ext>
+            </a:extLst>
+          </p:cNvPr>
+          <p:cNvPicPr>
+            <a:picLocks noChangeAspect="1"/>
+          </p:cNvPicPr>
+          <p:nvPr/>
+        </p:nvPicPr>
+        <p:blipFill>
+          <a:blip r:embed="rId2"/>
+          <a:stretch>
+            <a:fillRect/>
+          </a:stretch>
+        </p:blipFill>
+        <p:spPr>
+          <a:xfrm>
+            <a:off x="529942" y="920055"/>
+            <a:ext cx="10063946" cy="4463436"/>
+          </a:xfrm>
+          <a:prstGeom prst="rect">
+            <a:avLst/>
+          </a:prstGeom>
+        </p:spPr>
+      </p:pic>
+      <p:sp>
+        <p:nvSpPr>
+          <p:cNvPr id="9" name="TextBox 8">
+            <a:extLst>
+              <a:ext uri="{FF2B5EF4-FFF2-40B4-BE49-F238E27FC236}">
+                <a16:creationId xmlns:a16="http://schemas.microsoft.com/office/drawing/2014/main" id="{F2CC9645-F9C3-6441-2795-9AC5E5D5FEF3}"/>
+              </a:ext>
+            </a:extLst>
+          </p:cNvPr>
+          <p:cNvSpPr txBox="1"/>
+          <p:nvPr/>
+        </p:nvSpPr>
+        <p:spPr>
+          <a:xfrm>
+            <a:off x="2655654" y="5471272"/>
+            <a:ext cx="6106438" cy="369332"/>
+          </a:xfrm>
+          <a:prstGeom prst="rect">
+            <a:avLst/>
+          </a:prstGeom>
+          <a:noFill/>
+        </p:spPr>
+        <p:txBody>
+          <a:bodyPr wrap="square">
+            <a:spAutoFit/>
+          </a:bodyPr>
+          <a:lstStyle/>
+          <a:p>
+            <a:r>
+              <a:rPr lang="en-US" dirty="0">
+                <a:hlinkClick r:id="rId3"/>
+              </a:rPr>
+              <a:t>https://www.autosar.org/standards/classic-platform/</a:t>
+            </a:r>
+            <a:r>
+              <a:rPr lang="en-US" dirty="0"/>
+              <a:t> </a:t>
+            </a:r>
+          </a:p>
+        </p:txBody>
+      </p:sp>
+    </p:spTree>
+    <p:extLst>
+      <p:ext uri="{BB962C8B-B14F-4D97-AF65-F5344CB8AC3E}">
+        <p14:creationId xmlns:p14="http://schemas.microsoft.com/office/powerpoint/2010/main" val="249656903"/>
+      </p:ext>
+    </p:extLst>
+  </p:cSld>
+  <p:clrMapOvr>
+    <a:masterClrMapping/>
+  </p:clrMapOvr>
+</p:sld>
+</file>
+
+<file path=ppt/slides/slide3.xml><?xml version="1.0" encoding="utf-8"?>
+<p:sld xmlns:a="http://schemas.openxmlformats.org/drawingml/2006/main" xmlns:r="http://schemas.openxmlformats.org/officeDocument/2006/relationships" xmlns:p="http://schemas.openxmlformats.org/presentationml/2006/main">
+  <p:cSld>
+    <p:spTree>
+      <p:nvGrpSpPr>
+        <p:cNvPr id="1" name=""/>
+        <p:cNvGrpSpPr/>
+        <p:nvPr/>
+      </p:nvGrpSpPr>
+      <p:grpSpPr>
+        <a:xfrm>
+          <a:off x="0" y="0"/>
+          <a:ext cx="0" cy="0"/>
+          <a:chOff x="0" y="0"/>
+          <a:chExt cx="0" cy="0"/>
+        </a:xfrm>
+      </p:grpSpPr>
+      <p:sp>
+        <p:nvSpPr>
+          <p:cNvPr id="2" name="Title 1">
+            <a:extLst>
+              <a:ext uri="{FF2B5EF4-FFF2-40B4-BE49-F238E27FC236}">
+                <a16:creationId xmlns:a16="http://schemas.microsoft.com/office/drawing/2014/main" id="{18376907-66DA-E7FF-9CFC-B17B1D70BA29}"/>
+              </a:ext>
+            </a:extLst>
+          </p:cNvPr>
+          <p:cNvSpPr>
+            <a:spLocks noGrp="1"/>
+          </p:cNvSpPr>
+          <p:nvPr>
+            <p:ph type="ctrTitle"/>
+          </p:nvPr>
+        </p:nvSpPr>
+        <p:spPr>
+          <a:xfrm>
+            <a:off x="440636" y="6377230"/>
+            <a:ext cx="11625468" cy="480770"/>
+          </a:xfrm>
+        </p:spPr>
+        <p:txBody>
+          <a:bodyPr>
+            <a:normAutofit/>
+          </a:bodyPr>
+          <a:lstStyle/>
+          <a:p>
+            <a:pPr algn="r"/>
+            <a:r>
+              <a:rPr lang="en-US" sz="1100" dirty="0"/>
               <a:t>  Thong LT                                           </a:t>
             </a:r>
             <a:r>
@@ -3520,9 +6272,10 @@
           <a:bodyPr/>
           <a:lstStyle/>
           <a:p>
+            <a:pPr algn="l"/>
             <a:r>
               <a:rPr lang="en-US" b="1" dirty="0"/>
-              <a:t>Adaptive Platform</a:t>
+              <a:t>2. Adaptive Platform</a:t>
             </a:r>
             <a:endParaRPr lang="en-US" dirty="0"/>
           </a:p>
@@ -3605,126 +6358,7 @@
     </p:spTree>
     <p:extLst>
       <p:ext uri="{BB962C8B-B14F-4D97-AF65-F5344CB8AC3E}">
-        <p14:creationId xmlns:p14="http://schemas.microsoft.com/office/powerpoint/2010/main" val="249656903"/>
-      </p:ext>
-    </p:extLst>
-  </p:cSld>
-  <p:clrMapOvr>
-    <a:masterClrMapping/>
-  </p:clrMapOvr>
-</p:sld>
-</file>
-
-<file path=ppt/slides/slide3.xml><?xml version="1.0" encoding="utf-8"?>
-<p:sld xmlns:a="http://schemas.openxmlformats.org/drawingml/2006/main" xmlns:r="http://schemas.openxmlformats.org/officeDocument/2006/relationships" xmlns:p="http://schemas.openxmlformats.org/presentationml/2006/main">
-  <p:cSld>
-    <p:spTree>
-      <p:nvGrpSpPr>
-        <p:cNvPr id="1" name=""/>
-        <p:cNvGrpSpPr/>
-        <p:nvPr/>
-      </p:nvGrpSpPr>
-      <p:grpSpPr>
-        <a:xfrm>
-          <a:off x="0" y="0"/>
-          <a:ext cx="0" cy="0"/>
-          <a:chOff x="0" y="0"/>
-          <a:chExt cx="0" cy="0"/>
-        </a:xfrm>
-      </p:grpSpPr>
-      <p:sp>
-        <p:nvSpPr>
-          <p:cNvPr id="2" name="Title 1">
-            <a:extLst>
-              <a:ext uri="{FF2B5EF4-FFF2-40B4-BE49-F238E27FC236}">
-                <a16:creationId xmlns:a16="http://schemas.microsoft.com/office/drawing/2014/main" id="{18376907-66DA-E7FF-9CFC-B17B1D70BA29}"/>
-              </a:ext>
-            </a:extLst>
-          </p:cNvPr>
-          <p:cNvSpPr>
-            <a:spLocks noGrp="1"/>
-          </p:cNvSpPr>
-          <p:nvPr>
-            <p:ph type="ctrTitle"/>
-          </p:nvPr>
-        </p:nvSpPr>
-        <p:spPr>
-          <a:xfrm>
-            <a:off x="440636" y="6377230"/>
-            <a:ext cx="11625468" cy="480770"/>
-          </a:xfrm>
-        </p:spPr>
-        <p:txBody>
-          <a:bodyPr>
-            <a:normAutofit/>
-          </a:bodyPr>
-          <a:lstStyle/>
-          <a:p>
-            <a:pPr algn="r"/>
-            <a:r>
-              <a:rPr lang="en-US" sz="1100" dirty="0"/>
-              <a:t>  Thong LT                                           </a:t>
-            </a:r>
-            <a:r>
-              <a:rPr lang="en-US" sz="1100" b="1" dirty="0" err="1">
-                <a:solidFill>
-                  <a:schemeClr val="accent6">
-                    <a:lumMod val="75000"/>
-                  </a:schemeClr>
-                </a:solidFill>
-              </a:rPr>
-              <a:t>autosar</a:t>
-            </a:r>
-            <a:endParaRPr lang="en-US" sz="1100" b="1" dirty="0">
-              <a:solidFill>
-                <a:schemeClr val="accent6">
-                  <a:lumMod val="75000"/>
-                </a:schemeClr>
-              </a:solidFill>
-            </a:endParaRPr>
-          </a:p>
-        </p:txBody>
-      </p:sp>
-      <p:sp>
-        <p:nvSpPr>
-          <p:cNvPr id="3" name="Subtitle 2">
-            <a:extLst>
-              <a:ext uri="{FF2B5EF4-FFF2-40B4-BE49-F238E27FC236}">
-                <a16:creationId xmlns:a16="http://schemas.microsoft.com/office/drawing/2014/main" id="{5AB01118-5054-C67F-9B29-AAED41D02329}"/>
-              </a:ext>
-            </a:extLst>
-          </p:cNvPr>
-          <p:cNvSpPr>
-            <a:spLocks noGrp="1"/>
-          </p:cNvSpPr>
-          <p:nvPr>
-            <p:ph type="subTitle" idx="1"/>
-          </p:nvPr>
-        </p:nvSpPr>
-        <p:spPr>
-          <a:xfrm>
-            <a:off x="1524000" y="201010"/>
-            <a:ext cx="9144000" cy="480770"/>
-          </a:xfrm>
-        </p:spPr>
-        <p:txBody>
-          <a:bodyPr/>
-          <a:lstStyle/>
-          <a:p>
-            <a:r>
-              <a:rPr lang="en-US" b="1" dirty="0"/>
-              <a:t>Basic software</a:t>
-            </a:r>
-          </a:p>
-          <a:p>
-            <a:endParaRPr lang="en-US" dirty="0"/>
-          </a:p>
-        </p:txBody>
-      </p:sp>
-    </p:spTree>
-    <p:extLst>
-      <p:ext uri="{BB962C8B-B14F-4D97-AF65-F5344CB8AC3E}">
-        <p14:creationId xmlns:p14="http://schemas.microsoft.com/office/powerpoint/2010/main" val="4081872088"/>
+        <p14:creationId xmlns:p14="http://schemas.microsoft.com/office/powerpoint/2010/main" val="508233854"/>
       </p:ext>
     </p:extLst>
   </p:cSld>
@@ -3830,9 +6464,130 @@
           <a:bodyPr/>
           <a:lstStyle/>
           <a:p>
+            <a:pPr algn="l"/>
             <a:r>
               <a:rPr lang="en-US" b="1" dirty="0"/>
-              <a:t>Diagnostic over Internet Protocol (</a:t>
+              <a:t>3. Basic software</a:t>
+            </a:r>
+          </a:p>
+          <a:p>
+            <a:endParaRPr lang="en-US" dirty="0"/>
+          </a:p>
+        </p:txBody>
+      </p:sp>
+    </p:spTree>
+    <p:extLst>
+      <p:ext uri="{BB962C8B-B14F-4D97-AF65-F5344CB8AC3E}">
+        <p14:creationId xmlns:p14="http://schemas.microsoft.com/office/powerpoint/2010/main" val="4081872088"/>
+      </p:ext>
+    </p:extLst>
+  </p:cSld>
+  <p:clrMapOvr>
+    <a:masterClrMapping/>
+  </p:clrMapOvr>
+</p:sld>
+</file>
+
+<file path=ppt/slides/slide5.xml><?xml version="1.0" encoding="utf-8"?>
+<p:sld xmlns:a="http://schemas.openxmlformats.org/drawingml/2006/main" xmlns:r="http://schemas.openxmlformats.org/officeDocument/2006/relationships" xmlns:p="http://schemas.openxmlformats.org/presentationml/2006/main">
+  <p:cSld>
+    <p:spTree>
+      <p:nvGrpSpPr>
+        <p:cNvPr id="1" name=""/>
+        <p:cNvGrpSpPr/>
+        <p:nvPr/>
+      </p:nvGrpSpPr>
+      <p:grpSpPr>
+        <a:xfrm>
+          <a:off x="0" y="0"/>
+          <a:ext cx="0" cy="0"/>
+          <a:chOff x="0" y="0"/>
+          <a:chExt cx="0" cy="0"/>
+        </a:xfrm>
+      </p:grpSpPr>
+      <p:sp>
+        <p:nvSpPr>
+          <p:cNvPr id="2" name="Title 1">
+            <a:extLst>
+              <a:ext uri="{FF2B5EF4-FFF2-40B4-BE49-F238E27FC236}">
+                <a16:creationId xmlns:a16="http://schemas.microsoft.com/office/drawing/2014/main" id="{18376907-66DA-E7FF-9CFC-B17B1D70BA29}"/>
+              </a:ext>
+            </a:extLst>
+          </p:cNvPr>
+          <p:cNvSpPr>
+            <a:spLocks noGrp="1"/>
+          </p:cNvSpPr>
+          <p:nvPr>
+            <p:ph type="ctrTitle"/>
+          </p:nvPr>
+        </p:nvSpPr>
+        <p:spPr>
+          <a:xfrm>
+            <a:off x="440636" y="6377230"/>
+            <a:ext cx="11625468" cy="480770"/>
+          </a:xfrm>
+        </p:spPr>
+        <p:txBody>
+          <a:bodyPr>
+            <a:normAutofit/>
+          </a:bodyPr>
+          <a:lstStyle/>
+          <a:p>
+            <a:pPr algn="r"/>
+            <a:r>
+              <a:rPr lang="en-US" sz="1100" dirty="0"/>
+              <a:t>  Thong LT                                           </a:t>
+            </a:r>
+            <a:r>
+              <a:rPr lang="en-US" sz="1100" b="1" dirty="0" err="1">
+                <a:solidFill>
+                  <a:schemeClr val="accent6">
+                    <a:lumMod val="75000"/>
+                  </a:schemeClr>
+                </a:solidFill>
+              </a:rPr>
+              <a:t>autosar</a:t>
+            </a:r>
+            <a:endParaRPr lang="en-US" sz="1100" b="1" dirty="0">
+              <a:solidFill>
+                <a:schemeClr val="accent6">
+                  <a:lumMod val="75000"/>
+                </a:schemeClr>
+              </a:solidFill>
+            </a:endParaRPr>
+          </a:p>
+        </p:txBody>
+      </p:sp>
+      <p:sp>
+        <p:nvSpPr>
+          <p:cNvPr id="3" name="Subtitle 2">
+            <a:extLst>
+              <a:ext uri="{FF2B5EF4-FFF2-40B4-BE49-F238E27FC236}">
+                <a16:creationId xmlns:a16="http://schemas.microsoft.com/office/drawing/2014/main" id="{5AB01118-5054-C67F-9B29-AAED41D02329}"/>
+              </a:ext>
+            </a:extLst>
+          </p:cNvPr>
+          <p:cNvSpPr>
+            <a:spLocks noGrp="1"/>
+          </p:cNvSpPr>
+          <p:nvPr>
+            <p:ph type="subTitle" idx="1"/>
+          </p:nvPr>
+        </p:nvSpPr>
+        <p:spPr>
+          <a:xfrm>
+            <a:off x="1524000" y="201010"/>
+            <a:ext cx="9144000" cy="480770"/>
+          </a:xfrm>
+        </p:spPr>
+        <p:txBody>
+          <a:bodyPr/>
+          <a:lstStyle/>
+          <a:p>
+            <a:pPr algn="l"/>
+            <a:r>
+              <a:rPr lang="en-US" b="1" dirty="0"/>
+              <a:t>5. Diagnostic over Internet Protocol (</a:t>
             </a:r>
             <a:r>
               <a:rPr lang="en-US" b="1" dirty="0" err="1"/>
@@ -3845,6 +6600,47 @@
           </a:p>
           <a:p>
             <a:endParaRPr lang="en-US" dirty="0"/>
+          </a:p>
+        </p:txBody>
+      </p:sp>
+      <p:sp>
+        <p:nvSpPr>
+          <p:cNvPr id="5" name="TextBox 4">
+            <a:extLst>
+              <a:ext uri="{FF2B5EF4-FFF2-40B4-BE49-F238E27FC236}">
+                <a16:creationId xmlns:a16="http://schemas.microsoft.com/office/drawing/2014/main" id="{37E500C7-E94A-7AD2-71F2-9C7085F5725A}"/>
+              </a:ext>
+            </a:extLst>
+          </p:cNvPr>
+          <p:cNvSpPr txBox="1"/>
+          <p:nvPr/>
+        </p:nvSpPr>
+        <p:spPr>
+          <a:xfrm>
+            <a:off x="993912" y="1038496"/>
+            <a:ext cx="8656983" cy="646331"/>
+          </a:xfrm>
+          <a:prstGeom prst="rect">
+            <a:avLst/>
+          </a:prstGeom>
+          <a:noFill/>
+        </p:spPr>
+        <p:txBody>
+          <a:bodyPr wrap="square">
+            <a:spAutoFit/>
+          </a:bodyPr>
+          <a:lstStyle/>
+          <a:p>
+            <a:r>
+              <a:rPr lang="en-US" dirty="0">
+                <a:hlinkClick r:id="rId2"/>
+              </a:rPr>
+              <a:t>https://www.autosar.org/fileadmin/user_upload/standards/classic/4-3/AUTOSAR_SWS_DiagnosticOverIP.pdf</a:t>
+            </a:r>
+            <a:r>
+              <a:rPr lang="en-US" dirty="0"/>
+              <a:t> </a:t>
+            </a:r>
           </a:p>
         </p:txBody>
       </p:sp>
@@ -3861,10 +6657,248 @@
 </p:sld>
 </file>
 
+<file path=ppt/slides/slide6.xml><?xml version="1.0" encoding="utf-8"?>
+<p:sld xmlns:a="http://schemas.openxmlformats.org/drawingml/2006/main" xmlns:r="http://schemas.openxmlformats.org/officeDocument/2006/relationships" xmlns:p="http://schemas.openxmlformats.org/presentationml/2006/main">
+  <p:cSld>
+    <p:spTree>
+      <p:nvGrpSpPr>
+        <p:cNvPr id="1" name=""/>
+        <p:cNvGrpSpPr/>
+        <p:nvPr/>
+      </p:nvGrpSpPr>
+      <p:grpSpPr>
+        <a:xfrm>
+          <a:off x="0" y="0"/>
+          <a:ext cx="0" cy="0"/>
+          <a:chOff x="0" y="0"/>
+          <a:chExt cx="0" cy="0"/>
+        </a:xfrm>
+      </p:grpSpPr>
+      <p:sp>
+        <p:nvSpPr>
+          <p:cNvPr id="2" name="Title 1">
+            <a:extLst>
+              <a:ext uri="{FF2B5EF4-FFF2-40B4-BE49-F238E27FC236}">
+                <a16:creationId xmlns:a16="http://schemas.microsoft.com/office/drawing/2014/main" id="{18376907-66DA-E7FF-9CFC-B17B1D70BA29}"/>
+              </a:ext>
+            </a:extLst>
+          </p:cNvPr>
+          <p:cNvSpPr>
+            <a:spLocks noGrp="1"/>
+          </p:cNvSpPr>
+          <p:nvPr>
+            <p:ph type="ctrTitle"/>
+          </p:nvPr>
+        </p:nvSpPr>
+        <p:spPr>
+          <a:xfrm>
+            <a:off x="440636" y="6377230"/>
+            <a:ext cx="11625468" cy="480770"/>
+          </a:xfrm>
+        </p:spPr>
+        <p:txBody>
+          <a:bodyPr>
+            <a:normAutofit/>
+          </a:bodyPr>
+          <a:lstStyle/>
+          <a:p>
+            <a:pPr algn="r"/>
+            <a:r>
+              <a:rPr lang="en-US" sz="1100" dirty="0"/>
+              <a:t>  Thong LT                                           </a:t>
+            </a:r>
+            <a:r>
+              <a:rPr lang="en-US" sz="1100" b="1" dirty="0" err="1">
+                <a:solidFill>
+                  <a:schemeClr val="accent6">
+                    <a:lumMod val="75000"/>
+                  </a:schemeClr>
+                </a:solidFill>
+              </a:rPr>
+              <a:t>autosar</a:t>
+            </a:r>
+            <a:endParaRPr lang="en-US" sz="1100" b="1" dirty="0">
+              <a:solidFill>
+                <a:schemeClr val="accent6">
+                  <a:lumMod val="75000"/>
+                </a:schemeClr>
+              </a:solidFill>
+            </a:endParaRPr>
+          </a:p>
+        </p:txBody>
+      </p:sp>
+      <p:sp>
+        <p:nvSpPr>
+          <p:cNvPr id="3" name="Subtitle 2">
+            <a:extLst>
+              <a:ext uri="{FF2B5EF4-FFF2-40B4-BE49-F238E27FC236}">
+                <a16:creationId xmlns:a16="http://schemas.microsoft.com/office/drawing/2014/main" id="{5AB01118-5054-C67F-9B29-AAED41D02329}"/>
+              </a:ext>
+            </a:extLst>
+          </p:cNvPr>
+          <p:cNvSpPr>
+            <a:spLocks noGrp="1"/>
+          </p:cNvSpPr>
+          <p:nvPr>
+            <p:ph type="subTitle" idx="1"/>
+          </p:nvPr>
+        </p:nvSpPr>
+        <p:spPr>
+          <a:xfrm>
+            <a:off x="1524000" y="201010"/>
+            <a:ext cx="9144000" cy="480770"/>
+          </a:xfrm>
+        </p:spPr>
+        <p:txBody>
+          <a:bodyPr/>
+          <a:lstStyle/>
+          <a:p>
+            <a:pPr algn="l"/>
+            <a:r>
+              <a:rPr lang="en-US" b="1" dirty="0">
+                <a:effectLst/>
+              </a:rPr>
+              <a:t> 6. Advanced driver-assistance system (ADAS)</a:t>
+            </a:r>
+            <a:endParaRPr lang="en-US" dirty="0"/>
+          </a:p>
+        </p:txBody>
+      </p:sp>
+    </p:spTree>
+    <p:extLst>
+      <p:ext uri="{BB962C8B-B14F-4D97-AF65-F5344CB8AC3E}">
+        <p14:creationId xmlns:p14="http://schemas.microsoft.com/office/powerpoint/2010/main" val="1092604299"/>
+      </p:ext>
+    </p:extLst>
+  </p:cSld>
+  <p:clrMapOvr>
+    <a:masterClrMapping/>
+  </p:clrMapOvr>
+</p:sld>
+</file>
+
+<file path=ppt/slides/slide7.xml><?xml version="1.0" encoding="utf-8"?>
+<p:sld xmlns:a="http://schemas.openxmlformats.org/drawingml/2006/main" xmlns:r="http://schemas.openxmlformats.org/officeDocument/2006/relationships" xmlns:p="http://schemas.openxmlformats.org/presentationml/2006/main">
+  <p:cSld>
+    <p:spTree>
+      <p:nvGrpSpPr>
+        <p:cNvPr id="1" name=""/>
+        <p:cNvGrpSpPr/>
+        <p:nvPr/>
+      </p:nvGrpSpPr>
+      <p:grpSpPr>
+        <a:xfrm>
+          <a:off x="0" y="0"/>
+          <a:ext cx="0" cy="0"/>
+          <a:chOff x="0" y="0"/>
+          <a:chExt cx="0" cy="0"/>
+        </a:xfrm>
+      </p:grpSpPr>
+      <p:sp>
+        <p:nvSpPr>
+          <p:cNvPr id="2" name="Title 1">
+            <a:extLst>
+              <a:ext uri="{FF2B5EF4-FFF2-40B4-BE49-F238E27FC236}">
+                <a16:creationId xmlns:a16="http://schemas.microsoft.com/office/drawing/2014/main" id="{18376907-66DA-E7FF-9CFC-B17B1D70BA29}"/>
+              </a:ext>
+            </a:extLst>
+          </p:cNvPr>
+          <p:cNvSpPr>
+            <a:spLocks noGrp="1"/>
+          </p:cNvSpPr>
+          <p:nvPr>
+            <p:ph type="ctrTitle"/>
+          </p:nvPr>
+        </p:nvSpPr>
+        <p:spPr>
+          <a:xfrm>
+            <a:off x="440636" y="6377230"/>
+            <a:ext cx="11625468" cy="480770"/>
+          </a:xfrm>
+        </p:spPr>
+        <p:txBody>
+          <a:bodyPr>
+            <a:normAutofit/>
+          </a:bodyPr>
+          <a:lstStyle/>
+          <a:p>
+            <a:pPr algn="r"/>
+            <a:r>
+              <a:rPr lang="en-US" sz="1100" dirty="0"/>
+              <a:t>  Thong LT                                           </a:t>
+            </a:r>
+            <a:r>
+              <a:rPr lang="en-US" sz="1100" b="1" dirty="0" err="1">
+                <a:solidFill>
+                  <a:schemeClr val="accent6">
+                    <a:lumMod val="75000"/>
+                  </a:schemeClr>
+                </a:solidFill>
+              </a:rPr>
+              <a:t>autosar</a:t>
+            </a:r>
+            <a:endParaRPr lang="en-US" sz="1100" b="1" dirty="0">
+              <a:solidFill>
+                <a:schemeClr val="accent6">
+                  <a:lumMod val="75000"/>
+                </a:schemeClr>
+              </a:solidFill>
+            </a:endParaRPr>
+          </a:p>
+        </p:txBody>
+      </p:sp>
+      <p:sp>
+        <p:nvSpPr>
+          <p:cNvPr id="3" name="Subtitle 2">
+            <a:extLst>
+              <a:ext uri="{FF2B5EF4-FFF2-40B4-BE49-F238E27FC236}">
+                <a16:creationId xmlns:a16="http://schemas.microsoft.com/office/drawing/2014/main" id="{5AB01118-5054-C67F-9B29-AAED41D02329}"/>
+              </a:ext>
+            </a:extLst>
+          </p:cNvPr>
+          <p:cNvSpPr>
+            <a:spLocks noGrp="1"/>
+          </p:cNvSpPr>
+          <p:nvPr>
+            <p:ph type="subTitle" idx="1"/>
+          </p:nvPr>
+        </p:nvSpPr>
+        <p:spPr>
+          <a:xfrm>
+            <a:off x="1524000" y="201010"/>
+            <a:ext cx="9144000" cy="480770"/>
+          </a:xfrm>
+        </p:spPr>
+        <p:txBody>
+          <a:bodyPr/>
+          <a:lstStyle/>
+          <a:p>
+            <a:pPr algn="l"/>
+            <a:r>
+              <a:rPr lang="en-US" b="1" dirty="0"/>
+              <a:t>7.  CAN protocol </a:t>
+            </a:r>
+            <a:endParaRPr lang="en-US" dirty="0"/>
+          </a:p>
+        </p:txBody>
+      </p:sp>
+    </p:spTree>
+    <p:extLst>
+      <p:ext uri="{BB962C8B-B14F-4D97-AF65-F5344CB8AC3E}">
+        <p14:creationId xmlns:p14="http://schemas.microsoft.com/office/powerpoint/2010/main" val="2158740028"/>
+      </p:ext>
+    </p:extLst>
+  </p:cSld>
+  <p:clrMapOvr>
+    <a:masterClrMapping/>
+  </p:clrMapOvr>
+</p:sld>
+</file>
+
 <file path=ppt/theme/theme1.xml><?xml version="1.0" encoding="utf-8"?>
-<a:theme xmlns:a="http://schemas.openxmlformats.org/drawingml/2006/main" name="Office Theme">
+<a:theme xmlns:a="http://schemas.openxmlformats.org/drawingml/2006/main" name="Facet">
   <a:themeElements>
-    <a:clrScheme name="Office">
+    <a:clrScheme name="Facet">
       <a:dk1>
         <a:sysClr val="windowText" lastClr="000000"/>
       </a:dk1>
@@ -3872,52 +6906,52 @@
         <a:sysClr val="window" lastClr="FFFFFF"/>
       </a:lt1>
       <a:dk2>
-        <a:srgbClr val="44546A"/>
+        <a:srgbClr val="2C3C43"/>
       </a:dk2>
       <a:lt2>
-        <a:srgbClr val="E7E6E6"/>
+        <a:srgbClr val="EBEBEB"/>
       </a:lt2>
       <a:accent1>
-        <a:srgbClr val="4472C4"/>
+        <a:srgbClr val="90C226"/>
       </a:accent1>
       <a:accent2>
-        <a:srgbClr val="ED7D31"/>
+        <a:srgbClr val="54A021"/>
       </a:accent2>
       <a:accent3>
-        <a:srgbClr val="A5A5A5"/>
+        <a:srgbClr val="E6B91E"/>
       </a:accent3>
       <a:accent4>
-        <a:srgbClr val="FFC000"/>
+        <a:srgbClr val="E76618"/>
       </a:accent4>
       <a:accent5>
-        <a:srgbClr val="5B9BD5"/>
+        <a:srgbClr val="C42F1A"/>
       </a:accent5>
       <a:accent6>
-        <a:srgbClr val="70AD47"/>
+        <a:srgbClr val="918655"/>
       </a:accent6>
       <a:hlink>
-        <a:srgbClr val="0563C1"/>
+        <a:srgbClr val="99CA3C"/>
       </a:hlink>
       <a:folHlink>
-        <a:srgbClr val="954F72"/>
+        <a:srgbClr val="B9D181"/>
       </a:folHlink>
     </a:clrScheme>
-    <a:fontScheme name="Office">
+    <a:fontScheme name="Facet">
       <a:majorFont>
-        <a:latin typeface="Calibri Light" panose="020F0302020204030204"/>
+        <a:latin typeface="Trebuchet MS" panose="020B0603020202020204"/>
         <a:ea typeface=""/>
         <a:cs typeface=""/>
-        <a:font script="Jpan" typeface="游ゴシック Light"/>
+        <a:font script="Jpan" typeface="メイリオ"/>
         <a:font script="Hang" typeface="맑은 고딕"/>
-        <a:font script="Hans" typeface="等线 Light"/>
-        <a:font script="Hant" typeface="新細明體"/>
-        <a:font script="Arab" typeface="Times New Roman"/>
-        <a:font script="Hebr" typeface="Times New Roman"/>
-        <a:font script="Thai" typeface="Angsana New"/>
+        <a:font script="Hans" typeface="方正姚体"/>
+        <a:font script="Hant" typeface="微軟正黑體"/>
+        <a:font script="Arab" typeface="Tahoma"/>
+        <a:font script="Hebr" typeface="Arial"/>
+        <a:font script="Thai" typeface="Cordia New"/>
         <a:font script="Ethi" typeface="Nyala"/>
         <a:font script="Beng" typeface="Vrinda"/>
         <a:font script="Gujr" typeface="Shruti"/>
-        <a:font script="Khmr" typeface="MoolBoran"/>
+        <a:font script="Khmr" typeface="DaunPenh"/>
         <a:font script="Knda" typeface="Tunga"/>
         <a:font script="Guru" typeface="Raavi"/>
         <a:font script="Cans" typeface="Euphemia"/>
@@ -3934,38 +6968,21 @@
         <a:font script="Laoo" typeface="DokChampa"/>
         <a:font script="Sinh" typeface="Iskoola Pota"/>
         <a:font script="Mong" typeface="Mongolian Baiti"/>
-        <a:font script="Viet" typeface="Times New Roman"/>
+        <a:font script="Viet" typeface="Tahoma"/>
         <a:font script="Uigh" typeface="Microsoft Uighur"/>
         <a:font script="Geor" typeface="Sylfaen"/>
-        <a:font script="Armn" typeface="Arial"/>
-        <a:font script="Bugi" typeface="Leelawadee UI"/>
-        <a:font script="Bopo" typeface="Microsoft JhengHei"/>
-        <a:font script="Java" typeface="Javanese Text"/>
-        <a:font script="Lisu" typeface="Segoe UI"/>
-        <a:font script="Mymr" typeface="Myanmar Text"/>
-        <a:font script="Nkoo" typeface="Ebrima"/>
-        <a:font script="Olck" typeface="Nirmala UI"/>
-        <a:font script="Osma" typeface="Ebrima"/>
-        <a:font script="Phag" typeface="Phagspa"/>
-        <a:font script="Syrn" typeface="Estrangelo Edessa"/>
-        <a:font script="Syrj" typeface="Estrangelo Edessa"/>
-        <a:font script="Syre" typeface="Estrangelo Edessa"/>
-        <a:font script="Sora" typeface="Nirmala UI"/>
-        <a:font script="Tale" typeface="Microsoft Tai Le"/>
-        <a:font script="Talu" typeface="Microsoft New Tai Lue"/>
-        <a:font script="Tfng" typeface="Ebrima"/>
       </a:majorFont>
       <a:minorFont>
-        <a:latin typeface="Calibri" panose="020F0502020204030204"/>
+        <a:latin typeface="Trebuchet MS" panose="020B0603020202020204"/>
         <a:ea typeface=""/>
         <a:cs typeface=""/>
-        <a:font script="Jpan" typeface="游ゴシック"/>
-        <a:font script="Hang" typeface="맑은 고딕"/>
-        <a:font script="Hans" typeface="等线"/>
-        <a:font script="Hant" typeface="新細明體"/>
-        <a:font script="Arab" typeface="Arial"/>
-        <a:font script="Hebr" typeface="Arial"/>
-        <a:font script="Thai" typeface="Cordia New"/>
+        <a:font script="Jpan" typeface="メイリオ"/>
+        <a:font script="Hang" typeface="HY그래픽M"/>
+        <a:font script="Hans" typeface="华文新魏"/>
+        <a:font script="Hant" typeface="微軟正黑體"/>
+        <a:font script="Arab" typeface="Tahoma"/>
+        <a:font script="Hebr" typeface="Gisha"/>
+        <a:font script="Thai" typeface="IrisUPC"/>
         <a:font script="Ethi" typeface="Nyala"/>
         <a:font script="Beng" typeface="Vrinda"/>
         <a:font script="Gujr" typeface="Shruti"/>
@@ -3989,26 +7006,9 @@
         <a:font script="Viet" typeface="Arial"/>
         <a:font script="Uigh" typeface="Microsoft Uighur"/>
         <a:font script="Geor" typeface="Sylfaen"/>
-        <a:font script="Armn" typeface="Arial"/>
-        <a:font script="Bugi" typeface="Leelawadee UI"/>
-        <a:font script="Bopo" typeface="Microsoft JhengHei"/>
-        <a:font script="Java" typeface="Javanese Text"/>
-        <a:font script="Lisu" typeface="Segoe UI"/>
-        <a:font script="Mymr" typeface="Myanmar Text"/>
-        <a:font script="Nkoo" typeface="Ebrima"/>
-        <a:font script="Olck" typeface="Nirmala UI"/>
-        <a:font script="Osma" typeface="Ebrima"/>
-        <a:font script="Phag" typeface="Phagspa"/>
-        <a:font script="Syrn" typeface="Estrangelo Edessa"/>
-        <a:font script="Syrj" typeface="Estrangelo Edessa"/>
-        <a:font script="Syre" typeface="Estrangelo Edessa"/>
-        <a:font script="Sora" typeface="Nirmala UI"/>
-        <a:font script="Tale" typeface="Microsoft Tai Le"/>
-        <a:font script="Talu" typeface="Microsoft New Tai Lue"/>
-        <a:font script="Tfng" typeface="Ebrima"/>
       </a:minorFont>
     </a:fontScheme>
-    <a:fmtScheme name="Office">
+    <a:fmtScheme name="Facet">
       <a:fillStyleLst>
         <a:solidFill>
           <a:schemeClr val="phClr"/>
@@ -4017,23 +7017,13 @@
           <a:gsLst>
             <a:gs pos="0">
               <a:schemeClr val="phClr">
+                <a:tint val="65000"/>
                 <a:lumMod val="110000"/>
-                <a:satMod val="105000"/>
-                <a:tint val="67000"/>
               </a:schemeClr>
             </a:gs>
-            <a:gs pos="50000">
+            <a:gs pos="88000">
               <a:schemeClr val="phClr">
-                <a:lumMod val="105000"/>
-                <a:satMod val="103000"/>
-                <a:tint val="73000"/>
-              </a:schemeClr>
-            </a:gs>
-            <a:gs pos="100000">
-              <a:schemeClr val="phClr">
-                <a:lumMod val="105000"/>
-                <a:satMod val="109000"/>
-                <a:tint val="81000"/>
+                <a:tint val="90000"/>
               </a:schemeClr>
             </a:gs>
           </a:gsLst>
@@ -4043,23 +7033,14 @@
           <a:gsLst>
             <a:gs pos="0">
               <a:schemeClr val="phClr">
-                <a:satMod val="103000"/>
-                <a:lumMod val="102000"/>
-                <a:tint val="94000"/>
+                <a:tint val="96000"/>
+                <a:lumMod val="100000"/>
               </a:schemeClr>
             </a:gs>
-            <a:gs pos="50000">
+            <a:gs pos="78000">
               <a:schemeClr val="phClr">
-                <a:satMod val="110000"/>
-                <a:lumMod val="100000"/>
-                <a:shade val="100000"/>
-              </a:schemeClr>
-            </a:gs>
-            <a:gs pos="100000">
-              <a:schemeClr val="phClr">
-                <a:lumMod val="99000"/>
-                <a:satMod val="120000"/>
-                <a:shade val="78000"/>
+                <a:shade val="94000"/>
+                <a:lumMod val="94000"/>
               </a:schemeClr>
             </a:gs>
           </a:gsLst>
@@ -4067,26 +7048,23 @@
         </a:gradFill>
       </a:fillStyleLst>
       <a:lnStyleLst>
-        <a:ln w="6350" cap="flat" cmpd="sng" algn="ctr">
+        <a:ln w="12700" cap="rnd" cmpd="sng" algn="ctr">
           <a:solidFill>
             <a:schemeClr val="phClr"/>
           </a:solidFill>
           <a:prstDash val="solid"/>
-          <a:miter lim="800000"/>
         </a:ln>
-        <a:ln w="12700" cap="flat" cmpd="sng" algn="ctr">
+        <a:ln w="19050" cap="rnd" cmpd="sng" algn="ctr">
           <a:solidFill>
             <a:schemeClr val="phClr"/>
           </a:solidFill>
           <a:prstDash val="solid"/>
-          <a:miter lim="800000"/>
         </a:ln>
-        <a:ln w="19050" cap="flat" cmpd="sng" algn="ctr">
+        <a:ln w="25400" cap="rnd" cmpd="sng" algn="ctr">
           <a:solidFill>
             <a:schemeClr val="phClr"/>
           </a:solidFill>
           <a:prstDash val="solid"/>
-          <a:miter lim="800000"/>
         </a:ln>
       </a:lnStyleLst>
       <a:effectStyleLst>
@@ -4094,54 +7072,72 @@
           <a:effectLst/>
         </a:effectStyle>
         <a:effectStyle>
-          <a:effectLst/>
+          <a:effectLst>
+            <a:outerShdw blurRad="38100" dist="25400" dir="5400000" rotWithShape="0">
+              <a:srgbClr val="000000">
+                <a:alpha val="35000"/>
+              </a:srgbClr>
+            </a:outerShdw>
+          </a:effectLst>
         </a:effectStyle>
         <a:effectStyle>
           <a:effectLst>
-            <a:outerShdw blurRad="57150" dist="19050" dir="5400000" algn="ctr" rotWithShape="0">
+            <a:outerShdw blurRad="50800" dist="38100" dir="5400000" rotWithShape="0">
               <a:srgbClr val="000000">
-                <a:alpha val="63000"/>
+                <a:alpha val="35000"/>
               </a:srgbClr>
             </a:outerShdw>
           </a:effectLst>
+          <a:scene3d>
+            <a:camera prst="orthographicFront">
+              <a:rot lat="0" lon="0" rev="0"/>
+            </a:camera>
+            <a:lightRig rig="threePt" dir="tl"/>
+          </a:scene3d>
+          <a:sp3d prstMaterial="plastic">
+            <a:bevelT w="0" h="0"/>
+          </a:sp3d>
         </a:effectStyle>
       </a:effectStyleLst>
       <a:bgFillStyleLst>
         <a:solidFill>
           <a:schemeClr val="phClr"/>
         </a:solidFill>
-        <a:solidFill>
-          <a:schemeClr val="phClr">
-            <a:tint val="95000"/>
-            <a:satMod val="170000"/>
-          </a:schemeClr>
-        </a:solidFill>
         <a:gradFill rotWithShape="1">
           <a:gsLst>
             <a:gs pos="0">
               <a:schemeClr val="phClr">
-                <a:tint val="93000"/>
-                <a:satMod val="150000"/>
-                <a:shade val="98000"/>
-                <a:lumMod val="102000"/>
+                <a:tint val="90000"/>
+                <a:lumMod val="104000"/>
               </a:schemeClr>
             </a:gs>
-            <a:gs pos="50000">
+            <a:gs pos="94000">
               <a:schemeClr val="phClr">
-                <a:tint val="98000"/>
-                <a:satMod val="130000"/>
-                <a:shade val="90000"/>
-                <a:lumMod val="103000"/>
+                <a:shade val="96000"/>
+                <a:lumMod val="82000"/>
+              </a:schemeClr>
+            </a:gs>
+          </a:gsLst>
+          <a:lin ang="5400000" scaled="0"/>
+        </a:gradFill>
+        <a:gradFill rotWithShape="1">
+          <a:gsLst>
+            <a:gs pos="0">
+              <a:schemeClr val="phClr">
+                <a:tint val="90000"/>
+                <a:lumMod val="110000"/>
               </a:schemeClr>
             </a:gs>
             <a:gs pos="100000">
               <a:schemeClr val="phClr">
-                <a:shade val="63000"/>
-                <a:satMod val="120000"/>
+                <a:shade val="94000"/>
+                <a:lumMod val="96000"/>
               </a:schemeClr>
             </a:gs>
           </a:gsLst>
-          <a:lin ang="5400000" scaled="0"/>
+          <a:path path="circle">
+            <a:fillToRect l="50000" t="50000" r="100000" b="100000"/>
+          </a:path>
         </a:gradFill>
       </a:bgFillStyleLst>
     </a:fmtScheme>
@@ -4150,7 +7146,7 @@
   <a:extraClrSchemeLst/>
   <a:extLst>
     <a:ext uri="{05A4C25C-085E-4340-85A3-A5531E510DB2}">
-      <thm15:themeFamily xmlns:thm15="http://schemas.microsoft.com/office/thememl/2012/main" name="Office Theme" id="{62F939B6-93AF-4DB8-9C6B-D6C7DFDC589F}" vid="{4A3C46E8-61CC-4603-A589-7422A47A8E4A}"/>
+      <thm15:themeFamily xmlns:thm15="http://schemas.microsoft.com/office/thememl/2012/main" name="Facet" id="{C0C680CD-088A-49FC-A102-D699147F32B2}" vid="{CFBC31BA-B70F-4F30-BCAA-4F3011E16C4D}"/>
     </a:ext>
   </a:extLst>
 </a:theme>

--- a/Autosar.pptx
+++ b/Autosar.pptx
@@ -6224,13 +6224,25 @@
             <a:pPr algn="r"/>
             <a:r>
               <a:rPr lang="en-US" sz="1100" dirty="0"/>
-              <a:t>  Thong LT                                           </a:t>
+              <a:t>  </a:t>
+            </a:r>
+            <a:r>
+              <a:rPr lang="en-US" sz="1100" dirty="0">
+                <a:solidFill>
+                  <a:schemeClr val="tx1">
+                    <a:lumMod val="95000"/>
+                    <a:lumOff val="5000"/>
+                  </a:schemeClr>
+                </a:solidFill>
+              </a:rPr>
+              <a:t>Thong LT                                           </a:t>
             </a:r>
             <a:r>
               <a:rPr lang="en-US" sz="1100" b="1" dirty="0" err="1">
                 <a:solidFill>
-                  <a:schemeClr val="accent6">
-                    <a:lumMod val="75000"/>
+                  <a:schemeClr val="tx1">
+                    <a:lumMod val="95000"/>
+                    <a:lumOff val="5000"/>
                   </a:schemeClr>
                 </a:solidFill>
               </a:rPr>
@@ -6238,8 +6250,9 @@
             </a:r>
             <a:endParaRPr lang="en-US" sz="1100" b="1" dirty="0">
               <a:solidFill>
-                <a:schemeClr val="accent6">
-                  <a:lumMod val="75000"/>
+                <a:schemeClr val="tx1">
+                  <a:lumMod val="95000"/>
+                  <a:lumOff val="5000"/>
                 </a:schemeClr>
               </a:solidFill>
             </a:endParaRPr>
@@ -6415,14 +6428,22 @@
           <a:p>
             <a:pPr algn="r"/>
             <a:r>
-              <a:rPr lang="en-US" sz="1100" dirty="0"/>
+              <a:rPr lang="en-US" sz="1100" dirty="0">
+                <a:solidFill>
+                  <a:schemeClr val="tx1">
+                    <a:lumMod val="95000"/>
+                    <a:lumOff val="5000"/>
+                  </a:schemeClr>
+                </a:solidFill>
+              </a:rPr>
               <a:t>  Thong LT                                           </a:t>
             </a:r>
             <a:r>
               <a:rPr lang="en-US" sz="1100" b="1" dirty="0" err="1">
                 <a:solidFill>
-                  <a:schemeClr val="accent6">
-                    <a:lumMod val="75000"/>
+                  <a:schemeClr val="tx1">
+                    <a:lumMod val="95000"/>
+                    <a:lumOff val="5000"/>
                   </a:schemeClr>
                 </a:solidFill>
               </a:rPr>
@@ -6430,8 +6451,9 @@
             </a:r>
             <a:endParaRPr lang="en-US" sz="1100" b="1" dirty="0">
               <a:solidFill>
-                <a:schemeClr val="accent6">
-                  <a:lumMod val="75000"/>
+                <a:schemeClr val="tx1">
+                  <a:lumMod val="95000"/>
+                  <a:lumOff val="5000"/>
                 </a:schemeClr>
               </a:solidFill>
             </a:endParaRPr>
@@ -6535,14 +6557,22 @@
           <a:p>
             <a:pPr algn="r"/>
             <a:r>
-              <a:rPr lang="en-US" sz="1100" dirty="0"/>
+              <a:rPr lang="en-US" sz="1100" dirty="0">
+                <a:solidFill>
+                  <a:schemeClr val="tx1">
+                    <a:lumMod val="95000"/>
+                    <a:lumOff val="5000"/>
+                  </a:schemeClr>
+                </a:solidFill>
+              </a:rPr>
               <a:t>  Thong LT                                           </a:t>
             </a:r>
             <a:r>
               <a:rPr lang="en-US" sz="1100" b="1" dirty="0" err="1">
                 <a:solidFill>
-                  <a:schemeClr val="accent6">
-                    <a:lumMod val="75000"/>
+                  <a:schemeClr val="tx1">
+                    <a:lumMod val="95000"/>
+                    <a:lumOff val="5000"/>
                   </a:schemeClr>
                 </a:solidFill>
               </a:rPr>
@@ -6550,8 +6580,9 @@
             </a:r>
             <a:endParaRPr lang="en-US" sz="1100" b="1" dirty="0">
               <a:solidFill>
-                <a:schemeClr val="accent6">
-                  <a:lumMod val="75000"/>
+                <a:schemeClr val="tx1">
+                  <a:lumMod val="95000"/>
+                  <a:lumOff val="5000"/>
                 </a:schemeClr>
               </a:solidFill>
             </a:endParaRPr>
@@ -6705,13 +6736,25 @@
             <a:pPr algn="r"/>
             <a:r>
               <a:rPr lang="en-US" sz="1100" dirty="0"/>
-              <a:t>  Thong LT                                           </a:t>
+              <a:t>  </a:t>
+            </a:r>
+            <a:r>
+              <a:rPr lang="en-US" sz="1100" dirty="0">
+                <a:solidFill>
+                  <a:schemeClr val="tx1">
+                    <a:lumMod val="95000"/>
+                    <a:lumOff val="5000"/>
+                  </a:schemeClr>
+                </a:solidFill>
+              </a:rPr>
+              <a:t>Thong LT                                           </a:t>
             </a:r>
             <a:r>
               <a:rPr lang="en-US" sz="1100" b="1" dirty="0" err="1">
                 <a:solidFill>
-                  <a:schemeClr val="accent6">
-                    <a:lumMod val="75000"/>
+                  <a:schemeClr val="tx1">
+                    <a:lumMod val="95000"/>
+                    <a:lumOff val="5000"/>
                   </a:schemeClr>
                 </a:solidFill>
               </a:rPr>
@@ -6719,8 +6762,9 @@
             </a:r>
             <a:endParaRPr lang="en-US" sz="1100" b="1" dirty="0">
               <a:solidFill>
-                <a:schemeClr val="accent6">
-                  <a:lumMod val="75000"/>
+                <a:schemeClr val="tx1">
+                  <a:lumMod val="95000"/>
+                  <a:lumOff val="5000"/>
                 </a:schemeClr>
               </a:solidFill>
             </a:endParaRPr>
@@ -6824,14 +6868,22 @@
           <a:p>
             <a:pPr algn="r"/>
             <a:r>
-              <a:rPr lang="en-US" sz="1100" dirty="0"/>
+              <a:rPr lang="en-US" sz="1100" dirty="0">
+                <a:solidFill>
+                  <a:schemeClr val="tx1">
+                    <a:lumMod val="95000"/>
+                    <a:lumOff val="5000"/>
+                  </a:schemeClr>
+                </a:solidFill>
+              </a:rPr>
               <a:t>  Thong LT                                           </a:t>
             </a:r>
             <a:r>
               <a:rPr lang="en-US" sz="1100" b="1" dirty="0" err="1">
                 <a:solidFill>
-                  <a:schemeClr val="accent6">
-                    <a:lumMod val="75000"/>
+                  <a:schemeClr val="tx1">
+                    <a:lumMod val="95000"/>
+                    <a:lumOff val="5000"/>
                   </a:schemeClr>
                 </a:solidFill>
               </a:rPr>
@@ -6839,8 +6891,9 @@
             </a:r>
             <a:endParaRPr lang="en-US" sz="1100" b="1" dirty="0">
               <a:solidFill>
-                <a:schemeClr val="accent6">
-                  <a:lumMod val="75000"/>
+                <a:schemeClr val="tx1">
+                  <a:lumMod val="95000"/>
+                  <a:lumOff val="5000"/>
                 </a:schemeClr>
               </a:solidFill>
             </a:endParaRPr>

--- a/Autosar.pptx
+++ b/Autosar.pptx
@@ -6,12 +6,17 @@
   </p:sldMasterIdLst>
   <p:sldIdLst>
     <p:sldId id="256" r:id="rId2"/>
-    <p:sldId id="258" r:id="rId3"/>
-    <p:sldId id="262" r:id="rId4"/>
-    <p:sldId id="257" r:id="rId5"/>
-    <p:sldId id="259" r:id="rId6"/>
-    <p:sldId id="260" r:id="rId7"/>
-    <p:sldId id="261" r:id="rId8"/>
+    <p:sldId id="264" r:id="rId3"/>
+    <p:sldId id="266" r:id="rId4"/>
+    <p:sldId id="258" r:id="rId5"/>
+    <p:sldId id="262" r:id="rId6"/>
+    <p:sldId id="257" r:id="rId7"/>
+    <p:sldId id="265" r:id="rId8"/>
+    <p:sldId id="259" r:id="rId9"/>
+    <p:sldId id="267" r:id="rId10"/>
+    <p:sldId id="263" r:id="rId11"/>
+    <p:sldId id="260" r:id="rId12"/>
+    <p:sldId id="261" r:id="rId13"/>
   </p:sldIdLst>
   <p:sldSz cx="12192000" cy="6858000"/>
   <p:notesSz cx="6858000" cy="9144000"/>
@@ -110,6 +115,11 @@
       </a:defRPr>
     </a:lvl9pPr>
   </p:defaultTextStyle>
+  <p:extLst>
+    <p:ext uri="{EFAFB233-063F-42B5-8137-9DF3F51BA10A}">
+      <p15:sldGuideLst xmlns:p15="http://schemas.microsoft.com/office/powerpoint/2012/main"/>
+    </p:ext>
+  </p:extLst>
 </p:presentation>
 </file>
 
@@ -5924,8 +5934,8 @@
           <a:p>
             <a:pPr algn="l"/>
             <a:r>
-              <a:rPr lang="en-US" b="1" dirty="0" err="1"/>
-              <a:t>Autosar</a:t>
+              <a:rPr lang="en-US" b="1" dirty="0"/>
+              <a:t>Overview</a:t>
             </a:r>
             <a:endParaRPr lang="en-US" dirty="0"/>
           </a:p>
@@ -5974,7 +5984,849 @@
 </p:sld>
 </file>
 
+<file path=ppt/slides/slide10.xml><?xml version="1.0" encoding="utf-8"?>
+<p:sld xmlns:a="http://schemas.openxmlformats.org/drawingml/2006/main" xmlns:r="http://schemas.openxmlformats.org/officeDocument/2006/relationships" xmlns:p="http://schemas.openxmlformats.org/presentationml/2006/main">
+  <p:cSld>
+    <p:spTree>
+      <p:nvGrpSpPr>
+        <p:cNvPr id="1" name=""/>
+        <p:cNvGrpSpPr/>
+        <p:nvPr/>
+      </p:nvGrpSpPr>
+      <p:grpSpPr>
+        <a:xfrm>
+          <a:off x="0" y="0"/>
+          <a:ext cx="0" cy="0"/>
+          <a:chOff x="0" y="0"/>
+          <a:chExt cx="0" cy="0"/>
+        </a:xfrm>
+      </p:grpSpPr>
+      <p:sp>
+        <p:nvSpPr>
+          <p:cNvPr id="2" name="Title 1">
+            <a:extLst>
+              <a:ext uri="{FF2B5EF4-FFF2-40B4-BE49-F238E27FC236}">
+                <a16:creationId xmlns:a16="http://schemas.microsoft.com/office/drawing/2014/main" id="{18376907-66DA-E7FF-9CFC-B17B1D70BA29}"/>
+              </a:ext>
+            </a:extLst>
+          </p:cNvPr>
+          <p:cNvSpPr>
+            <a:spLocks noGrp="1"/>
+          </p:cNvSpPr>
+          <p:nvPr>
+            <p:ph type="ctrTitle"/>
+          </p:nvPr>
+        </p:nvSpPr>
+        <p:spPr>
+          <a:xfrm>
+            <a:off x="440636" y="6377230"/>
+            <a:ext cx="11625468" cy="480770"/>
+          </a:xfrm>
+        </p:spPr>
+        <p:txBody>
+          <a:bodyPr>
+            <a:normAutofit/>
+          </a:bodyPr>
+          <a:lstStyle/>
+          <a:p>
+            <a:pPr algn="r"/>
+            <a:r>
+              <a:rPr lang="en-US" sz="1100" dirty="0">
+                <a:solidFill>
+                  <a:schemeClr val="tx1">
+                    <a:lumMod val="95000"/>
+                    <a:lumOff val="5000"/>
+                  </a:schemeClr>
+                </a:solidFill>
+              </a:rPr>
+              <a:t>  Thong LT                                           </a:t>
+            </a:r>
+            <a:r>
+              <a:rPr lang="en-US" sz="1100" b="1" dirty="0" err="1">
+                <a:solidFill>
+                  <a:schemeClr val="tx1">
+                    <a:lumMod val="95000"/>
+                    <a:lumOff val="5000"/>
+                  </a:schemeClr>
+                </a:solidFill>
+              </a:rPr>
+              <a:t>autosar</a:t>
+            </a:r>
+            <a:endParaRPr lang="en-US" sz="1100" b="1" dirty="0">
+              <a:solidFill>
+                <a:schemeClr val="tx1">
+                  <a:lumMod val="95000"/>
+                  <a:lumOff val="5000"/>
+                </a:schemeClr>
+              </a:solidFill>
+            </a:endParaRPr>
+          </a:p>
+        </p:txBody>
+      </p:sp>
+      <p:sp>
+        <p:nvSpPr>
+          <p:cNvPr id="3" name="Subtitle 2">
+            <a:extLst>
+              <a:ext uri="{FF2B5EF4-FFF2-40B4-BE49-F238E27FC236}">
+                <a16:creationId xmlns:a16="http://schemas.microsoft.com/office/drawing/2014/main" id="{5AB01118-5054-C67F-9B29-AAED41D02329}"/>
+              </a:ext>
+            </a:extLst>
+          </p:cNvPr>
+          <p:cNvSpPr>
+            <a:spLocks noGrp="1"/>
+          </p:cNvSpPr>
+          <p:nvPr>
+            <p:ph type="subTitle" idx="1"/>
+          </p:nvPr>
+        </p:nvSpPr>
+        <p:spPr>
+          <a:xfrm>
+            <a:off x="1524000" y="201010"/>
+            <a:ext cx="9144000" cy="480770"/>
+          </a:xfrm>
+        </p:spPr>
+        <p:txBody>
+          <a:bodyPr/>
+          <a:lstStyle/>
+          <a:p>
+            <a:pPr algn="l"/>
+            <a:r>
+              <a:rPr lang="en-US" b="1" dirty="0"/>
+              <a:t>5. Diagnostic over Internet Protocol (</a:t>
+            </a:r>
+            <a:r>
+              <a:rPr lang="en-US" b="1" dirty="0" err="1"/>
+              <a:t>DoIP</a:t>
+            </a:r>
+            <a:r>
+              <a:rPr lang="en-US" b="1" dirty="0"/>
+              <a:t>)</a:t>
+            </a:r>
+          </a:p>
+          <a:p>
+            <a:endParaRPr lang="en-US" dirty="0"/>
+          </a:p>
+        </p:txBody>
+      </p:sp>
+      <p:pic>
+        <p:nvPicPr>
+          <p:cNvPr id="6" name="Picture 5" descr="Graphical user interface, timeline&#10;&#10;Description automatically generated">
+            <a:extLst>
+              <a:ext uri="{FF2B5EF4-FFF2-40B4-BE49-F238E27FC236}">
+                <a16:creationId xmlns:a16="http://schemas.microsoft.com/office/drawing/2014/main" id="{D1BB7950-2FD9-C59B-0131-95AD8802261A}"/>
+              </a:ext>
+            </a:extLst>
+          </p:cNvPr>
+          <p:cNvPicPr>
+            <a:picLocks noChangeAspect="1"/>
+          </p:cNvPicPr>
+          <p:nvPr/>
+        </p:nvPicPr>
+        <p:blipFill>
+          <a:blip r:embed="rId2">
+            <a:extLst>
+              <a:ext uri="{28A0092B-C50C-407E-A947-70E740481C1C}">
+                <a14:useLocalDpi xmlns:a14="http://schemas.microsoft.com/office/drawing/2010/main" val="0"/>
+              </a:ext>
+            </a:extLst>
+          </a:blip>
+          <a:stretch>
+            <a:fillRect/>
+          </a:stretch>
+        </p:blipFill>
+        <p:spPr>
+          <a:xfrm>
+            <a:off x="1034290" y="1005380"/>
+            <a:ext cx="6962775" cy="5048250"/>
+          </a:xfrm>
+          <a:prstGeom prst="rect">
+            <a:avLst/>
+          </a:prstGeom>
+        </p:spPr>
+      </p:pic>
+    </p:spTree>
+    <p:extLst>
+      <p:ext uri="{BB962C8B-B14F-4D97-AF65-F5344CB8AC3E}">
+        <p14:creationId xmlns:p14="http://schemas.microsoft.com/office/powerpoint/2010/main" val="3789502294"/>
+      </p:ext>
+    </p:extLst>
+  </p:cSld>
+  <p:clrMapOvr>
+    <a:masterClrMapping/>
+  </p:clrMapOvr>
+</p:sld>
+</file>
+
+<file path=ppt/slides/slide11.xml><?xml version="1.0" encoding="utf-8"?>
+<p:sld xmlns:a="http://schemas.openxmlformats.org/drawingml/2006/main" xmlns:r="http://schemas.openxmlformats.org/officeDocument/2006/relationships" xmlns:p="http://schemas.openxmlformats.org/presentationml/2006/main">
+  <p:cSld>
+    <p:spTree>
+      <p:nvGrpSpPr>
+        <p:cNvPr id="1" name=""/>
+        <p:cNvGrpSpPr/>
+        <p:nvPr/>
+      </p:nvGrpSpPr>
+      <p:grpSpPr>
+        <a:xfrm>
+          <a:off x="0" y="0"/>
+          <a:ext cx="0" cy="0"/>
+          <a:chOff x="0" y="0"/>
+          <a:chExt cx="0" cy="0"/>
+        </a:xfrm>
+      </p:grpSpPr>
+      <p:sp>
+        <p:nvSpPr>
+          <p:cNvPr id="2" name="Title 1">
+            <a:extLst>
+              <a:ext uri="{FF2B5EF4-FFF2-40B4-BE49-F238E27FC236}">
+                <a16:creationId xmlns:a16="http://schemas.microsoft.com/office/drawing/2014/main" id="{18376907-66DA-E7FF-9CFC-B17B1D70BA29}"/>
+              </a:ext>
+            </a:extLst>
+          </p:cNvPr>
+          <p:cNvSpPr>
+            <a:spLocks noGrp="1"/>
+          </p:cNvSpPr>
+          <p:nvPr>
+            <p:ph type="ctrTitle"/>
+          </p:nvPr>
+        </p:nvSpPr>
+        <p:spPr>
+          <a:xfrm>
+            <a:off x="440636" y="6377230"/>
+            <a:ext cx="11625468" cy="480770"/>
+          </a:xfrm>
+        </p:spPr>
+        <p:txBody>
+          <a:bodyPr>
+            <a:normAutofit/>
+          </a:bodyPr>
+          <a:lstStyle/>
+          <a:p>
+            <a:pPr algn="r"/>
+            <a:r>
+              <a:rPr lang="en-US" sz="1100" dirty="0"/>
+              <a:t>  </a:t>
+            </a:r>
+            <a:r>
+              <a:rPr lang="en-US" sz="1100" dirty="0">
+                <a:solidFill>
+                  <a:schemeClr val="tx1">
+                    <a:lumMod val="95000"/>
+                    <a:lumOff val="5000"/>
+                  </a:schemeClr>
+                </a:solidFill>
+              </a:rPr>
+              <a:t>Thong LT                                           </a:t>
+            </a:r>
+            <a:r>
+              <a:rPr lang="en-US" sz="1100" b="1" dirty="0" err="1">
+                <a:solidFill>
+                  <a:schemeClr val="tx1">
+                    <a:lumMod val="95000"/>
+                    <a:lumOff val="5000"/>
+                  </a:schemeClr>
+                </a:solidFill>
+              </a:rPr>
+              <a:t>autosar</a:t>
+            </a:r>
+            <a:endParaRPr lang="en-US" sz="1100" b="1" dirty="0">
+              <a:solidFill>
+                <a:schemeClr val="tx1">
+                  <a:lumMod val="95000"/>
+                  <a:lumOff val="5000"/>
+                </a:schemeClr>
+              </a:solidFill>
+            </a:endParaRPr>
+          </a:p>
+        </p:txBody>
+      </p:sp>
+      <p:sp>
+        <p:nvSpPr>
+          <p:cNvPr id="3" name="Subtitle 2">
+            <a:extLst>
+              <a:ext uri="{FF2B5EF4-FFF2-40B4-BE49-F238E27FC236}">
+                <a16:creationId xmlns:a16="http://schemas.microsoft.com/office/drawing/2014/main" id="{5AB01118-5054-C67F-9B29-AAED41D02329}"/>
+              </a:ext>
+            </a:extLst>
+          </p:cNvPr>
+          <p:cNvSpPr>
+            <a:spLocks noGrp="1"/>
+          </p:cNvSpPr>
+          <p:nvPr>
+            <p:ph type="subTitle" idx="1"/>
+          </p:nvPr>
+        </p:nvSpPr>
+        <p:spPr>
+          <a:xfrm>
+            <a:off x="1524000" y="201010"/>
+            <a:ext cx="9144000" cy="480770"/>
+          </a:xfrm>
+        </p:spPr>
+        <p:txBody>
+          <a:bodyPr/>
+          <a:lstStyle/>
+          <a:p>
+            <a:pPr algn="l"/>
+            <a:r>
+              <a:rPr lang="en-US" b="1" dirty="0">
+                <a:effectLst/>
+              </a:rPr>
+              <a:t> 6. Advanced driver-assistance system (ADAS)</a:t>
+            </a:r>
+            <a:endParaRPr lang="en-US" dirty="0"/>
+          </a:p>
+        </p:txBody>
+      </p:sp>
+    </p:spTree>
+    <p:extLst>
+      <p:ext uri="{BB962C8B-B14F-4D97-AF65-F5344CB8AC3E}">
+        <p14:creationId xmlns:p14="http://schemas.microsoft.com/office/powerpoint/2010/main" val="1092604299"/>
+      </p:ext>
+    </p:extLst>
+  </p:cSld>
+  <p:clrMapOvr>
+    <a:masterClrMapping/>
+  </p:clrMapOvr>
+</p:sld>
+</file>
+
+<file path=ppt/slides/slide12.xml><?xml version="1.0" encoding="utf-8"?>
+<p:sld xmlns:a="http://schemas.openxmlformats.org/drawingml/2006/main" xmlns:r="http://schemas.openxmlformats.org/officeDocument/2006/relationships" xmlns:p="http://schemas.openxmlformats.org/presentationml/2006/main">
+  <p:cSld>
+    <p:spTree>
+      <p:nvGrpSpPr>
+        <p:cNvPr id="1" name=""/>
+        <p:cNvGrpSpPr/>
+        <p:nvPr/>
+      </p:nvGrpSpPr>
+      <p:grpSpPr>
+        <a:xfrm>
+          <a:off x="0" y="0"/>
+          <a:ext cx="0" cy="0"/>
+          <a:chOff x="0" y="0"/>
+          <a:chExt cx="0" cy="0"/>
+        </a:xfrm>
+      </p:grpSpPr>
+      <p:sp>
+        <p:nvSpPr>
+          <p:cNvPr id="2" name="Title 1">
+            <a:extLst>
+              <a:ext uri="{FF2B5EF4-FFF2-40B4-BE49-F238E27FC236}">
+                <a16:creationId xmlns:a16="http://schemas.microsoft.com/office/drawing/2014/main" id="{18376907-66DA-E7FF-9CFC-B17B1D70BA29}"/>
+              </a:ext>
+            </a:extLst>
+          </p:cNvPr>
+          <p:cNvSpPr>
+            <a:spLocks noGrp="1"/>
+          </p:cNvSpPr>
+          <p:nvPr>
+            <p:ph type="ctrTitle"/>
+          </p:nvPr>
+        </p:nvSpPr>
+        <p:spPr>
+          <a:xfrm>
+            <a:off x="440636" y="6377230"/>
+            <a:ext cx="11625468" cy="480770"/>
+          </a:xfrm>
+        </p:spPr>
+        <p:txBody>
+          <a:bodyPr>
+            <a:normAutofit/>
+          </a:bodyPr>
+          <a:lstStyle/>
+          <a:p>
+            <a:pPr algn="r"/>
+            <a:r>
+              <a:rPr lang="en-US" sz="1100" dirty="0">
+                <a:solidFill>
+                  <a:schemeClr val="tx1">
+                    <a:lumMod val="95000"/>
+                    <a:lumOff val="5000"/>
+                  </a:schemeClr>
+                </a:solidFill>
+              </a:rPr>
+              <a:t>  Thong LT                                           </a:t>
+            </a:r>
+            <a:r>
+              <a:rPr lang="en-US" sz="1100" b="1" dirty="0" err="1">
+                <a:solidFill>
+                  <a:schemeClr val="tx1">
+                    <a:lumMod val="95000"/>
+                    <a:lumOff val="5000"/>
+                  </a:schemeClr>
+                </a:solidFill>
+              </a:rPr>
+              <a:t>autosar</a:t>
+            </a:r>
+            <a:endParaRPr lang="en-US" sz="1100" b="1" dirty="0">
+              <a:solidFill>
+                <a:schemeClr val="tx1">
+                  <a:lumMod val="95000"/>
+                  <a:lumOff val="5000"/>
+                </a:schemeClr>
+              </a:solidFill>
+            </a:endParaRPr>
+          </a:p>
+        </p:txBody>
+      </p:sp>
+      <p:sp>
+        <p:nvSpPr>
+          <p:cNvPr id="3" name="Subtitle 2">
+            <a:extLst>
+              <a:ext uri="{FF2B5EF4-FFF2-40B4-BE49-F238E27FC236}">
+                <a16:creationId xmlns:a16="http://schemas.microsoft.com/office/drawing/2014/main" id="{5AB01118-5054-C67F-9B29-AAED41D02329}"/>
+              </a:ext>
+            </a:extLst>
+          </p:cNvPr>
+          <p:cNvSpPr>
+            <a:spLocks noGrp="1"/>
+          </p:cNvSpPr>
+          <p:nvPr>
+            <p:ph type="subTitle" idx="1"/>
+          </p:nvPr>
+        </p:nvSpPr>
+        <p:spPr>
+          <a:xfrm>
+            <a:off x="1524000" y="201010"/>
+            <a:ext cx="9144000" cy="480770"/>
+          </a:xfrm>
+        </p:spPr>
+        <p:txBody>
+          <a:bodyPr/>
+          <a:lstStyle/>
+          <a:p>
+            <a:pPr algn="l"/>
+            <a:r>
+              <a:rPr lang="en-US" b="1" dirty="0"/>
+              <a:t>7.  CAN protocol </a:t>
+            </a:r>
+            <a:endParaRPr lang="en-US" dirty="0"/>
+          </a:p>
+        </p:txBody>
+      </p:sp>
+    </p:spTree>
+    <p:extLst>
+      <p:ext uri="{BB962C8B-B14F-4D97-AF65-F5344CB8AC3E}">
+        <p14:creationId xmlns:p14="http://schemas.microsoft.com/office/powerpoint/2010/main" val="2158740028"/>
+      </p:ext>
+    </p:extLst>
+  </p:cSld>
+  <p:clrMapOvr>
+    <a:masterClrMapping/>
+  </p:clrMapOvr>
+</p:sld>
+</file>
+
 <file path=ppt/slides/slide2.xml><?xml version="1.0" encoding="utf-8"?>
+<p:sld xmlns:a="http://schemas.openxmlformats.org/drawingml/2006/main" xmlns:r="http://schemas.openxmlformats.org/officeDocument/2006/relationships" xmlns:p="http://schemas.openxmlformats.org/presentationml/2006/main">
+  <p:cSld>
+    <p:spTree>
+      <p:nvGrpSpPr>
+        <p:cNvPr id="1" name=""/>
+        <p:cNvGrpSpPr/>
+        <p:nvPr/>
+      </p:nvGrpSpPr>
+      <p:grpSpPr>
+        <a:xfrm>
+          <a:off x="0" y="0"/>
+          <a:ext cx="0" cy="0"/>
+          <a:chOff x="0" y="0"/>
+          <a:chExt cx="0" cy="0"/>
+        </a:xfrm>
+      </p:grpSpPr>
+      <p:sp>
+        <p:nvSpPr>
+          <p:cNvPr id="2" name="Title 1">
+            <a:extLst>
+              <a:ext uri="{FF2B5EF4-FFF2-40B4-BE49-F238E27FC236}">
+                <a16:creationId xmlns:a16="http://schemas.microsoft.com/office/drawing/2014/main" id="{18376907-66DA-E7FF-9CFC-B17B1D70BA29}"/>
+              </a:ext>
+            </a:extLst>
+          </p:cNvPr>
+          <p:cNvSpPr>
+            <a:spLocks noGrp="1"/>
+          </p:cNvSpPr>
+          <p:nvPr>
+            <p:ph type="ctrTitle"/>
+          </p:nvPr>
+        </p:nvSpPr>
+        <p:spPr>
+          <a:xfrm>
+            <a:off x="440636" y="6377230"/>
+            <a:ext cx="11625468" cy="480770"/>
+          </a:xfrm>
+        </p:spPr>
+        <p:txBody>
+          <a:bodyPr>
+            <a:normAutofit/>
+          </a:bodyPr>
+          <a:lstStyle/>
+          <a:p>
+            <a:pPr algn="r"/>
+            <a:r>
+              <a:rPr lang="en-US" sz="1100" dirty="0"/>
+              <a:t>  </a:t>
+            </a:r>
+            <a:r>
+              <a:rPr lang="en-US" sz="1100" dirty="0">
+                <a:solidFill>
+                  <a:schemeClr val="tx1">
+                    <a:lumMod val="95000"/>
+                    <a:lumOff val="5000"/>
+                  </a:schemeClr>
+                </a:solidFill>
+              </a:rPr>
+              <a:t>Thong LT                                           </a:t>
+            </a:r>
+            <a:r>
+              <a:rPr lang="en-US" sz="1100" b="1" dirty="0" err="1">
+                <a:solidFill>
+                  <a:schemeClr val="tx1">
+                    <a:lumMod val="95000"/>
+                    <a:lumOff val="5000"/>
+                  </a:schemeClr>
+                </a:solidFill>
+              </a:rPr>
+              <a:t>autosar</a:t>
+            </a:r>
+            <a:endParaRPr lang="en-US" sz="1100" b="1" dirty="0">
+              <a:solidFill>
+                <a:schemeClr val="tx1">
+                  <a:lumMod val="95000"/>
+                  <a:lumOff val="5000"/>
+                </a:schemeClr>
+              </a:solidFill>
+            </a:endParaRPr>
+          </a:p>
+        </p:txBody>
+      </p:sp>
+      <p:sp>
+        <p:nvSpPr>
+          <p:cNvPr id="3" name="Subtitle 2">
+            <a:extLst>
+              <a:ext uri="{FF2B5EF4-FFF2-40B4-BE49-F238E27FC236}">
+                <a16:creationId xmlns:a16="http://schemas.microsoft.com/office/drawing/2014/main" id="{5AB01118-5054-C67F-9B29-AAED41D02329}"/>
+              </a:ext>
+            </a:extLst>
+          </p:cNvPr>
+          <p:cNvSpPr>
+            <a:spLocks noGrp="1"/>
+          </p:cNvSpPr>
+          <p:nvPr>
+            <p:ph type="subTitle" idx="1"/>
+          </p:nvPr>
+        </p:nvSpPr>
+        <p:spPr>
+          <a:xfrm>
+            <a:off x="1524000" y="201010"/>
+            <a:ext cx="9144000" cy="480770"/>
+          </a:xfrm>
+        </p:spPr>
+        <p:txBody>
+          <a:bodyPr/>
+          <a:lstStyle/>
+          <a:p>
+            <a:pPr algn="l"/>
+            <a:r>
+              <a:rPr lang="en-US" b="1" dirty="0"/>
+              <a:t>Overview</a:t>
+            </a:r>
+            <a:endParaRPr lang="en-US" dirty="0"/>
+          </a:p>
+        </p:txBody>
+      </p:sp>
+      <p:pic>
+        <p:nvPicPr>
+          <p:cNvPr id="5" name="Picture 4">
+            <a:extLst>
+              <a:ext uri="{FF2B5EF4-FFF2-40B4-BE49-F238E27FC236}">
+                <a16:creationId xmlns:a16="http://schemas.microsoft.com/office/drawing/2014/main" id="{FB15A2A2-4E48-1F7E-1850-E594FB1CF005}"/>
+              </a:ext>
+            </a:extLst>
+          </p:cNvPr>
+          <p:cNvPicPr>
+            <a:picLocks noChangeAspect="1"/>
+          </p:cNvPicPr>
+          <p:nvPr/>
+        </p:nvPicPr>
+        <p:blipFill>
+          <a:blip r:embed="rId2"/>
+          <a:stretch>
+            <a:fillRect/>
+          </a:stretch>
+        </p:blipFill>
+        <p:spPr>
+          <a:xfrm>
+            <a:off x="1160745" y="1206841"/>
+            <a:ext cx="6012705" cy="3868714"/>
+          </a:xfrm>
+          <a:prstGeom prst="rect">
+            <a:avLst/>
+          </a:prstGeom>
+        </p:spPr>
+      </p:pic>
+      <p:sp>
+        <p:nvSpPr>
+          <p:cNvPr id="8" name="TextBox 7">
+            <a:extLst>
+              <a:ext uri="{FF2B5EF4-FFF2-40B4-BE49-F238E27FC236}">
+                <a16:creationId xmlns:a16="http://schemas.microsoft.com/office/drawing/2014/main" id="{0F1E5C0D-8911-2390-FAB8-0251718F2998}"/>
+              </a:ext>
+            </a:extLst>
+          </p:cNvPr>
+          <p:cNvSpPr txBox="1"/>
+          <p:nvPr/>
+        </p:nvSpPr>
+        <p:spPr>
+          <a:xfrm>
+            <a:off x="1302026" y="5453900"/>
+            <a:ext cx="6102626" cy="923330"/>
+          </a:xfrm>
+          <a:prstGeom prst="rect">
+            <a:avLst/>
+          </a:prstGeom>
+          <a:noFill/>
+        </p:spPr>
+        <p:txBody>
+          <a:bodyPr wrap="square">
+            <a:spAutoFit/>
+          </a:bodyPr>
+          <a:lstStyle/>
+          <a:p>
+            <a:r>
+              <a:rPr lang="en-US" dirty="0">
+                <a:hlinkClick r:id="rId3"/>
+              </a:rPr>
+              <a:t>https://www.renesas.com/us/en/application/automotive/common-automotive-technologies/autosar/autosar-layered-architecture</a:t>
+            </a:r>
+            <a:r>
+              <a:rPr lang="en-US" dirty="0"/>
+              <a:t> </a:t>
+            </a:r>
+          </a:p>
+        </p:txBody>
+      </p:sp>
+    </p:spTree>
+    <p:extLst>
+      <p:ext uri="{BB962C8B-B14F-4D97-AF65-F5344CB8AC3E}">
+        <p14:creationId xmlns:p14="http://schemas.microsoft.com/office/powerpoint/2010/main" val="4224028547"/>
+      </p:ext>
+    </p:extLst>
+  </p:cSld>
+  <p:clrMapOvr>
+    <a:masterClrMapping/>
+  </p:clrMapOvr>
+</p:sld>
+</file>
+
+<file path=ppt/slides/slide3.xml><?xml version="1.0" encoding="utf-8"?>
+<p:sld xmlns:a="http://schemas.openxmlformats.org/drawingml/2006/main" xmlns:r="http://schemas.openxmlformats.org/officeDocument/2006/relationships" xmlns:p="http://schemas.openxmlformats.org/presentationml/2006/main">
+  <p:cSld>
+    <p:spTree>
+      <p:nvGrpSpPr>
+        <p:cNvPr id="1" name=""/>
+        <p:cNvGrpSpPr/>
+        <p:nvPr/>
+      </p:nvGrpSpPr>
+      <p:grpSpPr>
+        <a:xfrm>
+          <a:off x="0" y="0"/>
+          <a:ext cx="0" cy="0"/>
+          <a:chOff x="0" y="0"/>
+          <a:chExt cx="0" cy="0"/>
+        </a:xfrm>
+      </p:grpSpPr>
+      <p:sp>
+        <p:nvSpPr>
+          <p:cNvPr id="2" name="Title 1">
+            <a:extLst>
+              <a:ext uri="{FF2B5EF4-FFF2-40B4-BE49-F238E27FC236}">
+                <a16:creationId xmlns:a16="http://schemas.microsoft.com/office/drawing/2014/main" id="{18376907-66DA-E7FF-9CFC-B17B1D70BA29}"/>
+              </a:ext>
+            </a:extLst>
+          </p:cNvPr>
+          <p:cNvSpPr>
+            <a:spLocks noGrp="1"/>
+          </p:cNvSpPr>
+          <p:nvPr>
+            <p:ph type="ctrTitle"/>
+          </p:nvPr>
+        </p:nvSpPr>
+        <p:spPr>
+          <a:xfrm>
+            <a:off x="440636" y="6377230"/>
+            <a:ext cx="11625468" cy="480770"/>
+          </a:xfrm>
+        </p:spPr>
+        <p:txBody>
+          <a:bodyPr>
+            <a:normAutofit/>
+          </a:bodyPr>
+          <a:lstStyle/>
+          <a:p>
+            <a:pPr algn="r"/>
+            <a:r>
+              <a:rPr lang="en-US" sz="1100"/>
+              <a:t>  </a:t>
+            </a:r>
+            <a:r>
+              <a:rPr lang="en-US" sz="1100">
+                <a:solidFill>
+                  <a:schemeClr val="tx1">
+                    <a:lumMod val="95000"/>
+                    <a:lumOff val="5000"/>
+                  </a:schemeClr>
+                </a:solidFill>
+              </a:rPr>
+              <a:t>Thong LT                                           </a:t>
+            </a:r>
+            <a:r>
+              <a:rPr lang="en-US" sz="1100" b="1">
+                <a:solidFill>
+                  <a:schemeClr val="tx1">
+                    <a:lumMod val="95000"/>
+                    <a:lumOff val="5000"/>
+                  </a:schemeClr>
+                </a:solidFill>
+              </a:rPr>
+              <a:t>autosar</a:t>
+            </a:r>
+            <a:endParaRPr lang="en-US" sz="1100" b="1" dirty="0">
+              <a:solidFill>
+                <a:schemeClr val="tx1">
+                  <a:lumMod val="95000"/>
+                  <a:lumOff val="5000"/>
+                </a:schemeClr>
+              </a:solidFill>
+            </a:endParaRPr>
+          </a:p>
+        </p:txBody>
+      </p:sp>
+      <p:sp>
+        <p:nvSpPr>
+          <p:cNvPr id="3" name="Subtitle 2">
+            <a:extLst>
+              <a:ext uri="{FF2B5EF4-FFF2-40B4-BE49-F238E27FC236}">
+                <a16:creationId xmlns:a16="http://schemas.microsoft.com/office/drawing/2014/main" id="{5AB01118-5054-C67F-9B29-AAED41D02329}"/>
+              </a:ext>
+            </a:extLst>
+          </p:cNvPr>
+          <p:cNvSpPr>
+            <a:spLocks noGrp="1"/>
+          </p:cNvSpPr>
+          <p:nvPr>
+            <p:ph type="subTitle" idx="1"/>
+          </p:nvPr>
+        </p:nvSpPr>
+        <p:spPr>
+          <a:xfrm>
+            <a:off x="1524000" y="201010"/>
+            <a:ext cx="9144000" cy="480770"/>
+          </a:xfrm>
+        </p:spPr>
+        <p:txBody>
+          <a:bodyPr/>
+          <a:lstStyle/>
+          <a:p>
+            <a:pPr algn="l"/>
+            <a:r>
+              <a:rPr lang="en-US" b="1" dirty="0"/>
+              <a:t>Overview</a:t>
+            </a:r>
+            <a:endParaRPr lang="en-US" dirty="0"/>
+          </a:p>
+        </p:txBody>
+      </p:sp>
+      <p:sp>
+        <p:nvSpPr>
+          <p:cNvPr id="7" name="TextBox 6">
+            <a:extLst>
+              <a:ext uri="{FF2B5EF4-FFF2-40B4-BE49-F238E27FC236}">
+                <a16:creationId xmlns:a16="http://schemas.microsoft.com/office/drawing/2014/main" id="{C46970EF-74B1-F868-270B-F58A98C300FF}"/>
+              </a:ext>
+            </a:extLst>
+          </p:cNvPr>
+          <p:cNvSpPr txBox="1"/>
+          <p:nvPr/>
+        </p:nvSpPr>
+        <p:spPr>
+          <a:xfrm>
+            <a:off x="904460" y="681780"/>
+            <a:ext cx="9263270" cy="923330"/>
+          </a:xfrm>
+          <a:prstGeom prst="rect">
+            <a:avLst/>
+          </a:prstGeom>
+          <a:noFill/>
+        </p:spPr>
+        <p:txBody>
+          <a:bodyPr wrap="square">
+            <a:spAutoFit/>
+          </a:bodyPr>
+          <a:lstStyle/>
+          <a:p>
+            <a:r>
+              <a:rPr lang="en-US"/>
+              <a:t> AUTOSAR_TPS_ManifestSpecification </a:t>
+            </a:r>
+            <a:r>
+              <a:rPr lang="en-US">
+                <a:hlinkClick r:id="rId2"/>
+              </a:rPr>
+              <a:t>https://www.autosar.org/fileadmin/user_upload/standards/adaptive/19-11/AUTOSAR_TPS_ManifestSpecification.pdf</a:t>
+            </a:r>
+            <a:r>
+              <a:rPr lang="en-US"/>
+              <a:t> </a:t>
+            </a:r>
+            <a:endParaRPr lang="en-US" dirty="0"/>
+          </a:p>
+        </p:txBody>
+      </p:sp>
+      <p:pic>
+        <p:nvPicPr>
+          <p:cNvPr id="9" name="Picture 8">
+            <a:extLst>
+              <a:ext uri="{FF2B5EF4-FFF2-40B4-BE49-F238E27FC236}">
+                <a16:creationId xmlns:a16="http://schemas.microsoft.com/office/drawing/2014/main" id="{2524C09F-9A0E-BD81-5461-7535952EF257}"/>
+              </a:ext>
+            </a:extLst>
+          </p:cNvPr>
+          <p:cNvPicPr>
+            <a:picLocks noChangeAspect="1"/>
+          </p:cNvPicPr>
+          <p:nvPr/>
+        </p:nvPicPr>
+        <p:blipFill>
+          <a:blip r:embed="rId3"/>
+          <a:stretch>
+            <a:fillRect/>
+          </a:stretch>
+        </p:blipFill>
+        <p:spPr>
+          <a:xfrm>
+            <a:off x="1239801" y="1891429"/>
+            <a:ext cx="7934912" cy="3745893"/>
+          </a:xfrm>
+          <a:prstGeom prst="rect">
+            <a:avLst/>
+          </a:prstGeom>
+        </p:spPr>
+      </p:pic>
+    </p:spTree>
+    <p:extLst>
+      <p:ext uri="{BB962C8B-B14F-4D97-AF65-F5344CB8AC3E}">
+        <p14:creationId xmlns:p14="http://schemas.microsoft.com/office/powerpoint/2010/main" val="853178034"/>
+      </p:ext>
+    </p:extLst>
+  </p:cSld>
+  <p:clrMapOvr>
+    <a:masterClrMapping/>
+  </p:clrMapOvr>
+</p:sld>
+</file>
+
+<file path=ppt/slides/slide4.xml><?xml version="1.0" encoding="utf-8"?>
 <p:sld xmlns:a="http://schemas.openxmlformats.org/drawingml/2006/main" xmlns:r="http://schemas.openxmlformats.org/officeDocument/2006/relationships" xmlns:p="http://schemas.openxmlformats.org/presentationml/2006/main">
   <p:cSld>
     <p:spTree>
@@ -6176,7 +7028,7 @@
 </p:sld>
 </file>
 
-<file path=ppt/slides/slide3.xml><?xml version="1.0" encoding="utf-8"?>
+<file path=ppt/slides/slide5.xml><?xml version="1.0" encoding="utf-8"?>
 <p:sld xmlns:a="http://schemas.openxmlformats.org/drawingml/2006/main" xmlns:r="http://schemas.openxmlformats.org/officeDocument/2006/relationships" xmlns:p="http://schemas.openxmlformats.org/presentationml/2006/main">
   <p:cSld>
     <p:spTree>
@@ -6381,313 +7233,6 @@
 </p:sld>
 </file>
 
-<file path=ppt/slides/slide4.xml><?xml version="1.0" encoding="utf-8"?>
-<p:sld xmlns:a="http://schemas.openxmlformats.org/drawingml/2006/main" xmlns:r="http://schemas.openxmlformats.org/officeDocument/2006/relationships" xmlns:p="http://schemas.openxmlformats.org/presentationml/2006/main">
-  <p:cSld>
-    <p:spTree>
-      <p:nvGrpSpPr>
-        <p:cNvPr id="1" name=""/>
-        <p:cNvGrpSpPr/>
-        <p:nvPr/>
-      </p:nvGrpSpPr>
-      <p:grpSpPr>
-        <a:xfrm>
-          <a:off x="0" y="0"/>
-          <a:ext cx="0" cy="0"/>
-          <a:chOff x="0" y="0"/>
-          <a:chExt cx="0" cy="0"/>
-        </a:xfrm>
-      </p:grpSpPr>
-      <p:sp>
-        <p:nvSpPr>
-          <p:cNvPr id="2" name="Title 1">
-            <a:extLst>
-              <a:ext uri="{FF2B5EF4-FFF2-40B4-BE49-F238E27FC236}">
-                <a16:creationId xmlns:a16="http://schemas.microsoft.com/office/drawing/2014/main" id="{18376907-66DA-E7FF-9CFC-B17B1D70BA29}"/>
-              </a:ext>
-            </a:extLst>
-          </p:cNvPr>
-          <p:cNvSpPr>
-            <a:spLocks noGrp="1"/>
-          </p:cNvSpPr>
-          <p:nvPr>
-            <p:ph type="ctrTitle"/>
-          </p:nvPr>
-        </p:nvSpPr>
-        <p:spPr>
-          <a:xfrm>
-            <a:off x="440636" y="6377230"/>
-            <a:ext cx="11625468" cy="480770"/>
-          </a:xfrm>
-        </p:spPr>
-        <p:txBody>
-          <a:bodyPr>
-            <a:normAutofit/>
-          </a:bodyPr>
-          <a:lstStyle/>
-          <a:p>
-            <a:pPr algn="r"/>
-            <a:r>
-              <a:rPr lang="en-US" sz="1100" dirty="0">
-                <a:solidFill>
-                  <a:schemeClr val="tx1">
-                    <a:lumMod val="95000"/>
-                    <a:lumOff val="5000"/>
-                  </a:schemeClr>
-                </a:solidFill>
-              </a:rPr>
-              <a:t>  Thong LT                                           </a:t>
-            </a:r>
-            <a:r>
-              <a:rPr lang="en-US" sz="1100" b="1" dirty="0" err="1">
-                <a:solidFill>
-                  <a:schemeClr val="tx1">
-                    <a:lumMod val="95000"/>
-                    <a:lumOff val="5000"/>
-                  </a:schemeClr>
-                </a:solidFill>
-              </a:rPr>
-              <a:t>autosar</a:t>
-            </a:r>
-            <a:endParaRPr lang="en-US" sz="1100" b="1" dirty="0">
-              <a:solidFill>
-                <a:schemeClr val="tx1">
-                  <a:lumMod val="95000"/>
-                  <a:lumOff val="5000"/>
-                </a:schemeClr>
-              </a:solidFill>
-            </a:endParaRPr>
-          </a:p>
-        </p:txBody>
-      </p:sp>
-      <p:sp>
-        <p:nvSpPr>
-          <p:cNvPr id="3" name="Subtitle 2">
-            <a:extLst>
-              <a:ext uri="{FF2B5EF4-FFF2-40B4-BE49-F238E27FC236}">
-                <a16:creationId xmlns:a16="http://schemas.microsoft.com/office/drawing/2014/main" id="{5AB01118-5054-C67F-9B29-AAED41D02329}"/>
-              </a:ext>
-            </a:extLst>
-          </p:cNvPr>
-          <p:cNvSpPr>
-            <a:spLocks noGrp="1"/>
-          </p:cNvSpPr>
-          <p:nvPr>
-            <p:ph type="subTitle" idx="1"/>
-          </p:nvPr>
-        </p:nvSpPr>
-        <p:spPr>
-          <a:xfrm>
-            <a:off x="1524000" y="201010"/>
-            <a:ext cx="9144000" cy="480770"/>
-          </a:xfrm>
-        </p:spPr>
-        <p:txBody>
-          <a:bodyPr/>
-          <a:lstStyle/>
-          <a:p>
-            <a:pPr algn="l"/>
-            <a:r>
-              <a:rPr lang="en-US" b="1" dirty="0"/>
-              <a:t>3. Basic software</a:t>
-            </a:r>
-          </a:p>
-          <a:p>
-            <a:endParaRPr lang="en-US" dirty="0"/>
-          </a:p>
-        </p:txBody>
-      </p:sp>
-    </p:spTree>
-    <p:extLst>
-      <p:ext uri="{BB962C8B-B14F-4D97-AF65-F5344CB8AC3E}">
-        <p14:creationId xmlns:p14="http://schemas.microsoft.com/office/powerpoint/2010/main" val="4081872088"/>
-      </p:ext>
-    </p:extLst>
-  </p:cSld>
-  <p:clrMapOvr>
-    <a:masterClrMapping/>
-  </p:clrMapOvr>
-</p:sld>
-</file>
-
-<file path=ppt/slides/slide5.xml><?xml version="1.0" encoding="utf-8"?>
-<p:sld xmlns:a="http://schemas.openxmlformats.org/drawingml/2006/main" xmlns:r="http://schemas.openxmlformats.org/officeDocument/2006/relationships" xmlns:p="http://schemas.openxmlformats.org/presentationml/2006/main">
-  <p:cSld>
-    <p:spTree>
-      <p:nvGrpSpPr>
-        <p:cNvPr id="1" name=""/>
-        <p:cNvGrpSpPr/>
-        <p:nvPr/>
-      </p:nvGrpSpPr>
-      <p:grpSpPr>
-        <a:xfrm>
-          <a:off x="0" y="0"/>
-          <a:ext cx="0" cy="0"/>
-          <a:chOff x="0" y="0"/>
-          <a:chExt cx="0" cy="0"/>
-        </a:xfrm>
-      </p:grpSpPr>
-      <p:sp>
-        <p:nvSpPr>
-          <p:cNvPr id="2" name="Title 1">
-            <a:extLst>
-              <a:ext uri="{FF2B5EF4-FFF2-40B4-BE49-F238E27FC236}">
-                <a16:creationId xmlns:a16="http://schemas.microsoft.com/office/drawing/2014/main" id="{18376907-66DA-E7FF-9CFC-B17B1D70BA29}"/>
-              </a:ext>
-            </a:extLst>
-          </p:cNvPr>
-          <p:cNvSpPr>
-            <a:spLocks noGrp="1"/>
-          </p:cNvSpPr>
-          <p:nvPr>
-            <p:ph type="ctrTitle"/>
-          </p:nvPr>
-        </p:nvSpPr>
-        <p:spPr>
-          <a:xfrm>
-            <a:off x="440636" y="6377230"/>
-            <a:ext cx="11625468" cy="480770"/>
-          </a:xfrm>
-        </p:spPr>
-        <p:txBody>
-          <a:bodyPr>
-            <a:normAutofit/>
-          </a:bodyPr>
-          <a:lstStyle/>
-          <a:p>
-            <a:pPr algn="r"/>
-            <a:r>
-              <a:rPr lang="en-US" sz="1100" dirty="0">
-                <a:solidFill>
-                  <a:schemeClr val="tx1">
-                    <a:lumMod val="95000"/>
-                    <a:lumOff val="5000"/>
-                  </a:schemeClr>
-                </a:solidFill>
-              </a:rPr>
-              <a:t>  Thong LT                                           </a:t>
-            </a:r>
-            <a:r>
-              <a:rPr lang="en-US" sz="1100" b="1" dirty="0" err="1">
-                <a:solidFill>
-                  <a:schemeClr val="tx1">
-                    <a:lumMod val="95000"/>
-                    <a:lumOff val="5000"/>
-                  </a:schemeClr>
-                </a:solidFill>
-              </a:rPr>
-              <a:t>autosar</a:t>
-            </a:r>
-            <a:endParaRPr lang="en-US" sz="1100" b="1" dirty="0">
-              <a:solidFill>
-                <a:schemeClr val="tx1">
-                  <a:lumMod val="95000"/>
-                  <a:lumOff val="5000"/>
-                </a:schemeClr>
-              </a:solidFill>
-            </a:endParaRPr>
-          </a:p>
-        </p:txBody>
-      </p:sp>
-      <p:sp>
-        <p:nvSpPr>
-          <p:cNvPr id="3" name="Subtitle 2">
-            <a:extLst>
-              <a:ext uri="{FF2B5EF4-FFF2-40B4-BE49-F238E27FC236}">
-                <a16:creationId xmlns:a16="http://schemas.microsoft.com/office/drawing/2014/main" id="{5AB01118-5054-C67F-9B29-AAED41D02329}"/>
-              </a:ext>
-            </a:extLst>
-          </p:cNvPr>
-          <p:cNvSpPr>
-            <a:spLocks noGrp="1"/>
-          </p:cNvSpPr>
-          <p:nvPr>
-            <p:ph type="subTitle" idx="1"/>
-          </p:nvPr>
-        </p:nvSpPr>
-        <p:spPr>
-          <a:xfrm>
-            <a:off x="1524000" y="201010"/>
-            <a:ext cx="9144000" cy="480770"/>
-          </a:xfrm>
-        </p:spPr>
-        <p:txBody>
-          <a:bodyPr/>
-          <a:lstStyle/>
-          <a:p>
-            <a:pPr algn="l"/>
-            <a:r>
-              <a:rPr lang="en-US" b="1" dirty="0"/>
-              <a:t>5. Diagnostic over Internet Protocol (</a:t>
-            </a:r>
-            <a:r>
-              <a:rPr lang="en-US" b="1" dirty="0" err="1"/>
-              <a:t>DoIP</a:t>
-            </a:r>
-            <a:r>
-              <a:rPr lang="en-US" b="1" dirty="0"/>
-              <a:t>)</a:t>
-            </a:r>
-          </a:p>
-          <a:p>
-            <a:endParaRPr lang="en-US" dirty="0"/>
-          </a:p>
-        </p:txBody>
-      </p:sp>
-      <p:sp>
-        <p:nvSpPr>
-          <p:cNvPr id="5" name="TextBox 4">
-            <a:extLst>
-              <a:ext uri="{FF2B5EF4-FFF2-40B4-BE49-F238E27FC236}">
-                <a16:creationId xmlns:a16="http://schemas.microsoft.com/office/drawing/2014/main" id="{37E500C7-E94A-7AD2-71F2-9C7085F5725A}"/>
-              </a:ext>
-            </a:extLst>
-          </p:cNvPr>
-          <p:cNvSpPr txBox="1"/>
-          <p:nvPr/>
-        </p:nvSpPr>
-        <p:spPr>
-          <a:xfrm>
-            <a:off x="993912" y="1038496"/>
-            <a:ext cx="8656983" cy="646331"/>
-          </a:xfrm>
-          <a:prstGeom prst="rect">
-            <a:avLst/>
-          </a:prstGeom>
-          <a:noFill/>
-        </p:spPr>
-        <p:txBody>
-          <a:bodyPr wrap="square">
-            <a:spAutoFit/>
-          </a:bodyPr>
-          <a:lstStyle/>
-          <a:p>
-            <a:r>
-              <a:rPr lang="en-US" dirty="0">
-                <a:hlinkClick r:id="rId2"/>
-              </a:rPr>
-              <a:t>https://www.autosar.org/fileadmin/user_upload/standards/classic/4-3/AUTOSAR_SWS_DiagnosticOverIP.pdf</a:t>
-            </a:r>
-            <a:r>
-              <a:rPr lang="en-US" dirty="0"/>
-              <a:t> </a:t>
-            </a:r>
-          </a:p>
-        </p:txBody>
-      </p:sp>
-    </p:spTree>
-    <p:extLst>
-      <p:ext uri="{BB962C8B-B14F-4D97-AF65-F5344CB8AC3E}">
-        <p14:creationId xmlns:p14="http://schemas.microsoft.com/office/powerpoint/2010/main" val="4070123212"/>
-      </p:ext>
-    </p:extLst>
-  </p:cSld>
-  <p:clrMapOvr>
-    <a:masterClrMapping/>
-  </p:clrMapOvr>
-</p:sld>
-</file>
-
 <file path=ppt/slides/slide6.xml><?xml version="1.0" encoding="utf-8"?>
 <p:sld xmlns:a="http://schemas.openxmlformats.org/drawingml/2006/main" xmlns:r="http://schemas.openxmlformats.org/officeDocument/2006/relationships" xmlns:p="http://schemas.openxmlformats.org/presentationml/2006/main">
   <p:cSld>
@@ -6735,10 +7280,6 @@
           <a:p>
             <a:pPr algn="r"/>
             <a:r>
-              <a:rPr lang="en-US" sz="1100" dirty="0"/>
-              <a:t>  </a:t>
-            </a:r>
-            <a:r>
               <a:rPr lang="en-US" sz="1100" dirty="0">
                 <a:solidFill>
                   <a:schemeClr val="tx1">
@@ -6747,7 +7288,7 @@
                   </a:schemeClr>
                 </a:solidFill>
               </a:rPr>
-              <a:t>Thong LT                                           </a:t>
+              <a:t>  Thong LT                                           </a:t>
             </a:r>
             <a:r>
               <a:rPr lang="en-US" sz="1100" b="1" dirty="0" err="1">
@@ -6799,11 +7340,11 @@
           <a:p>
             <a:pPr algn="l"/>
             <a:r>
-              <a:rPr lang="en-US" b="1" dirty="0">
-                <a:effectLst/>
-              </a:rPr>
-              <a:t> 6. Advanced driver-assistance system (ADAS)</a:t>
-            </a:r>
+              <a:rPr lang="en-US" b="1" dirty="0"/>
+              <a:t>3. Basic software</a:t>
+            </a:r>
+          </a:p>
+          <a:p>
             <a:endParaRPr lang="en-US" dirty="0"/>
           </a:p>
         </p:txBody>
@@ -6811,7 +7352,7 @@
     </p:spTree>
     <p:extLst>
       <p:ext uri="{BB962C8B-B14F-4D97-AF65-F5344CB8AC3E}">
-        <p14:creationId xmlns:p14="http://schemas.microsoft.com/office/powerpoint/2010/main" val="1092604299"/>
+        <p14:creationId xmlns:p14="http://schemas.microsoft.com/office/powerpoint/2010/main" val="4081872088"/>
       </p:ext>
     </p:extLst>
   </p:cSld>
@@ -6929,16 +7470,458 @@
             <a:pPr algn="l"/>
             <a:r>
               <a:rPr lang="en-US" b="1" dirty="0"/>
-              <a:t>7.  CAN protocol </a:t>
-            </a:r>
+              <a:t>3. Basic software</a:t>
+            </a:r>
+          </a:p>
+          <a:p>
             <a:endParaRPr lang="en-US" dirty="0"/>
+          </a:p>
+        </p:txBody>
+      </p:sp>
+      <p:sp>
+        <p:nvSpPr>
+          <p:cNvPr id="5" name="TextBox 4">
+            <a:extLst>
+              <a:ext uri="{FF2B5EF4-FFF2-40B4-BE49-F238E27FC236}">
+                <a16:creationId xmlns:a16="http://schemas.microsoft.com/office/drawing/2014/main" id="{9498D85A-8D09-A15D-C48C-7BF6EEBE47AB}"/>
+              </a:ext>
+            </a:extLst>
+          </p:cNvPr>
+          <p:cNvSpPr txBox="1"/>
+          <p:nvPr/>
+        </p:nvSpPr>
+        <p:spPr>
+          <a:xfrm>
+            <a:off x="1600200" y="1415534"/>
+            <a:ext cx="6102626" cy="1200329"/>
+          </a:xfrm>
+          <a:prstGeom prst="rect">
+            <a:avLst/>
+          </a:prstGeom>
+          <a:noFill/>
+        </p:spPr>
+        <p:txBody>
+          <a:bodyPr wrap="square">
+            <a:spAutoFit/>
+          </a:bodyPr>
+          <a:lstStyle/>
+          <a:p>
+            <a:r>
+              <a:rPr lang="en-US" dirty="0"/>
+              <a:t> AUTOSAR XML files</a:t>
+            </a:r>
+          </a:p>
+          <a:p>
+            <a:endParaRPr lang="en-US" dirty="0"/>
+          </a:p>
+          <a:p>
+            <a:r>
+              <a:rPr lang="en-US" dirty="0">
+                <a:hlinkClick r:id="rId2"/>
+              </a:rPr>
+              <a:t>https://www.ibm.com/docs/en/rhapsody/9.0.1?topic=modeling-importing-exporting-autosar-xml-files</a:t>
+            </a:r>
+            <a:r>
+              <a:rPr lang="en-US" dirty="0"/>
+              <a:t> </a:t>
+            </a:r>
           </a:p>
         </p:txBody>
       </p:sp>
     </p:spTree>
     <p:extLst>
       <p:ext uri="{BB962C8B-B14F-4D97-AF65-F5344CB8AC3E}">
-        <p14:creationId xmlns:p14="http://schemas.microsoft.com/office/powerpoint/2010/main" val="2158740028"/>
+        <p14:creationId xmlns:p14="http://schemas.microsoft.com/office/powerpoint/2010/main" val="1345596375"/>
+      </p:ext>
+    </p:extLst>
+  </p:cSld>
+  <p:clrMapOvr>
+    <a:masterClrMapping/>
+  </p:clrMapOvr>
+</p:sld>
+</file>
+
+<file path=ppt/slides/slide8.xml><?xml version="1.0" encoding="utf-8"?>
+<p:sld xmlns:a="http://schemas.openxmlformats.org/drawingml/2006/main" xmlns:r="http://schemas.openxmlformats.org/officeDocument/2006/relationships" xmlns:p="http://schemas.openxmlformats.org/presentationml/2006/main">
+  <p:cSld>
+    <p:spTree>
+      <p:nvGrpSpPr>
+        <p:cNvPr id="1" name=""/>
+        <p:cNvGrpSpPr/>
+        <p:nvPr/>
+      </p:nvGrpSpPr>
+      <p:grpSpPr>
+        <a:xfrm>
+          <a:off x="0" y="0"/>
+          <a:ext cx="0" cy="0"/>
+          <a:chOff x="0" y="0"/>
+          <a:chExt cx="0" cy="0"/>
+        </a:xfrm>
+      </p:grpSpPr>
+      <p:sp>
+        <p:nvSpPr>
+          <p:cNvPr id="2" name="Title 1">
+            <a:extLst>
+              <a:ext uri="{FF2B5EF4-FFF2-40B4-BE49-F238E27FC236}">
+                <a16:creationId xmlns:a16="http://schemas.microsoft.com/office/drawing/2014/main" id="{18376907-66DA-E7FF-9CFC-B17B1D70BA29}"/>
+              </a:ext>
+            </a:extLst>
+          </p:cNvPr>
+          <p:cNvSpPr>
+            <a:spLocks noGrp="1"/>
+          </p:cNvSpPr>
+          <p:nvPr>
+            <p:ph type="ctrTitle"/>
+          </p:nvPr>
+        </p:nvSpPr>
+        <p:spPr>
+          <a:xfrm>
+            <a:off x="440636" y="6377230"/>
+            <a:ext cx="11625468" cy="480770"/>
+          </a:xfrm>
+        </p:spPr>
+        <p:txBody>
+          <a:bodyPr>
+            <a:normAutofit/>
+          </a:bodyPr>
+          <a:lstStyle/>
+          <a:p>
+            <a:pPr algn="r"/>
+            <a:r>
+              <a:rPr lang="en-US" sz="1100" dirty="0">
+                <a:solidFill>
+                  <a:schemeClr val="tx1">
+                    <a:lumMod val="95000"/>
+                    <a:lumOff val="5000"/>
+                  </a:schemeClr>
+                </a:solidFill>
+              </a:rPr>
+              <a:t>  Thong LT                                           </a:t>
+            </a:r>
+            <a:r>
+              <a:rPr lang="en-US" sz="1100" b="1" dirty="0" err="1">
+                <a:solidFill>
+                  <a:schemeClr val="tx1">
+                    <a:lumMod val="95000"/>
+                    <a:lumOff val="5000"/>
+                  </a:schemeClr>
+                </a:solidFill>
+              </a:rPr>
+              <a:t>autosar</a:t>
+            </a:r>
+            <a:endParaRPr lang="en-US" sz="1100" b="1" dirty="0">
+              <a:solidFill>
+                <a:schemeClr val="tx1">
+                  <a:lumMod val="95000"/>
+                  <a:lumOff val="5000"/>
+                </a:schemeClr>
+              </a:solidFill>
+            </a:endParaRPr>
+          </a:p>
+        </p:txBody>
+      </p:sp>
+      <p:sp>
+        <p:nvSpPr>
+          <p:cNvPr id="3" name="Subtitle 2">
+            <a:extLst>
+              <a:ext uri="{FF2B5EF4-FFF2-40B4-BE49-F238E27FC236}">
+                <a16:creationId xmlns:a16="http://schemas.microsoft.com/office/drawing/2014/main" id="{5AB01118-5054-C67F-9B29-AAED41D02329}"/>
+              </a:ext>
+            </a:extLst>
+          </p:cNvPr>
+          <p:cNvSpPr>
+            <a:spLocks noGrp="1"/>
+          </p:cNvSpPr>
+          <p:nvPr>
+            <p:ph type="subTitle" idx="1"/>
+          </p:nvPr>
+        </p:nvSpPr>
+        <p:spPr>
+          <a:xfrm>
+            <a:off x="1524000" y="201010"/>
+            <a:ext cx="9144000" cy="480770"/>
+          </a:xfrm>
+        </p:spPr>
+        <p:txBody>
+          <a:bodyPr/>
+          <a:lstStyle/>
+          <a:p>
+            <a:pPr algn="l"/>
+            <a:r>
+              <a:rPr lang="en-US" b="1" dirty="0"/>
+              <a:t>5. Diagnostic over Internet Protocol (</a:t>
+            </a:r>
+            <a:r>
+              <a:rPr lang="en-US" b="1" dirty="0" err="1"/>
+              <a:t>DoIP</a:t>
+            </a:r>
+            <a:r>
+              <a:rPr lang="en-US" b="1" dirty="0"/>
+              <a:t>)</a:t>
+            </a:r>
+          </a:p>
+          <a:p>
+            <a:endParaRPr lang="en-US" dirty="0"/>
+          </a:p>
+        </p:txBody>
+      </p:sp>
+      <p:sp>
+        <p:nvSpPr>
+          <p:cNvPr id="5" name="TextBox 4">
+            <a:extLst>
+              <a:ext uri="{FF2B5EF4-FFF2-40B4-BE49-F238E27FC236}">
+                <a16:creationId xmlns:a16="http://schemas.microsoft.com/office/drawing/2014/main" id="{37E500C7-E94A-7AD2-71F2-9C7085F5725A}"/>
+              </a:ext>
+            </a:extLst>
+          </p:cNvPr>
+          <p:cNvSpPr txBox="1"/>
+          <p:nvPr/>
+        </p:nvSpPr>
+        <p:spPr>
+          <a:xfrm>
+            <a:off x="546651" y="6010659"/>
+            <a:ext cx="8656983" cy="646331"/>
+          </a:xfrm>
+          <a:prstGeom prst="rect">
+            <a:avLst/>
+          </a:prstGeom>
+          <a:noFill/>
+        </p:spPr>
+        <p:txBody>
+          <a:bodyPr wrap="square">
+            <a:spAutoFit/>
+          </a:bodyPr>
+          <a:lstStyle/>
+          <a:p>
+            <a:r>
+              <a:rPr lang="en-US" dirty="0">
+                <a:hlinkClick r:id="rId2"/>
+              </a:rPr>
+              <a:t>https://www.autosar.org/fileadmin/user_upload/standards/classic/4-3/AUTOSAR_SWS_DiagnosticOverIP.pdf</a:t>
+            </a:r>
+            <a:r>
+              <a:rPr lang="en-US" dirty="0"/>
+              <a:t> </a:t>
+            </a:r>
+          </a:p>
+        </p:txBody>
+      </p:sp>
+    </p:spTree>
+    <p:extLst>
+      <p:ext uri="{BB962C8B-B14F-4D97-AF65-F5344CB8AC3E}">
+        <p14:creationId xmlns:p14="http://schemas.microsoft.com/office/powerpoint/2010/main" val="4070123212"/>
+      </p:ext>
+    </p:extLst>
+  </p:cSld>
+  <p:clrMapOvr>
+    <a:masterClrMapping/>
+  </p:clrMapOvr>
+</p:sld>
+</file>
+
+<file path=ppt/slides/slide9.xml><?xml version="1.0" encoding="utf-8"?>
+<p:sld xmlns:a="http://schemas.openxmlformats.org/drawingml/2006/main" xmlns:r="http://schemas.openxmlformats.org/officeDocument/2006/relationships" xmlns:p="http://schemas.openxmlformats.org/presentationml/2006/main">
+  <p:cSld>
+    <p:spTree>
+      <p:nvGrpSpPr>
+        <p:cNvPr id="1" name=""/>
+        <p:cNvGrpSpPr/>
+        <p:nvPr/>
+      </p:nvGrpSpPr>
+      <p:grpSpPr>
+        <a:xfrm>
+          <a:off x="0" y="0"/>
+          <a:ext cx="0" cy="0"/>
+          <a:chOff x="0" y="0"/>
+          <a:chExt cx="0" cy="0"/>
+        </a:xfrm>
+      </p:grpSpPr>
+      <p:sp>
+        <p:nvSpPr>
+          <p:cNvPr id="2" name="Title 1">
+            <a:extLst>
+              <a:ext uri="{FF2B5EF4-FFF2-40B4-BE49-F238E27FC236}">
+                <a16:creationId xmlns:a16="http://schemas.microsoft.com/office/drawing/2014/main" id="{18376907-66DA-E7FF-9CFC-B17B1D70BA29}"/>
+              </a:ext>
+            </a:extLst>
+          </p:cNvPr>
+          <p:cNvSpPr>
+            <a:spLocks noGrp="1"/>
+          </p:cNvSpPr>
+          <p:nvPr>
+            <p:ph type="ctrTitle"/>
+          </p:nvPr>
+        </p:nvSpPr>
+        <p:spPr>
+          <a:xfrm>
+            <a:off x="440636" y="6377230"/>
+            <a:ext cx="11625468" cy="480770"/>
+          </a:xfrm>
+        </p:spPr>
+        <p:txBody>
+          <a:bodyPr>
+            <a:normAutofit/>
+          </a:bodyPr>
+          <a:lstStyle/>
+          <a:p>
+            <a:pPr algn="r"/>
+            <a:r>
+              <a:rPr lang="en-US" sz="1100" dirty="0">
+                <a:solidFill>
+                  <a:schemeClr val="tx1">
+                    <a:lumMod val="95000"/>
+                    <a:lumOff val="5000"/>
+                  </a:schemeClr>
+                </a:solidFill>
+              </a:rPr>
+              <a:t>  Thong LT                                           </a:t>
+            </a:r>
+            <a:r>
+              <a:rPr lang="en-US" sz="1100" b="1" dirty="0" err="1">
+                <a:solidFill>
+                  <a:schemeClr val="tx1">
+                    <a:lumMod val="95000"/>
+                    <a:lumOff val="5000"/>
+                  </a:schemeClr>
+                </a:solidFill>
+              </a:rPr>
+              <a:t>autosar</a:t>
+            </a:r>
+            <a:endParaRPr lang="en-US" sz="1100" b="1" dirty="0">
+              <a:solidFill>
+                <a:schemeClr val="tx1">
+                  <a:lumMod val="95000"/>
+                  <a:lumOff val="5000"/>
+                </a:schemeClr>
+              </a:solidFill>
+            </a:endParaRPr>
+          </a:p>
+        </p:txBody>
+      </p:sp>
+      <p:sp>
+        <p:nvSpPr>
+          <p:cNvPr id="3" name="Subtitle 2">
+            <a:extLst>
+              <a:ext uri="{FF2B5EF4-FFF2-40B4-BE49-F238E27FC236}">
+                <a16:creationId xmlns:a16="http://schemas.microsoft.com/office/drawing/2014/main" id="{5AB01118-5054-C67F-9B29-AAED41D02329}"/>
+              </a:ext>
+            </a:extLst>
+          </p:cNvPr>
+          <p:cNvSpPr>
+            <a:spLocks noGrp="1"/>
+          </p:cNvSpPr>
+          <p:nvPr>
+            <p:ph type="subTitle" idx="1"/>
+          </p:nvPr>
+        </p:nvSpPr>
+        <p:spPr>
+          <a:xfrm>
+            <a:off x="1524000" y="201010"/>
+            <a:ext cx="9144000" cy="480770"/>
+          </a:xfrm>
+        </p:spPr>
+        <p:txBody>
+          <a:bodyPr/>
+          <a:lstStyle/>
+          <a:p>
+            <a:pPr algn="l"/>
+            <a:r>
+              <a:rPr lang="en-US" b="1" dirty="0"/>
+              <a:t>5. Diagnostic over Internet Protocol (</a:t>
+            </a:r>
+            <a:r>
+              <a:rPr lang="en-US" b="1" dirty="0" err="1"/>
+              <a:t>DoIP</a:t>
+            </a:r>
+            <a:r>
+              <a:rPr lang="en-US" b="1" dirty="0"/>
+              <a:t>)</a:t>
+            </a:r>
+          </a:p>
+          <a:p>
+            <a:endParaRPr lang="en-US" dirty="0"/>
+          </a:p>
+        </p:txBody>
+      </p:sp>
+      <p:sp>
+        <p:nvSpPr>
+          <p:cNvPr id="5" name="TextBox 4">
+            <a:extLst>
+              <a:ext uri="{FF2B5EF4-FFF2-40B4-BE49-F238E27FC236}">
+                <a16:creationId xmlns:a16="http://schemas.microsoft.com/office/drawing/2014/main" id="{37E500C7-E94A-7AD2-71F2-9C7085F5725A}"/>
+              </a:ext>
+            </a:extLst>
+          </p:cNvPr>
+          <p:cNvSpPr txBox="1"/>
+          <p:nvPr/>
+        </p:nvSpPr>
+        <p:spPr>
+          <a:xfrm>
+            <a:off x="355946" y="5533581"/>
+            <a:ext cx="8656983" cy="646331"/>
+          </a:xfrm>
+          <a:prstGeom prst="rect">
+            <a:avLst/>
+          </a:prstGeom>
+          <a:noFill/>
+        </p:spPr>
+        <p:txBody>
+          <a:bodyPr wrap="square">
+            <a:spAutoFit/>
+          </a:bodyPr>
+          <a:lstStyle/>
+          <a:p>
+            <a:r>
+              <a:rPr lang="en-US" dirty="0"/>
+              <a:t> </a:t>
+            </a:r>
+            <a:r>
+              <a:rPr lang="en-US" dirty="0">
+                <a:hlinkClick r:id="rId2"/>
+              </a:rPr>
+              <a:t>https://www.autosar.org/fileadmin/user_upload/standards/classic/4-3/AUTOSAR_TPS_DiagnosticExtractTemplate.pdf</a:t>
+            </a:r>
+            <a:r>
+              <a:rPr lang="en-US" dirty="0"/>
+              <a:t> </a:t>
+            </a:r>
+          </a:p>
+        </p:txBody>
+      </p:sp>
+      <p:pic>
+        <p:nvPicPr>
+          <p:cNvPr id="14" name="Picture 13">
+            <a:extLst>
+              <a:ext uri="{FF2B5EF4-FFF2-40B4-BE49-F238E27FC236}">
+                <a16:creationId xmlns:a16="http://schemas.microsoft.com/office/drawing/2014/main" id="{9E272989-918B-8C27-9E00-829691C5A6C3}"/>
+              </a:ext>
+            </a:extLst>
+          </p:cNvPr>
+          <p:cNvPicPr>
+            <a:picLocks noChangeAspect="1"/>
+          </p:cNvPicPr>
+          <p:nvPr/>
+        </p:nvPicPr>
+        <p:blipFill>
+          <a:blip r:embed="rId3"/>
+          <a:stretch>
+            <a:fillRect/>
+          </a:stretch>
+        </p:blipFill>
+        <p:spPr>
+          <a:xfrm>
+            <a:off x="1039661" y="1111495"/>
+            <a:ext cx="7973268" cy="3764000"/>
+          </a:xfrm>
+          <a:prstGeom prst="rect">
+            <a:avLst/>
+          </a:prstGeom>
+        </p:spPr>
+      </p:pic>
+    </p:spTree>
+    <p:extLst>
+      <p:ext uri="{BB962C8B-B14F-4D97-AF65-F5344CB8AC3E}">
+        <p14:creationId xmlns:p14="http://schemas.microsoft.com/office/powerpoint/2010/main" val="1714380852"/>
       </p:ext>
     </p:extLst>
   </p:cSld>

--- a/Autosar.pptx
+++ b/Autosar.pptx
@@ -15,8 +15,9 @@
     <p:sldId id="259" r:id="rId9"/>
     <p:sldId id="267" r:id="rId10"/>
     <p:sldId id="263" r:id="rId11"/>
-    <p:sldId id="260" r:id="rId12"/>
-    <p:sldId id="261" r:id="rId13"/>
+    <p:sldId id="268" r:id="rId12"/>
+    <p:sldId id="260" r:id="rId13"/>
+    <p:sldId id="261" r:id="rId14"/>
   </p:sldIdLst>
   <p:sldSz cx="12192000" cy="6858000"/>
   <p:notesSz cx="6858000" cy="9144000"/>
@@ -845,7 +846,7 @@
           <a:p>
             <a:fld id="{44AC289E-63A6-4307-BE11-75FB470D7CFE}" type="datetimeFigureOut">
               <a:rPr lang="en-US" smtClean="0"/>
-              <a:t>6/6/2022</a:t>
+              <a:t>6/7/2022</a:t>
             </a:fld>
             <a:endParaRPr lang="en-US"/>
           </a:p>
@@ -1096,7 +1097,7 @@
           <a:p>
             <a:fld id="{44AC289E-63A6-4307-BE11-75FB470D7CFE}" type="datetimeFigureOut">
               <a:rPr lang="en-US" smtClean="0"/>
-              <a:t>6/6/2022</a:t>
+              <a:t>6/7/2022</a:t>
             </a:fld>
             <a:endParaRPr lang="en-US"/>
           </a:p>
@@ -1410,7 +1411,7 @@
           <a:p>
             <a:fld id="{44AC289E-63A6-4307-BE11-75FB470D7CFE}" type="datetimeFigureOut">
               <a:rPr lang="en-US" smtClean="0"/>
-              <a:t>6/6/2022</a:t>
+              <a:t>6/7/2022</a:t>
             </a:fld>
             <a:endParaRPr lang="en-US"/>
           </a:p>
@@ -1751,7 +1752,7 @@
           <a:p>
             <a:fld id="{44AC289E-63A6-4307-BE11-75FB470D7CFE}" type="datetimeFigureOut">
               <a:rPr lang="en-US" smtClean="0"/>
-              <a:t>6/6/2022</a:t>
+              <a:t>6/7/2022</a:t>
             </a:fld>
             <a:endParaRPr lang="en-US"/>
           </a:p>
@@ -2065,7 +2066,7 @@
           <a:p>
             <a:fld id="{44AC289E-63A6-4307-BE11-75FB470D7CFE}" type="datetimeFigureOut">
               <a:rPr lang="en-US" smtClean="0"/>
-              <a:t>6/6/2022</a:t>
+              <a:t>6/7/2022</a:t>
             </a:fld>
             <a:endParaRPr lang="en-US"/>
           </a:p>
@@ -2458,7 +2459,7 @@
           <a:p>
             <a:fld id="{44AC289E-63A6-4307-BE11-75FB470D7CFE}" type="datetimeFigureOut">
               <a:rPr lang="en-US" smtClean="0"/>
-              <a:t>6/6/2022</a:t>
+              <a:t>6/7/2022</a:t>
             </a:fld>
             <a:endParaRPr lang="en-US"/>
           </a:p>
@@ -2628,7 +2629,7 @@
           <a:p>
             <a:fld id="{44AC289E-63A6-4307-BE11-75FB470D7CFE}" type="datetimeFigureOut">
               <a:rPr lang="en-US" smtClean="0"/>
-              <a:t>6/6/2022</a:t>
+              <a:t>6/7/2022</a:t>
             </a:fld>
             <a:endParaRPr lang="en-US"/>
           </a:p>
@@ -2808,7 +2809,7 @@
           <a:p>
             <a:fld id="{44AC289E-63A6-4307-BE11-75FB470D7CFE}" type="datetimeFigureOut">
               <a:rPr lang="en-US" smtClean="0"/>
-              <a:t>6/6/2022</a:t>
+              <a:t>6/7/2022</a:t>
             </a:fld>
             <a:endParaRPr lang="en-US"/>
           </a:p>
@@ -2984,7 +2985,7 @@
           <a:p>
             <a:fld id="{44AC289E-63A6-4307-BE11-75FB470D7CFE}" type="datetimeFigureOut">
               <a:rPr lang="en-US" smtClean="0"/>
-              <a:t>6/6/2022</a:t>
+              <a:t>6/7/2022</a:t>
             </a:fld>
             <a:endParaRPr lang="en-US"/>
           </a:p>
@@ -3231,7 +3232,7 @@
           <a:p>
             <a:fld id="{44AC289E-63A6-4307-BE11-75FB470D7CFE}" type="datetimeFigureOut">
               <a:rPr lang="en-US" smtClean="0"/>
-              <a:t>6/6/2022</a:t>
+              <a:t>6/7/2022</a:t>
             </a:fld>
             <a:endParaRPr lang="en-US"/>
           </a:p>
@@ -3463,7 +3464,7 @@
           <a:p>
             <a:fld id="{44AC289E-63A6-4307-BE11-75FB470D7CFE}" type="datetimeFigureOut">
               <a:rPr lang="en-US" smtClean="0"/>
-              <a:t>6/6/2022</a:t>
+              <a:t>6/7/2022</a:t>
             </a:fld>
             <a:endParaRPr lang="en-US"/>
           </a:p>
@@ -3837,7 +3838,7 @@
           <a:p>
             <a:fld id="{44AC289E-63A6-4307-BE11-75FB470D7CFE}" type="datetimeFigureOut">
               <a:rPr lang="en-US" smtClean="0"/>
-              <a:t>6/6/2022</a:t>
+              <a:t>6/7/2022</a:t>
             </a:fld>
             <a:endParaRPr lang="en-US"/>
           </a:p>
@@ -3960,7 +3961,7 @@
           <a:p>
             <a:fld id="{44AC289E-63A6-4307-BE11-75FB470D7CFE}" type="datetimeFigureOut">
               <a:rPr lang="en-US" smtClean="0"/>
-              <a:t>6/6/2022</a:t>
+              <a:t>6/7/2022</a:t>
             </a:fld>
             <a:endParaRPr lang="en-US"/>
           </a:p>
@@ -4055,7 +4056,7 @@
           <a:p>
             <a:fld id="{44AC289E-63A6-4307-BE11-75FB470D7CFE}" type="datetimeFigureOut">
               <a:rPr lang="en-US" smtClean="0"/>
-              <a:t>6/6/2022</a:t>
+              <a:t>6/7/2022</a:t>
             </a:fld>
             <a:endParaRPr lang="en-US"/>
           </a:p>
@@ -4310,7 +4311,7 @@
           <a:p>
             <a:fld id="{44AC289E-63A6-4307-BE11-75FB470D7CFE}" type="datetimeFigureOut">
               <a:rPr lang="en-US" smtClean="0"/>
-              <a:t>6/6/2022</a:t>
+              <a:t>6/7/2022</a:t>
             </a:fld>
             <a:endParaRPr lang="en-US"/>
           </a:p>
@@ -4573,7 +4574,7 @@
           <a:p>
             <a:fld id="{44AC289E-63A6-4307-BE11-75FB470D7CFE}" type="datetimeFigureOut">
               <a:rPr lang="en-US" smtClean="0"/>
-              <a:t>6/6/2022</a:t>
+              <a:t>6/7/2022</a:t>
             </a:fld>
             <a:endParaRPr lang="en-US"/>
           </a:p>
@@ -5316,7 +5317,7 @@
           <a:p>
             <a:fld id="{44AC289E-63A6-4307-BE11-75FB470D7CFE}" type="datetimeFigureOut">
               <a:rPr lang="en-US" smtClean="0"/>
-              <a:t>6/6/2022</a:t>
+              <a:t>6/7/2022</a:t>
             </a:fld>
             <a:endParaRPr lang="en-US"/>
           </a:p>
@@ -6204,6 +6205,217 @@
           <a:p>
             <a:pPr algn="r"/>
             <a:r>
+              <a:rPr lang="en-US" sz="1100" dirty="0">
+                <a:solidFill>
+                  <a:schemeClr val="tx1">
+                    <a:lumMod val="95000"/>
+                    <a:lumOff val="5000"/>
+                  </a:schemeClr>
+                </a:solidFill>
+              </a:rPr>
+              <a:t>  Thong LT                                           </a:t>
+            </a:r>
+            <a:r>
+              <a:rPr lang="en-US" sz="1100" b="1" dirty="0" err="1">
+                <a:solidFill>
+                  <a:schemeClr val="tx1">
+                    <a:lumMod val="95000"/>
+                    <a:lumOff val="5000"/>
+                  </a:schemeClr>
+                </a:solidFill>
+              </a:rPr>
+              <a:t>autosar</a:t>
+            </a:r>
+            <a:endParaRPr lang="en-US" sz="1100" b="1" dirty="0">
+              <a:solidFill>
+                <a:schemeClr val="tx1">
+                  <a:lumMod val="95000"/>
+                  <a:lumOff val="5000"/>
+                </a:schemeClr>
+              </a:solidFill>
+            </a:endParaRPr>
+          </a:p>
+        </p:txBody>
+      </p:sp>
+      <p:sp>
+        <p:nvSpPr>
+          <p:cNvPr id="3" name="Subtitle 2">
+            <a:extLst>
+              <a:ext uri="{FF2B5EF4-FFF2-40B4-BE49-F238E27FC236}">
+                <a16:creationId xmlns:a16="http://schemas.microsoft.com/office/drawing/2014/main" id="{5AB01118-5054-C67F-9B29-AAED41D02329}"/>
+              </a:ext>
+            </a:extLst>
+          </p:cNvPr>
+          <p:cNvSpPr>
+            <a:spLocks noGrp="1"/>
+          </p:cNvSpPr>
+          <p:nvPr>
+            <p:ph type="subTitle" idx="1"/>
+          </p:nvPr>
+        </p:nvSpPr>
+        <p:spPr>
+          <a:xfrm>
+            <a:off x="1524000" y="201010"/>
+            <a:ext cx="9144000" cy="480770"/>
+          </a:xfrm>
+        </p:spPr>
+        <p:txBody>
+          <a:bodyPr/>
+          <a:lstStyle/>
+          <a:p>
+            <a:pPr algn="l"/>
+            <a:r>
+              <a:rPr lang="en-US" b="1" dirty="0"/>
+              <a:t>5.  </a:t>
+            </a:r>
+            <a:r>
+              <a:rPr lang="en-US" b="1" dirty="0" err="1"/>
+              <a:t>DoIP</a:t>
+            </a:r>
+            <a:r>
+              <a:rPr lang="en-US" b="1" dirty="0"/>
+              <a:t>- PDU  Router</a:t>
+            </a:r>
+          </a:p>
+          <a:p>
+            <a:endParaRPr lang="en-US" dirty="0"/>
+          </a:p>
+        </p:txBody>
+      </p:sp>
+      <p:sp>
+        <p:nvSpPr>
+          <p:cNvPr id="7" name="TextBox 6">
+            <a:extLst>
+              <a:ext uri="{FF2B5EF4-FFF2-40B4-BE49-F238E27FC236}">
+                <a16:creationId xmlns:a16="http://schemas.microsoft.com/office/drawing/2014/main" id="{A56E7011-7140-C181-CC8B-FC980E397B13}"/>
+              </a:ext>
+            </a:extLst>
+          </p:cNvPr>
+          <p:cNvSpPr txBox="1"/>
+          <p:nvPr/>
+        </p:nvSpPr>
+        <p:spPr>
+          <a:xfrm>
+            <a:off x="1063487" y="5417286"/>
+            <a:ext cx="6102626" cy="1200329"/>
+          </a:xfrm>
+          <a:prstGeom prst="rect">
+            <a:avLst/>
+          </a:prstGeom>
+          <a:noFill/>
+        </p:spPr>
+        <p:txBody>
+          <a:bodyPr wrap="square">
+            <a:spAutoFit/>
+          </a:bodyPr>
+          <a:lstStyle/>
+          <a:p>
+            <a:endParaRPr lang="en-US" dirty="0"/>
+          </a:p>
+          <a:p>
+            <a:r>
+              <a:rPr lang="en-US" dirty="0">
+                <a:hlinkClick r:id="rId2"/>
+              </a:rPr>
+              <a:t>https://www.autosar.org/fileadmin/user_upload/standards/classic/20-11/AUTOSAR_SWS_PDURouter.pdf</a:t>
+            </a:r>
+            <a:endParaRPr lang="en-US" dirty="0"/>
+          </a:p>
+          <a:p>
+            <a:endParaRPr lang="en-US" dirty="0"/>
+          </a:p>
+        </p:txBody>
+      </p:sp>
+      <p:pic>
+        <p:nvPicPr>
+          <p:cNvPr id="10" name="Picture 9">
+            <a:extLst>
+              <a:ext uri="{FF2B5EF4-FFF2-40B4-BE49-F238E27FC236}">
+                <a16:creationId xmlns:a16="http://schemas.microsoft.com/office/drawing/2014/main" id="{9B17010B-920E-61E0-B0EA-008CFF79AD07}"/>
+              </a:ext>
+            </a:extLst>
+          </p:cNvPr>
+          <p:cNvPicPr>
+            <a:picLocks noChangeAspect="1"/>
+          </p:cNvPicPr>
+          <p:nvPr/>
+        </p:nvPicPr>
+        <p:blipFill>
+          <a:blip r:embed="rId3"/>
+          <a:stretch>
+            <a:fillRect/>
+          </a:stretch>
+        </p:blipFill>
+        <p:spPr>
+          <a:xfrm>
+            <a:off x="2738763" y="681780"/>
+            <a:ext cx="6795580" cy="5006211"/>
+          </a:xfrm>
+          <a:prstGeom prst="rect">
+            <a:avLst/>
+          </a:prstGeom>
+        </p:spPr>
+      </p:pic>
+    </p:spTree>
+    <p:extLst>
+      <p:ext uri="{BB962C8B-B14F-4D97-AF65-F5344CB8AC3E}">
+        <p14:creationId xmlns:p14="http://schemas.microsoft.com/office/powerpoint/2010/main" val="3460033235"/>
+      </p:ext>
+    </p:extLst>
+  </p:cSld>
+  <p:clrMapOvr>
+    <a:masterClrMapping/>
+  </p:clrMapOvr>
+</p:sld>
+</file>
+
+<file path=ppt/slides/slide12.xml><?xml version="1.0" encoding="utf-8"?>
+<p:sld xmlns:a="http://schemas.openxmlformats.org/drawingml/2006/main" xmlns:r="http://schemas.openxmlformats.org/officeDocument/2006/relationships" xmlns:p="http://schemas.openxmlformats.org/presentationml/2006/main">
+  <p:cSld>
+    <p:spTree>
+      <p:nvGrpSpPr>
+        <p:cNvPr id="1" name=""/>
+        <p:cNvGrpSpPr/>
+        <p:nvPr/>
+      </p:nvGrpSpPr>
+      <p:grpSpPr>
+        <a:xfrm>
+          <a:off x="0" y="0"/>
+          <a:ext cx="0" cy="0"/>
+          <a:chOff x="0" y="0"/>
+          <a:chExt cx="0" cy="0"/>
+        </a:xfrm>
+      </p:grpSpPr>
+      <p:sp>
+        <p:nvSpPr>
+          <p:cNvPr id="2" name="Title 1">
+            <a:extLst>
+              <a:ext uri="{FF2B5EF4-FFF2-40B4-BE49-F238E27FC236}">
+                <a16:creationId xmlns:a16="http://schemas.microsoft.com/office/drawing/2014/main" id="{18376907-66DA-E7FF-9CFC-B17B1D70BA29}"/>
+              </a:ext>
+            </a:extLst>
+          </p:cNvPr>
+          <p:cNvSpPr>
+            <a:spLocks noGrp="1"/>
+          </p:cNvSpPr>
+          <p:nvPr>
+            <p:ph type="ctrTitle"/>
+          </p:nvPr>
+        </p:nvSpPr>
+        <p:spPr>
+          <a:xfrm>
+            <a:off x="440636" y="6377230"/>
+            <a:ext cx="11625468" cy="480770"/>
+          </a:xfrm>
+        </p:spPr>
+        <p:txBody>
+          <a:bodyPr>
+            <a:normAutofit/>
+          </a:bodyPr>
+          <a:lstStyle/>
+          <a:p>
+            <a:pPr algn="r"/>
+            <a:r>
               <a:rPr lang="en-US" sz="1100" dirty="0"/>
               <a:t>  </a:t>
             </a:r>
@@ -6290,7 +6502,7 @@
 </p:sld>
 </file>
 
-<file path=ppt/slides/slide12.xml><?xml version="1.0" encoding="utf-8"?>
+<file path=ppt/slides/slide13.xml><?xml version="1.0" encoding="utf-8"?>
 <p:sld xmlns:a="http://schemas.openxmlformats.org/drawingml/2006/main" xmlns:r="http://schemas.openxmlformats.org/officeDocument/2006/relationships" xmlns:p="http://schemas.openxmlformats.org/presentationml/2006/main">
   <p:cSld>
     <p:spTree>

--- a/Autosar.pptx
+++ b/Autosar.pptx
@@ -13,7 +13,7 @@
     <p:sldId id="257" r:id="rId7"/>
     <p:sldId id="265" r:id="rId8"/>
     <p:sldId id="259" r:id="rId9"/>
-    <p:sldId id="267" r:id="rId10"/>
+    <p:sldId id="269" r:id="rId10"/>
     <p:sldId id="263" r:id="rId11"/>
     <p:sldId id="268" r:id="rId12"/>
     <p:sldId id="260" r:id="rId13"/>
@@ -7918,6 +7918,47 @@
           </a:p>
         </p:txBody>
       </p:sp>
+      <p:sp>
+        <p:nvSpPr>
+          <p:cNvPr id="6" name="TextBox 5">
+            <a:extLst>
+              <a:ext uri="{FF2B5EF4-FFF2-40B4-BE49-F238E27FC236}">
+                <a16:creationId xmlns:a16="http://schemas.microsoft.com/office/drawing/2014/main" id="{FF04D8DB-2CD0-C723-DD18-1619B56D6267}"/>
+              </a:ext>
+            </a:extLst>
+          </p:cNvPr>
+          <p:cNvSpPr txBox="1"/>
+          <p:nvPr/>
+        </p:nvSpPr>
+        <p:spPr>
+          <a:xfrm>
+            <a:off x="546651" y="5014148"/>
+            <a:ext cx="6102626" cy="923330"/>
+          </a:xfrm>
+          <a:prstGeom prst="rect">
+            <a:avLst/>
+          </a:prstGeom>
+          <a:noFill/>
+        </p:spPr>
+        <p:txBody>
+          <a:bodyPr wrap="square">
+            <a:spAutoFit/>
+          </a:bodyPr>
+          <a:lstStyle/>
+          <a:p>
+            <a:r>
+              <a:rPr lang="en-US" dirty="0">
+                <a:hlinkClick r:id="rId3"/>
+              </a:rPr>
+              <a:t>https://www.embeddedtutor.com/2019/09/autosar-dem-module.html</a:t>
+            </a:r>
+            <a:endParaRPr lang="en-US" dirty="0"/>
+          </a:p>
+          <a:p>
+            <a:endParaRPr lang="en-US" dirty="0"/>
+          </a:p>
+        </p:txBody>
+      </p:sp>
     </p:spTree>
     <p:extLst>
       <p:ext uri="{BB962C8B-B14F-4D97-AF65-F5344CB8AC3E}">
@@ -8133,7 +8174,7 @@
     </p:spTree>
     <p:extLst>
       <p:ext uri="{BB962C8B-B14F-4D97-AF65-F5344CB8AC3E}">
-        <p14:creationId xmlns:p14="http://schemas.microsoft.com/office/powerpoint/2010/main" val="1714380852"/>
+        <p14:creationId xmlns:p14="http://schemas.microsoft.com/office/powerpoint/2010/main" val="2890711851"/>
       </p:ext>
     </p:extLst>
   </p:cSld>

--- a/Autosar.pptx
+++ b/Autosar.pptx
@@ -846,7 +846,7 @@
           <a:p>
             <a:fld id="{44AC289E-63A6-4307-BE11-75FB470D7CFE}" type="datetimeFigureOut">
               <a:rPr lang="en-US" smtClean="0"/>
-              <a:t>6/7/2022</a:t>
+              <a:t>6/11/2022</a:t>
             </a:fld>
             <a:endParaRPr lang="en-US"/>
           </a:p>
@@ -1097,7 +1097,7 @@
           <a:p>
             <a:fld id="{44AC289E-63A6-4307-BE11-75FB470D7CFE}" type="datetimeFigureOut">
               <a:rPr lang="en-US" smtClean="0"/>
-              <a:t>6/7/2022</a:t>
+              <a:t>6/11/2022</a:t>
             </a:fld>
             <a:endParaRPr lang="en-US"/>
           </a:p>
@@ -1411,7 +1411,7 @@
           <a:p>
             <a:fld id="{44AC289E-63A6-4307-BE11-75FB470D7CFE}" type="datetimeFigureOut">
               <a:rPr lang="en-US" smtClean="0"/>
-              <a:t>6/7/2022</a:t>
+              <a:t>6/11/2022</a:t>
             </a:fld>
             <a:endParaRPr lang="en-US"/>
           </a:p>
@@ -1752,7 +1752,7 @@
           <a:p>
             <a:fld id="{44AC289E-63A6-4307-BE11-75FB470D7CFE}" type="datetimeFigureOut">
               <a:rPr lang="en-US" smtClean="0"/>
-              <a:t>6/7/2022</a:t>
+              <a:t>6/11/2022</a:t>
             </a:fld>
             <a:endParaRPr lang="en-US"/>
           </a:p>
@@ -2066,7 +2066,7 @@
           <a:p>
             <a:fld id="{44AC289E-63A6-4307-BE11-75FB470D7CFE}" type="datetimeFigureOut">
               <a:rPr lang="en-US" smtClean="0"/>
-              <a:t>6/7/2022</a:t>
+              <a:t>6/11/2022</a:t>
             </a:fld>
             <a:endParaRPr lang="en-US"/>
           </a:p>
@@ -2459,7 +2459,7 @@
           <a:p>
             <a:fld id="{44AC289E-63A6-4307-BE11-75FB470D7CFE}" type="datetimeFigureOut">
               <a:rPr lang="en-US" smtClean="0"/>
-              <a:t>6/7/2022</a:t>
+              <a:t>6/11/2022</a:t>
             </a:fld>
             <a:endParaRPr lang="en-US"/>
           </a:p>
@@ -2629,7 +2629,7 @@
           <a:p>
             <a:fld id="{44AC289E-63A6-4307-BE11-75FB470D7CFE}" type="datetimeFigureOut">
               <a:rPr lang="en-US" smtClean="0"/>
-              <a:t>6/7/2022</a:t>
+              <a:t>6/11/2022</a:t>
             </a:fld>
             <a:endParaRPr lang="en-US"/>
           </a:p>
@@ -2809,7 +2809,7 @@
           <a:p>
             <a:fld id="{44AC289E-63A6-4307-BE11-75FB470D7CFE}" type="datetimeFigureOut">
               <a:rPr lang="en-US" smtClean="0"/>
-              <a:t>6/7/2022</a:t>
+              <a:t>6/11/2022</a:t>
             </a:fld>
             <a:endParaRPr lang="en-US"/>
           </a:p>
@@ -2985,7 +2985,7 @@
           <a:p>
             <a:fld id="{44AC289E-63A6-4307-BE11-75FB470D7CFE}" type="datetimeFigureOut">
               <a:rPr lang="en-US" smtClean="0"/>
-              <a:t>6/7/2022</a:t>
+              <a:t>6/11/2022</a:t>
             </a:fld>
             <a:endParaRPr lang="en-US"/>
           </a:p>
@@ -3232,7 +3232,7 @@
           <a:p>
             <a:fld id="{44AC289E-63A6-4307-BE11-75FB470D7CFE}" type="datetimeFigureOut">
               <a:rPr lang="en-US" smtClean="0"/>
-              <a:t>6/7/2022</a:t>
+              <a:t>6/11/2022</a:t>
             </a:fld>
             <a:endParaRPr lang="en-US"/>
           </a:p>
@@ -3464,7 +3464,7 @@
           <a:p>
             <a:fld id="{44AC289E-63A6-4307-BE11-75FB470D7CFE}" type="datetimeFigureOut">
               <a:rPr lang="en-US" smtClean="0"/>
-              <a:t>6/7/2022</a:t>
+              <a:t>6/11/2022</a:t>
             </a:fld>
             <a:endParaRPr lang="en-US"/>
           </a:p>
@@ -3838,7 +3838,7 @@
           <a:p>
             <a:fld id="{44AC289E-63A6-4307-BE11-75FB470D7CFE}" type="datetimeFigureOut">
               <a:rPr lang="en-US" smtClean="0"/>
-              <a:t>6/7/2022</a:t>
+              <a:t>6/11/2022</a:t>
             </a:fld>
             <a:endParaRPr lang="en-US"/>
           </a:p>
@@ -3961,7 +3961,7 @@
           <a:p>
             <a:fld id="{44AC289E-63A6-4307-BE11-75FB470D7CFE}" type="datetimeFigureOut">
               <a:rPr lang="en-US" smtClean="0"/>
-              <a:t>6/7/2022</a:t>
+              <a:t>6/11/2022</a:t>
             </a:fld>
             <a:endParaRPr lang="en-US"/>
           </a:p>
@@ -4056,7 +4056,7 @@
           <a:p>
             <a:fld id="{44AC289E-63A6-4307-BE11-75FB470D7CFE}" type="datetimeFigureOut">
               <a:rPr lang="en-US" smtClean="0"/>
-              <a:t>6/7/2022</a:t>
+              <a:t>6/11/2022</a:t>
             </a:fld>
             <a:endParaRPr lang="en-US"/>
           </a:p>
@@ -4311,7 +4311,7 @@
           <a:p>
             <a:fld id="{44AC289E-63A6-4307-BE11-75FB470D7CFE}" type="datetimeFigureOut">
               <a:rPr lang="en-US" smtClean="0"/>
-              <a:t>6/7/2022</a:t>
+              <a:t>6/11/2022</a:t>
             </a:fld>
             <a:endParaRPr lang="en-US"/>
           </a:p>
@@ -4574,7 +4574,7 @@
           <a:p>
             <a:fld id="{44AC289E-63A6-4307-BE11-75FB470D7CFE}" type="datetimeFigureOut">
               <a:rPr lang="en-US" smtClean="0"/>
-              <a:t>6/7/2022</a:t>
+              <a:t>6/11/2022</a:t>
             </a:fld>
             <a:endParaRPr lang="en-US"/>
           </a:p>
@@ -5317,7 +5317,7 @@
           <a:p>
             <a:fld id="{44AC289E-63A6-4307-BE11-75FB470D7CFE}" type="datetimeFigureOut">
               <a:rPr lang="en-US" smtClean="0"/>
-              <a:t>6/7/2022</a:t>
+              <a:t>6/11/2022</a:t>
             </a:fld>
             <a:endParaRPr lang="en-US"/>
           </a:p>
@@ -7959,6 +7959,103 @@
           </a:p>
         </p:txBody>
       </p:sp>
+      <p:sp>
+        <p:nvSpPr>
+          <p:cNvPr id="7" name="TextBox 6">
+            <a:extLst>
+              <a:ext uri="{FF2B5EF4-FFF2-40B4-BE49-F238E27FC236}">
+                <a16:creationId xmlns:a16="http://schemas.microsoft.com/office/drawing/2014/main" id="{FFB5623B-A28F-2389-7930-7EA8AB460CC8}"/>
+              </a:ext>
+            </a:extLst>
+          </p:cNvPr>
+          <p:cNvSpPr txBox="1"/>
+          <p:nvPr/>
+        </p:nvSpPr>
+        <p:spPr>
+          <a:xfrm>
+            <a:off x="1707419" y="1612425"/>
+            <a:ext cx="6101394" cy="369332"/>
+          </a:xfrm>
+          <a:prstGeom prst="rect">
+            <a:avLst/>
+          </a:prstGeom>
+          <a:noFill/>
+        </p:spPr>
+        <p:txBody>
+          <a:bodyPr wrap="square">
+            <a:spAutoFit/>
+          </a:bodyPr>
+          <a:lstStyle/>
+          <a:p>
+            <a:r>
+              <a:rPr lang="en-US" dirty="0"/>
+              <a:t>1 DEM </a:t>
+            </a:r>
+          </a:p>
+        </p:txBody>
+      </p:sp>
+      <p:sp>
+        <p:nvSpPr>
+          <p:cNvPr id="9" name="TextBox 8">
+            <a:extLst>
+              <a:ext uri="{FF2B5EF4-FFF2-40B4-BE49-F238E27FC236}">
+                <a16:creationId xmlns:a16="http://schemas.microsoft.com/office/drawing/2014/main" id="{E97BFB8A-FAF1-98B2-7372-11D32C04C3AD}"/>
+              </a:ext>
+            </a:extLst>
+          </p:cNvPr>
+          <p:cNvSpPr txBox="1"/>
+          <p:nvPr/>
+        </p:nvSpPr>
+        <p:spPr>
+          <a:xfrm>
+            <a:off x="440636" y="3252506"/>
+            <a:ext cx="6101394" cy="1754326"/>
+          </a:xfrm>
+          <a:prstGeom prst="rect">
+            <a:avLst/>
+          </a:prstGeom>
+          <a:noFill/>
+        </p:spPr>
+        <p:txBody>
+          <a:bodyPr wrap="square">
+            <a:spAutoFit/>
+          </a:bodyPr>
+          <a:lstStyle/>
+          <a:p>
+            <a:r>
+              <a:rPr lang="en-US">
+                <a:hlinkClick r:id="rId4"/>
+              </a:rPr>
+              <a:t>https://www.autosar.org/fileadmin/user_upload/standards/classic/4-3/AUTOSAR_SWS_DiagnosticEventManager.pdf</a:t>
+            </a:r>
+            <a:r>
+              <a:rPr lang="en-US"/>
+              <a:t> </a:t>
+            </a:r>
+            <a:r>
+              <a:rPr lang="en-US">
+                <a:hlinkClick r:id="rId5"/>
+              </a:rPr>
+              <a:t>https://distek.com/2019/06/28/autosar-2/</a:t>
+            </a:r>
+            <a:r>
+              <a:rPr lang="en-US"/>
+              <a:t> </a:t>
+            </a:r>
+            <a:r>
+              <a:rPr lang="en-US">
+                <a:hlinkClick r:id="rId3"/>
+              </a:rPr>
+              <a:t>https://www.embeddedtutor.com/2019/09/autosar-dem-module.html</a:t>
+            </a:r>
+            <a:r>
+              <a:rPr lang="en-US"/>
+              <a:t> </a:t>
+            </a:r>
+            <a:endParaRPr lang="en-US" dirty="0"/>
+          </a:p>
+        </p:txBody>
+      </p:sp>
     </p:spTree>
     <p:extLst>
       <p:ext uri="{BB962C8B-B14F-4D97-AF65-F5344CB8AC3E}">

--- a/Autosar.pptx
+++ b/Autosar.pptx
@@ -13,11 +13,12 @@
     <p:sldId id="257" r:id="rId7"/>
     <p:sldId id="265" r:id="rId8"/>
     <p:sldId id="259" r:id="rId9"/>
-    <p:sldId id="269" r:id="rId10"/>
-    <p:sldId id="263" r:id="rId11"/>
-    <p:sldId id="268" r:id="rId12"/>
-    <p:sldId id="260" r:id="rId13"/>
-    <p:sldId id="261" r:id="rId14"/>
+    <p:sldId id="270" r:id="rId10"/>
+    <p:sldId id="269" r:id="rId11"/>
+    <p:sldId id="263" r:id="rId12"/>
+    <p:sldId id="268" r:id="rId13"/>
+    <p:sldId id="260" r:id="rId14"/>
+    <p:sldId id="261" r:id="rId15"/>
   </p:sldIdLst>
   <p:sldSz cx="12192000" cy="6858000"/>
   <p:notesSz cx="6858000" cy="9144000"/>
@@ -6109,6 +6110,218 @@
           </a:p>
         </p:txBody>
       </p:sp>
+      <p:sp>
+        <p:nvSpPr>
+          <p:cNvPr id="5" name="TextBox 4">
+            <a:extLst>
+              <a:ext uri="{FF2B5EF4-FFF2-40B4-BE49-F238E27FC236}">
+                <a16:creationId xmlns:a16="http://schemas.microsoft.com/office/drawing/2014/main" id="{37E500C7-E94A-7AD2-71F2-9C7085F5725A}"/>
+              </a:ext>
+            </a:extLst>
+          </p:cNvPr>
+          <p:cNvSpPr txBox="1"/>
+          <p:nvPr/>
+        </p:nvSpPr>
+        <p:spPr>
+          <a:xfrm>
+            <a:off x="355946" y="5533581"/>
+            <a:ext cx="8656983" cy="646331"/>
+          </a:xfrm>
+          <a:prstGeom prst="rect">
+            <a:avLst/>
+          </a:prstGeom>
+          <a:noFill/>
+        </p:spPr>
+        <p:txBody>
+          <a:bodyPr wrap="square">
+            <a:spAutoFit/>
+          </a:bodyPr>
+          <a:lstStyle/>
+          <a:p>
+            <a:r>
+              <a:rPr lang="en-US" dirty="0"/>
+              <a:t> </a:t>
+            </a:r>
+            <a:r>
+              <a:rPr lang="en-US" dirty="0">
+                <a:hlinkClick r:id="rId2"/>
+              </a:rPr>
+              <a:t>https://www.autosar.org/fileadmin/user_upload/standards/classic/4-3/AUTOSAR_TPS_DiagnosticExtractTemplate.pdf</a:t>
+            </a:r>
+            <a:r>
+              <a:rPr lang="en-US" dirty="0"/>
+              <a:t> </a:t>
+            </a:r>
+          </a:p>
+        </p:txBody>
+      </p:sp>
+      <p:pic>
+        <p:nvPicPr>
+          <p:cNvPr id="14" name="Picture 13">
+            <a:extLst>
+              <a:ext uri="{FF2B5EF4-FFF2-40B4-BE49-F238E27FC236}">
+                <a16:creationId xmlns:a16="http://schemas.microsoft.com/office/drawing/2014/main" id="{9E272989-918B-8C27-9E00-829691C5A6C3}"/>
+              </a:ext>
+            </a:extLst>
+          </p:cNvPr>
+          <p:cNvPicPr>
+            <a:picLocks noChangeAspect="1"/>
+          </p:cNvPicPr>
+          <p:nvPr/>
+        </p:nvPicPr>
+        <p:blipFill>
+          <a:blip r:embed="rId3"/>
+          <a:stretch>
+            <a:fillRect/>
+          </a:stretch>
+        </p:blipFill>
+        <p:spPr>
+          <a:xfrm>
+            <a:off x="1039661" y="1111495"/>
+            <a:ext cx="7973268" cy="3764000"/>
+          </a:xfrm>
+          <a:prstGeom prst="rect">
+            <a:avLst/>
+          </a:prstGeom>
+        </p:spPr>
+      </p:pic>
+    </p:spTree>
+    <p:extLst>
+      <p:ext uri="{BB962C8B-B14F-4D97-AF65-F5344CB8AC3E}">
+        <p14:creationId xmlns:p14="http://schemas.microsoft.com/office/powerpoint/2010/main" val="2890711851"/>
+      </p:ext>
+    </p:extLst>
+  </p:cSld>
+  <p:clrMapOvr>
+    <a:masterClrMapping/>
+  </p:clrMapOvr>
+</p:sld>
+</file>
+
+<file path=ppt/slides/slide11.xml><?xml version="1.0" encoding="utf-8"?>
+<p:sld xmlns:a="http://schemas.openxmlformats.org/drawingml/2006/main" xmlns:r="http://schemas.openxmlformats.org/officeDocument/2006/relationships" xmlns:p="http://schemas.openxmlformats.org/presentationml/2006/main">
+  <p:cSld>
+    <p:spTree>
+      <p:nvGrpSpPr>
+        <p:cNvPr id="1" name=""/>
+        <p:cNvGrpSpPr/>
+        <p:nvPr/>
+      </p:nvGrpSpPr>
+      <p:grpSpPr>
+        <a:xfrm>
+          <a:off x="0" y="0"/>
+          <a:ext cx="0" cy="0"/>
+          <a:chOff x="0" y="0"/>
+          <a:chExt cx="0" cy="0"/>
+        </a:xfrm>
+      </p:grpSpPr>
+      <p:sp>
+        <p:nvSpPr>
+          <p:cNvPr id="2" name="Title 1">
+            <a:extLst>
+              <a:ext uri="{FF2B5EF4-FFF2-40B4-BE49-F238E27FC236}">
+                <a16:creationId xmlns:a16="http://schemas.microsoft.com/office/drawing/2014/main" id="{18376907-66DA-E7FF-9CFC-B17B1D70BA29}"/>
+              </a:ext>
+            </a:extLst>
+          </p:cNvPr>
+          <p:cNvSpPr>
+            <a:spLocks noGrp="1"/>
+          </p:cNvSpPr>
+          <p:nvPr>
+            <p:ph type="ctrTitle"/>
+          </p:nvPr>
+        </p:nvSpPr>
+        <p:spPr>
+          <a:xfrm>
+            <a:off x="440636" y="6377230"/>
+            <a:ext cx="11625468" cy="480770"/>
+          </a:xfrm>
+        </p:spPr>
+        <p:txBody>
+          <a:bodyPr>
+            <a:normAutofit/>
+          </a:bodyPr>
+          <a:lstStyle/>
+          <a:p>
+            <a:pPr algn="r"/>
+            <a:r>
+              <a:rPr lang="en-US" sz="1100" dirty="0">
+                <a:solidFill>
+                  <a:schemeClr val="tx1">
+                    <a:lumMod val="95000"/>
+                    <a:lumOff val="5000"/>
+                  </a:schemeClr>
+                </a:solidFill>
+              </a:rPr>
+              <a:t>  Thong LT                                           </a:t>
+            </a:r>
+            <a:r>
+              <a:rPr lang="en-US" sz="1100" b="1" dirty="0" err="1">
+                <a:solidFill>
+                  <a:schemeClr val="tx1">
+                    <a:lumMod val="95000"/>
+                    <a:lumOff val="5000"/>
+                  </a:schemeClr>
+                </a:solidFill>
+              </a:rPr>
+              <a:t>autosar</a:t>
+            </a:r>
+            <a:endParaRPr lang="en-US" sz="1100" b="1" dirty="0">
+              <a:solidFill>
+                <a:schemeClr val="tx1">
+                  <a:lumMod val="95000"/>
+                  <a:lumOff val="5000"/>
+                </a:schemeClr>
+              </a:solidFill>
+            </a:endParaRPr>
+          </a:p>
+        </p:txBody>
+      </p:sp>
+      <p:sp>
+        <p:nvSpPr>
+          <p:cNvPr id="3" name="Subtitle 2">
+            <a:extLst>
+              <a:ext uri="{FF2B5EF4-FFF2-40B4-BE49-F238E27FC236}">
+                <a16:creationId xmlns:a16="http://schemas.microsoft.com/office/drawing/2014/main" id="{5AB01118-5054-C67F-9B29-AAED41D02329}"/>
+              </a:ext>
+            </a:extLst>
+          </p:cNvPr>
+          <p:cNvSpPr>
+            <a:spLocks noGrp="1"/>
+          </p:cNvSpPr>
+          <p:nvPr>
+            <p:ph type="subTitle" idx="1"/>
+          </p:nvPr>
+        </p:nvSpPr>
+        <p:spPr>
+          <a:xfrm>
+            <a:off x="1524000" y="201010"/>
+            <a:ext cx="9144000" cy="480770"/>
+          </a:xfrm>
+        </p:spPr>
+        <p:txBody>
+          <a:bodyPr/>
+          <a:lstStyle/>
+          <a:p>
+            <a:pPr algn="l"/>
+            <a:r>
+              <a:rPr lang="en-US" b="1" dirty="0"/>
+              <a:t>5. Diagnostic over Internet Protocol (</a:t>
+            </a:r>
+            <a:r>
+              <a:rPr lang="en-US" b="1" dirty="0" err="1"/>
+              <a:t>DoIP</a:t>
+            </a:r>
+            <a:r>
+              <a:rPr lang="en-US" b="1" dirty="0"/>
+              <a:t>)</a:t>
+            </a:r>
+          </a:p>
+          <a:p>
+            <a:endParaRPr lang="en-US" dirty="0"/>
+          </a:p>
+        </p:txBody>
+      </p:sp>
       <p:pic>
         <p:nvPicPr>
           <p:cNvPr id="6" name="Picture 5" descr="Graphical user interface, timeline&#10;&#10;Description automatically generated">
@@ -6158,7 +6371,7 @@
 </p:sld>
 </file>
 
-<file path=ppt/slides/slide11.xml><?xml version="1.0" encoding="utf-8"?>
+<file path=ppt/slides/slide12.xml><?xml version="1.0" encoding="utf-8"?>
 <p:sld xmlns:a="http://schemas.openxmlformats.org/drawingml/2006/main" xmlns:r="http://schemas.openxmlformats.org/officeDocument/2006/relationships" xmlns:p="http://schemas.openxmlformats.org/presentationml/2006/main">
   <p:cSld>
     <p:spTree>
@@ -6369,7 +6582,7 @@
 </p:sld>
 </file>
 
-<file path=ppt/slides/slide12.xml><?xml version="1.0" encoding="utf-8"?>
+<file path=ppt/slides/slide13.xml><?xml version="1.0" encoding="utf-8"?>
 <p:sld xmlns:a="http://schemas.openxmlformats.org/drawingml/2006/main" xmlns:r="http://schemas.openxmlformats.org/officeDocument/2006/relationships" xmlns:p="http://schemas.openxmlformats.org/presentationml/2006/main">
   <p:cSld>
     <p:spTree>
@@ -6502,7 +6715,7 @@
 </p:sld>
 </file>
 
-<file path=ppt/slides/slide13.xml><?xml version="1.0" encoding="utf-8"?>
+<file path=ppt/slides/slide14.xml><?xml version="1.0" encoding="utf-8"?>
 <p:sld xmlns:a="http://schemas.openxmlformats.org/drawingml/2006/main" xmlns:r="http://schemas.openxmlformats.org/officeDocument/2006/relationships" xmlns:p="http://schemas.openxmlformats.org/presentationml/2006/main">
   <p:cSld>
     <p:spTree>
@@ -8023,36 +8236,35 @@
           <a:lstStyle/>
           <a:p>
             <a:r>
-              <a:rPr lang="en-US">
+              <a:rPr lang="en-US" dirty="0">
                 <a:hlinkClick r:id="rId4"/>
               </a:rPr>
               <a:t>https://www.autosar.org/fileadmin/user_upload/standards/classic/4-3/AUTOSAR_SWS_DiagnosticEventManager.pdf</a:t>
             </a:r>
             <a:r>
-              <a:rPr lang="en-US"/>
+              <a:rPr lang="en-US" dirty="0"/>
               <a:t> </a:t>
             </a:r>
             <a:r>
-              <a:rPr lang="en-US">
+              <a:rPr lang="en-US" dirty="0">
                 <a:hlinkClick r:id="rId5"/>
               </a:rPr>
               <a:t>https://distek.com/2019/06/28/autosar-2/</a:t>
             </a:r>
             <a:r>
-              <a:rPr lang="en-US"/>
+              <a:rPr lang="en-US" dirty="0"/>
               <a:t> </a:t>
             </a:r>
             <a:r>
-              <a:rPr lang="en-US">
+              <a:rPr lang="en-US" dirty="0">
                 <a:hlinkClick r:id="rId3"/>
               </a:rPr>
               <a:t>https://www.embeddedtutor.com/2019/09/autosar-dem-module.html</a:t>
             </a:r>
             <a:r>
-              <a:rPr lang="en-US"/>
+              <a:rPr lang="en-US" dirty="0"/>
               <a:t> </a:t>
             </a:r>
-            <a:endParaRPr lang="en-US" dirty="0"/>
           </a:p>
         </p:txBody>
       </p:sp>
@@ -8193,57 +8405,12 @@
           </a:p>
         </p:txBody>
       </p:sp>
-      <p:sp>
-        <p:nvSpPr>
-          <p:cNvPr id="5" name="TextBox 4">
+      <p:pic>
+        <p:nvPicPr>
+          <p:cNvPr id="11" name="Picture 10">
             <a:extLst>
               <a:ext uri="{FF2B5EF4-FFF2-40B4-BE49-F238E27FC236}">
-                <a16:creationId xmlns:a16="http://schemas.microsoft.com/office/drawing/2014/main" id="{37E500C7-E94A-7AD2-71F2-9C7085F5725A}"/>
-              </a:ext>
-            </a:extLst>
-          </p:cNvPr>
-          <p:cNvSpPr txBox="1"/>
-          <p:nvPr/>
-        </p:nvSpPr>
-        <p:spPr>
-          <a:xfrm>
-            <a:off x="355946" y="5533581"/>
-            <a:ext cx="8656983" cy="646331"/>
-          </a:xfrm>
-          <a:prstGeom prst="rect">
-            <a:avLst/>
-          </a:prstGeom>
-          <a:noFill/>
-        </p:spPr>
-        <p:txBody>
-          <a:bodyPr wrap="square">
-            <a:spAutoFit/>
-          </a:bodyPr>
-          <a:lstStyle/>
-          <a:p>
-            <a:r>
-              <a:rPr lang="en-US" dirty="0"/>
-              <a:t> </a:t>
-            </a:r>
-            <a:r>
-              <a:rPr lang="en-US" dirty="0">
-                <a:hlinkClick r:id="rId2"/>
-              </a:rPr>
-              <a:t>https://www.autosar.org/fileadmin/user_upload/standards/classic/4-3/AUTOSAR_TPS_DiagnosticExtractTemplate.pdf</a:t>
-            </a:r>
-            <a:r>
-              <a:rPr lang="en-US" dirty="0"/>
-              <a:t> </a:t>
-            </a:r>
-          </a:p>
-        </p:txBody>
-      </p:sp>
-      <p:pic>
-        <p:nvPicPr>
-          <p:cNvPr id="14" name="Picture 13">
-            <a:extLst>
-              <a:ext uri="{FF2B5EF4-FFF2-40B4-BE49-F238E27FC236}">
-                <a16:creationId xmlns:a16="http://schemas.microsoft.com/office/drawing/2014/main" id="{9E272989-918B-8C27-9E00-829691C5A6C3}"/>
+                <a16:creationId xmlns:a16="http://schemas.microsoft.com/office/drawing/2014/main" id="{9599BF07-4370-DF72-2823-DFE9EB9AEDF3}"/>
               </a:ext>
             </a:extLst>
           </p:cNvPr>
@@ -8253,15 +8420,15 @@
           <p:nvPr/>
         </p:nvPicPr>
         <p:blipFill>
-          <a:blip r:embed="rId3"/>
+          <a:blip r:embed="rId2"/>
           <a:stretch>
             <a:fillRect/>
           </a:stretch>
         </p:blipFill>
         <p:spPr>
           <a:xfrm>
-            <a:off x="1039661" y="1111495"/>
-            <a:ext cx="7973268" cy="3764000"/>
+            <a:off x="1645380" y="1042873"/>
+            <a:ext cx="6404737" cy="4973264"/>
           </a:xfrm>
           <a:prstGeom prst="rect">
             <a:avLst/>
@@ -8271,7 +8438,7 @@
     </p:spTree>
     <p:extLst>
       <p:ext uri="{BB962C8B-B14F-4D97-AF65-F5344CB8AC3E}">
-        <p14:creationId xmlns:p14="http://schemas.microsoft.com/office/powerpoint/2010/main" val="2890711851"/>
+        <p14:creationId xmlns:p14="http://schemas.microsoft.com/office/powerpoint/2010/main" val="3851206190"/>
       </p:ext>
     </p:extLst>
   </p:cSld>

--- a/Autosar.pptx
+++ b/Autosar.pptx
@@ -14,11 +14,13 @@
     <p:sldId id="265" r:id="rId8"/>
     <p:sldId id="259" r:id="rId9"/>
     <p:sldId id="270" r:id="rId10"/>
-    <p:sldId id="269" r:id="rId11"/>
-    <p:sldId id="263" r:id="rId12"/>
-    <p:sldId id="268" r:id="rId13"/>
-    <p:sldId id="260" r:id="rId14"/>
-    <p:sldId id="261" r:id="rId15"/>
+    <p:sldId id="271" r:id="rId11"/>
+    <p:sldId id="272" r:id="rId12"/>
+    <p:sldId id="269" r:id="rId13"/>
+    <p:sldId id="263" r:id="rId14"/>
+    <p:sldId id="268" r:id="rId15"/>
+    <p:sldId id="260" r:id="rId16"/>
+    <p:sldId id="261" r:id="rId17"/>
   </p:sldIdLst>
   <p:sldSz cx="12192000" cy="6858000"/>
   <p:notesSz cx="6858000" cy="9144000"/>
@@ -847,7 +849,7 @@
           <a:p>
             <a:fld id="{44AC289E-63A6-4307-BE11-75FB470D7CFE}" type="datetimeFigureOut">
               <a:rPr lang="en-US" smtClean="0"/>
-              <a:t>6/11/2022</a:t>
+              <a:t>6/13/2022</a:t>
             </a:fld>
             <a:endParaRPr lang="en-US"/>
           </a:p>
@@ -1098,7 +1100,7 @@
           <a:p>
             <a:fld id="{44AC289E-63A6-4307-BE11-75FB470D7CFE}" type="datetimeFigureOut">
               <a:rPr lang="en-US" smtClean="0"/>
-              <a:t>6/11/2022</a:t>
+              <a:t>6/13/2022</a:t>
             </a:fld>
             <a:endParaRPr lang="en-US"/>
           </a:p>
@@ -1412,7 +1414,7 @@
           <a:p>
             <a:fld id="{44AC289E-63A6-4307-BE11-75FB470D7CFE}" type="datetimeFigureOut">
               <a:rPr lang="en-US" smtClean="0"/>
-              <a:t>6/11/2022</a:t>
+              <a:t>6/13/2022</a:t>
             </a:fld>
             <a:endParaRPr lang="en-US"/>
           </a:p>
@@ -1753,7 +1755,7 @@
           <a:p>
             <a:fld id="{44AC289E-63A6-4307-BE11-75FB470D7CFE}" type="datetimeFigureOut">
               <a:rPr lang="en-US" smtClean="0"/>
-              <a:t>6/11/2022</a:t>
+              <a:t>6/13/2022</a:t>
             </a:fld>
             <a:endParaRPr lang="en-US"/>
           </a:p>
@@ -2067,7 +2069,7 @@
           <a:p>
             <a:fld id="{44AC289E-63A6-4307-BE11-75FB470D7CFE}" type="datetimeFigureOut">
               <a:rPr lang="en-US" smtClean="0"/>
-              <a:t>6/11/2022</a:t>
+              <a:t>6/13/2022</a:t>
             </a:fld>
             <a:endParaRPr lang="en-US"/>
           </a:p>
@@ -2460,7 +2462,7 @@
           <a:p>
             <a:fld id="{44AC289E-63A6-4307-BE11-75FB470D7CFE}" type="datetimeFigureOut">
               <a:rPr lang="en-US" smtClean="0"/>
-              <a:t>6/11/2022</a:t>
+              <a:t>6/13/2022</a:t>
             </a:fld>
             <a:endParaRPr lang="en-US"/>
           </a:p>
@@ -2630,7 +2632,7 @@
           <a:p>
             <a:fld id="{44AC289E-63A6-4307-BE11-75FB470D7CFE}" type="datetimeFigureOut">
               <a:rPr lang="en-US" smtClean="0"/>
-              <a:t>6/11/2022</a:t>
+              <a:t>6/13/2022</a:t>
             </a:fld>
             <a:endParaRPr lang="en-US"/>
           </a:p>
@@ -2810,7 +2812,7 @@
           <a:p>
             <a:fld id="{44AC289E-63A6-4307-BE11-75FB470D7CFE}" type="datetimeFigureOut">
               <a:rPr lang="en-US" smtClean="0"/>
-              <a:t>6/11/2022</a:t>
+              <a:t>6/13/2022</a:t>
             </a:fld>
             <a:endParaRPr lang="en-US"/>
           </a:p>
@@ -2986,7 +2988,7 @@
           <a:p>
             <a:fld id="{44AC289E-63A6-4307-BE11-75FB470D7CFE}" type="datetimeFigureOut">
               <a:rPr lang="en-US" smtClean="0"/>
-              <a:t>6/11/2022</a:t>
+              <a:t>6/13/2022</a:t>
             </a:fld>
             <a:endParaRPr lang="en-US"/>
           </a:p>
@@ -3233,7 +3235,7 @@
           <a:p>
             <a:fld id="{44AC289E-63A6-4307-BE11-75FB470D7CFE}" type="datetimeFigureOut">
               <a:rPr lang="en-US" smtClean="0"/>
-              <a:t>6/11/2022</a:t>
+              <a:t>6/13/2022</a:t>
             </a:fld>
             <a:endParaRPr lang="en-US"/>
           </a:p>
@@ -3465,7 +3467,7 @@
           <a:p>
             <a:fld id="{44AC289E-63A6-4307-BE11-75FB470D7CFE}" type="datetimeFigureOut">
               <a:rPr lang="en-US" smtClean="0"/>
-              <a:t>6/11/2022</a:t>
+              <a:t>6/13/2022</a:t>
             </a:fld>
             <a:endParaRPr lang="en-US"/>
           </a:p>
@@ -3839,7 +3841,7 @@
           <a:p>
             <a:fld id="{44AC289E-63A6-4307-BE11-75FB470D7CFE}" type="datetimeFigureOut">
               <a:rPr lang="en-US" smtClean="0"/>
-              <a:t>6/11/2022</a:t>
+              <a:t>6/13/2022</a:t>
             </a:fld>
             <a:endParaRPr lang="en-US"/>
           </a:p>
@@ -3962,7 +3964,7 @@
           <a:p>
             <a:fld id="{44AC289E-63A6-4307-BE11-75FB470D7CFE}" type="datetimeFigureOut">
               <a:rPr lang="en-US" smtClean="0"/>
-              <a:t>6/11/2022</a:t>
+              <a:t>6/13/2022</a:t>
             </a:fld>
             <a:endParaRPr lang="en-US"/>
           </a:p>
@@ -4057,7 +4059,7 @@
           <a:p>
             <a:fld id="{44AC289E-63A6-4307-BE11-75FB470D7CFE}" type="datetimeFigureOut">
               <a:rPr lang="en-US" smtClean="0"/>
-              <a:t>6/11/2022</a:t>
+              <a:t>6/13/2022</a:t>
             </a:fld>
             <a:endParaRPr lang="en-US"/>
           </a:p>
@@ -4312,7 +4314,7 @@
           <a:p>
             <a:fld id="{44AC289E-63A6-4307-BE11-75FB470D7CFE}" type="datetimeFigureOut">
               <a:rPr lang="en-US" smtClean="0"/>
-              <a:t>6/11/2022</a:t>
+              <a:t>6/13/2022</a:t>
             </a:fld>
             <a:endParaRPr lang="en-US"/>
           </a:p>
@@ -4575,7 +4577,7 @@
           <a:p>
             <a:fld id="{44AC289E-63A6-4307-BE11-75FB470D7CFE}" type="datetimeFigureOut">
               <a:rPr lang="en-US" smtClean="0"/>
-              <a:t>6/11/2022</a:t>
+              <a:t>6/13/2022</a:t>
             </a:fld>
             <a:endParaRPr lang="en-US"/>
           </a:p>
@@ -5318,7 +5320,7 @@
           <a:p>
             <a:fld id="{44AC289E-63A6-4307-BE11-75FB470D7CFE}" type="datetimeFigureOut">
               <a:rPr lang="en-US" smtClean="0"/>
-              <a:t>6/11/2022</a:t>
+              <a:t>6/13/2022</a:t>
             </a:fld>
             <a:endParaRPr lang="en-US"/>
           </a:p>
@@ -6112,10 +6114,10 @@
       </p:sp>
       <p:sp>
         <p:nvSpPr>
-          <p:cNvPr id="5" name="TextBox 4">
+          <p:cNvPr id="12" name="TextBox 11">
             <a:extLst>
               <a:ext uri="{FF2B5EF4-FFF2-40B4-BE49-F238E27FC236}">
-                <a16:creationId xmlns:a16="http://schemas.microsoft.com/office/drawing/2014/main" id="{37E500C7-E94A-7AD2-71F2-9C7085F5725A}"/>
+                <a16:creationId xmlns:a16="http://schemas.microsoft.com/office/drawing/2014/main" id="{DC774B08-4E7A-B354-94E8-BB5CA3E42E42}"/>
               </a:ext>
             </a:extLst>
           </p:cNvPr>
@@ -6124,8 +6126,8 @@
         </p:nvSpPr>
         <p:spPr>
           <a:xfrm>
-            <a:off x="355946" y="5533581"/>
-            <a:ext cx="8656983" cy="646331"/>
+            <a:off x="1108608" y="5388877"/>
+            <a:ext cx="8488544" cy="923330"/>
           </a:xfrm>
           <a:prstGeom prst="rect">
             <a:avLst/>
@@ -6139,56 +6141,57 @@
           <a:lstStyle/>
           <a:p>
             <a:r>
-              <a:rPr lang="en-US" dirty="0"/>
-              <a:t> </a:t>
-            </a:r>
-            <a:r>
               <a:rPr lang="en-US" dirty="0">
                 <a:hlinkClick r:id="rId2"/>
               </a:rPr>
-              <a:t>https://www.autosar.org/fileadmin/user_upload/standards/classic/4-3/AUTOSAR_TPS_DiagnosticExtractTemplate.pdf</a:t>
-            </a:r>
-            <a:r>
-              <a:rPr lang="en-US" dirty="0"/>
-              <a:t> </a:t>
-            </a:r>
-          </a:p>
-        </p:txBody>
-      </p:sp>
-      <p:pic>
-        <p:nvPicPr>
-          <p:cNvPr id="14" name="Picture 13">
+              <a:t>https://www.autosar.org/fileadmin/user_upload/standards/classic/4-3/AUTOSAR_SWS_DiagnosticEventManager.pdf</a:t>
+            </a:r>
+            <a:endParaRPr lang="en-US" dirty="0"/>
+          </a:p>
+          <a:p>
+            <a:endParaRPr lang="en-US" dirty="0"/>
+          </a:p>
+        </p:txBody>
+      </p:sp>
+      <p:sp>
+        <p:nvSpPr>
+          <p:cNvPr id="13" name="TextBox 12">
             <a:extLst>
               <a:ext uri="{FF2B5EF4-FFF2-40B4-BE49-F238E27FC236}">
-                <a16:creationId xmlns:a16="http://schemas.microsoft.com/office/drawing/2014/main" id="{9E272989-918B-8C27-9E00-829691C5A6C3}"/>
+                <a16:creationId xmlns:a16="http://schemas.microsoft.com/office/drawing/2014/main" id="{BE0B7002-9488-75A2-7A5D-A11248DD9D7D}"/>
               </a:ext>
             </a:extLst>
           </p:cNvPr>
-          <p:cNvPicPr>
-            <a:picLocks noChangeAspect="1"/>
-          </p:cNvPicPr>
+          <p:cNvSpPr txBox="1"/>
           <p:nvPr/>
-        </p:nvPicPr>
-        <p:blipFill>
-          <a:blip r:embed="rId3"/>
-          <a:stretch>
-            <a:fillRect/>
-          </a:stretch>
-        </p:blipFill>
-        <p:spPr>
-          <a:xfrm>
-            <a:off x="1039661" y="1111495"/>
-            <a:ext cx="7973268" cy="3764000"/>
+        </p:nvSpPr>
+        <p:spPr>
+          <a:xfrm>
+            <a:off x="1192227" y="746803"/>
+            <a:ext cx="6101394" cy="369332"/>
           </a:xfrm>
           <a:prstGeom prst="rect">
             <a:avLst/>
           </a:prstGeom>
-        </p:spPr>
-      </p:pic>
+          <a:noFill/>
+        </p:spPr>
+        <p:txBody>
+          <a:bodyPr wrap="square">
+            <a:spAutoFit/>
+          </a:bodyPr>
+          <a:lstStyle/>
+          <a:p>
+            <a:r>
+              <a:rPr lang="en-US" dirty="0"/>
+              <a:t>Diagnostic Event Manager</a:t>
+            </a:r>
+          </a:p>
+        </p:txBody>
+      </p:sp>
     </p:spTree>
     <p:extLst>
       <p:ext uri="{BB962C8B-B14F-4D97-AF65-F5344CB8AC3E}">
-        <p14:creationId xmlns:p14="http://schemas.microsoft.com/office/powerpoint/2010/main" val="2890711851"/>
+        <p14:creationId xmlns:p14="http://schemas.microsoft.com/office/powerpoint/2010/main" val="30761105"/>
       </p:ext>
     </p:extLst>
   </p:cSld>
@@ -6322,6 +6325,431 @@
           </a:p>
         </p:txBody>
       </p:sp>
+      <p:sp>
+        <p:nvSpPr>
+          <p:cNvPr id="7" name="TextBox 6">
+            <a:extLst>
+              <a:ext uri="{FF2B5EF4-FFF2-40B4-BE49-F238E27FC236}">
+                <a16:creationId xmlns:a16="http://schemas.microsoft.com/office/drawing/2014/main" id="{787FAAE9-D248-CAFE-05FA-99944FE8F97C}"/>
+              </a:ext>
+            </a:extLst>
+          </p:cNvPr>
+          <p:cNvSpPr txBox="1"/>
+          <p:nvPr/>
+        </p:nvSpPr>
+        <p:spPr>
+          <a:xfrm>
+            <a:off x="1524000" y="921655"/>
+            <a:ext cx="6323924" cy="369332"/>
+          </a:xfrm>
+          <a:prstGeom prst="rect">
+            <a:avLst/>
+          </a:prstGeom>
+          <a:noFill/>
+        </p:spPr>
+        <p:txBody>
+          <a:bodyPr wrap="square">
+            <a:spAutoFit/>
+          </a:bodyPr>
+          <a:lstStyle/>
+          <a:p>
+            <a:r>
+              <a:rPr lang="en-US" dirty="0"/>
+              <a:t>- Function inhibition manager (FIM)</a:t>
+            </a:r>
+          </a:p>
+        </p:txBody>
+      </p:sp>
+      <p:sp>
+        <p:nvSpPr>
+          <p:cNvPr id="9" name="TextBox 8">
+            <a:extLst>
+              <a:ext uri="{FF2B5EF4-FFF2-40B4-BE49-F238E27FC236}">
+                <a16:creationId xmlns:a16="http://schemas.microsoft.com/office/drawing/2014/main" id="{D9FC8C51-E1F2-9008-AB8A-322751DA4389}"/>
+              </a:ext>
+            </a:extLst>
+          </p:cNvPr>
+          <p:cNvSpPr txBox="1"/>
+          <p:nvPr/>
+        </p:nvSpPr>
+        <p:spPr>
+          <a:xfrm>
+            <a:off x="890124" y="5936345"/>
+            <a:ext cx="6764942" cy="646331"/>
+          </a:xfrm>
+          <a:prstGeom prst="rect">
+            <a:avLst/>
+          </a:prstGeom>
+          <a:noFill/>
+        </p:spPr>
+        <p:txBody>
+          <a:bodyPr wrap="square">
+            <a:spAutoFit/>
+          </a:bodyPr>
+          <a:lstStyle/>
+          <a:p>
+            <a:r>
+              <a:rPr lang="en-US" dirty="0">
+                <a:hlinkClick r:id="rId2"/>
+              </a:rPr>
+              <a:t>https://www.autosar.org/fileadmin/user_upload/standards/classic/4-3/AUTOSAR_SWS_FunctionInhibitionManager.pdf</a:t>
+            </a:r>
+            <a:r>
+              <a:rPr lang="en-US" dirty="0"/>
+              <a:t> </a:t>
+            </a:r>
+          </a:p>
+        </p:txBody>
+      </p:sp>
+    </p:spTree>
+    <p:extLst>
+      <p:ext uri="{BB962C8B-B14F-4D97-AF65-F5344CB8AC3E}">
+        <p14:creationId xmlns:p14="http://schemas.microsoft.com/office/powerpoint/2010/main" val="1109187645"/>
+      </p:ext>
+    </p:extLst>
+  </p:cSld>
+  <p:clrMapOvr>
+    <a:masterClrMapping/>
+  </p:clrMapOvr>
+</p:sld>
+</file>
+
+<file path=ppt/slides/slide12.xml><?xml version="1.0" encoding="utf-8"?>
+<p:sld xmlns:a="http://schemas.openxmlformats.org/drawingml/2006/main" xmlns:r="http://schemas.openxmlformats.org/officeDocument/2006/relationships" xmlns:p="http://schemas.openxmlformats.org/presentationml/2006/main">
+  <p:cSld>
+    <p:spTree>
+      <p:nvGrpSpPr>
+        <p:cNvPr id="1" name=""/>
+        <p:cNvGrpSpPr/>
+        <p:nvPr/>
+      </p:nvGrpSpPr>
+      <p:grpSpPr>
+        <a:xfrm>
+          <a:off x="0" y="0"/>
+          <a:ext cx="0" cy="0"/>
+          <a:chOff x="0" y="0"/>
+          <a:chExt cx="0" cy="0"/>
+        </a:xfrm>
+      </p:grpSpPr>
+      <p:sp>
+        <p:nvSpPr>
+          <p:cNvPr id="2" name="Title 1">
+            <a:extLst>
+              <a:ext uri="{FF2B5EF4-FFF2-40B4-BE49-F238E27FC236}">
+                <a16:creationId xmlns:a16="http://schemas.microsoft.com/office/drawing/2014/main" id="{18376907-66DA-E7FF-9CFC-B17B1D70BA29}"/>
+              </a:ext>
+            </a:extLst>
+          </p:cNvPr>
+          <p:cNvSpPr>
+            <a:spLocks noGrp="1"/>
+          </p:cNvSpPr>
+          <p:nvPr>
+            <p:ph type="ctrTitle"/>
+          </p:nvPr>
+        </p:nvSpPr>
+        <p:spPr>
+          <a:xfrm>
+            <a:off x="440636" y="6377230"/>
+            <a:ext cx="11625468" cy="480770"/>
+          </a:xfrm>
+        </p:spPr>
+        <p:txBody>
+          <a:bodyPr>
+            <a:normAutofit/>
+          </a:bodyPr>
+          <a:lstStyle/>
+          <a:p>
+            <a:pPr algn="r"/>
+            <a:r>
+              <a:rPr lang="en-US" sz="1100" dirty="0">
+                <a:solidFill>
+                  <a:schemeClr val="tx1">
+                    <a:lumMod val="95000"/>
+                    <a:lumOff val="5000"/>
+                  </a:schemeClr>
+                </a:solidFill>
+              </a:rPr>
+              <a:t>  Thong LT                                           </a:t>
+            </a:r>
+            <a:r>
+              <a:rPr lang="en-US" sz="1100" b="1" dirty="0" err="1">
+                <a:solidFill>
+                  <a:schemeClr val="tx1">
+                    <a:lumMod val="95000"/>
+                    <a:lumOff val="5000"/>
+                  </a:schemeClr>
+                </a:solidFill>
+              </a:rPr>
+              <a:t>autosar</a:t>
+            </a:r>
+            <a:endParaRPr lang="en-US" sz="1100" b="1" dirty="0">
+              <a:solidFill>
+                <a:schemeClr val="tx1">
+                  <a:lumMod val="95000"/>
+                  <a:lumOff val="5000"/>
+                </a:schemeClr>
+              </a:solidFill>
+            </a:endParaRPr>
+          </a:p>
+        </p:txBody>
+      </p:sp>
+      <p:sp>
+        <p:nvSpPr>
+          <p:cNvPr id="3" name="Subtitle 2">
+            <a:extLst>
+              <a:ext uri="{FF2B5EF4-FFF2-40B4-BE49-F238E27FC236}">
+                <a16:creationId xmlns:a16="http://schemas.microsoft.com/office/drawing/2014/main" id="{5AB01118-5054-C67F-9B29-AAED41D02329}"/>
+              </a:ext>
+            </a:extLst>
+          </p:cNvPr>
+          <p:cNvSpPr>
+            <a:spLocks noGrp="1"/>
+          </p:cNvSpPr>
+          <p:nvPr>
+            <p:ph type="subTitle" idx="1"/>
+          </p:nvPr>
+        </p:nvSpPr>
+        <p:spPr>
+          <a:xfrm>
+            <a:off x="1524000" y="201010"/>
+            <a:ext cx="9144000" cy="480770"/>
+          </a:xfrm>
+        </p:spPr>
+        <p:txBody>
+          <a:bodyPr/>
+          <a:lstStyle/>
+          <a:p>
+            <a:pPr algn="l"/>
+            <a:r>
+              <a:rPr lang="en-US" b="1" dirty="0"/>
+              <a:t>5. Diagnostic over Internet Protocol (</a:t>
+            </a:r>
+            <a:r>
+              <a:rPr lang="en-US" b="1" dirty="0" err="1"/>
+              <a:t>DoIP</a:t>
+            </a:r>
+            <a:r>
+              <a:rPr lang="en-US" b="1" dirty="0"/>
+              <a:t>)</a:t>
+            </a:r>
+          </a:p>
+          <a:p>
+            <a:endParaRPr lang="en-US" dirty="0"/>
+          </a:p>
+        </p:txBody>
+      </p:sp>
+      <p:sp>
+        <p:nvSpPr>
+          <p:cNvPr id="5" name="TextBox 4">
+            <a:extLst>
+              <a:ext uri="{FF2B5EF4-FFF2-40B4-BE49-F238E27FC236}">
+                <a16:creationId xmlns:a16="http://schemas.microsoft.com/office/drawing/2014/main" id="{37E500C7-E94A-7AD2-71F2-9C7085F5725A}"/>
+              </a:ext>
+            </a:extLst>
+          </p:cNvPr>
+          <p:cNvSpPr txBox="1"/>
+          <p:nvPr/>
+        </p:nvSpPr>
+        <p:spPr>
+          <a:xfrm>
+            <a:off x="355946" y="5533581"/>
+            <a:ext cx="8656983" cy="646331"/>
+          </a:xfrm>
+          <a:prstGeom prst="rect">
+            <a:avLst/>
+          </a:prstGeom>
+          <a:noFill/>
+        </p:spPr>
+        <p:txBody>
+          <a:bodyPr wrap="square">
+            <a:spAutoFit/>
+          </a:bodyPr>
+          <a:lstStyle/>
+          <a:p>
+            <a:r>
+              <a:rPr lang="en-US" dirty="0"/>
+              <a:t> </a:t>
+            </a:r>
+            <a:r>
+              <a:rPr lang="en-US" dirty="0">
+                <a:hlinkClick r:id="rId2"/>
+              </a:rPr>
+              <a:t>https://www.autosar.org/fileadmin/user_upload/standards/classic/4-3/AUTOSAR_TPS_DiagnosticExtractTemplate.pdf</a:t>
+            </a:r>
+            <a:r>
+              <a:rPr lang="en-US" dirty="0"/>
+              <a:t> </a:t>
+            </a:r>
+          </a:p>
+        </p:txBody>
+      </p:sp>
+      <p:pic>
+        <p:nvPicPr>
+          <p:cNvPr id="14" name="Picture 13">
+            <a:extLst>
+              <a:ext uri="{FF2B5EF4-FFF2-40B4-BE49-F238E27FC236}">
+                <a16:creationId xmlns:a16="http://schemas.microsoft.com/office/drawing/2014/main" id="{9E272989-918B-8C27-9E00-829691C5A6C3}"/>
+              </a:ext>
+            </a:extLst>
+          </p:cNvPr>
+          <p:cNvPicPr>
+            <a:picLocks noChangeAspect="1"/>
+          </p:cNvPicPr>
+          <p:nvPr/>
+        </p:nvPicPr>
+        <p:blipFill>
+          <a:blip r:embed="rId3"/>
+          <a:stretch>
+            <a:fillRect/>
+          </a:stretch>
+        </p:blipFill>
+        <p:spPr>
+          <a:xfrm>
+            <a:off x="1039661" y="1111495"/>
+            <a:ext cx="7973268" cy="3764000"/>
+          </a:xfrm>
+          <a:prstGeom prst="rect">
+            <a:avLst/>
+          </a:prstGeom>
+        </p:spPr>
+      </p:pic>
+    </p:spTree>
+    <p:extLst>
+      <p:ext uri="{BB962C8B-B14F-4D97-AF65-F5344CB8AC3E}">
+        <p14:creationId xmlns:p14="http://schemas.microsoft.com/office/powerpoint/2010/main" val="2890711851"/>
+      </p:ext>
+    </p:extLst>
+  </p:cSld>
+  <p:clrMapOvr>
+    <a:masterClrMapping/>
+  </p:clrMapOvr>
+</p:sld>
+</file>
+
+<file path=ppt/slides/slide13.xml><?xml version="1.0" encoding="utf-8"?>
+<p:sld xmlns:a="http://schemas.openxmlformats.org/drawingml/2006/main" xmlns:r="http://schemas.openxmlformats.org/officeDocument/2006/relationships" xmlns:p="http://schemas.openxmlformats.org/presentationml/2006/main">
+  <p:cSld>
+    <p:spTree>
+      <p:nvGrpSpPr>
+        <p:cNvPr id="1" name=""/>
+        <p:cNvGrpSpPr/>
+        <p:nvPr/>
+      </p:nvGrpSpPr>
+      <p:grpSpPr>
+        <a:xfrm>
+          <a:off x="0" y="0"/>
+          <a:ext cx="0" cy="0"/>
+          <a:chOff x="0" y="0"/>
+          <a:chExt cx="0" cy="0"/>
+        </a:xfrm>
+      </p:grpSpPr>
+      <p:sp>
+        <p:nvSpPr>
+          <p:cNvPr id="2" name="Title 1">
+            <a:extLst>
+              <a:ext uri="{FF2B5EF4-FFF2-40B4-BE49-F238E27FC236}">
+                <a16:creationId xmlns:a16="http://schemas.microsoft.com/office/drawing/2014/main" id="{18376907-66DA-E7FF-9CFC-B17B1D70BA29}"/>
+              </a:ext>
+            </a:extLst>
+          </p:cNvPr>
+          <p:cNvSpPr>
+            <a:spLocks noGrp="1"/>
+          </p:cNvSpPr>
+          <p:nvPr>
+            <p:ph type="ctrTitle"/>
+          </p:nvPr>
+        </p:nvSpPr>
+        <p:spPr>
+          <a:xfrm>
+            <a:off x="440636" y="6377230"/>
+            <a:ext cx="11625468" cy="480770"/>
+          </a:xfrm>
+        </p:spPr>
+        <p:txBody>
+          <a:bodyPr>
+            <a:normAutofit/>
+          </a:bodyPr>
+          <a:lstStyle/>
+          <a:p>
+            <a:pPr algn="r"/>
+            <a:r>
+              <a:rPr lang="en-US" sz="1100" dirty="0">
+                <a:solidFill>
+                  <a:schemeClr val="tx1">
+                    <a:lumMod val="95000"/>
+                    <a:lumOff val="5000"/>
+                  </a:schemeClr>
+                </a:solidFill>
+              </a:rPr>
+              <a:t>  Thong LT                                           </a:t>
+            </a:r>
+            <a:r>
+              <a:rPr lang="en-US" sz="1100" b="1" dirty="0" err="1">
+                <a:solidFill>
+                  <a:schemeClr val="tx1">
+                    <a:lumMod val="95000"/>
+                    <a:lumOff val="5000"/>
+                  </a:schemeClr>
+                </a:solidFill>
+              </a:rPr>
+              <a:t>autosar</a:t>
+            </a:r>
+            <a:endParaRPr lang="en-US" sz="1100" b="1" dirty="0">
+              <a:solidFill>
+                <a:schemeClr val="tx1">
+                  <a:lumMod val="95000"/>
+                  <a:lumOff val="5000"/>
+                </a:schemeClr>
+              </a:solidFill>
+            </a:endParaRPr>
+          </a:p>
+        </p:txBody>
+      </p:sp>
+      <p:sp>
+        <p:nvSpPr>
+          <p:cNvPr id="3" name="Subtitle 2">
+            <a:extLst>
+              <a:ext uri="{FF2B5EF4-FFF2-40B4-BE49-F238E27FC236}">
+                <a16:creationId xmlns:a16="http://schemas.microsoft.com/office/drawing/2014/main" id="{5AB01118-5054-C67F-9B29-AAED41D02329}"/>
+              </a:ext>
+            </a:extLst>
+          </p:cNvPr>
+          <p:cNvSpPr>
+            <a:spLocks noGrp="1"/>
+          </p:cNvSpPr>
+          <p:nvPr>
+            <p:ph type="subTitle" idx="1"/>
+          </p:nvPr>
+        </p:nvSpPr>
+        <p:spPr>
+          <a:xfrm>
+            <a:off x="1524000" y="201010"/>
+            <a:ext cx="9144000" cy="480770"/>
+          </a:xfrm>
+        </p:spPr>
+        <p:txBody>
+          <a:bodyPr/>
+          <a:lstStyle/>
+          <a:p>
+            <a:pPr algn="l"/>
+            <a:r>
+              <a:rPr lang="en-US" b="1" dirty="0"/>
+              <a:t>5. Diagnostic over Internet Protocol (</a:t>
+            </a:r>
+            <a:r>
+              <a:rPr lang="en-US" b="1" dirty="0" err="1"/>
+              <a:t>DoIP</a:t>
+            </a:r>
+            <a:r>
+              <a:rPr lang="en-US" b="1" dirty="0"/>
+              <a:t>)</a:t>
+            </a:r>
+          </a:p>
+          <a:p>
+            <a:endParaRPr lang="en-US" dirty="0"/>
+          </a:p>
+        </p:txBody>
+      </p:sp>
       <p:pic>
         <p:nvPicPr>
           <p:cNvPr id="6" name="Picture 5" descr="Graphical user interface, timeline&#10;&#10;Description automatically generated">
@@ -6371,7 +6799,7 @@
 </p:sld>
 </file>
 
-<file path=ppt/slides/slide12.xml><?xml version="1.0" encoding="utf-8"?>
+<file path=ppt/slides/slide14.xml><?xml version="1.0" encoding="utf-8"?>
 <p:sld xmlns:a="http://schemas.openxmlformats.org/drawingml/2006/main" xmlns:r="http://schemas.openxmlformats.org/officeDocument/2006/relationships" xmlns:p="http://schemas.openxmlformats.org/presentationml/2006/main">
   <p:cSld>
     <p:spTree>
@@ -6582,7 +7010,7 @@
 </p:sld>
 </file>
 
-<file path=ppt/slides/slide13.xml><?xml version="1.0" encoding="utf-8"?>
+<file path=ppt/slides/slide15.xml><?xml version="1.0" encoding="utf-8"?>
 <p:sld xmlns:a="http://schemas.openxmlformats.org/drawingml/2006/main" xmlns:r="http://schemas.openxmlformats.org/officeDocument/2006/relationships" xmlns:p="http://schemas.openxmlformats.org/presentationml/2006/main">
   <p:cSld>
     <p:spTree>
@@ -6715,7 +7143,7 @@
 </p:sld>
 </file>
 
-<file path=ppt/slides/slide14.xml><?xml version="1.0" encoding="utf-8"?>
+<file path=ppt/slides/slide16.xml><?xml version="1.0" encoding="utf-8"?>
 <p:sld xmlns:a="http://schemas.openxmlformats.org/drawingml/2006/main" xmlns:r="http://schemas.openxmlformats.org/officeDocument/2006/relationships" xmlns:p="http://schemas.openxmlformats.org/presentationml/2006/main">
   <p:cSld>
     <p:spTree>
@@ -8174,41 +8602,6 @@
       </p:sp>
       <p:sp>
         <p:nvSpPr>
-          <p:cNvPr id="7" name="TextBox 6">
-            <a:extLst>
-              <a:ext uri="{FF2B5EF4-FFF2-40B4-BE49-F238E27FC236}">
-                <a16:creationId xmlns:a16="http://schemas.microsoft.com/office/drawing/2014/main" id="{FFB5623B-A28F-2389-7930-7EA8AB460CC8}"/>
-              </a:ext>
-            </a:extLst>
-          </p:cNvPr>
-          <p:cNvSpPr txBox="1"/>
-          <p:nvPr/>
-        </p:nvSpPr>
-        <p:spPr>
-          <a:xfrm>
-            <a:off x="1707419" y="1612425"/>
-            <a:ext cx="6101394" cy="369332"/>
-          </a:xfrm>
-          <a:prstGeom prst="rect">
-            <a:avLst/>
-          </a:prstGeom>
-          <a:noFill/>
-        </p:spPr>
-        <p:txBody>
-          <a:bodyPr wrap="square">
-            <a:spAutoFit/>
-          </a:bodyPr>
-          <a:lstStyle/>
-          <a:p>
-            <a:r>
-              <a:rPr lang="en-US" dirty="0"/>
-              <a:t>1 DEM </a:t>
-            </a:r>
-          </a:p>
-        </p:txBody>
-      </p:sp>
-      <p:sp>
-        <p:nvSpPr>
           <p:cNvPr id="9" name="TextBox 8">
             <a:extLst>
               <a:ext uri="{FF2B5EF4-FFF2-40B4-BE49-F238E27FC236}">
@@ -8427,7 +8820,7 @@
         </p:blipFill>
         <p:spPr>
           <a:xfrm>
-            <a:off x="1645380" y="1042873"/>
+            <a:off x="140262" y="864848"/>
             <a:ext cx="6404737" cy="4973264"/>
           </a:xfrm>
           <a:prstGeom prst="rect">
@@ -8435,6 +8828,71 @@
           </a:prstGeom>
         </p:spPr>
       </p:pic>
+      <p:sp>
+        <p:nvSpPr>
+          <p:cNvPr id="6" name="TextBox 5">
+            <a:extLst>
+              <a:ext uri="{FF2B5EF4-FFF2-40B4-BE49-F238E27FC236}">
+                <a16:creationId xmlns:a16="http://schemas.microsoft.com/office/drawing/2014/main" id="{16E616D0-FEEE-A48D-0AC5-4E07E670BB68}"/>
+              </a:ext>
+            </a:extLst>
+          </p:cNvPr>
+          <p:cNvSpPr txBox="1"/>
+          <p:nvPr/>
+        </p:nvSpPr>
+        <p:spPr>
+          <a:xfrm>
+            <a:off x="6544999" y="1106321"/>
+            <a:ext cx="6101394" cy="1754326"/>
+          </a:xfrm>
+          <a:prstGeom prst="rect">
+            <a:avLst/>
+          </a:prstGeom>
+          <a:noFill/>
+        </p:spPr>
+        <p:txBody>
+          <a:bodyPr wrap="square">
+            <a:spAutoFit/>
+          </a:bodyPr>
+          <a:lstStyle/>
+          <a:p>
+            <a:r>
+              <a:rPr lang="en-US" dirty="0"/>
+              <a:t>	-The AUTOSAR basic software (BSW)</a:t>
+            </a:r>
+          </a:p>
+          <a:p>
+            <a:r>
+              <a:rPr lang="en-US" dirty="0"/>
+              <a:t>	- Diagnostic event manager (DEM)</a:t>
+            </a:r>
+          </a:p>
+          <a:p>
+            <a:r>
+              <a:rPr lang="en-US" dirty="0"/>
+              <a:t>	- Diagnostic communication manager (DCM)</a:t>
+            </a:r>
+          </a:p>
+          <a:p>
+            <a:r>
+              <a:rPr lang="en-US" dirty="0"/>
+              <a:t>	- Function inhibition manager (FIM)</a:t>
+            </a:r>
+          </a:p>
+          <a:p>
+            <a:r>
+              <a:rPr lang="en-US" dirty="0"/>
+              <a:t>	- Software components (SWCs)</a:t>
+            </a:r>
+          </a:p>
+          <a:p>
+            <a:r>
+              <a:rPr lang="en-US" dirty="0"/>
+              <a:t>       - Diagnostic trouble codes(DTC)</a:t>
+            </a:r>
+          </a:p>
+        </p:txBody>
+      </p:sp>
     </p:spTree>
     <p:extLst>
       <p:ext uri="{BB962C8B-B14F-4D97-AF65-F5344CB8AC3E}">

--- a/Autosar.pptx
+++ b/Autosar.pptx
@@ -15,12 +15,13 @@
     <p:sldId id="259" r:id="rId9"/>
     <p:sldId id="270" r:id="rId10"/>
     <p:sldId id="271" r:id="rId11"/>
-    <p:sldId id="272" r:id="rId12"/>
-    <p:sldId id="269" r:id="rId13"/>
-    <p:sldId id="263" r:id="rId14"/>
-    <p:sldId id="268" r:id="rId15"/>
-    <p:sldId id="260" r:id="rId16"/>
-    <p:sldId id="261" r:id="rId17"/>
+    <p:sldId id="273" r:id="rId12"/>
+    <p:sldId id="272" r:id="rId13"/>
+    <p:sldId id="269" r:id="rId14"/>
+    <p:sldId id="263" r:id="rId15"/>
+    <p:sldId id="268" r:id="rId16"/>
+    <p:sldId id="260" r:id="rId17"/>
+    <p:sldId id="261" r:id="rId18"/>
   </p:sldIdLst>
   <p:sldSz cx="12192000" cy="6858000"/>
   <p:notesSz cx="6858000" cy="9144000"/>
@@ -6112,82 +6113,36 @@
           </a:p>
         </p:txBody>
       </p:sp>
-      <p:sp>
-        <p:nvSpPr>
-          <p:cNvPr id="12" name="TextBox 11">
+      <p:pic>
+        <p:nvPicPr>
+          <p:cNvPr id="19" name="Picture 18">
             <a:extLst>
               <a:ext uri="{FF2B5EF4-FFF2-40B4-BE49-F238E27FC236}">
-                <a16:creationId xmlns:a16="http://schemas.microsoft.com/office/drawing/2014/main" id="{DC774B08-4E7A-B354-94E8-BB5CA3E42E42}"/>
+                <a16:creationId xmlns:a16="http://schemas.microsoft.com/office/drawing/2014/main" id="{8F9A634F-26C9-9BB6-D842-146F22F7120A}"/>
               </a:ext>
             </a:extLst>
           </p:cNvPr>
-          <p:cNvSpPr txBox="1"/>
+          <p:cNvPicPr>
+            <a:picLocks noChangeAspect="1"/>
+          </p:cNvPicPr>
           <p:nvPr/>
-        </p:nvSpPr>
-        <p:spPr>
-          <a:xfrm>
-            <a:off x="1108608" y="5388877"/>
-            <a:ext cx="8488544" cy="923330"/>
+        </p:nvPicPr>
+        <p:blipFill>
+          <a:blip r:embed="rId2"/>
+          <a:stretch>
+            <a:fillRect/>
+          </a:stretch>
+        </p:blipFill>
+        <p:spPr>
+          <a:xfrm>
+            <a:off x="1900055" y="628019"/>
+            <a:ext cx="5868298" cy="5749211"/>
           </a:xfrm>
           <a:prstGeom prst="rect">
             <a:avLst/>
           </a:prstGeom>
-          <a:noFill/>
-        </p:spPr>
-        <p:txBody>
-          <a:bodyPr wrap="square">
-            <a:spAutoFit/>
-          </a:bodyPr>
-          <a:lstStyle/>
-          <a:p>
-            <a:r>
-              <a:rPr lang="en-US" dirty="0">
-                <a:hlinkClick r:id="rId2"/>
-              </a:rPr>
-              <a:t>https://www.autosar.org/fileadmin/user_upload/standards/classic/4-3/AUTOSAR_SWS_DiagnosticEventManager.pdf</a:t>
-            </a:r>
-            <a:endParaRPr lang="en-US" dirty="0"/>
-          </a:p>
-          <a:p>
-            <a:endParaRPr lang="en-US" dirty="0"/>
-          </a:p>
-        </p:txBody>
-      </p:sp>
-      <p:sp>
-        <p:nvSpPr>
-          <p:cNvPr id="13" name="TextBox 12">
-            <a:extLst>
-              <a:ext uri="{FF2B5EF4-FFF2-40B4-BE49-F238E27FC236}">
-                <a16:creationId xmlns:a16="http://schemas.microsoft.com/office/drawing/2014/main" id="{BE0B7002-9488-75A2-7A5D-A11248DD9D7D}"/>
-              </a:ext>
-            </a:extLst>
-          </p:cNvPr>
-          <p:cNvSpPr txBox="1"/>
-          <p:nvPr/>
-        </p:nvSpPr>
-        <p:spPr>
-          <a:xfrm>
-            <a:off x="1192227" y="746803"/>
-            <a:ext cx="6101394" cy="369332"/>
-          </a:xfrm>
-          <a:prstGeom prst="rect">
-            <a:avLst/>
-          </a:prstGeom>
-          <a:noFill/>
-        </p:spPr>
-        <p:txBody>
-          <a:bodyPr wrap="square">
-            <a:spAutoFit/>
-          </a:bodyPr>
-          <a:lstStyle/>
-          <a:p>
-            <a:r>
-              <a:rPr lang="en-US" dirty="0"/>
-              <a:t>Diagnostic Event Manager</a:t>
-            </a:r>
-          </a:p>
-        </p:txBody>
-      </p:sp>
+        </p:spPr>
+      </p:pic>
     </p:spTree>
     <p:extLst>
       <p:ext uri="{BB962C8B-B14F-4D97-AF65-F5344CB8AC3E}">
@@ -6327,10 +6282,10 @@
       </p:sp>
       <p:sp>
         <p:nvSpPr>
-          <p:cNvPr id="7" name="TextBox 6">
+          <p:cNvPr id="12" name="TextBox 11">
             <a:extLst>
               <a:ext uri="{FF2B5EF4-FFF2-40B4-BE49-F238E27FC236}">
-                <a16:creationId xmlns:a16="http://schemas.microsoft.com/office/drawing/2014/main" id="{787FAAE9-D248-CAFE-05FA-99944FE8F97C}"/>
+                <a16:creationId xmlns:a16="http://schemas.microsoft.com/office/drawing/2014/main" id="{DC774B08-4E7A-B354-94E8-BB5CA3E42E42}"/>
               </a:ext>
             </a:extLst>
           </p:cNvPr>
@@ -6339,8 +6294,8 @@
         </p:nvSpPr>
         <p:spPr>
           <a:xfrm>
-            <a:off x="1524000" y="921655"/>
-            <a:ext cx="6323924" cy="369332"/>
+            <a:off x="1108608" y="5388877"/>
+            <a:ext cx="8488544" cy="923330"/>
           </a:xfrm>
           <a:prstGeom prst="rect">
             <a:avLst/>
@@ -6354,18 +6309,24 @@
           <a:lstStyle/>
           <a:p>
             <a:r>
-              <a:rPr lang="en-US" dirty="0"/>
-              <a:t>- Function inhibition manager (FIM)</a:t>
-            </a:r>
-          </a:p>
-        </p:txBody>
-      </p:sp>
-      <p:sp>
-        <p:nvSpPr>
-          <p:cNvPr id="9" name="TextBox 8">
+              <a:rPr lang="en-US" dirty="0">
+                <a:hlinkClick r:id="rId2"/>
+              </a:rPr>
+              <a:t>https://www.autosar.org/fileadmin/user_upload/standards/classic/4-3/AUTOSAR_SWS_DiagnosticEventManager.pdf</a:t>
+            </a:r>
+            <a:endParaRPr lang="en-US" dirty="0"/>
+          </a:p>
+          <a:p>
+            <a:endParaRPr lang="en-US" dirty="0"/>
+          </a:p>
+        </p:txBody>
+      </p:sp>
+      <p:sp>
+        <p:nvSpPr>
+          <p:cNvPr id="13" name="TextBox 12">
             <a:extLst>
               <a:ext uri="{FF2B5EF4-FFF2-40B4-BE49-F238E27FC236}">
-                <a16:creationId xmlns:a16="http://schemas.microsoft.com/office/drawing/2014/main" id="{D9FC8C51-E1F2-9008-AB8A-322751DA4389}"/>
+                <a16:creationId xmlns:a16="http://schemas.microsoft.com/office/drawing/2014/main" id="{BE0B7002-9488-75A2-7A5D-A11248DD9D7D}"/>
               </a:ext>
             </a:extLst>
           </p:cNvPr>
@@ -6374,8 +6335,8 @@
         </p:nvSpPr>
         <p:spPr>
           <a:xfrm>
-            <a:off x="890124" y="5936345"/>
-            <a:ext cx="6764942" cy="646331"/>
+            <a:off x="1192227" y="746803"/>
+            <a:ext cx="6101394" cy="369332"/>
           </a:xfrm>
           <a:prstGeom prst="rect">
             <a:avLst/>
@@ -6389,14 +6350,8 @@
           <a:lstStyle/>
           <a:p>
             <a:r>
-              <a:rPr lang="en-US" dirty="0">
-                <a:hlinkClick r:id="rId2"/>
-              </a:rPr>
-              <a:t>https://www.autosar.org/fileadmin/user_upload/standards/classic/4-3/AUTOSAR_SWS_FunctionInhibitionManager.pdf</a:t>
-            </a:r>
-            <a:r>
               <a:rPr lang="en-US" dirty="0"/>
-              <a:t> </a:t>
+              <a:t>Diagnostic Event Manager</a:t>
             </a:r>
           </a:p>
         </p:txBody>
@@ -6404,7 +6359,7 @@
     </p:spTree>
     <p:extLst>
       <p:ext uri="{BB962C8B-B14F-4D97-AF65-F5344CB8AC3E}">
-        <p14:creationId xmlns:p14="http://schemas.microsoft.com/office/powerpoint/2010/main" val="1109187645"/>
+        <p14:creationId xmlns:p14="http://schemas.microsoft.com/office/powerpoint/2010/main" val="2545557363"/>
       </p:ext>
     </p:extLst>
   </p:cSld>
@@ -6540,10 +6495,10 @@
       </p:sp>
       <p:sp>
         <p:nvSpPr>
-          <p:cNvPr id="5" name="TextBox 4">
+          <p:cNvPr id="7" name="TextBox 6">
             <a:extLst>
               <a:ext uri="{FF2B5EF4-FFF2-40B4-BE49-F238E27FC236}">
-                <a16:creationId xmlns:a16="http://schemas.microsoft.com/office/drawing/2014/main" id="{37E500C7-E94A-7AD2-71F2-9C7085F5725A}"/>
+                <a16:creationId xmlns:a16="http://schemas.microsoft.com/office/drawing/2014/main" id="{787FAAE9-D248-CAFE-05FA-99944FE8F97C}"/>
               </a:ext>
             </a:extLst>
           </p:cNvPr>
@@ -6552,8 +6507,8 @@
         </p:nvSpPr>
         <p:spPr>
           <a:xfrm>
-            <a:off x="355946" y="5533581"/>
-            <a:ext cx="8656983" cy="646331"/>
+            <a:off x="1524000" y="921655"/>
+            <a:ext cx="6323924" cy="369332"/>
           </a:xfrm>
           <a:prstGeom prst="rect">
             <a:avLst/>
@@ -6568,13 +6523,44 @@
           <a:p>
             <a:r>
               <a:rPr lang="en-US" dirty="0"/>
-              <a:t> </a:t>
-            </a:r>
+              <a:t>- Function inhibition manager (FIM)</a:t>
+            </a:r>
+          </a:p>
+        </p:txBody>
+      </p:sp>
+      <p:sp>
+        <p:nvSpPr>
+          <p:cNvPr id="9" name="TextBox 8">
+            <a:extLst>
+              <a:ext uri="{FF2B5EF4-FFF2-40B4-BE49-F238E27FC236}">
+                <a16:creationId xmlns:a16="http://schemas.microsoft.com/office/drawing/2014/main" id="{D9FC8C51-E1F2-9008-AB8A-322751DA4389}"/>
+              </a:ext>
+            </a:extLst>
+          </p:cNvPr>
+          <p:cNvSpPr txBox="1"/>
+          <p:nvPr/>
+        </p:nvSpPr>
+        <p:spPr>
+          <a:xfrm>
+            <a:off x="890124" y="5936345"/>
+            <a:ext cx="6764942" cy="646331"/>
+          </a:xfrm>
+          <a:prstGeom prst="rect">
+            <a:avLst/>
+          </a:prstGeom>
+          <a:noFill/>
+        </p:spPr>
+        <p:txBody>
+          <a:bodyPr wrap="square">
+            <a:spAutoFit/>
+          </a:bodyPr>
+          <a:lstStyle/>
+          <a:p>
             <a:r>
               <a:rPr lang="en-US" dirty="0">
                 <a:hlinkClick r:id="rId2"/>
               </a:rPr>
-              <a:t>https://www.autosar.org/fileadmin/user_upload/standards/classic/4-3/AUTOSAR_TPS_DiagnosticExtractTemplate.pdf</a:t>
+              <a:t>https://www.autosar.org/fileadmin/user_upload/standards/classic/4-3/AUTOSAR_SWS_FunctionInhibitionManager.pdf</a:t>
             </a:r>
             <a:r>
               <a:rPr lang="en-US" dirty="0"/>
@@ -6583,40 +6569,10 @@
           </a:p>
         </p:txBody>
       </p:sp>
-      <p:pic>
-        <p:nvPicPr>
-          <p:cNvPr id="14" name="Picture 13">
-            <a:extLst>
-              <a:ext uri="{FF2B5EF4-FFF2-40B4-BE49-F238E27FC236}">
-                <a16:creationId xmlns:a16="http://schemas.microsoft.com/office/drawing/2014/main" id="{9E272989-918B-8C27-9E00-829691C5A6C3}"/>
-              </a:ext>
-            </a:extLst>
-          </p:cNvPr>
-          <p:cNvPicPr>
-            <a:picLocks noChangeAspect="1"/>
-          </p:cNvPicPr>
-          <p:nvPr/>
-        </p:nvPicPr>
-        <p:blipFill>
-          <a:blip r:embed="rId3"/>
-          <a:stretch>
-            <a:fillRect/>
-          </a:stretch>
-        </p:blipFill>
-        <p:spPr>
-          <a:xfrm>
-            <a:off x="1039661" y="1111495"/>
-            <a:ext cx="7973268" cy="3764000"/>
-          </a:xfrm>
-          <a:prstGeom prst="rect">
-            <a:avLst/>
-          </a:prstGeom>
-        </p:spPr>
-      </p:pic>
     </p:spTree>
     <p:extLst>
       <p:ext uri="{BB962C8B-B14F-4D97-AF65-F5344CB8AC3E}">
-        <p14:creationId xmlns:p14="http://schemas.microsoft.com/office/powerpoint/2010/main" val="2890711851"/>
+        <p14:creationId xmlns:p14="http://schemas.microsoft.com/office/powerpoint/2010/main" val="1109187645"/>
       </p:ext>
     </p:extLst>
   </p:cSld>
@@ -6750,6 +6706,218 @@
           </a:p>
         </p:txBody>
       </p:sp>
+      <p:sp>
+        <p:nvSpPr>
+          <p:cNvPr id="5" name="TextBox 4">
+            <a:extLst>
+              <a:ext uri="{FF2B5EF4-FFF2-40B4-BE49-F238E27FC236}">
+                <a16:creationId xmlns:a16="http://schemas.microsoft.com/office/drawing/2014/main" id="{37E500C7-E94A-7AD2-71F2-9C7085F5725A}"/>
+              </a:ext>
+            </a:extLst>
+          </p:cNvPr>
+          <p:cNvSpPr txBox="1"/>
+          <p:nvPr/>
+        </p:nvSpPr>
+        <p:spPr>
+          <a:xfrm>
+            <a:off x="355946" y="5533581"/>
+            <a:ext cx="8656983" cy="646331"/>
+          </a:xfrm>
+          <a:prstGeom prst="rect">
+            <a:avLst/>
+          </a:prstGeom>
+          <a:noFill/>
+        </p:spPr>
+        <p:txBody>
+          <a:bodyPr wrap="square">
+            <a:spAutoFit/>
+          </a:bodyPr>
+          <a:lstStyle/>
+          <a:p>
+            <a:r>
+              <a:rPr lang="en-US" dirty="0"/>
+              <a:t> </a:t>
+            </a:r>
+            <a:r>
+              <a:rPr lang="en-US" dirty="0">
+                <a:hlinkClick r:id="rId2"/>
+              </a:rPr>
+              <a:t>https://www.autosar.org/fileadmin/user_upload/standards/classic/4-3/AUTOSAR_TPS_DiagnosticExtractTemplate.pdf</a:t>
+            </a:r>
+            <a:r>
+              <a:rPr lang="en-US" dirty="0"/>
+              <a:t> </a:t>
+            </a:r>
+          </a:p>
+        </p:txBody>
+      </p:sp>
+      <p:pic>
+        <p:nvPicPr>
+          <p:cNvPr id="14" name="Picture 13">
+            <a:extLst>
+              <a:ext uri="{FF2B5EF4-FFF2-40B4-BE49-F238E27FC236}">
+                <a16:creationId xmlns:a16="http://schemas.microsoft.com/office/drawing/2014/main" id="{9E272989-918B-8C27-9E00-829691C5A6C3}"/>
+              </a:ext>
+            </a:extLst>
+          </p:cNvPr>
+          <p:cNvPicPr>
+            <a:picLocks noChangeAspect="1"/>
+          </p:cNvPicPr>
+          <p:nvPr/>
+        </p:nvPicPr>
+        <p:blipFill>
+          <a:blip r:embed="rId3"/>
+          <a:stretch>
+            <a:fillRect/>
+          </a:stretch>
+        </p:blipFill>
+        <p:spPr>
+          <a:xfrm>
+            <a:off x="1039661" y="1111495"/>
+            <a:ext cx="7973268" cy="3764000"/>
+          </a:xfrm>
+          <a:prstGeom prst="rect">
+            <a:avLst/>
+          </a:prstGeom>
+        </p:spPr>
+      </p:pic>
+    </p:spTree>
+    <p:extLst>
+      <p:ext uri="{BB962C8B-B14F-4D97-AF65-F5344CB8AC3E}">
+        <p14:creationId xmlns:p14="http://schemas.microsoft.com/office/powerpoint/2010/main" val="2890711851"/>
+      </p:ext>
+    </p:extLst>
+  </p:cSld>
+  <p:clrMapOvr>
+    <a:masterClrMapping/>
+  </p:clrMapOvr>
+</p:sld>
+</file>
+
+<file path=ppt/slides/slide14.xml><?xml version="1.0" encoding="utf-8"?>
+<p:sld xmlns:a="http://schemas.openxmlformats.org/drawingml/2006/main" xmlns:r="http://schemas.openxmlformats.org/officeDocument/2006/relationships" xmlns:p="http://schemas.openxmlformats.org/presentationml/2006/main">
+  <p:cSld>
+    <p:spTree>
+      <p:nvGrpSpPr>
+        <p:cNvPr id="1" name=""/>
+        <p:cNvGrpSpPr/>
+        <p:nvPr/>
+      </p:nvGrpSpPr>
+      <p:grpSpPr>
+        <a:xfrm>
+          <a:off x="0" y="0"/>
+          <a:ext cx="0" cy="0"/>
+          <a:chOff x="0" y="0"/>
+          <a:chExt cx="0" cy="0"/>
+        </a:xfrm>
+      </p:grpSpPr>
+      <p:sp>
+        <p:nvSpPr>
+          <p:cNvPr id="2" name="Title 1">
+            <a:extLst>
+              <a:ext uri="{FF2B5EF4-FFF2-40B4-BE49-F238E27FC236}">
+                <a16:creationId xmlns:a16="http://schemas.microsoft.com/office/drawing/2014/main" id="{18376907-66DA-E7FF-9CFC-B17B1D70BA29}"/>
+              </a:ext>
+            </a:extLst>
+          </p:cNvPr>
+          <p:cNvSpPr>
+            <a:spLocks noGrp="1"/>
+          </p:cNvSpPr>
+          <p:nvPr>
+            <p:ph type="ctrTitle"/>
+          </p:nvPr>
+        </p:nvSpPr>
+        <p:spPr>
+          <a:xfrm>
+            <a:off x="440636" y="6377230"/>
+            <a:ext cx="11625468" cy="480770"/>
+          </a:xfrm>
+        </p:spPr>
+        <p:txBody>
+          <a:bodyPr>
+            <a:normAutofit/>
+          </a:bodyPr>
+          <a:lstStyle/>
+          <a:p>
+            <a:pPr algn="r"/>
+            <a:r>
+              <a:rPr lang="en-US" sz="1100" dirty="0">
+                <a:solidFill>
+                  <a:schemeClr val="tx1">
+                    <a:lumMod val="95000"/>
+                    <a:lumOff val="5000"/>
+                  </a:schemeClr>
+                </a:solidFill>
+              </a:rPr>
+              <a:t>  Thong LT                                           </a:t>
+            </a:r>
+            <a:r>
+              <a:rPr lang="en-US" sz="1100" b="1" dirty="0" err="1">
+                <a:solidFill>
+                  <a:schemeClr val="tx1">
+                    <a:lumMod val="95000"/>
+                    <a:lumOff val="5000"/>
+                  </a:schemeClr>
+                </a:solidFill>
+              </a:rPr>
+              <a:t>autosar</a:t>
+            </a:r>
+            <a:endParaRPr lang="en-US" sz="1100" b="1" dirty="0">
+              <a:solidFill>
+                <a:schemeClr val="tx1">
+                  <a:lumMod val="95000"/>
+                  <a:lumOff val="5000"/>
+                </a:schemeClr>
+              </a:solidFill>
+            </a:endParaRPr>
+          </a:p>
+        </p:txBody>
+      </p:sp>
+      <p:sp>
+        <p:nvSpPr>
+          <p:cNvPr id="3" name="Subtitle 2">
+            <a:extLst>
+              <a:ext uri="{FF2B5EF4-FFF2-40B4-BE49-F238E27FC236}">
+                <a16:creationId xmlns:a16="http://schemas.microsoft.com/office/drawing/2014/main" id="{5AB01118-5054-C67F-9B29-AAED41D02329}"/>
+              </a:ext>
+            </a:extLst>
+          </p:cNvPr>
+          <p:cNvSpPr>
+            <a:spLocks noGrp="1"/>
+          </p:cNvSpPr>
+          <p:nvPr>
+            <p:ph type="subTitle" idx="1"/>
+          </p:nvPr>
+        </p:nvSpPr>
+        <p:spPr>
+          <a:xfrm>
+            <a:off x="1524000" y="201010"/>
+            <a:ext cx="9144000" cy="480770"/>
+          </a:xfrm>
+        </p:spPr>
+        <p:txBody>
+          <a:bodyPr/>
+          <a:lstStyle/>
+          <a:p>
+            <a:pPr algn="l"/>
+            <a:r>
+              <a:rPr lang="en-US" b="1" dirty="0"/>
+              <a:t>5. Diagnostic over Internet Protocol (</a:t>
+            </a:r>
+            <a:r>
+              <a:rPr lang="en-US" b="1" dirty="0" err="1"/>
+              <a:t>DoIP</a:t>
+            </a:r>
+            <a:r>
+              <a:rPr lang="en-US" b="1" dirty="0"/>
+              <a:t>)</a:t>
+            </a:r>
+          </a:p>
+          <a:p>
+            <a:endParaRPr lang="en-US" dirty="0"/>
+          </a:p>
+        </p:txBody>
+      </p:sp>
       <p:pic>
         <p:nvPicPr>
           <p:cNvPr id="6" name="Picture 5" descr="Graphical user interface, timeline&#10;&#10;Description automatically generated">
@@ -6799,7 +6967,7 @@
 </p:sld>
 </file>
 
-<file path=ppt/slides/slide14.xml><?xml version="1.0" encoding="utf-8"?>
+<file path=ppt/slides/slide15.xml><?xml version="1.0" encoding="utf-8"?>
 <p:sld xmlns:a="http://schemas.openxmlformats.org/drawingml/2006/main" xmlns:r="http://schemas.openxmlformats.org/officeDocument/2006/relationships" xmlns:p="http://schemas.openxmlformats.org/presentationml/2006/main">
   <p:cSld>
     <p:spTree>
@@ -7010,7 +7178,7 @@
 </p:sld>
 </file>
 
-<file path=ppt/slides/slide15.xml><?xml version="1.0" encoding="utf-8"?>
+<file path=ppt/slides/slide16.xml><?xml version="1.0" encoding="utf-8"?>
 <p:sld xmlns:a="http://schemas.openxmlformats.org/drawingml/2006/main" xmlns:r="http://schemas.openxmlformats.org/officeDocument/2006/relationships" xmlns:p="http://schemas.openxmlformats.org/presentationml/2006/main">
   <p:cSld>
     <p:spTree>
@@ -7143,7 +7311,7 @@
 </p:sld>
 </file>
 
-<file path=ppt/slides/slide16.xml><?xml version="1.0" encoding="utf-8"?>
+<file path=ppt/slides/slide17.xml><?xml version="1.0" encoding="utf-8"?>
 <p:sld xmlns:a="http://schemas.openxmlformats.org/drawingml/2006/main" xmlns:r="http://schemas.openxmlformats.org/officeDocument/2006/relationships" xmlns:p="http://schemas.openxmlformats.org/presentationml/2006/main">
   <p:cSld>
     <p:spTree>

--- a/Autosar.pptx
+++ b/Autosar.pptx
@@ -6086,7 +6086,7 @@
         </p:nvSpPr>
         <p:spPr>
           <a:xfrm>
-            <a:off x="1524000" y="201010"/>
+            <a:off x="1139854" y="73071"/>
             <a:ext cx="9144000" cy="480770"/>
           </a:xfrm>
         </p:spPr>
@@ -6135,8 +6135,8 @@
         </p:blipFill>
         <p:spPr>
           <a:xfrm>
-            <a:off x="1900055" y="628019"/>
-            <a:ext cx="5868298" cy="5749211"/>
+            <a:off x="1908146" y="553841"/>
+            <a:ext cx="6434741" cy="6304159"/>
           </a:xfrm>
           <a:prstGeom prst="rect">
             <a:avLst/>

--- a/Autosar.pptx
+++ b/Autosar.pptx
@@ -14,14 +14,16 @@
     <p:sldId id="265" r:id="rId8"/>
     <p:sldId id="259" r:id="rId9"/>
     <p:sldId id="270" r:id="rId10"/>
-    <p:sldId id="271" r:id="rId11"/>
-    <p:sldId id="273" r:id="rId12"/>
-    <p:sldId id="272" r:id="rId13"/>
-    <p:sldId id="269" r:id="rId14"/>
-    <p:sldId id="263" r:id="rId15"/>
-    <p:sldId id="268" r:id="rId16"/>
-    <p:sldId id="260" r:id="rId17"/>
-    <p:sldId id="261" r:id="rId18"/>
+    <p:sldId id="274" r:id="rId11"/>
+    <p:sldId id="275" r:id="rId12"/>
+    <p:sldId id="271" r:id="rId13"/>
+    <p:sldId id="273" r:id="rId14"/>
+    <p:sldId id="272" r:id="rId15"/>
+    <p:sldId id="269" r:id="rId16"/>
+    <p:sldId id="263" r:id="rId17"/>
+    <p:sldId id="268" r:id="rId18"/>
+    <p:sldId id="260" r:id="rId19"/>
+    <p:sldId id="261" r:id="rId20"/>
   </p:sldIdLst>
   <p:sldSz cx="12192000" cy="6858000"/>
   <p:notesSz cx="6858000" cy="9144000"/>
@@ -6086,7 +6088,7 @@
         </p:nvSpPr>
         <p:spPr>
           <a:xfrm>
-            <a:off x="1139854" y="73071"/>
+            <a:off x="1524000" y="201010"/>
             <a:ext cx="9144000" cy="480770"/>
           </a:xfrm>
         </p:spPr>
@@ -6115,10 +6117,10 @@
       </p:sp>
       <p:pic>
         <p:nvPicPr>
-          <p:cNvPr id="19" name="Picture 18">
+          <p:cNvPr id="5" name="Picture 4">
             <a:extLst>
               <a:ext uri="{FF2B5EF4-FFF2-40B4-BE49-F238E27FC236}">
-                <a16:creationId xmlns:a16="http://schemas.microsoft.com/office/drawing/2014/main" id="{8F9A634F-26C9-9BB6-D842-146F22F7120A}"/>
+                <a16:creationId xmlns:a16="http://schemas.microsoft.com/office/drawing/2014/main" id="{8C7E74E0-9A1C-F0C3-D6E7-1AAD3AC30861}"/>
               </a:ext>
             </a:extLst>
           </p:cNvPr>
@@ -6135,8 +6137,8 @@
         </p:blipFill>
         <p:spPr>
           <a:xfrm>
-            <a:off x="1908146" y="553841"/>
-            <a:ext cx="6434741" cy="6304159"/>
+            <a:off x="1598905" y="1166350"/>
+            <a:ext cx="7861303" cy="4726310"/>
           </a:xfrm>
           <a:prstGeom prst="rect">
             <a:avLst/>
@@ -6146,7 +6148,7 @@
     </p:spTree>
     <p:extLst>
       <p:ext uri="{BB962C8B-B14F-4D97-AF65-F5344CB8AC3E}">
-        <p14:creationId xmlns:p14="http://schemas.microsoft.com/office/powerpoint/2010/main" val="30761105"/>
+        <p14:creationId xmlns:p14="http://schemas.microsoft.com/office/powerpoint/2010/main" val="2497320418"/>
       </p:ext>
     </p:extLst>
   </p:cSld>
@@ -6280,86 +6282,40 @@
           </a:p>
         </p:txBody>
       </p:sp>
-      <p:sp>
-        <p:nvSpPr>
-          <p:cNvPr id="12" name="TextBox 11">
+      <p:pic>
+        <p:nvPicPr>
+          <p:cNvPr id="6" name="Picture 5">
             <a:extLst>
               <a:ext uri="{FF2B5EF4-FFF2-40B4-BE49-F238E27FC236}">
-                <a16:creationId xmlns:a16="http://schemas.microsoft.com/office/drawing/2014/main" id="{DC774B08-4E7A-B354-94E8-BB5CA3E42E42}"/>
+                <a16:creationId xmlns:a16="http://schemas.microsoft.com/office/drawing/2014/main" id="{ED030C7C-49C6-DE13-7FD6-0D9C5F789FC5}"/>
               </a:ext>
             </a:extLst>
           </p:cNvPr>
-          <p:cNvSpPr txBox="1"/>
+          <p:cNvPicPr>
+            <a:picLocks noChangeAspect="1"/>
+          </p:cNvPicPr>
           <p:nvPr/>
-        </p:nvSpPr>
-        <p:spPr>
-          <a:xfrm>
-            <a:off x="1108608" y="5388877"/>
-            <a:ext cx="8488544" cy="923330"/>
+        </p:nvPicPr>
+        <p:blipFill>
+          <a:blip r:embed="rId2"/>
+          <a:stretch>
+            <a:fillRect/>
+          </a:stretch>
+        </p:blipFill>
+        <p:spPr>
+          <a:xfrm>
+            <a:off x="2128062" y="938412"/>
+            <a:ext cx="7175225" cy="4430916"/>
           </a:xfrm>
           <a:prstGeom prst="rect">
             <a:avLst/>
           </a:prstGeom>
-          <a:noFill/>
-        </p:spPr>
-        <p:txBody>
-          <a:bodyPr wrap="square">
-            <a:spAutoFit/>
-          </a:bodyPr>
-          <a:lstStyle/>
-          <a:p>
-            <a:r>
-              <a:rPr lang="en-US" dirty="0">
-                <a:hlinkClick r:id="rId2"/>
-              </a:rPr>
-              <a:t>https://www.autosar.org/fileadmin/user_upload/standards/classic/4-3/AUTOSAR_SWS_DiagnosticEventManager.pdf</a:t>
-            </a:r>
-            <a:endParaRPr lang="en-US" dirty="0"/>
-          </a:p>
-          <a:p>
-            <a:endParaRPr lang="en-US" dirty="0"/>
-          </a:p>
-        </p:txBody>
-      </p:sp>
-      <p:sp>
-        <p:nvSpPr>
-          <p:cNvPr id="13" name="TextBox 12">
-            <a:extLst>
-              <a:ext uri="{FF2B5EF4-FFF2-40B4-BE49-F238E27FC236}">
-                <a16:creationId xmlns:a16="http://schemas.microsoft.com/office/drawing/2014/main" id="{BE0B7002-9488-75A2-7A5D-A11248DD9D7D}"/>
-              </a:ext>
-            </a:extLst>
-          </p:cNvPr>
-          <p:cNvSpPr txBox="1"/>
-          <p:nvPr/>
-        </p:nvSpPr>
-        <p:spPr>
-          <a:xfrm>
-            <a:off x="1192227" y="746803"/>
-            <a:ext cx="6101394" cy="369332"/>
-          </a:xfrm>
-          <a:prstGeom prst="rect">
-            <a:avLst/>
-          </a:prstGeom>
-          <a:noFill/>
-        </p:spPr>
-        <p:txBody>
-          <a:bodyPr wrap="square">
-            <a:spAutoFit/>
-          </a:bodyPr>
-          <a:lstStyle/>
-          <a:p>
-            <a:r>
-              <a:rPr lang="en-US" dirty="0"/>
-              <a:t>Diagnostic Event Manager</a:t>
-            </a:r>
-          </a:p>
-        </p:txBody>
-      </p:sp>
+        </p:spPr>
+      </p:pic>
     </p:spTree>
     <p:extLst>
       <p:ext uri="{BB962C8B-B14F-4D97-AF65-F5344CB8AC3E}">
-        <p14:creationId xmlns:p14="http://schemas.microsoft.com/office/powerpoint/2010/main" val="2545557363"/>
+        <p14:creationId xmlns:p14="http://schemas.microsoft.com/office/powerpoint/2010/main" val="4136555401"/>
       </p:ext>
     </p:extLst>
   </p:cSld>
@@ -6466,7 +6422,7 @@
         </p:nvSpPr>
         <p:spPr>
           <a:xfrm>
-            <a:off x="1524000" y="201010"/>
+            <a:off x="1139854" y="73071"/>
             <a:ext cx="9144000" cy="480770"/>
           </a:xfrm>
         </p:spPr>
@@ -6493,86 +6449,40 @@
           </a:p>
         </p:txBody>
       </p:sp>
-      <p:sp>
-        <p:nvSpPr>
-          <p:cNvPr id="7" name="TextBox 6">
+      <p:pic>
+        <p:nvPicPr>
+          <p:cNvPr id="19" name="Picture 18">
             <a:extLst>
               <a:ext uri="{FF2B5EF4-FFF2-40B4-BE49-F238E27FC236}">
-                <a16:creationId xmlns:a16="http://schemas.microsoft.com/office/drawing/2014/main" id="{787FAAE9-D248-CAFE-05FA-99944FE8F97C}"/>
+                <a16:creationId xmlns:a16="http://schemas.microsoft.com/office/drawing/2014/main" id="{8F9A634F-26C9-9BB6-D842-146F22F7120A}"/>
               </a:ext>
             </a:extLst>
           </p:cNvPr>
-          <p:cNvSpPr txBox="1"/>
+          <p:cNvPicPr>
+            <a:picLocks noChangeAspect="1"/>
+          </p:cNvPicPr>
           <p:nvPr/>
-        </p:nvSpPr>
-        <p:spPr>
-          <a:xfrm>
-            <a:off x="1524000" y="921655"/>
-            <a:ext cx="6323924" cy="369332"/>
+        </p:nvPicPr>
+        <p:blipFill>
+          <a:blip r:embed="rId2"/>
+          <a:stretch>
+            <a:fillRect/>
+          </a:stretch>
+        </p:blipFill>
+        <p:spPr>
+          <a:xfrm>
+            <a:off x="1908146" y="480770"/>
+            <a:ext cx="6434741" cy="6304159"/>
           </a:xfrm>
           <a:prstGeom prst="rect">
             <a:avLst/>
           </a:prstGeom>
-          <a:noFill/>
-        </p:spPr>
-        <p:txBody>
-          <a:bodyPr wrap="square">
-            <a:spAutoFit/>
-          </a:bodyPr>
-          <a:lstStyle/>
-          <a:p>
-            <a:r>
-              <a:rPr lang="en-US" dirty="0"/>
-              <a:t>- Function inhibition manager (FIM)</a:t>
-            </a:r>
-          </a:p>
-        </p:txBody>
-      </p:sp>
-      <p:sp>
-        <p:nvSpPr>
-          <p:cNvPr id="9" name="TextBox 8">
-            <a:extLst>
-              <a:ext uri="{FF2B5EF4-FFF2-40B4-BE49-F238E27FC236}">
-                <a16:creationId xmlns:a16="http://schemas.microsoft.com/office/drawing/2014/main" id="{D9FC8C51-E1F2-9008-AB8A-322751DA4389}"/>
-              </a:ext>
-            </a:extLst>
-          </p:cNvPr>
-          <p:cNvSpPr txBox="1"/>
-          <p:nvPr/>
-        </p:nvSpPr>
-        <p:spPr>
-          <a:xfrm>
-            <a:off x="890124" y="5936345"/>
-            <a:ext cx="6764942" cy="646331"/>
-          </a:xfrm>
-          <a:prstGeom prst="rect">
-            <a:avLst/>
-          </a:prstGeom>
-          <a:noFill/>
-        </p:spPr>
-        <p:txBody>
-          <a:bodyPr wrap="square">
-            <a:spAutoFit/>
-          </a:bodyPr>
-          <a:lstStyle/>
-          <a:p>
-            <a:r>
-              <a:rPr lang="en-US" dirty="0">
-                <a:hlinkClick r:id="rId2"/>
-              </a:rPr>
-              <a:t>https://www.autosar.org/fileadmin/user_upload/standards/classic/4-3/AUTOSAR_SWS_FunctionInhibitionManager.pdf</a:t>
-            </a:r>
-            <a:r>
-              <a:rPr lang="en-US" dirty="0"/>
-              <a:t> </a:t>
-            </a:r>
-          </a:p>
-        </p:txBody>
-      </p:sp>
+        </p:spPr>
+      </p:pic>
     </p:spTree>
     <p:extLst>
       <p:ext uri="{BB962C8B-B14F-4D97-AF65-F5344CB8AC3E}">
-        <p14:creationId xmlns:p14="http://schemas.microsoft.com/office/powerpoint/2010/main" val="1109187645"/>
+        <p14:creationId xmlns:p14="http://schemas.microsoft.com/office/powerpoint/2010/main" val="30761105"/>
       </p:ext>
     </p:extLst>
   </p:cSld>
@@ -6708,10 +6618,10 @@
       </p:sp>
       <p:sp>
         <p:nvSpPr>
-          <p:cNvPr id="5" name="TextBox 4">
+          <p:cNvPr id="12" name="TextBox 11">
             <a:extLst>
               <a:ext uri="{FF2B5EF4-FFF2-40B4-BE49-F238E27FC236}">
-                <a16:creationId xmlns:a16="http://schemas.microsoft.com/office/drawing/2014/main" id="{37E500C7-E94A-7AD2-71F2-9C7085F5725A}"/>
+                <a16:creationId xmlns:a16="http://schemas.microsoft.com/office/drawing/2014/main" id="{DC774B08-4E7A-B354-94E8-BB5CA3E42E42}"/>
               </a:ext>
             </a:extLst>
           </p:cNvPr>
@@ -6720,8 +6630,8 @@
         </p:nvSpPr>
         <p:spPr>
           <a:xfrm>
-            <a:off x="355946" y="5533581"/>
-            <a:ext cx="8656983" cy="646331"/>
+            <a:off x="1108608" y="5388877"/>
+            <a:ext cx="8488544" cy="923330"/>
           </a:xfrm>
           <a:prstGeom prst="rect">
             <a:avLst/>
@@ -6735,56 +6645,57 @@
           <a:lstStyle/>
           <a:p>
             <a:r>
-              <a:rPr lang="en-US" dirty="0"/>
-              <a:t> </a:t>
-            </a:r>
-            <a:r>
               <a:rPr lang="en-US" dirty="0">
                 <a:hlinkClick r:id="rId2"/>
               </a:rPr>
-              <a:t>https://www.autosar.org/fileadmin/user_upload/standards/classic/4-3/AUTOSAR_TPS_DiagnosticExtractTemplate.pdf</a:t>
-            </a:r>
-            <a:r>
-              <a:rPr lang="en-US" dirty="0"/>
-              <a:t> </a:t>
-            </a:r>
-          </a:p>
-        </p:txBody>
-      </p:sp>
-      <p:pic>
-        <p:nvPicPr>
-          <p:cNvPr id="14" name="Picture 13">
+              <a:t>https://www.autosar.org/fileadmin/user_upload/standards/classic/4-3/AUTOSAR_SWS_DiagnosticEventManager.pdf</a:t>
+            </a:r>
+            <a:endParaRPr lang="en-US" dirty="0"/>
+          </a:p>
+          <a:p>
+            <a:endParaRPr lang="en-US" dirty="0"/>
+          </a:p>
+        </p:txBody>
+      </p:sp>
+      <p:sp>
+        <p:nvSpPr>
+          <p:cNvPr id="13" name="TextBox 12">
             <a:extLst>
               <a:ext uri="{FF2B5EF4-FFF2-40B4-BE49-F238E27FC236}">
-                <a16:creationId xmlns:a16="http://schemas.microsoft.com/office/drawing/2014/main" id="{9E272989-918B-8C27-9E00-829691C5A6C3}"/>
+                <a16:creationId xmlns:a16="http://schemas.microsoft.com/office/drawing/2014/main" id="{BE0B7002-9488-75A2-7A5D-A11248DD9D7D}"/>
               </a:ext>
             </a:extLst>
           </p:cNvPr>
-          <p:cNvPicPr>
-            <a:picLocks noChangeAspect="1"/>
-          </p:cNvPicPr>
+          <p:cNvSpPr txBox="1"/>
           <p:nvPr/>
-        </p:nvPicPr>
-        <p:blipFill>
-          <a:blip r:embed="rId3"/>
-          <a:stretch>
-            <a:fillRect/>
-          </a:stretch>
-        </p:blipFill>
-        <p:spPr>
-          <a:xfrm>
-            <a:off x="1039661" y="1111495"/>
-            <a:ext cx="7973268" cy="3764000"/>
+        </p:nvSpPr>
+        <p:spPr>
+          <a:xfrm>
+            <a:off x="1192227" y="746803"/>
+            <a:ext cx="6101394" cy="369332"/>
           </a:xfrm>
           <a:prstGeom prst="rect">
             <a:avLst/>
           </a:prstGeom>
-        </p:spPr>
-      </p:pic>
+          <a:noFill/>
+        </p:spPr>
+        <p:txBody>
+          <a:bodyPr wrap="square">
+            <a:spAutoFit/>
+          </a:bodyPr>
+          <a:lstStyle/>
+          <a:p>
+            <a:r>
+              <a:rPr lang="en-US" dirty="0"/>
+              <a:t>Diagnostic Event Manager</a:t>
+            </a:r>
+          </a:p>
+        </p:txBody>
+      </p:sp>
     </p:spTree>
     <p:extLst>
       <p:ext uri="{BB962C8B-B14F-4D97-AF65-F5344CB8AC3E}">
-        <p14:creationId xmlns:p14="http://schemas.microsoft.com/office/powerpoint/2010/main" val="2890711851"/>
+        <p14:creationId xmlns:p14="http://schemas.microsoft.com/office/powerpoint/2010/main" val="2545557363"/>
       </p:ext>
     </p:extLst>
   </p:cSld>
@@ -6918,6 +6829,431 @@
           </a:p>
         </p:txBody>
       </p:sp>
+      <p:sp>
+        <p:nvSpPr>
+          <p:cNvPr id="7" name="TextBox 6">
+            <a:extLst>
+              <a:ext uri="{FF2B5EF4-FFF2-40B4-BE49-F238E27FC236}">
+                <a16:creationId xmlns:a16="http://schemas.microsoft.com/office/drawing/2014/main" id="{787FAAE9-D248-CAFE-05FA-99944FE8F97C}"/>
+              </a:ext>
+            </a:extLst>
+          </p:cNvPr>
+          <p:cNvSpPr txBox="1"/>
+          <p:nvPr/>
+        </p:nvSpPr>
+        <p:spPr>
+          <a:xfrm>
+            <a:off x="1524000" y="921655"/>
+            <a:ext cx="6323924" cy="369332"/>
+          </a:xfrm>
+          <a:prstGeom prst="rect">
+            <a:avLst/>
+          </a:prstGeom>
+          <a:noFill/>
+        </p:spPr>
+        <p:txBody>
+          <a:bodyPr wrap="square">
+            <a:spAutoFit/>
+          </a:bodyPr>
+          <a:lstStyle/>
+          <a:p>
+            <a:r>
+              <a:rPr lang="en-US" dirty="0"/>
+              <a:t>- Function inhibition manager (FIM)</a:t>
+            </a:r>
+          </a:p>
+        </p:txBody>
+      </p:sp>
+      <p:sp>
+        <p:nvSpPr>
+          <p:cNvPr id="9" name="TextBox 8">
+            <a:extLst>
+              <a:ext uri="{FF2B5EF4-FFF2-40B4-BE49-F238E27FC236}">
+                <a16:creationId xmlns:a16="http://schemas.microsoft.com/office/drawing/2014/main" id="{D9FC8C51-E1F2-9008-AB8A-322751DA4389}"/>
+              </a:ext>
+            </a:extLst>
+          </p:cNvPr>
+          <p:cNvSpPr txBox="1"/>
+          <p:nvPr/>
+        </p:nvSpPr>
+        <p:spPr>
+          <a:xfrm>
+            <a:off x="890124" y="5936345"/>
+            <a:ext cx="6764942" cy="646331"/>
+          </a:xfrm>
+          <a:prstGeom prst="rect">
+            <a:avLst/>
+          </a:prstGeom>
+          <a:noFill/>
+        </p:spPr>
+        <p:txBody>
+          <a:bodyPr wrap="square">
+            <a:spAutoFit/>
+          </a:bodyPr>
+          <a:lstStyle/>
+          <a:p>
+            <a:r>
+              <a:rPr lang="en-US" dirty="0">
+                <a:hlinkClick r:id="rId2"/>
+              </a:rPr>
+              <a:t>https://www.autosar.org/fileadmin/user_upload/standards/classic/4-3/AUTOSAR_SWS_FunctionInhibitionManager.pdf</a:t>
+            </a:r>
+            <a:r>
+              <a:rPr lang="en-US" dirty="0"/>
+              <a:t> </a:t>
+            </a:r>
+          </a:p>
+        </p:txBody>
+      </p:sp>
+    </p:spTree>
+    <p:extLst>
+      <p:ext uri="{BB962C8B-B14F-4D97-AF65-F5344CB8AC3E}">
+        <p14:creationId xmlns:p14="http://schemas.microsoft.com/office/powerpoint/2010/main" val="1109187645"/>
+      </p:ext>
+    </p:extLst>
+  </p:cSld>
+  <p:clrMapOvr>
+    <a:masterClrMapping/>
+  </p:clrMapOvr>
+</p:sld>
+</file>
+
+<file path=ppt/slides/slide15.xml><?xml version="1.0" encoding="utf-8"?>
+<p:sld xmlns:a="http://schemas.openxmlformats.org/drawingml/2006/main" xmlns:r="http://schemas.openxmlformats.org/officeDocument/2006/relationships" xmlns:p="http://schemas.openxmlformats.org/presentationml/2006/main">
+  <p:cSld>
+    <p:spTree>
+      <p:nvGrpSpPr>
+        <p:cNvPr id="1" name=""/>
+        <p:cNvGrpSpPr/>
+        <p:nvPr/>
+      </p:nvGrpSpPr>
+      <p:grpSpPr>
+        <a:xfrm>
+          <a:off x="0" y="0"/>
+          <a:ext cx="0" cy="0"/>
+          <a:chOff x="0" y="0"/>
+          <a:chExt cx="0" cy="0"/>
+        </a:xfrm>
+      </p:grpSpPr>
+      <p:sp>
+        <p:nvSpPr>
+          <p:cNvPr id="2" name="Title 1">
+            <a:extLst>
+              <a:ext uri="{FF2B5EF4-FFF2-40B4-BE49-F238E27FC236}">
+                <a16:creationId xmlns:a16="http://schemas.microsoft.com/office/drawing/2014/main" id="{18376907-66DA-E7FF-9CFC-B17B1D70BA29}"/>
+              </a:ext>
+            </a:extLst>
+          </p:cNvPr>
+          <p:cNvSpPr>
+            <a:spLocks noGrp="1"/>
+          </p:cNvSpPr>
+          <p:nvPr>
+            <p:ph type="ctrTitle"/>
+          </p:nvPr>
+        </p:nvSpPr>
+        <p:spPr>
+          <a:xfrm>
+            <a:off x="440636" y="6377230"/>
+            <a:ext cx="11625468" cy="480770"/>
+          </a:xfrm>
+        </p:spPr>
+        <p:txBody>
+          <a:bodyPr>
+            <a:normAutofit/>
+          </a:bodyPr>
+          <a:lstStyle/>
+          <a:p>
+            <a:pPr algn="r"/>
+            <a:r>
+              <a:rPr lang="en-US" sz="1100" dirty="0">
+                <a:solidFill>
+                  <a:schemeClr val="tx1">
+                    <a:lumMod val="95000"/>
+                    <a:lumOff val="5000"/>
+                  </a:schemeClr>
+                </a:solidFill>
+              </a:rPr>
+              <a:t>  Thong LT                                           </a:t>
+            </a:r>
+            <a:r>
+              <a:rPr lang="en-US" sz="1100" b="1" dirty="0" err="1">
+                <a:solidFill>
+                  <a:schemeClr val="tx1">
+                    <a:lumMod val="95000"/>
+                    <a:lumOff val="5000"/>
+                  </a:schemeClr>
+                </a:solidFill>
+              </a:rPr>
+              <a:t>autosar</a:t>
+            </a:r>
+            <a:endParaRPr lang="en-US" sz="1100" b="1" dirty="0">
+              <a:solidFill>
+                <a:schemeClr val="tx1">
+                  <a:lumMod val="95000"/>
+                  <a:lumOff val="5000"/>
+                </a:schemeClr>
+              </a:solidFill>
+            </a:endParaRPr>
+          </a:p>
+        </p:txBody>
+      </p:sp>
+      <p:sp>
+        <p:nvSpPr>
+          <p:cNvPr id="3" name="Subtitle 2">
+            <a:extLst>
+              <a:ext uri="{FF2B5EF4-FFF2-40B4-BE49-F238E27FC236}">
+                <a16:creationId xmlns:a16="http://schemas.microsoft.com/office/drawing/2014/main" id="{5AB01118-5054-C67F-9B29-AAED41D02329}"/>
+              </a:ext>
+            </a:extLst>
+          </p:cNvPr>
+          <p:cNvSpPr>
+            <a:spLocks noGrp="1"/>
+          </p:cNvSpPr>
+          <p:nvPr>
+            <p:ph type="subTitle" idx="1"/>
+          </p:nvPr>
+        </p:nvSpPr>
+        <p:spPr>
+          <a:xfrm>
+            <a:off x="1524000" y="201010"/>
+            <a:ext cx="9144000" cy="480770"/>
+          </a:xfrm>
+        </p:spPr>
+        <p:txBody>
+          <a:bodyPr/>
+          <a:lstStyle/>
+          <a:p>
+            <a:pPr algn="l"/>
+            <a:r>
+              <a:rPr lang="en-US" b="1" dirty="0"/>
+              <a:t>5. Diagnostic over Internet Protocol (</a:t>
+            </a:r>
+            <a:r>
+              <a:rPr lang="en-US" b="1" dirty="0" err="1"/>
+              <a:t>DoIP</a:t>
+            </a:r>
+            <a:r>
+              <a:rPr lang="en-US" b="1" dirty="0"/>
+              <a:t>)</a:t>
+            </a:r>
+          </a:p>
+          <a:p>
+            <a:endParaRPr lang="en-US" dirty="0"/>
+          </a:p>
+        </p:txBody>
+      </p:sp>
+      <p:sp>
+        <p:nvSpPr>
+          <p:cNvPr id="5" name="TextBox 4">
+            <a:extLst>
+              <a:ext uri="{FF2B5EF4-FFF2-40B4-BE49-F238E27FC236}">
+                <a16:creationId xmlns:a16="http://schemas.microsoft.com/office/drawing/2014/main" id="{37E500C7-E94A-7AD2-71F2-9C7085F5725A}"/>
+              </a:ext>
+            </a:extLst>
+          </p:cNvPr>
+          <p:cNvSpPr txBox="1"/>
+          <p:nvPr/>
+        </p:nvSpPr>
+        <p:spPr>
+          <a:xfrm>
+            <a:off x="355946" y="5533581"/>
+            <a:ext cx="8656983" cy="646331"/>
+          </a:xfrm>
+          <a:prstGeom prst="rect">
+            <a:avLst/>
+          </a:prstGeom>
+          <a:noFill/>
+        </p:spPr>
+        <p:txBody>
+          <a:bodyPr wrap="square">
+            <a:spAutoFit/>
+          </a:bodyPr>
+          <a:lstStyle/>
+          <a:p>
+            <a:r>
+              <a:rPr lang="en-US" dirty="0"/>
+              <a:t> </a:t>
+            </a:r>
+            <a:r>
+              <a:rPr lang="en-US" dirty="0">
+                <a:hlinkClick r:id="rId2"/>
+              </a:rPr>
+              <a:t>https://www.autosar.org/fileadmin/user_upload/standards/classic/4-3/AUTOSAR_TPS_DiagnosticExtractTemplate.pdf</a:t>
+            </a:r>
+            <a:r>
+              <a:rPr lang="en-US" dirty="0"/>
+              <a:t> </a:t>
+            </a:r>
+          </a:p>
+        </p:txBody>
+      </p:sp>
+      <p:pic>
+        <p:nvPicPr>
+          <p:cNvPr id="14" name="Picture 13">
+            <a:extLst>
+              <a:ext uri="{FF2B5EF4-FFF2-40B4-BE49-F238E27FC236}">
+                <a16:creationId xmlns:a16="http://schemas.microsoft.com/office/drawing/2014/main" id="{9E272989-918B-8C27-9E00-829691C5A6C3}"/>
+              </a:ext>
+            </a:extLst>
+          </p:cNvPr>
+          <p:cNvPicPr>
+            <a:picLocks noChangeAspect="1"/>
+          </p:cNvPicPr>
+          <p:nvPr/>
+        </p:nvPicPr>
+        <p:blipFill>
+          <a:blip r:embed="rId3"/>
+          <a:stretch>
+            <a:fillRect/>
+          </a:stretch>
+        </p:blipFill>
+        <p:spPr>
+          <a:xfrm>
+            <a:off x="1039661" y="1111495"/>
+            <a:ext cx="7973268" cy="3764000"/>
+          </a:xfrm>
+          <a:prstGeom prst="rect">
+            <a:avLst/>
+          </a:prstGeom>
+        </p:spPr>
+      </p:pic>
+    </p:spTree>
+    <p:extLst>
+      <p:ext uri="{BB962C8B-B14F-4D97-AF65-F5344CB8AC3E}">
+        <p14:creationId xmlns:p14="http://schemas.microsoft.com/office/powerpoint/2010/main" val="2890711851"/>
+      </p:ext>
+    </p:extLst>
+  </p:cSld>
+  <p:clrMapOvr>
+    <a:masterClrMapping/>
+  </p:clrMapOvr>
+</p:sld>
+</file>
+
+<file path=ppt/slides/slide16.xml><?xml version="1.0" encoding="utf-8"?>
+<p:sld xmlns:a="http://schemas.openxmlformats.org/drawingml/2006/main" xmlns:r="http://schemas.openxmlformats.org/officeDocument/2006/relationships" xmlns:p="http://schemas.openxmlformats.org/presentationml/2006/main">
+  <p:cSld>
+    <p:spTree>
+      <p:nvGrpSpPr>
+        <p:cNvPr id="1" name=""/>
+        <p:cNvGrpSpPr/>
+        <p:nvPr/>
+      </p:nvGrpSpPr>
+      <p:grpSpPr>
+        <a:xfrm>
+          <a:off x="0" y="0"/>
+          <a:ext cx="0" cy="0"/>
+          <a:chOff x="0" y="0"/>
+          <a:chExt cx="0" cy="0"/>
+        </a:xfrm>
+      </p:grpSpPr>
+      <p:sp>
+        <p:nvSpPr>
+          <p:cNvPr id="2" name="Title 1">
+            <a:extLst>
+              <a:ext uri="{FF2B5EF4-FFF2-40B4-BE49-F238E27FC236}">
+                <a16:creationId xmlns:a16="http://schemas.microsoft.com/office/drawing/2014/main" id="{18376907-66DA-E7FF-9CFC-B17B1D70BA29}"/>
+              </a:ext>
+            </a:extLst>
+          </p:cNvPr>
+          <p:cNvSpPr>
+            <a:spLocks noGrp="1"/>
+          </p:cNvSpPr>
+          <p:nvPr>
+            <p:ph type="ctrTitle"/>
+          </p:nvPr>
+        </p:nvSpPr>
+        <p:spPr>
+          <a:xfrm>
+            <a:off x="440636" y="6377230"/>
+            <a:ext cx="11625468" cy="480770"/>
+          </a:xfrm>
+        </p:spPr>
+        <p:txBody>
+          <a:bodyPr>
+            <a:normAutofit/>
+          </a:bodyPr>
+          <a:lstStyle/>
+          <a:p>
+            <a:pPr algn="r"/>
+            <a:r>
+              <a:rPr lang="en-US" sz="1100" dirty="0">
+                <a:solidFill>
+                  <a:schemeClr val="tx1">
+                    <a:lumMod val="95000"/>
+                    <a:lumOff val="5000"/>
+                  </a:schemeClr>
+                </a:solidFill>
+              </a:rPr>
+              <a:t>  Thong LT                                           </a:t>
+            </a:r>
+            <a:r>
+              <a:rPr lang="en-US" sz="1100" b="1" dirty="0" err="1">
+                <a:solidFill>
+                  <a:schemeClr val="tx1">
+                    <a:lumMod val="95000"/>
+                    <a:lumOff val="5000"/>
+                  </a:schemeClr>
+                </a:solidFill>
+              </a:rPr>
+              <a:t>autosar</a:t>
+            </a:r>
+            <a:endParaRPr lang="en-US" sz="1100" b="1" dirty="0">
+              <a:solidFill>
+                <a:schemeClr val="tx1">
+                  <a:lumMod val="95000"/>
+                  <a:lumOff val="5000"/>
+                </a:schemeClr>
+              </a:solidFill>
+            </a:endParaRPr>
+          </a:p>
+        </p:txBody>
+      </p:sp>
+      <p:sp>
+        <p:nvSpPr>
+          <p:cNvPr id="3" name="Subtitle 2">
+            <a:extLst>
+              <a:ext uri="{FF2B5EF4-FFF2-40B4-BE49-F238E27FC236}">
+                <a16:creationId xmlns:a16="http://schemas.microsoft.com/office/drawing/2014/main" id="{5AB01118-5054-C67F-9B29-AAED41D02329}"/>
+              </a:ext>
+            </a:extLst>
+          </p:cNvPr>
+          <p:cNvSpPr>
+            <a:spLocks noGrp="1"/>
+          </p:cNvSpPr>
+          <p:nvPr>
+            <p:ph type="subTitle" idx="1"/>
+          </p:nvPr>
+        </p:nvSpPr>
+        <p:spPr>
+          <a:xfrm>
+            <a:off x="1524000" y="201010"/>
+            <a:ext cx="9144000" cy="480770"/>
+          </a:xfrm>
+        </p:spPr>
+        <p:txBody>
+          <a:bodyPr/>
+          <a:lstStyle/>
+          <a:p>
+            <a:pPr algn="l"/>
+            <a:r>
+              <a:rPr lang="en-US" b="1" dirty="0"/>
+              <a:t>5. Diagnostic over Internet Protocol (</a:t>
+            </a:r>
+            <a:r>
+              <a:rPr lang="en-US" b="1" dirty="0" err="1"/>
+              <a:t>DoIP</a:t>
+            </a:r>
+            <a:r>
+              <a:rPr lang="en-US" b="1" dirty="0"/>
+              <a:t>)</a:t>
+            </a:r>
+          </a:p>
+          <a:p>
+            <a:endParaRPr lang="en-US" dirty="0"/>
+          </a:p>
+        </p:txBody>
+      </p:sp>
       <p:pic>
         <p:nvPicPr>
           <p:cNvPr id="6" name="Picture 5" descr="Graphical user interface, timeline&#10;&#10;Description automatically generated">
@@ -6967,7 +7303,7 @@
 </p:sld>
 </file>
 
-<file path=ppt/slides/slide15.xml><?xml version="1.0" encoding="utf-8"?>
+<file path=ppt/slides/slide17.xml><?xml version="1.0" encoding="utf-8"?>
 <p:sld xmlns:a="http://schemas.openxmlformats.org/drawingml/2006/main" xmlns:r="http://schemas.openxmlformats.org/officeDocument/2006/relationships" xmlns:p="http://schemas.openxmlformats.org/presentationml/2006/main">
   <p:cSld>
     <p:spTree>
@@ -7178,7 +7514,7 @@
 </p:sld>
 </file>
 
-<file path=ppt/slides/slide16.xml><?xml version="1.0" encoding="utf-8"?>
+<file path=ppt/slides/slide18.xml><?xml version="1.0" encoding="utf-8"?>
 <p:sld xmlns:a="http://schemas.openxmlformats.org/drawingml/2006/main" xmlns:r="http://schemas.openxmlformats.org/officeDocument/2006/relationships" xmlns:p="http://schemas.openxmlformats.org/presentationml/2006/main">
   <p:cSld>
     <p:spTree>
@@ -7311,7 +7647,7 @@
 </p:sld>
 </file>
 
-<file path=ppt/slides/slide17.xml><?xml version="1.0" encoding="utf-8"?>
+<file path=ppt/slides/slide19.xml><?xml version="1.0" encoding="utf-8"?>
 <p:sld xmlns:a="http://schemas.openxmlformats.org/drawingml/2006/main" xmlns:r="http://schemas.openxmlformats.org/officeDocument/2006/relationships" xmlns:p="http://schemas.openxmlformats.org/presentationml/2006/main">
   <p:cSld>
     <p:spTree>

--- a/Autosar.pptx
+++ b/Autosar.pptx
@@ -15,15 +15,16 @@
     <p:sldId id="259" r:id="rId9"/>
     <p:sldId id="270" r:id="rId10"/>
     <p:sldId id="274" r:id="rId11"/>
-    <p:sldId id="275" r:id="rId12"/>
-    <p:sldId id="271" r:id="rId13"/>
-    <p:sldId id="273" r:id="rId14"/>
-    <p:sldId id="272" r:id="rId15"/>
-    <p:sldId id="269" r:id="rId16"/>
-    <p:sldId id="263" r:id="rId17"/>
-    <p:sldId id="268" r:id="rId18"/>
-    <p:sldId id="260" r:id="rId19"/>
-    <p:sldId id="261" r:id="rId20"/>
+    <p:sldId id="276" r:id="rId12"/>
+    <p:sldId id="277" r:id="rId13"/>
+    <p:sldId id="271" r:id="rId14"/>
+    <p:sldId id="273" r:id="rId15"/>
+    <p:sldId id="272" r:id="rId16"/>
+    <p:sldId id="269" r:id="rId17"/>
+    <p:sldId id="263" r:id="rId18"/>
+    <p:sldId id="268" r:id="rId19"/>
+    <p:sldId id="260" r:id="rId20"/>
+    <p:sldId id="261" r:id="rId21"/>
   </p:sldIdLst>
   <p:sldSz cx="12192000" cy="6858000"/>
   <p:notesSz cx="6858000" cy="9144000"/>
@@ -6284,10 +6285,10 @@
       </p:sp>
       <p:pic>
         <p:nvPicPr>
-          <p:cNvPr id="6" name="Picture 5">
+          <p:cNvPr id="8" name="Picture 7">
             <a:extLst>
               <a:ext uri="{FF2B5EF4-FFF2-40B4-BE49-F238E27FC236}">
-                <a16:creationId xmlns:a16="http://schemas.microsoft.com/office/drawing/2014/main" id="{ED030C7C-49C6-DE13-7FD6-0D9C5F789FC5}"/>
+                <a16:creationId xmlns:a16="http://schemas.microsoft.com/office/drawing/2014/main" id="{CEB08B36-80F0-47BB-70A5-C94F72BD6915}"/>
               </a:ext>
             </a:extLst>
           </p:cNvPr>
@@ -6304,8 +6305,38 @@
         </p:blipFill>
         <p:spPr>
           <a:xfrm>
-            <a:off x="2128062" y="938412"/>
-            <a:ext cx="7175225" cy="4430916"/>
+            <a:off x="-87419" y="559374"/>
+            <a:ext cx="5912084" cy="3639367"/>
+          </a:xfrm>
+          <a:prstGeom prst="rect">
+            <a:avLst/>
+          </a:prstGeom>
+        </p:spPr>
+      </p:pic>
+      <p:pic>
+        <p:nvPicPr>
+          <p:cNvPr id="10" name="Picture 9">
+            <a:extLst>
+              <a:ext uri="{FF2B5EF4-FFF2-40B4-BE49-F238E27FC236}">
+                <a16:creationId xmlns:a16="http://schemas.microsoft.com/office/drawing/2014/main" id="{A2520EDE-8168-6AC9-0009-D15810BB5485}"/>
+              </a:ext>
+            </a:extLst>
+          </p:cNvPr>
+          <p:cNvPicPr>
+            <a:picLocks noChangeAspect="1"/>
+          </p:cNvPicPr>
+          <p:nvPr/>
+        </p:nvPicPr>
+        <p:blipFill>
+          <a:blip r:embed="rId3"/>
+          <a:stretch>
+            <a:fillRect/>
+          </a:stretch>
+        </p:blipFill>
+        <p:spPr>
+          <a:xfrm>
+            <a:off x="5893699" y="1127169"/>
+            <a:ext cx="5791200" cy="5556216"/>
           </a:xfrm>
           <a:prstGeom prst="rect">
             <a:avLst/>
@@ -6315,7 +6346,7 @@
     </p:spTree>
     <p:extLst>
       <p:ext uri="{BB962C8B-B14F-4D97-AF65-F5344CB8AC3E}">
-        <p14:creationId xmlns:p14="http://schemas.microsoft.com/office/powerpoint/2010/main" val="4136555401"/>
+        <p14:creationId xmlns:p14="http://schemas.microsoft.com/office/powerpoint/2010/main" val="3267022333"/>
       </p:ext>
     </p:extLst>
   </p:cSld>
@@ -6422,7 +6453,7 @@
         </p:nvSpPr>
         <p:spPr>
           <a:xfrm>
-            <a:off x="1139854" y="73071"/>
+            <a:off x="1524000" y="201010"/>
             <a:ext cx="9144000" cy="480770"/>
           </a:xfrm>
         </p:spPr>
@@ -6451,10 +6482,10 @@
       </p:sp>
       <p:pic>
         <p:nvPicPr>
-          <p:cNvPr id="19" name="Picture 18">
+          <p:cNvPr id="5" name="Picture 4">
             <a:extLst>
               <a:ext uri="{FF2B5EF4-FFF2-40B4-BE49-F238E27FC236}">
-                <a16:creationId xmlns:a16="http://schemas.microsoft.com/office/drawing/2014/main" id="{8F9A634F-26C9-9BB6-D842-146F22F7120A}"/>
+                <a16:creationId xmlns:a16="http://schemas.microsoft.com/office/drawing/2014/main" id="{9D5957DF-39F8-23F6-4466-506CFA152067}"/>
               </a:ext>
             </a:extLst>
           </p:cNvPr>
@@ -6471,8 +6502,8 @@
         </p:blipFill>
         <p:spPr>
           <a:xfrm>
-            <a:off x="1908146" y="480770"/>
-            <a:ext cx="6434741" cy="6304159"/>
+            <a:off x="1356675" y="1001710"/>
+            <a:ext cx="6408061" cy="5375520"/>
           </a:xfrm>
           <a:prstGeom prst="rect">
             <a:avLst/>
@@ -6482,7 +6513,7 @@
     </p:spTree>
     <p:extLst>
       <p:ext uri="{BB962C8B-B14F-4D97-AF65-F5344CB8AC3E}">
-        <p14:creationId xmlns:p14="http://schemas.microsoft.com/office/powerpoint/2010/main" val="30761105"/>
+        <p14:creationId xmlns:p14="http://schemas.microsoft.com/office/powerpoint/2010/main" val="1455920422"/>
       </p:ext>
     </p:extLst>
   </p:cSld>
@@ -6589,7 +6620,7 @@
         </p:nvSpPr>
         <p:spPr>
           <a:xfrm>
-            <a:off x="1524000" y="201010"/>
+            <a:off x="1139854" y="73071"/>
             <a:ext cx="9144000" cy="480770"/>
           </a:xfrm>
         </p:spPr>
@@ -6616,86 +6647,40 @@
           </a:p>
         </p:txBody>
       </p:sp>
-      <p:sp>
-        <p:nvSpPr>
-          <p:cNvPr id="12" name="TextBox 11">
+      <p:pic>
+        <p:nvPicPr>
+          <p:cNvPr id="19" name="Picture 18">
             <a:extLst>
               <a:ext uri="{FF2B5EF4-FFF2-40B4-BE49-F238E27FC236}">
-                <a16:creationId xmlns:a16="http://schemas.microsoft.com/office/drawing/2014/main" id="{DC774B08-4E7A-B354-94E8-BB5CA3E42E42}"/>
+                <a16:creationId xmlns:a16="http://schemas.microsoft.com/office/drawing/2014/main" id="{8F9A634F-26C9-9BB6-D842-146F22F7120A}"/>
               </a:ext>
             </a:extLst>
           </p:cNvPr>
-          <p:cNvSpPr txBox="1"/>
+          <p:cNvPicPr>
+            <a:picLocks noChangeAspect="1"/>
+          </p:cNvPicPr>
           <p:nvPr/>
-        </p:nvSpPr>
-        <p:spPr>
-          <a:xfrm>
-            <a:off x="1108608" y="5388877"/>
-            <a:ext cx="8488544" cy="923330"/>
+        </p:nvPicPr>
+        <p:blipFill>
+          <a:blip r:embed="rId2"/>
+          <a:stretch>
+            <a:fillRect/>
+          </a:stretch>
+        </p:blipFill>
+        <p:spPr>
+          <a:xfrm>
+            <a:off x="1908146" y="480770"/>
+            <a:ext cx="6434741" cy="6304159"/>
           </a:xfrm>
           <a:prstGeom prst="rect">
             <a:avLst/>
           </a:prstGeom>
-          <a:noFill/>
-        </p:spPr>
-        <p:txBody>
-          <a:bodyPr wrap="square">
-            <a:spAutoFit/>
-          </a:bodyPr>
-          <a:lstStyle/>
-          <a:p>
-            <a:r>
-              <a:rPr lang="en-US" dirty="0">
-                <a:hlinkClick r:id="rId2"/>
-              </a:rPr>
-              <a:t>https://www.autosar.org/fileadmin/user_upload/standards/classic/4-3/AUTOSAR_SWS_DiagnosticEventManager.pdf</a:t>
-            </a:r>
-            <a:endParaRPr lang="en-US" dirty="0"/>
-          </a:p>
-          <a:p>
-            <a:endParaRPr lang="en-US" dirty="0"/>
-          </a:p>
-        </p:txBody>
-      </p:sp>
-      <p:sp>
-        <p:nvSpPr>
-          <p:cNvPr id="13" name="TextBox 12">
-            <a:extLst>
-              <a:ext uri="{FF2B5EF4-FFF2-40B4-BE49-F238E27FC236}">
-                <a16:creationId xmlns:a16="http://schemas.microsoft.com/office/drawing/2014/main" id="{BE0B7002-9488-75A2-7A5D-A11248DD9D7D}"/>
-              </a:ext>
-            </a:extLst>
-          </p:cNvPr>
-          <p:cNvSpPr txBox="1"/>
-          <p:nvPr/>
-        </p:nvSpPr>
-        <p:spPr>
-          <a:xfrm>
-            <a:off x="1192227" y="746803"/>
-            <a:ext cx="6101394" cy="369332"/>
-          </a:xfrm>
-          <a:prstGeom prst="rect">
-            <a:avLst/>
-          </a:prstGeom>
-          <a:noFill/>
-        </p:spPr>
-        <p:txBody>
-          <a:bodyPr wrap="square">
-            <a:spAutoFit/>
-          </a:bodyPr>
-          <a:lstStyle/>
-          <a:p>
-            <a:r>
-              <a:rPr lang="en-US" dirty="0"/>
-              <a:t>Diagnostic Event Manager</a:t>
-            </a:r>
-          </a:p>
-        </p:txBody>
-      </p:sp>
+        </p:spPr>
+      </p:pic>
     </p:spTree>
     <p:extLst>
       <p:ext uri="{BB962C8B-B14F-4D97-AF65-F5344CB8AC3E}">
-        <p14:creationId xmlns:p14="http://schemas.microsoft.com/office/powerpoint/2010/main" val="2545557363"/>
+        <p14:creationId xmlns:p14="http://schemas.microsoft.com/office/powerpoint/2010/main" val="30761105"/>
       </p:ext>
     </p:extLst>
   </p:cSld>
@@ -6831,10 +6816,10 @@
       </p:sp>
       <p:sp>
         <p:nvSpPr>
-          <p:cNvPr id="7" name="TextBox 6">
+          <p:cNvPr id="12" name="TextBox 11">
             <a:extLst>
               <a:ext uri="{FF2B5EF4-FFF2-40B4-BE49-F238E27FC236}">
-                <a16:creationId xmlns:a16="http://schemas.microsoft.com/office/drawing/2014/main" id="{787FAAE9-D248-CAFE-05FA-99944FE8F97C}"/>
+                <a16:creationId xmlns:a16="http://schemas.microsoft.com/office/drawing/2014/main" id="{DC774B08-4E7A-B354-94E8-BB5CA3E42E42}"/>
               </a:ext>
             </a:extLst>
           </p:cNvPr>
@@ -6843,8 +6828,8 @@
         </p:nvSpPr>
         <p:spPr>
           <a:xfrm>
-            <a:off x="1524000" y="921655"/>
-            <a:ext cx="6323924" cy="369332"/>
+            <a:off x="1108608" y="5388877"/>
+            <a:ext cx="8488544" cy="923330"/>
           </a:xfrm>
           <a:prstGeom prst="rect">
             <a:avLst/>
@@ -6858,18 +6843,24 @@
           <a:lstStyle/>
           <a:p>
             <a:r>
-              <a:rPr lang="en-US" dirty="0"/>
-              <a:t>- Function inhibition manager (FIM)</a:t>
-            </a:r>
-          </a:p>
-        </p:txBody>
-      </p:sp>
-      <p:sp>
-        <p:nvSpPr>
-          <p:cNvPr id="9" name="TextBox 8">
+              <a:rPr lang="en-US" dirty="0">
+                <a:hlinkClick r:id="rId2"/>
+              </a:rPr>
+              <a:t>https://www.autosar.org/fileadmin/user_upload/standards/classic/4-3/AUTOSAR_SWS_DiagnosticEventManager.pdf</a:t>
+            </a:r>
+            <a:endParaRPr lang="en-US" dirty="0"/>
+          </a:p>
+          <a:p>
+            <a:endParaRPr lang="en-US" dirty="0"/>
+          </a:p>
+        </p:txBody>
+      </p:sp>
+      <p:sp>
+        <p:nvSpPr>
+          <p:cNvPr id="13" name="TextBox 12">
             <a:extLst>
               <a:ext uri="{FF2B5EF4-FFF2-40B4-BE49-F238E27FC236}">
-                <a16:creationId xmlns:a16="http://schemas.microsoft.com/office/drawing/2014/main" id="{D9FC8C51-E1F2-9008-AB8A-322751DA4389}"/>
+                <a16:creationId xmlns:a16="http://schemas.microsoft.com/office/drawing/2014/main" id="{BE0B7002-9488-75A2-7A5D-A11248DD9D7D}"/>
               </a:ext>
             </a:extLst>
           </p:cNvPr>
@@ -6878,8 +6869,8 @@
         </p:nvSpPr>
         <p:spPr>
           <a:xfrm>
-            <a:off x="890124" y="5936345"/>
-            <a:ext cx="6764942" cy="646331"/>
+            <a:off x="1192227" y="746803"/>
+            <a:ext cx="6101394" cy="369332"/>
           </a:xfrm>
           <a:prstGeom prst="rect">
             <a:avLst/>
@@ -6893,14 +6884,8 @@
           <a:lstStyle/>
           <a:p>
             <a:r>
-              <a:rPr lang="en-US" dirty="0">
-                <a:hlinkClick r:id="rId2"/>
-              </a:rPr>
-              <a:t>https://www.autosar.org/fileadmin/user_upload/standards/classic/4-3/AUTOSAR_SWS_FunctionInhibitionManager.pdf</a:t>
-            </a:r>
-            <a:r>
               <a:rPr lang="en-US" dirty="0"/>
-              <a:t> </a:t>
+              <a:t>Diagnostic Event Manager</a:t>
             </a:r>
           </a:p>
         </p:txBody>
@@ -6908,7 +6893,7 @@
     </p:spTree>
     <p:extLst>
       <p:ext uri="{BB962C8B-B14F-4D97-AF65-F5344CB8AC3E}">
-        <p14:creationId xmlns:p14="http://schemas.microsoft.com/office/powerpoint/2010/main" val="1109187645"/>
+        <p14:creationId xmlns:p14="http://schemas.microsoft.com/office/powerpoint/2010/main" val="2545557363"/>
       </p:ext>
     </p:extLst>
   </p:cSld>
@@ -7044,10 +7029,10 @@
       </p:sp>
       <p:sp>
         <p:nvSpPr>
-          <p:cNvPr id="5" name="TextBox 4">
+          <p:cNvPr id="7" name="TextBox 6">
             <a:extLst>
               <a:ext uri="{FF2B5EF4-FFF2-40B4-BE49-F238E27FC236}">
-                <a16:creationId xmlns:a16="http://schemas.microsoft.com/office/drawing/2014/main" id="{37E500C7-E94A-7AD2-71F2-9C7085F5725A}"/>
+                <a16:creationId xmlns:a16="http://schemas.microsoft.com/office/drawing/2014/main" id="{787FAAE9-D248-CAFE-05FA-99944FE8F97C}"/>
               </a:ext>
             </a:extLst>
           </p:cNvPr>
@@ -7056,8 +7041,8 @@
         </p:nvSpPr>
         <p:spPr>
           <a:xfrm>
-            <a:off x="355946" y="5533581"/>
-            <a:ext cx="8656983" cy="646331"/>
+            <a:off x="1524000" y="921655"/>
+            <a:ext cx="6323924" cy="369332"/>
           </a:xfrm>
           <a:prstGeom prst="rect">
             <a:avLst/>
@@ -7072,13 +7057,44 @@
           <a:p>
             <a:r>
               <a:rPr lang="en-US" dirty="0"/>
-              <a:t> </a:t>
-            </a:r>
+              <a:t>- Function inhibition manager (FIM)</a:t>
+            </a:r>
+          </a:p>
+        </p:txBody>
+      </p:sp>
+      <p:sp>
+        <p:nvSpPr>
+          <p:cNvPr id="9" name="TextBox 8">
+            <a:extLst>
+              <a:ext uri="{FF2B5EF4-FFF2-40B4-BE49-F238E27FC236}">
+                <a16:creationId xmlns:a16="http://schemas.microsoft.com/office/drawing/2014/main" id="{D9FC8C51-E1F2-9008-AB8A-322751DA4389}"/>
+              </a:ext>
+            </a:extLst>
+          </p:cNvPr>
+          <p:cNvSpPr txBox="1"/>
+          <p:nvPr/>
+        </p:nvSpPr>
+        <p:spPr>
+          <a:xfrm>
+            <a:off x="890124" y="5936345"/>
+            <a:ext cx="6764942" cy="646331"/>
+          </a:xfrm>
+          <a:prstGeom prst="rect">
+            <a:avLst/>
+          </a:prstGeom>
+          <a:noFill/>
+        </p:spPr>
+        <p:txBody>
+          <a:bodyPr wrap="square">
+            <a:spAutoFit/>
+          </a:bodyPr>
+          <a:lstStyle/>
+          <a:p>
             <a:r>
               <a:rPr lang="en-US" dirty="0">
                 <a:hlinkClick r:id="rId2"/>
               </a:rPr>
-              <a:t>https://www.autosar.org/fileadmin/user_upload/standards/classic/4-3/AUTOSAR_TPS_DiagnosticExtractTemplate.pdf</a:t>
+              <a:t>https://www.autosar.org/fileadmin/user_upload/standards/classic/4-3/AUTOSAR_SWS_FunctionInhibitionManager.pdf</a:t>
             </a:r>
             <a:r>
               <a:rPr lang="en-US" dirty="0"/>
@@ -7087,40 +7103,10 @@
           </a:p>
         </p:txBody>
       </p:sp>
-      <p:pic>
-        <p:nvPicPr>
-          <p:cNvPr id="14" name="Picture 13">
-            <a:extLst>
-              <a:ext uri="{FF2B5EF4-FFF2-40B4-BE49-F238E27FC236}">
-                <a16:creationId xmlns:a16="http://schemas.microsoft.com/office/drawing/2014/main" id="{9E272989-918B-8C27-9E00-829691C5A6C3}"/>
-              </a:ext>
-            </a:extLst>
-          </p:cNvPr>
-          <p:cNvPicPr>
-            <a:picLocks noChangeAspect="1"/>
-          </p:cNvPicPr>
-          <p:nvPr/>
-        </p:nvPicPr>
-        <p:blipFill>
-          <a:blip r:embed="rId3"/>
-          <a:stretch>
-            <a:fillRect/>
-          </a:stretch>
-        </p:blipFill>
-        <p:spPr>
-          <a:xfrm>
-            <a:off x="1039661" y="1111495"/>
-            <a:ext cx="7973268" cy="3764000"/>
-          </a:xfrm>
-          <a:prstGeom prst="rect">
-            <a:avLst/>
-          </a:prstGeom>
-        </p:spPr>
-      </p:pic>
     </p:spTree>
     <p:extLst>
       <p:ext uri="{BB962C8B-B14F-4D97-AF65-F5344CB8AC3E}">
-        <p14:creationId xmlns:p14="http://schemas.microsoft.com/office/powerpoint/2010/main" val="2890711851"/>
+        <p14:creationId xmlns:p14="http://schemas.microsoft.com/office/powerpoint/2010/main" val="1109187645"/>
       </p:ext>
     </p:extLst>
   </p:cSld>
@@ -7254,6 +7240,218 @@
           </a:p>
         </p:txBody>
       </p:sp>
+      <p:sp>
+        <p:nvSpPr>
+          <p:cNvPr id="5" name="TextBox 4">
+            <a:extLst>
+              <a:ext uri="{FF2B5EF4-FFF2-40B4-BE49-F238E27FC236}">
+                <a16:creationId xmlns:a16="http://schemas.microsoft.com/office/drawing/2014/main" id="{37E500C7-E94A-7AD2-71F2-9C7085F5725A}"/>
+              </a:ext>
+            </a:extLst>
+          </p:cNvPr>
+          <p:cNvSpPr txBox="1"/>
+          <p:nvPr/>
+        </p:nvSpPr>
+        <p:spPr>
+          <a:xfrm>
+            <a:off x="355946" y="5533581"/>
+            <a:ext cx="8656983" cy="646331"/>
+          </a:xfrm>
+          <a:prstGeom prst="rect">
+            <a:avLst/>
+          </a:prstGeom>
+          <a:noFill/>
+        </p:spPr>
+        <p:txBody>
+          <a:bodyPr wrap="square">
+            <a:spAutoFit/>
+          </a:bodyPr>
+          <a:lstStyle/>
+          <a:p>
+            <a:r>
+              <a:rPr lang="en-US" dirty="0"/>
+              <a:t> </a:t>
+            </a:r>
+            <a:r>
+              <a:rPr lang="en-US" dirty="0">
+                <a:hlinkClick r:id="rId2"/>
+              </a:rPr>
+              <a:t>https://www.autosar.org/fileadmin/user_upload/standards/classic/4-3/AUTOSAR_TPS_DiagnosticExtractTemplate.pdf</a:t>
+            </a:r>
+            <a:r>
+              <a:rPr lang="en-US" dirty="0"/>
+              <a:t> </a:t>
+            </a:r>
+          </a:p>
+        </p:txBody>
+      </p:sp>
+      <p:pic>
+        <p:nvPicPr>
+          <p:cNvPr id="14" name="Picture 13">
+            <a:extLst>
+              <a:ext uri="{FF2B5EF4-FFF2-40B4-BE49-F238E27FC236}">
+                <a16:creationId xmlns:a16="http://schemas.microsoft.com/office/drawing/2014/main" id="{9E272989-918B-8C27-9E00-829691C5A6C3}"/>
+              </a:ext>
+            </a:extLst>
+          </p:cNvPr>
+          <p:cNvPicPr>
+            <a:picLocks noChangeAspect="1"/>
+          </p:cNvPicPr>
+          <p:nvPr/>
+        </p:nvPicPr>
+        <p:blipFill>
+          <a:blip r:embed="rId3"/>
+          <a:stretch>
+            <a:fillRect/>
+          </a:stretch>
+        </p:blipFill>
+        <p:spPr>
+          <a:xfrm>
+            <a:off x="1039661" y="1111495"/>
+            <a:ext cx="7973268" cy="3764000"/>
+          </a:xfrm>
+          <a:prstGeom prst="rect">
+            <a:avLst/>
+          </a:prstGeom>
+        </p:spPr>
+      </p:pic>
+    </p:spTree>
+    <p:extLst>
+      <p:ext uri="{BB962C8B-B14F-4D97-AF65-F5344CB8AC3E}">
+        <p14:creationId xmlns:p14="http://schemas.microsoft.com/office/powerpoint/2010/main" val="2890711851"/>
+      </p:ext>
+    </p:extLst>
+  </p:cSld>
+  <p:clrMapOvr>
+    <a:masterClrMapping/>
+  </p:clrMapOvr>
+</p:sld>
+</file>
+
+<file path=ppt/slides/slide17.xml><?xml version="1.0" encoding="utf-8"?>
+<p:sld xmlns:a="http://schemas.openxmlformats.org/drawingml/2006/main" xmlns:r="http://schemas.openxmlformats.org/officeDocument/2006/relationships" xmlns:p="http://schemas.openxmlformats.org/presentationml/2006/main">
+  <p:cSld>
+    <p:spTree>
+      <p:nvGrpSpPr>
+        <p:cNvPr id="1" name=""/>
+        <p:cNvGrpSpPr/>
+        <p:nvPr/>
+      </p:nvGrpSpPr>
+      <p:grpSpPr>
+        <a:xfrm>
+          <a:off x="0" y="0"/>
+          <a:ext cx="0" cy="0"/>
+          <a:chOff x="0" y="0"/>
+          <a:chExt cx="0" cy="0"/>
+        </a:xfrm>
+      </p:grpSpPr>
+      <p:sp>
+        <p:nvSpPr>
+          <p:cNvPr id="2" name="Title 1">
+            <a:extLst>
+              <a:ext uri="{FF2B5EF4-FFF2-40B4-BE49-F238E27FC236}">
+                <a16:creationId xmlns:a16="http://schemas.microsoft.com/office/drawing/2014/main" id="{18376907-66DA-E7FF-9CFC-B17B1D70BA29}"/>
+              </a:ext>
+            </a:extLst>
+          </p:cNvPr>
+          <p:cNvSpPr>
+            <a:spLocks noGrp="1"/>
+          </p:cNvSpPr>
+          <p:nvPr>
+            <p:ph type="ctrTitle"/>
+          </p:nvPr>
+        </p:nvSpPr>
+        <p:spPr>
+          <a:xfrm>
+            <a:off x="440636" y="6377230"/>
+            <a:ext cx="11625468" cy="480770"/>
+          </a:xfrm>
+        </p:spPr>
+        <p:txBody>
+          <a:bodyPr>
+            <a:normAutofit/>
+          </a:bodyPr>
+          <a:lstStyle/>
+          <a:p>
+            <a:pPr algn="r"/>
+            <a:r>
+              <a:rPr lang="en-US" sz="1100" dirty="0">
+                <a:solidFill>
+                  <a:schemeClr val="tx1">
+                    <a:lumMod val="95000"/>
+                    <a:lumOff val="5000"/>
+                  </a:schemeClr>
+                </a:solidFill>
+              </a:rPr>
+              <a:t>  Thong LT                                           </a:t>
+            </a:r>
+            <a:r>
+              <a:rPr lang="en-US" sz="1100" b="1" dirty="0" err="1">
+                <a:solidFill>
+                  <a:schemeClr val="tx1">
+                    <a:lumMod val="95000"/>
+                    <a:lumOff val="5000"/>
+                  </a:schemeClr>
+                </a:solidFill>
+              </a:rPr>
+              <a:t>autosar</a:t>
+            </a:r>
+            <a:endParaRPr lang="en-US" sz="1100" b="1" dirty="0">
+              <a:solidFill>
+                <a:schemeClr val="tx1">
+                  <a:lumMod val="95000"/>
+                  <a:lumOff val="5000"/>
+                </a:schemeClr>
+              </a:solidFill>
+            </a:endParaRPr>
+          </a:p>
+        </p:txBody>
+      </p:sp>
+      <p:sp>
+        <p:nvSpPr>
+          <p:cNvPr id="3" name="Subtitle 2">
+            <a:extLst>
+              <a:ext uri="{FF2B5EF4-FFF2-40B4-BE49-F238E27FC236}">
+                <a16:creationId xmlns:a16="http://schemas.microsoft.com/office/drawing/2014/main" id="{5AB01118-5054-C67F-9B29-AAED41D02329}"/>
+              </a:ext>
+            </a:extLst>
+          </p:cNvPr>
+          <p:cNvSpPr>
+            <a:spLocks noGrp="1"/>
+          </p:cNvSpPr>
+          <p:nvPr>
+            <p:ph type="subTitle" idx="1"/>
+          </p:nvPr>
+        </p:nvSpPr>
+        <p:spPr>
+          <a:xfrm>
+            <a:off x="1524000" y="201010"/>
+            <a:ext cx="9144000" cy="480770"/>
+          </a:xfrm>
+        </p:spPr>
+        <p:txBody>
+          <a:bodyPr/>
+          <a:lstStyle/>
+          <a:p>
+            <a:pPr algn="l"/>
+            <a:r>
+              <a:rPr lang="en-US" b="1" dirty="0"/>
+              <a:t>5. Diagnostic over Internet Protocol (</a:t>
+            </a:r>
+            <a:r>
+              <a:rPr lang="en-US" b="1" dirty="0" err="1"/>
+              <a:t>DoIP</a:t>
+            </a:r>
+            <a:r>
+              <a:rPr lang="en-US" b="1" dirty="0"/>
+              <a:t>)</a:t>
+            </a:r>
+          </a:p>
+          <a:p>
+            <a:endParaRPr lang="en-US" dirty="0"/>
+          </a:p>
+        </p:txBody>
+      </p:sp>
       <p:pic>
         <p:nvPicPr>
           <p:cNvPr id="6" name="Picture 5" descr="Graphical user interface, timeline&#10;&#10;Description automatically generated">
@@ -7303,7 +7501,7 @@
 </p:sld>
 </file>
 
-<file path=ppt/slides/slide17.xml><?xml version="1.0" encoding="utf-8"?>
+<file path=ppt/slides/slide18.xml><?xml version="1.0" encoding="utf-8"?>
 <p:sld xmlns:a="http://schemas.openxmlformats.org/drawingml/2006/main" xmlns:r="http://schemas.openxmlformats.org/officeDocument/2006/relationships" xmlns:p="http://schemas.openxmlformats.org/presentationml/2006/main">
   <p:cSld>
     <p:spTree>
@@ -7505,139 +7703,6 @@
     <p:extLst>
       <p:ext uri="{BB962C8B-B14F-4D97-AF65-F5344CB8AC3E}">
         <p14:creationId xmlns:p14="http://schemas.microsoft.com/office/powerpoint/2010/main" val="3460033235"/>
-      </p:ext>
-    </p:extLst>
-  </p:cSld>
-  <p:clrMapOvr>
-    <a:masterClrMapping/>
-  </p:clrMapOvr>
-</p:sld>
-</file>
-
-<file path=ppt/slides/slide18.xml><?xml version="1.0" encoding="utf-8"?>
-<p:sld xmlns:a="http://schemas.openxmlformats.org/drawingml/2006/main" xmlns:r="http://schemas.openxmlformats.org/officeDocument/2006/relationships" xmlns:p="http://schemas.openxmlformats.org/presentationml/2006/main">
-  <p:cSld>
-    <p:spTree>
-      <p:nvGrpSpPr>
-        <p:cNvPr id="1" name=""/>
-        <p:cNvGrpSpPr/>
-        <p:nvPr/>
-      </p:nvGrpSpPr>
-      <p:grpSpPr>
-        <a:xfrm>
-          <a:off x="0" y="0"/>
-          <a:ext cx="0" cy="0"/>
-          <a:chOff x="0" y="0"/>
-          <a:chExt cx="0" cy="0"/>
-        </a:xfrm>
-      </p:grpSpPr>
-      <p:sp>
-        <p:nvSpPr>
-          <p:cNvPr id="2" name="Title 1">
-            <a:extLst>
-              <a:ext uri="{FF2B5EF4-FFF2-40B4-BE49-F238E27FC236}">
-                <a16:creationId xmlns:a16="http://schemas.microsoft.com/office/drawing/2014/main" id="{18376907-66DA-E7FF-9CFC-B17B1D70BA29}"/>
-              </a:ext>
-            </a:extLst>
-          </p:cNvPr>
-          <p:cNvSpPr>
-            <a:spLocks noGrp="1"/>
-          </p:cNvSpPr>
-          <p:nvPr>
-            <p:ph type="ctrTitle"/>
-          </p:nvPr>
-        </p:nvSpPr>
-        <p:spPr>
-          <a:xfrm>
-            <a:off x="440636" y="6377230"/>
-            <a:ext cx="11625468" cy="480770"/>
-          </a:xfrm>
-        </p:spPr>
-        <p:txBody>
-          <a:bodyPr>
-            <a:normAutofit/>
-          </a:bodyPr>
-          <a:lstStyle/>
-          <a:p>
-            <a:pPr algn="r"/>
-            <a:r>
-              <a:rPr lang="en-US" sz="1100" dirty="0"/>
-              <a:t>  </a:t>
-            </a:r>
-            <a:r>
-              <a:rPr lang="en-US" sz="1100" dirty="0">
-                <a:solidFill>
-                  <a:schemeClr val="tx1">
-                    <a:lumMod val="95000"/>
-                    <a:lumOff val="5000"/>
-                  </a:schemeClr>
-                </a:solidFill>
-              </a:rPr>
-              <a:t>Thong LT                                           </a:t>
-            </a:r>
-            <a:r>
-              <a:rPr lang="en-US" sz="1100" b="1" dirty="0" err="1">
-                <a:solidFill>
-                  <a:schemeClr val="tx1">
-                    <a:lumMod val="95000"/>
-                    <a:lumOff val="5000"/>
-                  </a:schemeClr>
-                </a:solidFill>
-              </a:rPr>
-              <a:t>autosar</a:t>
-            </a:r>
-            <a:endParaRPr lang="en-US" sz="1100" b="1" dirty="0">
-              <a:solidFill>
-                <a:schemeClr val="tx1">
-                  <a:lumMod val="95000"/>
-                  <a:lumOff val="5000"/>
-                </a:schemeClr>
-              </a:solidFill>
-            </a:endParaRPr>
-          </a:p>
-        </p:txBody>
-      </p:sp>
-      <p:sp>
-        <p:nvSpPr>
-          <p:cNvPr id="3" name="Subtitle 2">
-            <a:extLst>
-              <a:ext uri="{FF2B5EF4-FFF2-40B4-BE49-F238E27FC236}">
-                <a16:creationId xmlns:a16="http://schemas.microsoft.com/office/drawing/2014/main" id="{5AB01118-5054-C67F-9B29-AAED41D02329}"/>
-              </a:ext>
-            </a:extLst>
-          </p:cNvPr>
-          <p:cNvSpPr>
-            <a:spLocks noGrp="1"/>
-          </p:cNvSpPr>
-          <p:nvPr>
-            <p:ph type="subTitle" idx="1"/>
-          </p:nvPr>
-        </p:nvSpPr>
-        <p:spPr>
-          <a:xfrm>
-            <a:off x="1524000" y="201010"/>
-            <a:ext cx="9144000" cy="480770"/>
-          </a:xfrm>
-        </p:spPr>
-        <p:txBody>
-          <a:bodyPr/>
-          <a:lstStyle/>
-          <a:p>
-            <a:pPr algn="l"/>
-            <a:r>
-              <a:rPr lang="en-US" b="1" dirty="0">
-                <a:effectLst/>
-              </a:rPr>
-              <a:t> 6. Advanced driver-assistance system (ADAS)</a:t>
-            </a:r>
-            <a:endParaRPr lang="en-US" dirty="0"/>
-          </a:p>
-        </p:txBody>
-      </p:sp>
-    </p:spTree>
-    <p:extLst>
-      <p:ext uri="{BB962C8B-B14F-4D97-AF65-F5344CB8AC3E}">
-        <p14:creationId xmlns:p14="http://schemas.microsoft.com/office/powerpoint/2010/main" val="1092604299"/>
       </p:ext>
     </p:extLst>
   </p:cSld>
@@ -7694,6 +7759,10 @@
           <a:p>
             <a:pPr algn="r"/>
             <a:r>
+              <a:rPr lang="en-US" sz="1100" dirty="0"/>
+              <a:t>  </a:t>
+            </a:r>
+            <a:r>
               <a:rPr lang="en-US" sz="1100" dirty="0">
                 <a:solidFill>
                   <a:schemeClr val="tx1">
@@ -7702,7 +7771,7 @@
                   </a:schemeClr>
                 </a:solidFill>
               </a:rPr>
-              <a:t>  Thong LT                                           </a:t>
+              <a:t>Thong LT                                           </a:t>
             </a:r>
             <a:r>
               <a:rPr lang="en-US" sz="1100" b="1" dirty="0" err="1">
@@ -7754,8 +7823,10 @@
           <a:p>
             <a:pPr algn="l"/>
             <a:r>
-              <a:rPr lang="en-US" b="1" dirty="0"/>
-              <a:t>7.  CAN protocol </a:t>
+              <a:rPr lang="en-US" b="1" dirty="0">
+                <a:effectLst/>
+              </a:rPr>
+              <a:t> 6. Advanced driver-assistance system (ADAS)</a:t>
             </a:r>
             <a:endParaRPr lang="en-US" dirty="0"/>
           </a:p>
@@ -7764,7 +7835,7 @@
     </p:spTree>
     <p:extLst>
       <p:ext uri="{BB962C8B-B14F-4D97-AF65-F5344CB8AC3E}">
-        <p14:creationId xmlns:p14="http://schemas.microsoft.com/office/powerpoint/2010/main" val="2158740028"/>
+        <p14:creationId xmlns:p14="http://schemas.microsoft.com/office/powerpoint/2010/main" val="1092604299"/>
       </p:ext>
     </p:extLst>
   </p:cSld>
@@ -7967,6 +8038,133 @@
     <p:extLst>
       <p:ext uri="{BB962C8B-B14F-4D97-AF65-F5344CB8AC3E}">
         <p14:creationId xmlns:p14="http://schemas.microsoft.com/office/powerpoint/2010/main" val="4224028547"/>
+      </p:ext>
+    </p:extLst>
+  </p:cSld>
+  <p:clrMapOvr>
+    <a:masterClrMapping/>
+  </p:clrMapOvr>
+</p:sld>
+</file>
+
+<file path=ppt/slides/slide20.xml><?xml version="1.0" encoding="utf-8"?>
+<p:sld xmlns:a="http://schemas.openxmlformats.org/drawingml/2006/main" xmlns:r="http://schemas.openxmlformats.org/officeDocument/2006/relationships" xmlns:p="http://schemas.openxmlformats.org/presentationml/2006/main">
+  <p:cSld>
+    <p:spTree>
+      <p:nvGrpSpPr>
+        <p:cNvPr id="1" name=""/>
+        <p:cNvGrpSpPr/>
+        <p:nvPr/>
+      </p:nvGrpSpPr>
+      <p:grpSpPr>
+        <a:xfrm>
+          <a:off x="0" y="0"/>
+          <a:ext cx="0" cy="0"/>
+          <a:chOff x="0" y="0"/>
+          <a:chExt cx="0" cy="0"/>
+        </a:xfrm>
+      </p:grpSpPr>
+      <p:sp>
+        <p:nvSpPr>
+          <p:cNvPr id="2" name="Title 1">
+            <a:extLst>
+              <a:ext uri="{FF2B5EF4-FFF2-40B4-BE49-F238E27FC236}">
+                <a16:creationId xmlns:a16="http://schemas.microsoft.com/office/drawing/2014/main" id="{18376907-66DA-E7FF-9CFC-B17B1D70BA29}"/>
+              </a:ext>
+            </a:extLst>
+          </p:cNvPr>
+          <p:cNvSpPr>
+            <a:spLocks noGrp="1"/>
+          </p:cNvSpPr>
+          <p:nvPr>
+            <p:ph type="ctrTitle"/>
+          </p:nvPr>
+        </p:nvSpPr>
+        <p:spPr>
+          <a:xfrm>
+            <a:off x="440636" y="6377230"/>
+            <a:ext cx="11625468" cy="480770"/>
+          </a:xfrm>
+        </p:spPr>
+        <p:txBody>
+          <a:bodyPr>
+            <a:normAutofit/>
+          </a:bodyPr>
+          <a:lstStyle/>
+          <a:p>
+            <a:pPr algn="r"/>
+            <a:r>
+              <a:rPr lang="en-US" sz="1100" dirty="0">
+                <a:solidFill>
+                  <a:schemeClr val="tx1">
+                    <a:lumMod val="95000"/>
+                    <a:lumOff val="5000"/>
+                  </a:schemeClr>
+                </a:solidFill>
+              </a:rPr>
+              <a:t>  Thong LT                                           </a:t>
+            </a:r>
+            <a:r>
+              <a:rPr lang="en-US" sz="1100" b="1" dirty="0" err="1">
+                <a:solidFill>
+                  <a:schemeClr val="tx1">
+                    <a:lumMod val="95000"/>
+                    <a:lumOff val="5000"/>
+                  </a:schemeClr>
+                </a:solidFill>
+              </a:rPr>
+              <a:t>autosar</a:t>
+            </a:r>
+            <a:endParaRPr lang="en-US" sz="1100" b="1" dirty="0">
+              <a:solidFill>
+                <a:schemeClr val="tx1">
+                  <a:lumMod val="95000"/>
+                  <a:lumOff val="5000"/>
+                </a:schemeClr>
+              </a:solidFill>
+            </a:endParaRPr>
+          </a:p>
+        </p:txBody>
+      </p:sp>
+      <p:sp>
+        <p:nvSpPr>
+          <p:cNvPr id="3" name="Subtitle 2">
+            <a:extLst>
+              <a:ext uri="{FF2B5EF4-FFF2-40B4-BE49-F238E27FC236}">
+                <a16:creationId xmlns:a16="http://schemas.microsoft.com/office/drawing/2014/main" id="{5AB01118-5054-C67F-9B29-AAED41D02329}"/>
+              </a:ext>
+            </a:extLst>
+          </p:cNvPr>
+          <p:cNvSpPr>
+            <a:spLocks noGrp="1"/>
+          </p:cNvSpPr>
+          <p:nvPr>
+            <p:ph type="subTitle" idx="1"/>
+          </p:nvPr>
+        </p:nvSpPr>
+        <p:spPr>
+          <a:xfrm>
+            <a:off x="1524000" y="201010"/>
+            <a:ext cx="9144000" cy="480770"/>
+          </a:xfrm>
+        </p:spPr>
+        <p:txBody>
+          <a:bodyPr/>
+          <a:lstStyle/>
+          <a:p>
+            <a:pPr algn="l"/>
+            <a:r>
+              <a:rPr lang="en-US" b="1" dirty="0"/>
+              <a:t>7.  CAN protocol </a:t>
+            </a:r>
+            <a:endParaRPr lang="en-US" dirty="0"/>
+          </a:p>
+        </p:txBody>
+      </p:sp>
+    </p:spTree>
+    <p:extLst>
+      <p:ext uri="{BB962C8B-B14F-4D97-AF65-F5344CB8AC3E}">
+        <p14:creationId xmlns:p14="http://schemas.microsoft.com/office/powerpoint/2010/main" val="2158740028"/>
       </p:ext>
     </p:extLst>
   </p:cSld>
